--- a/sdf.pptx
+++ b/sdf.pptx
@@ -209,7 +209,7 @@
           <a:p>
             <a:fld id="{87815133-5011-0A4E-8AFB-AF8A05293C5C}" type="datetimeFigureOut">
               <a:rPr lang="en-US" smtClean="0"/>
-              <a:t>4/25/19</a:t>
+              <a:t>5/3/19</a:t>
             </a:fld>
             <a:endParaRPr lang="en-US"/>
           </a:p>
@@ -608,7 +608,7 @@
           <a:p>
             <a:fld id="{FAD9FDEC-58D2-A243-A58A-A2FAAE8B11EB}" type="datetimeFigureOut">
               <a:rPr lang="en-US" smtClean="0"/>
-              <a:t>4/25/19</a:t>
+              <a:t>5/3/19</a:t>
             </a:fld>
             <a:endParaRPr lang="en-US"/>
           </a:p>
@@ -773,7 +773,7 @@
           <a:p>
             <a:fld id="{FAD9FDEC-58D2-A243-A58A-A2FAAE8B11EB}" type="datetimeFigureOut">
               <a:rPr lang="en-US" smtClean="0"/>
-              <a:t>4/25/19</a:t>
+              <a:t>5/3/19</a:t>
             </a:fld>
             <a:endParaRPr lang="en-US"/>
           </a:p>
@@ -948,7 +948,7 @@
           <a:p>
             <a:fld id="{FAD9FDEC-58D2-A243-A58A-A2FAAE8B11EB}" type="datetimeFigureOut">
               <a:rPr lang="en-US" smtClean="0"/>
-              <a:t>4/25/19</a:t>
+              <a:t>5/3/19</a:t>
             </a:fld>
             <a:endParaRPr lang="en-US"/>
           </a:p>
@@ -1113,7 +1113,7 @@
           <a:p>
             <a:fld id="{FAD9FDEC-58D2-A243-A58A-A2FAAE8B11EB}" type="datetimeFigureOut">
               <a:rPr lang="en-US" smtClean="0"/>
-              <a:t>4/25/19</a:t>
+              <a:t>5/3/19</a:t>
             </a:fld>
             <a:endParaRPr lang="en-US"/>
           </a:p>
@@ -1352,7 +1352,7 @@
           <a:p>
             <a:fld id="{FAD9FDEC-58D2-A243-A58A-A2FAAE8B11EB}" type="datetimeFigureOut">
               <a:rPr lang="en-US" smtClean="0"/>
-              <a:t>4/25/19</a:t>
+              <a:t>5/3/19</a:t>
             </a:fld>
             <a:endParaRPr lang="en-US"/>
           </a:p>
@@ -1579,7 +1579,7 @@
           <a:p>
             <a:fld id="{FAD9FDEC-58D2-A243-A58A-A2FAAE8B11EB}" type="datetimeFigureOut">
               <a:rPr lang="en-US" smtClean="0"/>
-              <a:t>4/25/19</a:t>
+              <a:t>5/3/19</a:t>
             </a:fld>
             <a:endParaRPr lang="en-US"/>
           </a:p>
@@ -1941,7 +1941,7 @@
           <a:p>
             <a:fld id="{FAD9FDEC-58D2-A243-A58A-A2FAAE8B11EB}" type="datetimeFigureOut">
               <a:rPr lang="en-US" smtClean="0"/>
-              <a:t>4/25/19</a:t>
+              <a:t>5/3/19</a:t>
             </a:fld>
             <a:endParaRPr lang="en-US"/>
           </a:p>
@@ -2054,7 +2054,7 @@
           <a:p>
             <a:fld id="{FAD9FDEC-58D2-A243-A58A-A2FAAE8B11EB}" type="datetimeFigureOut">
               <a:rPr lang="en-US" smtClean="0"/>
-              <a:t>4/25/19</a:t>
+              <a:t>5/3/19</a:t>
             </a:fld>
             <a:endParaRPr lang="en-US"/>
           </a:p>
@@ -2144,7 +2144,7 @@
           <a:p>
             <a:fld id="{FAD9FDEC-58D2-A243-A58A-A2FAAE8B11EB}" type="datetimeFigureOut">
               <a:rPr lang="en-US" smtClean="0"/>
-              <a:t>4/25/19</a:t>
+              <a:t>5/3/19</a:t>
             </a:fld>
             <a:endParaRPr lang="en-US"/>
           </a:p>
@@ -2416,7 +2416,7 @@
           <a:p>
             <a:fld id="{FAD9FDEC-58D2-A243-A58A-A2FAAE8B11EB}" type="datetimeFigureOut">
               <a:rPr lang="en-US" smtClean="0"/>
-              <a:t>4/25/19</a:t>
+              <a:t>5/3/19</a:t>
             </a:fld>
             <a:endParaRPr lang="en-US"/>
           </a:p>
@@ -2668,7 +2668,7 @@
           <a:p>
             <a:fld id="{FAD9FDEC-58D2-A243-A58A-A2FAAE8B11EB}" type="datetimeFigureOut">
               <a:rPr lang="en-US" smtClean="0"/>
-              <a:t>4/25/19</a:t>
+              <a:t>5/3/19</a:t>
             </a:fld>
             <a:endParaRPr lang="en-US"/>
           </a:p>
@@ -2876,7 +2876,7 @@
           <a:p>
             <a:fld id="{FAD9FDEC-58D2-A243-A58A-A2FAAE8B11EB}" type="datetimeFigureOut">
               <a:rPr lang="en-US" smtClean="0"/>
-              <a:t>4/25/19</a:t>
+              <a:t>5/3/19</a:t>
             </a:fld>
             <a:endParaRPr lang="en-US"/>
           </a:p>
@@ -3337,15 +3337,7 @@
           <a:p>
             <a:r>
               <a:rPr lang="en-US" dirty="0" smtClean="0"/>
-              <a:t>April </a:t>
-            </a:r>
-            <a:r>
-              <a:rPr lang="en-US" dirty="0" smtClean="0"/>
-              <a:t>26, </a:t>
-            </a:r>
-            <a:r>
-              <a:rPr lang="en-US" dirty="0" smtClean="0"/>
-              <a:t>2019</a:t>
+              <a:t>April 26, 2019</a:t>
             </a:r>
             <a:endParaRPr lang="en-US" dirty="0"/>
           </a:p>
@@ -3431,11 +3423,7 @@
           <a:p>
             <a:r>
               <a:rPr lang="en-US" dirty="0" smtClean="0"/>
-              <a:t>Object </a:t>
-            </a:r>
-            <a:r>
-              <a:rPr lang="en-US" dirty="0" smtClean="0"/>
-              <a:t>Qualities</a:t>
+              <a:t>Object Qualities</a:t>
             </a:r>
           </a:p>
           <a:p>
@@ -3718,11 +3706,7 @@
           <a:p>
             <a:r>
               <a:rPr lang="en-US" dirty="0" smtClean="0"/>
-              <a:t>Data </a:t>
-            </a:r>
-            <a:r>
-              <a:rPr lang="en-US" dirty="0" smtClean="0"/>
-              <a:t>Qualities</a:t>
+              <a:t>Data Qualities</a:t>
             </a:r>
             <a:endParaRPr lang="en-US" dirty="0"/>
           </a:p>
@@ -3750,11 +3734,7 @@
           <a:p>
             <a:r>
               <a:rPr lang="en-US" dirty="0" smtClean="0"/>
-              <a:t>Object </a:t>
-            </a:r>
-            <a:r>
-              <a:rPr lang="en-US" dirty="0" smtClean="0"/>
-              <a:t>Qualities</a:t>
+              <a:t>Object Qualities</a:t>
             </a:r>
           </a:p>
           <a:p>
@@ -3902,9 +3882,6 @@
               </a:rPr>
               <a:t>},</a:t>
             </a:r>
-            <a:endParaRPr lang="en-US" dirty="0" smtClean="0">
-              <a:latin typeface="Menlo" charset="0"/>
-            </a:endParaRPr>
           </a:p>
         </p:txBody>
       </p:sp>
@@ -5369,11 +5346,7 @@
           <a:p>
             <a:r>
               <a:rPr lang="en-US" dirty="0" smtClean="0"/>
-              <a:t>Structured Data </a:t>
-            </a:r>
-            <a:r>
-              <a:rPr lang="en-US" dirty="0" smtClean="0"/>
-              <a:t>Qualities </a:t>
+              <a:t>Structured Data Qualities </a:t>
             </a:r>
             <a:endParaRPr lang="en-US" dirty="0"/>
           </a:p>
@@ -5492,15 +5465,7 @@
           <a:p>
             <a:r>
               <a:rPr lang="en-US" dirty="0" smtClean="0"/>
-              <a:t>Defined </a:t>
-            </a:r>
-            <a:r>
-              <a:rPr lang="en-US" dirty="0" smtClean="0"/>
-              <a:t>namespaces using curie </a:t>
-            </a:r>
-            <a:r>
-              <a:rPr lang="en-US" dirty="0" smtClean="0"/>
-              <a:t>notation</a:t>
+              <a:t>Defined namespaces using curie notation</a:t>
             </a:r>
           </a:p>
           <a:p>
@@ -5532,7 +5497,6 @@
               <a:rPr lang="en-US" dirty="0" smtClean="0"/>
               <a:t>JSON Schema for validation and conversion</a:t>
             </a:r>
-            <a:endParaRPr lang="en-US" dirty="0" smtClean="0"/>
           </a:p>
           <a:p>
             <a:pPr marL="0" indent="0">
@@ -6029,15 +5993,7 @@
                 <a:ea typeface="Courier" charset="0"/>
                 <a:cs typeface="Courier" charset="0"/>
               </a:rPr>
-              <a:t>  </a:t>
-            </a:r>
-            <a:r>
-              <a:rPr lang="en-US" sz="1600" dirty="0" smtClean="0">
-                <a:latin typeface="Courier" charset="0"/>
-                <a:ea typeface="Courier" charset="0"/>
-                <a:cs typeface="Courier" charset="0"/>
-              </a:rPr>
-              <a:t>    "</a:t>
+              <a:t>      "</a:t>
             </a:r>
             <a:r>
               <a:rPr lang="en-US" sz="1600" dirty="0">
@@ -6066,15 +6022,25 @@
                 <a:ea typeface="Courier" charset="0"/>
                 <a:cs typeface="Courier" charset="0"/>
               </a:rPr>
-              <a:t>    </a:t>
-            </a:r>
+              <a:t>        "value</a:t>
+            </a:r>
+            <a:r>
+              <a:rPr lang="en-US" sz="1600" dirty="0">
+                <a:latin typeface="Courier" charset="0"/>
+                <a:ea typeface="Courier" charset="0"/>
+                <a:cs typeface="Courier" charset="0"/>
+              </a:rPr>
+              <a:t>": {</a:t>
+            </a:r>
+          </a:p>
+          <a:p>
             <a:r>
               <a:rPr lang="en-US" sz="1600" dirty="0" smtClean="0">
                 <a:latin typeface="Courier" charset="0"/>
                 <a:ea typeface="Courier" charset="0"/>
                 <a:cs typeface="Courier" charset="0"/>
               </a:rPr>
-              <a:t>    "value</a:t>
+              <a:t>          "</a:t>
             </a:r>
             <a:r>
               <a:rPr lang="en-US" sz="1600" dirty="0">
@@ -6082,7 +6048,7 @@
                 <a:ea typeface="Courier" charset="0"/>
                 <a:cs typeface="Courier" charset="0"/>
               </a:rPr>
-              <a:t>": {</a:t>
+              <a:t>type": "string",</a:t>
             </a:r>
           </a:p>
           <a:p>
@@ -6092,75 +6058,33 @@
                 <a:ea typeface="Courier" charset="0"/>
                 <a:cs typeface="Courier" charset="0"/>
               </a:rPr>
-              <a:t>      </a:t>
-            </a:r>
+              <a:t>          "</a:t>
+            </a:r>
+            <a:r>
+              <a:rPr lang="en-US" sz="1600" dirty="0" err="1">
+                <a:latin typeface="Courier" charset="0"/>
+                <a:ea typeface="Courier" charset="0"/>
+                <a:cs typeface="Courier" charset="0"/>
+              </a:rPr>
+              <a:t>enum</a:t>
+            </a:r>
+            <a:r>
+              <a:rPr lang="en-US" sz="1600" dirty="0">
+                <a:latin typeface="Courier" charset="0"/>
+                <a:ea typeface="Courier" charset="0"/>
+                <a:cs typeface="Courier" charset="0"/>
+              </a:rPr>
+              <a:t>": ["on", "off"]</a:t>
+            </a:r>
+          </a:p>
+          <a:p>
             <a:r>
               <a:rPr lang="en-US" sz="1600" dirty="0" smtClean="0">
                 <a:latin typeface="Courier" charset="0"/>
                 <a:ea typeface="Courier" charset="0"/>
                 <a:cs typeface="Courier" charset="0"/>
               </a:rPr>
-              <a:t>    "</a:t>
-            </a:r>
-            <a:r>
-              <a:rPr lang="en-US" sz="1600" dirty="0">
-                <a:latin typeface="Courier" charset="0"/>
-                <a:ea typeface="Courier" charset="0"/>
-                <a:cs typeface="Courier" charset="0"/>
-              </a:rPr>
-              <a:t>type": "string",</a:t>
-            </a:r>
-          </a:p>
-          <a:p>
-            <a:r>
-              <a:rPr lang="en-US" sz="1600" dirty="0" smtClean="0">
-                <a:latin typeface="Courier" charset="0"/>
-                <a:ea typeface="Courier" charset="0"/>
-                <a:cs typeface="Courier" charset="0"/>
-              </a:rPr>
-              <a:t>      </a:t>
-            </a:r>
-            <a:r>
-              <a:rPr lang="en-US" sz="1600" dirty="0" smtClean="0">
-                <a:latin typeface="Courier" charset="0"/>
-                <a:ea typeface="Courier" charset="0"/>
-                <a:cs typeface="Courier" charset="0"/>
-              </a:rPr>
-              <a:t>    "</a:t>
-            </a:r>
-            <a:r>
-              <a:rPr lang="en-US" sz="1600" dirty="0" err="1">
-                <a:latin typeface="Courier" charset="0"/>
-                <a:ea typeface="Courier" charset="0"/>
-                <a:cs typeface="Courier" charset="0"/>
-              </a:rPr>
-              <a:t>enum</a:t>
-            </a:r>
-            <a:r>
-              <a:rPr lang="en-US" sz="1600" dirty="0">
-                <a:latin typeface="Courier" charset="0"/>
-                <a:ea typeface="Courier" charset="0"/>
-                <a:cs typeface="Courier" charset="0"/>
-              </a:rPr>
-              <a:t>": ["on", "off"]</a:t>
-            </a:r>
-          </a:p>
-          <a:p>
-            <a:r>
-              <a:rPr lang="en-US" sz="1600" dirty="0" smtClean="0">
-                <a:latin typeface="Courier" charset="0"/>
-                <a:ea typeface="Courier" charset="0"/>
-                <a:cs typeface="Courier" charset="0"/>
-              </a:rPr>
-              <a:t>    </a:t>
-            </a:r>
-            <a:r>
-              <a:rPr lang="en-US" sz="1600" dirty="0" smtClean="0">
-                <a:latin typeface="Courier" charset="0"/>
-                <a:ea typeface="Courier" charset="0"/>
-                <a:cs typeface="Courier" charset="0"/>
-              </a:rPr>
-              <a:t>    }</a:t>
+              <a:t>        }</a:t>
             </a:r>
             <a:endParaRPr lang="en-US" sz="1600" dirty="0">
               <a:latin typeface="Courier" charset="0"/>
@@ -6175,15 +6099,7 @@
                 <a:ea typeface="Courier" charset="0"/>
                 <a:cs typeface="Courier" charset="0"/>
               </a:rPr>
-              <a:t>  </a:t>
-            </a:r>
-            <a:r>
-              <a:rPr lang="en-US" sz="1600" dirty="0" smtClean="0">
-                <a:latin typeface="Courier" charset="0"/>
-                <a:ea typeface="Courier" charset="0"/>
-                <a:cs typeface="Courier" charset="0"/>
-              </a:rPr>
-              <a:t>    },</a:t>
+              <a:t>      },</a:t>
             </a:r>
             <a:endParaRPr lang="en-US" sz="1600" dirty="0">
               <a:latin typeface="Courier" charset="0"/>
@@ -6198,15 +6114,7 @@
                 <a:ea typeface="Courier" charset="0"/>
                 <a:cs typeface="Courier" charset="0"/>
               </a:rPr>
-              <a:t>  </a:t>
-            </a:r>
-            <a:r>
-              <a:rPr lang="en-US" sz="1600" dirty="0" smtClean="0">
-                <a:latin typeface="Courier" charset="0"/>
-                <a:ea typeface="Courier" charset="0"/>
-                <a:cs typeface="Courier" charset="0"/>
-              </a:rPr>
-              <a:t>    "</a:t>
+              <a:t>      "</a:t>
             </a:r>
             <a:r>
               <a:rPr lang="en-US" sz="1600" dirty="0">
@@ -6235,15 +6143,25 @@
                 <a:ea typeface="Courier" charset="0"/>
                 <a:cs typeface="Courier" charset="0"/>
               </a:rPr>
-              <a:t>    </a:t>
-            </a:r>
+              <a:t>        "on</a:t>
+            </a:r>
+            <a:r>
+              <a:rPr lang="en-US" sz="1600" dirty="0">
+                <a:latin typeface="Courier" charset="0"/>
+                <a:ea typeface="Courier" charset="0"/>
+                <a:cs typeface="Courier" charset="0"/>
+              </a:rPr>
+              <a:t>": {},</a:t>
+            </a:r>
+          </a:p>
+          <a:p>
             <a:r>
               <a:rPr lang="en-US" sz="1600" dirty="0" smtClean="0">
                 <a:latin typeface="Courier" charset="0"/>
                 <a:ea typeface="Courier" charset="0"/>
                 <a:cs typeface="Courier" charset="0"/>
               </a:rPr>
-              <a:t>    "on</a:t>
+              <a:t>        "off</a:t>
             </a:r>
             <a:r>
               <a:rPr lang="en-US" sz="1600" dirty="0">
@@ -6251,7 +6169,7 @@
                 <a:ea typeface="Courier" charset="0"/>
                 <a:cs typeface="Courier" charset="0"/>
               </a:rPr>
-              <a:t>": {},</a:t>
+              <a:t>": {}</a:t>
             </a:r>
           </a:p>
           <a:p>
@@ -6261,7 +6179,17 @@
                 <a:ea typeface="Courier" charset="0"/>
                 <a:cs typeface="Courier" charset="0"/>
               </a:rPr>
-              <a:t>    </a:t>
+              <a:t>      }</a:t>
+            </a:r>
+          </a:p>
+          <a:p>
+            <a:r>
+              <a:rPr lang="en-US" sz="1600" dirty="0">
+                <a:latin typeface="Courier" charset="0"/>
+                <a:ea typeface="Courier" charset="0"/>
+                <a:cs typeface="Courier" charset="0"/>
+              </a:rPr>
+              <a:t> </a:t>
             </a:r>
             <a:r>
               <a:rPr lang="en-US" sz="1600" dirty="0" smtClean="0">
@@ -6269,80 +6197,26 @@
                 <a:ea typeface="Courier" charset="0"/>
                 <a:cs typeface="Courier" charset="0"/>
               </a:rPr>
-              <a:t>    "off</a:t>
-            </a:r>
+              <a:t>   }</a:t>
+            </a:r>
+          </a:p>
+          <a:p>
             <a:r>
               <a:rPr lang="en-US" sz="1600" dirty="0">
                 <a:latin typeface="Courier" charset="0"/>
                 <a:ea typeface="Courier" charset="0"/>
                 <a:cs typeface="Courier" charset="0"/>
               </a:rPr>
-              <a:t>": {}</a:t>
-            </a:r>
-          </a:p>
-          <a:p>
+              <a:t> </a:t>
+            </a:r>
             <a:r>
               <a:rPr lang="en-US" sz="1600" dirty="0" smtClean="0">
                 <a:latin typeface="Courier" charset="0"/>
                 <a:ea typeface="Courier" charset="0"/>
                 <a:cs typeface="Courier" charset="0"/>
               </a:rPr>
-              <a:t>  </a:t>
-            </a:r>
-            <a:r>
-              <a:rPr lang="en-US" sz="1600" dirty="0" smtClean="0">
-                <a:latin typeface="Courier" charset="0"/>
-                <a:ea typeface="Courier" charset="0"/>
-                <a:cs typeface="Courier" charset="0"/>
-              </a:rPr>
-              <a:t>    }</a:t>
-            </a:r>
-          </a:p>
-          <a:p>
-            <a:r>
-              <a:rPr lang="en-US" sz="1600" dirty="0">
-                <a:latin typeface="Courier" charset="0"/>
-                <a:ea typeface="Courier" charset="0"/>
-                <a:cs typeface="Courier" charset="0"/>
-              </a:rPr>
-              <a:t> </a:t>
-            </a:r>
-            <a:r>
-              <a:rPr lang="en-US" sz="1600" dirty="0" smtClean="0">
-                <a:latin typeface="Courier" charset="0"/>
-                <a:ea typeface="Courier" charset="0"/>
-                <a:cs typeface="Courier" charset="0"/>
-              </a:rPr>
-              <a:t>   }</a:t>
-            </a:r>
-            <a:endParaRPr lang="en-US" sz="1600" dirty="0" smtClean="0">
-              <a:latin typeface="Courier" charset="0"/>
-              <a:ea typeface="Courier" charset="0"/>
-              <a:cs typeface="Courier" charset="0"/>
-            </a:endParaRPr>
-          </a:p>
-          <a:p>
-            <a:r>
-              <a:rPr lang="en-US" sz="1600" dirty="0">
-                <a:latin typeface="Courier" charset="0"/>
-                <a:ea typeface="Courier" charset="0"/>
-                <a:cs typeface="Courier" charset="0"/>
-              </a:rPr>
-              <a:t> </a:t>
-            </a:r>
-            <a:r>
-              <a:rPr lang="en-US" sz="1600" dirty="0" smtClean="0">
-                <a:latin typeface="Courier" charset="0"/>
-                <a:ea typeface="Courier" charset="0"/>
-                <a:cs typeface="Courier" charset="0"/>
-              </a:rPr>
               <a:t> }</a:t>
             </a:r>
-            <a:endParaRPr lang="en-US" sz="1600" dirty="0" smtClean="0">
-              <a:latin typeface="Courier" charset="0"/>
-              <a:ea typeface="Courier" charset="0"/>
-              <a:cs typeface="Courier" charset="0"/>
-            </a:endParaRPr>
           </a:p>
           <a:p>
             <a:r>
@@ -6417,11 +6291,7 @@
             </a:r>
             <a:r>
               <a:rPr lang="en-US" dirty="0" smtClean="0"/>
-              <a:t> </a:t>
-            </a:r>
-            <a:r>
-              <a:rPr lang="en-US" dirty="0" smtClean="0"/>
-              <a:t>Info and namespace definitions</a:t>
+              <a:t> Info and namespace definitions</a:t>
             </a:r>
             <a:endParaRPr lang="en-US" dirty="0"/>
           </a:p>
@@ -6740,7 +6610,16 @@
                 <a:ea typeface="Courier" charset="0"/>
                 <a:cs typeface="Courier" charset="0"/>
               </a:rPr>
-              <a:t>": "http</a:t>
+              <a:t>": "http://</a:t>
+            </a:r>
+            <a:r>
+              <a:rPr lang="en-US" sz="1600" b="0" dirty="0" err="1" smtClean="0">
+                <a:effectLst/>
+                <a:latin typeface="Courier" charset="0"/>
+                <a:ea typeface="Courier" charset="0"/>
+                <a:cs typeface="Courier" charset="0"/>
+              </a:rPr>
+              <a:t>example.org</a:t>
             </a:r>
             <a:r>
               <a:rPr lang="en-US" sz="1600" b="0" dirty="0" smtClean="0">
@@ -6749,7 +6628,7 @@
                 <a:ea typeface="Courier" charset="0"/>
                 <a:cs typeface="Courier" charset="0"/>
               </a:rPr>
-              <a:t>://</a:t>
+              <a:t>/</a:t>
             </a:r>
             <a:r>
               <a:rPr lang="en-US" sz="1600" b="0" dirty="0" err="1" smtClean="0">
@@ -6758,7 +6637,7 @@
                 <a:ea typeface="Courier" charset="0"/>
                 <a:cs typeface="Courier" charset="0"/>
               </a:rPr>
-              <a:t>example.org</a:t>
+              <a:t>ocf</a:t>
             </a:r>
             <a:r>
               <a:rPr lang="en-US" sz="1600" b="0" dirty="0" smtClean="0">
@@ -6776,7 +6655,7 @@
                 <a:ea typeface="Courier" charset="0"/>
                 <a:cs typeface="Courier" charset="0"/>
               </a:rPr>
-              <a:t>ocf</a:t>
+              <a:t>odm</a:t>
             </a:r>
             <a:r>
               <a:rPr lang="en-US" sz="1600" b="0" dirty="0" smtClean="0">
@@ -6785,7 +6664,18 @@
                 <a:ea typeface="Courier" charset="0"/>
                 <a:cs typeface="Courier" charset="0"/>
               </a:rPr>
-              <a:t>/</a:t>
+              <a:t>",</a:t>
+            </a:r>
+          </a:p>
+          <a:p>
+            <a:r>
+              <a:rPr lang="en-US" sz="1600" b="0" dirty="0" smtClean="0">
+                <a:effectLst/>
+                <a:latin typeface="Courier" charset="0"/>
+                <a:ea typeface="Courier" charset="0"/>
+                <a:cs typeface="Courier" charset="0"/>
+              </a:rPr>
+              <a:t>  "</a:t>
             </a:r>
             <a:r>
               <a:rPr lang="en-US" sz="1600" b="0" dirty="0" err="1" smtClean="0">
@@ -6794,7 +6684,7 @@
                 <a:ea typeface="Courier" charset="0"/>
                 <a:cs typeface="Courier" charset="0"/>
               </a:rPr>
-              <a:t>odm</a:t>
+              <a:t>st</a:t>
             </a:r>
             <a:r>
               <a:rPr lang="en-US" sz="1600" b="0" dirty="0" smtClean="0">
@@ -6803,45 +6693,7 @@
                 <a:ea typeface="Courier" charset="0"/>
                 <a:cs typeface="Courier" charset="0"/>
               </a:rPr>
-              <a:t>",</a:t>
-            </a:r>
-          </a:p>
-          <a:p>
-            <a:r>
-              <a:rPr lang="en-US" sz="1600" b="0" dirty="0" smtClean="0">
-                <a:effectLst/>
-                <a:latin typeface="Courier" charset="0"/>
-                <a:ea typeface="Courier" charset="0"/>
-                <a:cs typeface="Courier" charset="0"/>
-              </a:rPr>
-              <a:t>  "</a:t>
-            </a:r>
-            <a:r>
-              <a:rPr lang="en-US" sz="1600" b="0" dirty="0" err="1" smtClean="0">
-                <a:effectLst/>
-                <a:latin typeface="Courier" charset="0"/>
-                <a:ea typeface="Courier" charset="0"/>
-                <a:cs typeface="Courier" charset="0"/>
-              </a:rPr>
-              <a:t>st</a:t>
-            </a:r>
-            <a:r>
-              <a:rPr lang="en-US" sz="1600" b="0" dirty="0" smtClean="0">
-                <a:effectLst/>
-                <a:latin typeface="Courier" charset="0"/>
-                <a:ea typeface="Courier" charset="0"/>
-                <a:cs typeface="Courier" charset="0"/>
-              </a:rPr>
-              <a:t>": "http</a:t>
-            </a:r>
-            <a:r>
-              <a:rPr lang="en-US" sz="1600" b="0" dirty="0" smtClean="0">
-                <a:effectLst/>
-                <a:latin typeface="Courier" charset="0"/>
-                <a:ea typeface="Courier" charset="0"/>
-                <a:cs typeface="Courier" charset="0"/>
-              </a:rPr>
-              <a:t>://</a:t>
+              <a:t>": "http://</a:t>
             </a:r>
             <a:r>
               <a:rPr lang="en-US" sz="1600" b="0" dirty="0" err="1" smtClean="0">
@@ -7319,23 +7171,7 @@
                 <a:ea typeface="Courier" charset="0"/>
                 <a:cs typeface="Courier" charset="0"/>
               </a:rPr>
-              <a:t>  </a:t>
-            </a:r>
-            <a:r>
-              <a:rPr lang="en-US" dirty="0" smtClean="0">
-                <a:latin typeface="Courier" charset="0"/>
-                <a:ea typeface="Courier" charset="0"/>
-                <a:cs typeface="Courier" charset="0"/>
-              </a:rPr>
-              <a:t>    </a:t>
-            </a:r>
-            <a:r>
-              <a:rPr lang="en-US" dirty="0" smtClean="0">
-                <a:latin typeface="Courier" charset="0"/>
-                <a:ea typeface="Courier" charset="0"/>
-                <a:cs typeface="Courier" charset="0"/>
-              </a:rPr>
-              <a:t>"</a:t>
+              <a:t>      "</a:t>
             </a:r>
             <a:r>
               <a:rPr lang="mr-IN" dirty="0" err="1" smtClean="0">
@@ -7364,15 +7200,7 @@
                 <a:ea typeface="Courier" charset="0"/>
                 <a:cs typeface="Courier" charset="0"/>
               </a:rPr>
-              <a:t>    </a:t>
-            </a:r>
-            <a:r>
-              <a:rPr lang="en-US" dirty="0" smtClean="0">
-                <a:latin typeface="Courier" charset="0"/>
-                <a:ea typeface="Courier" charset="0"/>
-                <a:cs typeface="Courier" charset="0"/>
-              </a:rPr>
-              <a:t>    </a:t>
+              <a:t>        </a:t>
             </a:r>
             <a:r>
               <a:rPr lang="mr-IN" dirty="0" smtClean="0">
@@ -7428,15 +7256,7 @@
                 <a:ea typeface="Courier" charset="0"/>
                 <a:cs typeface="Courier" charset="0"/>
               </a:rPr>
-              <a:t>    </a:t>
-            </a:r>
-            <a:r>
-              <a:rPr lang="en-US" dirty="0" smtClean="0">
-                <a:latin typeface="Courier" charset="0"/>
-                <a:ea typeface="Courier" charset="0"/>
-                <a:cs typeface="Courier" charset="0"/>
-              </a:rPr>
-              <a:t>    </a:t>
+              <a:t>        </a:t>
             </a:r>
             <a:r>
               <a:rPr lang="mr-IN" dirty="0" smtClean="0">
@@ -7511,15 +7331,7 @@
                 <a:ea typeface="Courier" charset="0"/>
                 <a:cs typeface="Courier" charset="0"/>
               </a:rPr>
-              <a:t>  </a:t>
-            </a:r>
-            <a:r>
-              <a:rPr lang="en-US" dirty="0" smtClean="0">
-                <a:latin typeface="Courier" charset="0"/>
-                <a:ea typeface="Courier" charset="0"/>
-                <a:cs typeface="Courier" charset="0"/>
-              </a:rPr>
-              <a:t>    </a:t>
+              <a:t>      </a:t>
             </a:r>
             <a:r>
               <a:rPr lang="mr-IN" dirty="0" smtClean="0">
@@ -7602,15 +7414,7 @@
                 <a:ea typeface="Courier" charset="0"/>
                 <a:cs typeface="Courier" charset="0"/>
               </a:rPr>
-              <a:t>  </a:t>
-            </a:r>
-            <a:r>
-              <a:rPr lang="en-US" dirty="0" smtClean="0">
-                <a:latin typeface="Courier" charset="0"/>
-                <a:ea typeface="Courier" charset="0"/>
-                <a:cs typeface="Courier" charset="0"/>
-              </a:rPr>
-              <a:t>    </a:t>
+              <a:t>      </a:t>
             </a:r>
             <a:r>
               <a:rPr lang="mr-IN" dirty="0" smtClean="0">
@@ -7647,15 +7451,7 @@
                 <a:ea typeface="Courier" charset="0"/>
                 <a:cs typeface="Courier" charset="0"/>
               </a:rPr>
-              <a:t>  </a:t>
-            </a:r>
-            <a:r>
-              <a:rPr lang="en-US" dirty="0" smtClean="0">
-                <a:latin typeface="Courier" charset="0"/>
-                <a:ea typeface="Courier" charset="0"/>
-                <a:cs typeface="Courier" charset="0"/>
-              </a:rPr>
-              <a:t>    </a:t>
+              <a:t>      </a:t>
             </a:r>
             <a:r>
               <a:rPr lang="mr-IN" dirty="0" smtClean="0">
@@ -8657,15 +8453,7 @@
           <a:p>
             <a:r>
               <a:rPr lang="en-US" dirty="0" smtClean="0"/>
-              <a:t>Identifier </a:t>
-            </a:r>
-            <a:r>
-              <a:rPr lang="en-US" dirty="0" smtClean="0"/>
-              <a:t>scope and namespace </a:t>
-            </a:r>
-            <a:r>
-              <a:rPr lang="en-US" dirty="0" smtClean="0"/>
-              <a:t>resolution</a:t>
+              <a:t>Identifier scope and namespace resolution</a:t>
             </a:r>
             <a:endParaRPr lang="en-US" dirty="0"/>
           </a:p>
@@ -8743,17 +8531,12 @@
               <a:rPr lang="en-US" dirty="0" smtClean="0"/>
               <a:t>Info block </a:t>
             </a:r>
-            <a:endParaRPr lang="en-US" dirty="0" smtClean="0"/>
           </a:p>
           <a:p>
             <a:pPr lvl="1"/>
             <a:r>
               <a:rPr lang="en-US" dirty="0" smtClean="0"/>
-              <a:t>info, title</a:t>
-            </a:r>
-            <a:r>
-              <a:rPr lang="en-US" dirty="0" smtClean="0"/>
-              <a:t>, version, copyright, license</a:t>
+              <a:t>info, title, version, copyright, license</a:t>
             </a:r>
           </a:p>
           <a:p>
@@ -8766,11 +8549,7 @@
             <a:pPr lvl="1"/>
             <a:r>
               <a:rPr lang="en-US" dirty="0" smtClean="0"/>
-              <a:t>namespace</a:t>
-            </a:r>
-            <a:r>
-              <a:rPr lang="en-US" dirty="0" smtClean="0"/>
-              <a:t>, </a:t>
+              <a:t>namespace, </a:t>
             </a:r>
             <a:r>
               <a:rPr lang="en-US" dirty="0" err="1" smtClean="0"/>

--- a/sdf.pptx
+++ b/sdf.pptx
@@ -5,7 +5,7 @@
     <p:sldMasterId id="2147483660" r:id="rId1"/>
   </p:sldMasterIdLst>
   <p:notesMasterIdLst>
-    <p:notesMasterId r:id="rId15"/>
+    <p:notesMasterId r:id="rId20"/>
   </p:notesMasterIdLst>
   <p:sldIdLst>
     <p:sldId id="256" r:id="rId2"/>
@@ -15,12 +15,17 @@
     <p:sldId id="270" r:id="rId6"/>
     <p:sldId id="271" r:id="rId7"/>
     <p:sldId id="278" r:id="rId8"/>
-    <p:sldId id="273" r:id="rId9"/>
-    <p:sldId id="274" r:id="rId10"/>
-    <p:sldId id="275" r:id="rId11"/>
-    <p:sldId id="279" r:id="rId12"/>
-    <p:sldId id="276" r:id="rId13"/>
-    <p:sldId id="277" r:id="rId14"/>
+    <p:sldId id="280" r:id="rId9"/>
+    <p:sldId id="281" r:id="rId10"/>
+    <p:sldId id="282" r:id="rId11"/>
+    <p:sldId id="273" r:id="rId12"/>
+    <p:sldId id="274" r:id="rId13"/>
+    <p:sldId id="283" r:id="rId14"/>
+    <p:sldId id="284" r:id="rId15"/>
+    <p:sldId id="275" r:id="rId16"/>
+    <p:sldId id="279" r:id="rId17"/>
+    <p:sldId id="276" r:id="rId18"/>
+    <p:sldId id="277" r:id="rId19"/>
   </p:sldIdLst>
   <p:sldSz cx="9144000" cy="6858000" type="letter"/>
   <p:notesSz cx="6858000" cy="9144000"/>
@@ -273,38 +278,37 @@
           <a:p>
             <a:pPr lvl="0"/>
             <a:r>
-              <a:rPr lang="en-US" smtClean="0"/>
+              <a:rPr lang="en-US"/>
               <a:t>Click to edit Master text styles</a:t>
             </a:r>
           </a:p>
           <a:p>
             <a:pPr lvl="1"/>
             <a:r>
-              <a:rPr lang="en-US" smtClean="0"/>
+              <a:rPr lang="en-US"/>
               <a:t>Second level</a:t>
             </a:r>
           </a:p>
           <a:p>
             <a:pPr lvl="2"/>
             <a:r>
-              <a:rPr lang="en-US" smtClean="0"/>
+              <a:rPr lang="en-US"/>
               <a:t>Third level</a:t>
             </a:r>
           </a:p>
           <a:p>
             <a:pPr lvl="3"/>
             <a:r>
-              <a:rPr lang="en-US" smtClean="0"/>
+              <a:rPr lang="en-US"/>
               <a:t>Fourth level</a:t>
             </a:r>
           </a:p>
           <a:p>
             <a:pPr lvl="4"/>
             <a:r>
-              <a:rPr lang="en-US" smtClean="0"/>
+              <a:rPr lang="en-US"/>
               <a:t>Fifth level</a:t>
             </a:r>
-            <a:endParaRPr lang="en-US"/>
           </a:p>
         </p:txBody>
       </p:sp>
@@ -519,7 +523,7 @@
           </a:lstStyle>
           <a:p>
             <a:r>
-              <a:rPr lang="en-US" smtClean="0"/>
+              <a:rPr lang="en-US"/>
               <a:t>Click to edit Master title style</a:t>
             </a:r>
             <a:endParaRPr lang="en-US" dirty="0"/>
@@ -584,7 +588,7 @@
           </a:lstStyle>
           <a:p>
             <a:r>
-              <a:rPr lang="en-US" smtClean="0"/>
+              <a:rPr lang="en-US"/>
               <a:t>Click to edit Master subtitle style</a:t>
             </a:r>
             <a:endParaRPr lang="en-US" dirty="0"/>
@@ -697,7 +701,7 @@
           <a:lstStyle/>
           <a:p>
             <a:r>
-              <a:rPr lang="en-US" smtClean="0"/>
+              <a:rPr lang="en-US"/>
               <a:t>Click to edit Master title style</a:t>
             </a:r>
             <a:endParaRPr lang="en-US" dirty="0"/>
@@ -721,35 +725,35 @@
           <a:p>
             <a:pPr lvl="0"/>
             <a:r>
-              <a:rPr lang="en-US" smtClean="0"/>
+              <a:rPr lang="en-US"/>
               <a:t>Click to edit Master text styles</a:t>
             </a:r>
           </a:p>
           <a:p>
             <a:pPr lvl="1"/>
             <a:r>
-              <a:rPr lang="en-US" smtClean="0"/>
+              <a:rPr lang="en-US"/>
               <a:t>Second level</a:t>
             </a:r>
           </a:p>
           <a:p>
             <a:pPr lvl="2"/>
             <a:r>
-              <a:rPr lang="en-US" smtClean="0"/>
+              <a:rPr lang="en-US"/>
               <a:t>Third level</a:t>
             </a:r>
           </a:p>
           <a:p>
             <a:pPr lvl="3"/>
             <a:r>
-              <a:rPr lang="en-US" smtClean="0"/>
+              <a:rPr lang="en-US"/>
               <a:t>Fourth level</a:t>
             </a:r>
           </a:p>
           <a:p>
             <a:pPr lvl="4"/>
             <a:r>
-              <a:rPr lang="en-US" smtClean="0"/>
+              <a:rPr lang="en-US"/>
               <a:t>Fifth level</a:t>
             </a:r>
             <a:endParaRPr lang="en-US" dirty="0"/>
@@ -867,7 +871,7 @@
           <a:lstStyle/>
           <a:p>
             <a:r>
-              <a:rPr lang="en-US" smtClean="0"/>
+              <a:rPr lang="en-US"/>
               <a:t>Click to edit Master title style</a:t>
             </a:r>
             <a:endParaRPr lang="en-US" dirty="0"/>
@@ -896,35 +900,35 @@
           <a:p>
             <a:pPr lvl="0"/>
             <a:r>
-              <a:rPr lang="en-US" smtClean="0"/>
+              <a:rPr lang="en-US"/>
               <a:t>Click to edit Master text styles</a:t>
             </a:r>
           </a:p>
           <a:p>
             <a:pPr lvl="1"/>
             <a:r>
-              <a:rPr lang="en-US" smtClean="0"/>
+              <a:rPr lang="en-US"/>
               <a:t>Second level</a:t>
             </a:r>
           </a:p>
           <a:p>
             <a:pPr lvl="2"/>
             <a:r>
-              <a:rPr lang="en-US" smtClean="0"/>
+              <a:rPr lang="en-US"/>
               <a:t>Third level</a:t>
             </a:r>
           </a:p>
           <a:p>
             <a:pPr lvl="3"/>
             <a:r>
-              <a:rPr lang="en-US" smtClean="0"/>
+              <a:rPr lang="en-US"/>
               <a:t>Fourth level</a:t>
             </a:r>
           </a:p>
           <a:p>
             <a:pPr lvl="4"/>
             <a:r>
-              <a:rPr lang="en-US" smtClean="0"/>
+              <a:rPr lang="en-US"/>
               <a:t>Fifth level</a:t>
             </a:r>
             <a:endParaRPr lang="en-US" dirty="0"/>
@@ -1037,7 +1041,7 @@
           <a:lstStyle/>
           <a:p>
             <a:r>
-              <a:rPr lang="en-US" smtClean="0"/>
+              <a:rPr lang="en-US"/>
               <a:t>Click to edit Master title style</a:t>
             </a:r>
             <a:endParaRPr lang="en-US" dirty="0"/>
@@ -1061,35 +1065,35 @@
           <a:p>
             <a:pPr lvl="0"/>
             <a:r>
-              <a:rPr lang="en-US" smtClean="0"/>
+              <a:rPr lang="en-US"/>
               <a:t>Click to edit Master text styles</a:t>
             </a:r>
           </a:p>
           <a:p>
             <a:pPr lvl="1"/>
             <a:r>
-              <a:rPr lang="en-US" smtClean="0"/>
+              <a:rPr lang="en-US"/>
               <a:t>Second level</a:t>
             </a:r>
           </a:p>
           <a:p>
             <a:pPr lvl="2"/>
             <a:r>
-              <a:rPr lang="en-US" smtClean="0"/>
+              <a:rPr lang="en-US"/>
               <a:t>Third level</a:t>
             </a:r>
           </a:p>
           <a:p>
             <a:pPr lvl="3"/>
             <a:r>
-              <a:rPr lang="en-US" smtClean="0"/>
+              <a:rPr lang="en-US"/>
               <a:t>Fourth level</a:t>
             </a:r>
           </a:p>
           <a:p>
             <a:pPr lvl="4"/>
             <a:r>
-              <a:rPr lang="en-US" smtClean="0"/>
+              <a:rPr lang="en-US"/>
               <a:t>Fifth level</a:t>
             </a:r>
             <a:endParaRPr lang="en-US" dirty="0"/>
@@ -1211,7 +1215,7 @@
           </a:lstStyle>
           <a:p>
             <a:r>
-              <a:rPr lang="en-US" smtClean="0"/>
+              <a:rPr lang="en-US"/>
               <a:t>Click to edit Master title style</a:t>
             </a:r>
             <a:endParaRPr lang="en-US" dirty="0"/>
@@ -1329,7 +1333,7 @@
           <a:p>
             <a:pPr lvl="0"/>
             <a:r>
-              <a:rPr lang="en-US" smtClean="0"/>
+              <a:rPr lang="en-US"/>
               <a:t>Click to edit Master text styles</a:t>
             </a:r>
           </a:p>
@@ -1441,7 +1445,7 @@
           <a:lstStyle/>
           <a:p>
             <a:r>
-              <a:rPr lang="en-US" smtClean="0"/>
+              <a:rPr lang="en-US"/>
               <a:t>Click to edit Master title style</a:t>
             </a:r>
             <a:endParaRPr lang="en-US" dirty="0"/>
@@ -1470,35 +1474,35 @@
           <a:p>
             <a:pPr lvl="0"/>
             <a:r>
-              <a:rPr lang="en-US" smtClean="0"/>
+              <a:rPr lang="en-US"/>
               <a:t>Click to edit Master text styles</a:t>
             </a:r>
           </a:p>
           <a:p>
             <a:pPr lvl="1"/>
             <a:r>
-              <a:rPr lang="en-US" smtClean="0"/>
+              <a:rPr lang="en-US"/>
               <a:t>Second level</a:t>
             </a:r>
           </a:p>
           <a:p>
             <a:pPr lvl="2"/>
             <a:r>
-              <a:rPr lang="en-US" smtClean="0"/>
+              <a:rPr lang="en-US"/>
               <a:t>Third level</a:t>
             </a:r>
           </a:p>
           <a:p>
             <a:pPr lvl="3"/>
             <a:r>
-              <a:rPr lang="en-US" smtClean="0"/>
+              <a:rPr lang="en-US"/>
               <a:t>Fourth level</a:t>
             </a:r>
           </a:p>
           <a:p>
             <a:pPr lvl="4"/>
             <a:r>
-              <a:rPr lang="en-US" smtClean="0"/>
+              <a:rPr lang="en-US"/>
               <a:t>Fifth level</a:t>
             </a:r>
             <a:endParaRPr lang="en-US" dirty="0"/>
@@ -1527,35 +1531,35 @@
           <a:p>
             <a:pPr lvl="0"/>
             <a:r>
-              <a:rPr lang="en-US" smtClean="0"/>
+              <a:rPr lang="en-US"/>
               <a:t>Click to edit Master text styles</a:t>
             </a:r>
           </a:p>
           <a:p>
             <a:pPr lvl="1"/>
             <a:r>
-              <a:rPr lang="en-US" smtClean="0"/>
+              <a:rPr lang="en-US"/>
               <a:t>Second level</a:t>
             </a:r>
           </a:p>
           <a:p>
             <a:pPr lvl="2"/>
             <a:r>
-              <a:rPr lang="en-US" smtClean="0"/>
+              <a:rPr lang="en-US"/>
               <a:t>Third level</a:t>
             </a:r>
           </a:p>
           <a:p>
             <a:pPr lvl="3"/>
             <a:r>
-              <a:rPr lang="en-US" smtClean="0"/>
+              <a:rPr lang="en-US"/>
               <a:t>Fourth level</a:t>
             </a:r>
           </a:p>
           <a:p>
             <a:pPr lvl="4"/>
             <a:r>
-              <a:rPr lang="en-US" smtClean="0"/>
+              <a:rPr lang="en-US"/>
               <a:t>Fifth level</a:t>
             </a:r>
             <a:endParaRPr lang="en-US" dirty="0"/>
@@ -1673,7 +1677,7 @@
           <a:lstStyle/>
           <a:p>
             <a:r>
-              <a:rPr lang="en-US" smtClean="0"/>
+              <a:rPr lang="en-US"/>
               <a:t>Click to edit Master title style</a:t>
             </a:r>
             <a:endParaRPr lang="en-US" dirty="0"/>
@@ -1739,7 +1743,7 @@
           <a:p>
             <a:pPr lvl="0"/>
             <a:r>
-              <a:rPr lang="en-US" smtClean="0"/>
+              <a:rPr lang="en-US"/>
               <a:t>Click to edit Master text styles</a:t>
             </a:r>
           </a:p>
@@ -1767,35 +1771,35 @@
           <a:p>
             <a:pPr lvl="0"/>
             <a:r>
-              <a:rPr lang="en-US" smtClean="0"/>
+              <a:rPr lang="en-US"/>
               <a:t>Click to edit Master text styles</a:t>
             </a:r>
           </a:p>
           <a:p>
             <a:pPr lvl="1"/>
             <a:r>
-              <a:rPr lang="en-US" smtClean="0"/>
+              <a:rPr lang="en-US"/>
               <a:t>Second level</a:t>
             </a:r>
           </a:p>
           <a:p>
             <a:pPr lvl="2"/>
             <a:r>
-              <a:rPr lang="en-US" smtClean="0"/>
+              <a:rPr lang="en-US"/>
               <a:t>Third level</a:t>
             </a:r>
           </a:p>
           <a:p>
             <a:pPr lvl="3"/>
             <a:r>
-              <a:rPr lang="en-US" smtClean="0"/>
+              <a:rPr lang="en-US"/>
               <a:t>Fourth level</a:t>
             </a:r>
           </a:p>
           <a:p>
             <a:pPr lvl="4"/>
             <a:r>
-              <a:rPr lang="en-US" smtClean="0"/>
+              <a:rPr lang="en-US"/>
               <a:t>Fifth level</a:t>
             </a:r>
             <a:endParaRPr lang="en-US" dirty="0"/>
@@ -1861,7 +1865,7 @@
           <a:p>
             <a:pPr lvl="0"/>
             <a:r>
-              <a:rPr lang="en-US" smtClean="0"/>
+              <a:rPr lang="en-US"/>
               <a:t>Click to edit Master text styles</a:t>
             </a:r>
           </a:p>
@@ -1889,35 +1893,35 @@
           <a:p>
             <a:pPr lvl="0"/>
             <a:r>
-              <a:rPr lang="en-US" smtClean="0"/>
+              <a:rPr lang="en-US"/>
               <a:t>Click to edit Master text styles</a:t>
             </a:r>
           </a:p>
           <a:p>
             <a:pPr lvl="1"/>
             <a:r>
-              <a:rPr lang="en-US" smtClean="0"/>
+              <a:rPr lang="en-US"/>
               <a:t>Second level</a:t>
             </a:r>
           </a:p>
           <a:p>
             <a:pPr lvl="2"/>
             <a:r>
-              <a:rPr lang="en-US" smtClean="0"/>
+              <a:rPr lang="en-US"/>
               <a:t>Third level</a:t>
             </a:r>
           </a:p>
           <a:p>
             <a:pPr lvl="3"/>
             <a:r>
-              <a:rPr lang="en-US" smtClean="0"/>
+              <a:rPr lang="en-US"/>
               <a:t>Fourth level</a:t>
             </a:r>
           </a:p>
           <a:p>
             <a:pPr lvl="4"/>
             <a:r>
-              <a:rPr lang="en-US" smtClean="0"/>
+              <a:rPr lang="en-US"/>
               <a:t>Fifth level</a:t>
             </a:r>
             <a:endParaRPr lang="en-US" dirty="0"/>
@@ -2030,7 +2034,7 @@
           <a:lstStyle/>
           <a:p>
             <a:r>
-              <a:rPr lang="en-US" smtClean="0"/>
+              <a:rPr lang="en-US"/>
               <a:t>Click to edit Master title style</a:t>
             </a:r>
             <a:endParaRPr lang="en-US" dirty="0"/>
@@ -2242,7 +2246,7 @@
           </a:lstStyle>
           <a:p>
             <a:r>
-              <a:rPr lang="en-US" smtClean="0"/>
+              <a:rPr lang="en-US"/>
               <a:t>Click to edit Master title style</a:t>
             </a:r>
             <a:endParaRPr lang="en-US" dirty="0"/>
@@ -2299,35 +2303,35 @@
           <a:p>
             <a:pPr lvl="0"/>
             <a:r>
-              <a:rPr lang="en-US" smtClean="0"/>
+              <a:rPr lang="en-US"/>
               <a:t>Click to edit Master text styles</a:t>
             </a:r>
           </a:p>
           <a:p>
             <a:pPr lvl="1"/>
             <a:r>
-              <a:rPr lang="en-US" smtClean="0"/>
+              <a:rPr lang="en-US"/>
               <a:t>Second level</a:t>
             </a:r>
           </a:p>
           <a:p>
             <a:pPr lvl="2"/>
             <a:r>
-              <a:rPr lang="en-US" smtClean="0"/>
+              <a:rPr lang="en-US"/>
               <a:t>Third level</a:t>
             </a:r>
           </a:p>
           <a:p>
             <a:pPr lvl="3"/>
             <a:r>
-              <a:rPr lang="en-US" smtClean="0"/>
+              <a:rPr lang="en-US"/>
               <a:t>Fourth level</a:t>
             </a:r>
           </a:p>
           <a:p>
             <a:pPr lvl="4"/>
             <a:r>
-              <a:rPr lang="en-US" smtClean="0"/>
+              <a:rPr lang="en-US"/>
               <a:t>Fifth level</a:t>
             </a:r>
             <a:endParaRPr lang="en-US" dirty="0"/>
@@ -2393,7 +2397,7 @@
           <a:p>
             <a:pPr lvl="0"/>
             <a:r>
-              <a:rPr lang="en-US" smtClean="0"/>
+              <a:rPr lang="en-US"/>
               <a:t>Click to edit Master text styles</a:t>
             </a:r>
           </a:p>
@@ -2514,7 +2518,7 @@
           </a:lstStyle>
           <a:p>
             <a:r>
-              <a:rPr lang="en-US" smtClean="0"/>
+              <a:rPr lang="en-US"/>
               <a:t>Click to edit Master title style</a:t>
             </a:r>
             <a:endParaRPr lang="en-US" dirty="0"/>
@@ -2579,7 +2583,7 @@
           </a:lstStyle>
           <a:p>
             <a:r>
-              <a:rPr lang="en-US" smtClean="0"/>
+              <a:rPr lang="en-US"/>
               <a:t>Drag picture to placeholder or click icon to add</a:t>
             </a:r>
             <a:endParaRPr lang="en-US" dirty="0"/>
@@ -2645,7 +2649,7 @@
           <a:p>
             <a:pPr lvl="0"/>
             <a:r>
-              <a:rPr lang="en-US" smtClean="0"/>
+              <a:rPr lang="en-US"/>
               <a:t>Click to edit Master text styles</a:t>
             </a:r>
           </a:p>
@@ -2772,7 +2776,7 @@
           <a:lstStyle/>
           <a:p>
             <a:r>
-              <a:rPr lang="en-US" smtClean="0"/>
+              <a:rPr lang="en-US"/>
               <a:t>Click to edit Master title style</a:t>
             </a:r>
             <a:endParaRPr lang="en-US" dirty="0"/>
@@ -2806,35 +2810,35 @@
           <a:p>
             <a:pPr lvl="0"/>
             <a:r>
-              <a:rPr lang="en-US" smtClean="0"/>
+              <a:rPr lang="en-US"/>
               <a:t>Click to edit Master text styles</a:t>
             </a:r>
           </a:p>
           <a:p>
             <a:pPr lvl="1"/>
             <a:r>
-              <a:rPr lang="en-US" smtClean="0"/>
+              <a:rPr lang="en-US"/>
               <a:t>Second level</a:t>
             </a:r>
           </a:p>
           <a:p>
             <a:pPr lvl="2"/>
             <a:r>
-              <a:rPr lang="en-US" smtClean="0"/>
+              <a:rPr lang="en-US"/>
               <a:t>Third level</a:t>
             </a:r>
           </a:p>
           <a:p>
             <a:pPr lvl="3"/>
             <a:r>
-              <a:rPr lang="en-US" smtClean="0"/>
+              <a:rPr lang="en-US"/>
               <a:t>Fourth level</a:t>
             </a:r>
           </a:p>
           <a:p>
             <a:pPr lvl="4"/>
             <a:r>
-              <a:rPr lang="en-US" smtClean="0"/>
+              <a:rPr lang="en-US"/>
               <a:t>Fifth level</a:t>
             </a:r>
             <a:endParaRPr lang="en-US" dirty="0"/>
@@ -3302,10 +3306,9 @@
           <a:lstStyle/>
           <a:p>
             <a:r>
-              <a:rPr lang="en-US" dirty="0" smtClean="0"/>
+              <a:rPr lang="en-US" dirty="0"/>
               <a:t>A Simple JSON Format for ODM Definitions</a:t>
             </a:r>
-            <a:endParaRPr lang="en-US" dirty="0"/>
           </a:p>
         </p:txBody>
       </p:sp>
@@ -3330,16 +3333,15 @@
           <a:lstStyle/>
           <a:p>
             <a:r>
-              <a:rPr lang="en-US" dirty="0" smtClean="0"/>
+              <a:rPr lang="en-US" dirty="0"/>
               <a:t>Michael Koster</a:t>
             </a:r>
           </a:p>
           <a:p>
             <a:r>
-              <a:rPr lang="en-US" dirty="0" smtClean="0"/>
+              <a:rPr lang="en-US" dirty="0"/>
               <a:t>April 26, 2019</a:t>
             </a:r>
-            <a:endParaRPr lang="en-US" dirty="0"/>
           </a:p>
         </p:txBody>
       </p:sp>
@@ -3375,7 +3377,13 @@
       </p:grpSpPr>
       <p:sp>
         <p:nvSpPr>
-          <p:cNvPr id="2" name="Title 1"/>
+          <p:cNvPr id="2" name="Title 1">
+            <a:extLst>
+              <a:ext uri="{FF2B5EF4-FFF2-40B4-BE49-F238E27FC236}">
+                <a16:creationId xmlns:a16="http://schemas.microsoft.com/office/drawing/2014/main" id="{A3F07EF7-F8E3-DB4C-9FA1-321A48FFAC33}"/>
+              </a:ext>
+            </a:extLst>
+          </p:cNvPr>
           <p:cNvSpPr>
             <a:spLocks noGrp="1"/>
           </p:cNvSpPr>
@@ -3383,27 +3391,27 @@
             <p:ph type="title"/>
           </p:nvPr>
         </p:nvSpPr>
-        <p:spPr>
-          <a:xfrm>
-            <a:off x="593024" y="0"/>
-            <a:ext cx="7886700" cy="1325563"/>
-          </a:xfrm>
-        </p:spPr>
+        <p:spPr/>
         <p:txBody>
           <a:bodyPr/>
           <a:lstStyle/>
           <a:p>
             <a:r>
-              <a:rPr lang="en-US" dirty="0" smtClean="0"/>
-              <a:t>Property Qualities</a:t>
-            </a:r>
-            <a:endParaRPr lang="en-US" dirty="0"/>
-          </a:p>
-        </p:txBody>
-      </p:sp>
-      <p:sp>
-        <p:nvSpPr>
-          <p:cNvPr id="3" name="Content Placeholder 2"/>
+              <a:rPr lang="en-US" dirty="0"/>
+              <a:t>ODM Terms in SDF</a:t>
+            </a:r>
+          </a:p>
+        </p:txBody>
+      </p:sp>
+      <p:sp>
+        <p:nvSpPr>
+          <p:cNvPr id="3" name="Content Placeholder 2">
+            <a:extLst>
+              <a:ext uri="{FF2B5EF4-FFF2-40B4-BE49-F238E27FC236}">
+                <a16:creationId xmlns:a16="http://schemas.microsoft.com/office/drawing/2014/main" id="{2F3AD7D0-9395-5347-AB7C-44F4DD07C190}"/>
+              </a:ext>
+            </a:extLst>
+          </p:cNvPr>
           <p:cNvSpPr>
             <a:spLocks noGrp="1"/>
           </p:cNvSpPr>
@@ -3411,253 +3419,76 @@
             <p:ph idx="1"/>
           </p:nvPr>
         </p:nvSpPr>
-        <p:spPr>
-          <a:xfrm>
-            <a:off x="837209" y="1208108"/>
-            <a:ext cx="7886700" cy="976951"/>
-          </a:xfrm>
-        </p:spPr>
+        <p:spPr/>
         <p:txBody>
           <a:bodyPr/>
           <a:lstStyle/>
           <a:p>
             <a:r>
-              <a:rPr lang="en-US" dirty="0" smtClean="0"/>
+              <a:rPr lang="en-US" dirty="0"/>
+              <a:t>SDF Keywords</a:t>
+            </a:r>
+          </a:p>
+          <a:p>
+            <a:r>
+              <a:rPr lang="en-US" dirty="0"/>
               <a:t>Object Qualities</a:t>
             </a:r>
           </a:p>
           <a:p>
             <a:r>
-              <a:rPr lang="en-US" dirty="0" smtClean="0"/>
-              <a:t>All of the Data Qualities </a:t>
-            </a:r>
+              <a:rPr lang="en-US" dirty="0"/>
+              <a:t>Action Qualities</a:t>
+            </a:r>
+          </a:p>
+          <a:p>
+            <a:r>
+              <a:rPr lang="en-US" dirty="0"/>
+              <a:t>Event Qualities</a:t>
+            </a:r>
+          </a:p>
+          <a:p>
+            <a:r>
+              <a:rPr lang="en-US" dirty="0"/>
+              <a:t>Property Qualities</a:t>
+            </a:r>
+          </a:p>
+          <a:p>
+            <a:r>
+              <a:rPr lang="en-US" dirty="0"/>
+              <a:t>Data Qualities  </a:t>
+            </a:r>
+          </a:p>
+          <a:p>
+            <a:pPr lvl="1"/>
+            <a:r>
+              <a:rPr lang="en-US" dirty="0"/>
+              <a:t>ODM Data Qualities</a:t>
+            </a:r>
+          </a:p>
+          <a:p>
+            <a:pPr lvl="1"/>
+            <a:r>
+              <a:rPr lang="en-US" dirty="0"/>
+              <a:t>JSON Schema Qualities</a:t>
+            </a:r>
+          </a:p>
+          <a:p>
+            <a:pPr lvl="1"/>
+            <a:r>
+              <a:rPr lang="en-US" dirty="0"/>
+              <a:t>Structured Data Qualities (From JSON Schema)</a:t>
+            </a:r>
+          </a:p>
+          <a:p>
             <a:endParaRPr lang="en-US" dirty="0"/>
-          </a:p>
-        </p:txBody>
-      </p:sp>
-      <p:sp>
-        <p:nvSpPr>
-          <p:cNvPr id="4" name="Rectangle 3"/>
-          <p:cNvSpPr/>
-          <p:nvPr/>
-        </p:nvSpPr>
-        <p:spPr>
-          <a:xfrm>
-            <a:off x="2185019" y="2533671"/>
-            <a:ext cx="3366655" cy="3693319"/>
-          </a:xfrm>
-          <a:prstGeom prst="rect">
-            <a:avLst/>
-          </a:prstGeom>
-        </p:spPr>
-        <p:txBody>
-          <a:bodyPr wrap="square">
-            <a:spAutoFit/>
-          </a:bodyPr>
-          <a:lstStyle/>
-          <a:p>
-            <a:r>
-              <a:rPr lang="en-US" dirty="0" smtClean="0">
-                <a:latin typeface="Menlo" charset="0"/>
-              </a:rPr>
-              <a:t>"</a:t>
-            </a:r>
-            <a:r>
-              <a:rPr lang="en-US" dirty="0" smtClean="0">
-                <a:solidFill>
-                  <a:srgbClr val="FF0000"/>
-                </a:solidFill>
-                <a:latin typeface="Menlo" charset="0"/>
-              </a:rPr>
-              <a:t>observable</a:t>
-            </a:r>
-            <a:r>
-              <a:rPr lang="en-US" dirty="0" smtClean="0">
-                <a:latin typeface="Menlo" charset="0"/>
-              </a:rPr>
-              <a:t>": {</a:t>
-            </a:r>
-          </a:p>
-          <a:p>
-            <a:r>
-              <a:rPr lang="en-US" dirty="0" smtClean="0">
-                <a:latin typeface="Menlo" charset="0"/>
-              </a:rPr>
-              <a:t>  "type": "</a:t>
-            </a:r>
-            <a:r>
-              <a:rPr lang="en-US" dirty="0" err="1" smtClean="0">
-                <a:latin typeface="Menlo" charset="0"/>
-              </a:rPr>
-              <a:t>boolean</a:t>
-            </a:r>
-            <a:r>
-              <a:rPr lang="en-US" dirty="0" smtClean="0">
-                <a:latin typeface="Menlo" charset="0"/>
-              </a:rPr>
-              <a:t>"</a:t>
-            </a:r>
-          </a:p>
-          <a:p>
-            <a:r>
-              <a:rPr lang="en-US" dirty="0" smtClean="0">
-                <a:latin typeface="Menlo" charset="0"/>
-              </a:rPr>
-              <a:t>},</a:t>
-            </a:r>
-          </a:p>
-          <a:p>
-            <a:r>
-              <a:rPr lang="en-US" dirty="0">
-                <a:latin typeface="Menlo" charset="0"/>
-              </a:rPr>
-              <a:t>"</a:t>
-            </a:r>
-            <a:r>
-              <a:rPr lang="en-US" dirty="0" err="1">
-                <a:solidFill>
-                  <a:srgbClr val="FF0000"/>
-                </a:solidFill>
-                <a:latin typeface="Menlo" charset="0"/>
-              </a:rPr>
-              <a:t>contentFormat</a:t>
-            </a:r>
-            <a:r>
-              <a:rPr lang="en-US" dirty="0">
-                <a:latin typeface="Menlo" charset="0"/>
-              </a:rPr>
-              <a:t>": {</a:t>
-            </a:r>
-          </a:p>
-          <a:p>
-            <a:r>
-              <a:rPr lang="en-US" dirty="0">
-                <a:latin typeface="Menlo" charset="0"/>
-              </a:rPr>
-              <a:t>  "type": "string"</a:t>
-            </a:r>
-          </a:p>
-          <a:p>
-            <a:r>
-              <a:rPr lang="en-US" dirty="0" smtClean="0">
-                <a:latin typeface="Menlo" charset="0"/>
-              </a:rPr>
-              <a:t>},</a:t>
-            </a:r>
-          </a:p>
-          <a:p>
-            <a:r>
-              <a:rPr lang="en-US" dirty="0">
-                <a:latin typeface="Menlo" charset="0"/>
-              </a:rPr>
-              <a:t>"</a:t>
-            </a:r>
-            <a:r>
-              <a:rPr lang="en-US" dirty="0" err="1">
-                <a:solidFill>
-                  <a:srgbClr val="FF0000"/>
-                </a:solidFill>
-                <a:latin typeface="Menlo" charset="0"/>
-              </a:rPr>
-              <a:t>readOnly</a:t>
-            </a:r>
-            <a:r>
-              <a:rPr lang="en-US" dirty="0">
-                <a:latin typeface="Menlo" charset="0"/>
-              </a:rPr>
-              <a:t>": {</a:t>
-            </a:r>
-          </a:p>
-          <a:p>
-            <a:r>
-              <a:rPr lang="en-US" dirty="0">
-                <a:latin typeface="Menlo" charset="0"/>
-              </a:rPr>
-              <a:t>  "type": "</a:t>
-            </a:r>
-            <a:r>
-              <a:rPr lang="en-US" dirty="0" err="1">
-                <a:latin typeface="Menlo" charset="0"/>
-              </a:rPr>
-              <a:t>boolean</a:t>
-            </a:r>
-            <a:r>
-              <a:rPr lang="en-US" dirty="0">
-                <a:latin typeface="Menlo" charset="0"/>
-              </a:rPr>
-              <a:t>"</a:t>
-            </a:r>
-          </a:p>
-          <a:p>
-            <a:r>
-              <a:rPr lang="en-US" dirty="0">
-                <a:latin typeface="Menlo" charset="0"/>
-              </a:rPr>
-              <a:t>},</a:t>
-            </a:r>
-          </a:p>
-          <a:p>
-            <a:r>
-              <a:rPr lang="en-US" dirty="0">
-                <a:latin typeface="Menlo" charset="0"/>
-              </a:rPr>
-              <a:t>"</a:t>
-            </a:r>
-            <a:r>
-              <a:rPr lang="en-US" dirty="0" err="1">
-                <a:solidFill>
-                  <a:srgbClr val="FF0000"/>
-                </a:solidFill>
-                <a:latin typeface="Menlo" charset="0"/>
-              </a:rPr>
-              <a:t>writeOnly</a:t>
-            </a:r>
-            <a:r>
-              <a:rPr lang="en-US" dirty="0">
-                <a:latin typeface="Menlo" charset="0"/>
-              </a:rPr>
-              <a:t>": {</a:t>
-            </a:r>
-          </a:p>
-          <a:p>
-            <a:r>
-              <a:rPr lang="en-US" dirty="0">
-                <a:latin typeface="Menlo" charset="0"/>
-              </a:rPr>
-              <a:t>  "type": "</a:t>
-            </a:r>
-            <a:r>
-              <a:rPr lang="en-US" dirty="0" err="1">
-                <a:latin typeface="Menlo" charset="0"/>
-              </a:rPr>
-              <a:t>boolean</a:t>
-            </a:r>
-            <a:r>
-              <a:rPr lang="en-US" dirty="0">
-                <a:latin typeface="Menlo" charset="0"/>
-              </a:rPr>
-              <a:t>"</a:t>
-            </a:r>
-          </a:p>
-          <a:p>
-            <a:r>
-              <a:rPr lang="en-US" dirty="0">
-                <a:latin typeface="Menlo" charset="0"/>
-              </a:rPr>
-              <a:t>}</a:t>
-            </a:r>
-          </a:p>
-          <a:p>
-            <a:endParaRPr lang="en-US" dirty="0">
-              <a:latin typeface="Menlo" charset="0"/>
-            </a:endParaRPr>
           </a:p>
         </p:txBody>
       </p:sp>
     </p:spTree>
     <p:extLst>
       <p:ext uri="{BB962C8B-B14F-4D97-AF65-F5344CB8AC3E}">
-        <p14:creationId xmlns:p14="http://schemas.microsoft.com/office/powerpoint/2010/main" val="1868375591"/>
+        <p14:creationId xmlns:p14="http://schemas.microsoft.com/office/powerpoint/2010/main" val="3273778989"/>
       </p:ext>
     </p:extLst>
   </p:cSld>
@@ -3694,21 +3525,15 @@
             <p:ph type="title"/>
           </p:nvPr>
         </p:nvSpPr>
-        <p:spPr>
-          <a:xfrm>
-            <a:off x="593024" y="0"/>
-            <a:ext cx="7886700" cy="1325563"/>
-          </a:xfrm>
-        </p:spPr>
+        <p:spPr/>
         <p:txBody>
           <a:bodyPr/>
           <a:lstStyle/>
           <a:p>
             <a:r>
-              <a:rPr lang="en-US" dirty="0" smtClean="0"/>
-              <a:t>Data Qualities</a:t>
-            </a:r>
-            <a:endParaRPr lang="en-US" dirty="0"/>
+              <a:rPr lang="en-US" dirty="0"/>
+              <a:t>SDF top level Keywords</a:t>
+            </a:r>
           </a:p>
         </p:txBody>
       </p:sp>
@@ -3722,370 +3547,90 @@
             <p:ph idx="1"/>
           </p:nvPr>
         </p:nvSpPr>
-        <p:spPr>
-          <a:xfrm>
-            <a:off x="837209" y="1208108"/>
-            <a:ext cx="7886700" cy="976951"/>
-          </a:xfrm>
-        </p:spPr>
+        <p:spPr/>
         <p:txBody>
           <a:bodyPr/>
           <a:lstStyle/>
           <a:p>
             <a:r>
-              <a:rPr lang="en-US" dirty="0" smtClean="0"/>
-              <a:t>Object Qualities</a:t>
-            </a:r>
-          </a:p>
-          <a:p>
-            <a:r>
-              <a:rPr lang="en-US" dirty="0" smtClean="0"/>
-              <a:t>All of the Data Qualities </a:t>
+              <a:rPr lang="en-US" dirty="0"/>
+              <a:t>Info block </a:t>
+            </a:r>
+          </a:p>
+          <a:p>
+            <a:pPr lvl="1"/>
+            <a:r>
+              <a:rPr lang="en-US" dirty="0"/>
+              <a:t>info, title, version, copyright, license</a:t>
+            </a:r>
+          </a:p>
+          <a:p>
+            <a:r>
+              <a:rPr lang="en-US" dirty="0"/>
+              <a:t>Definitions block</a:t>
+            </a:r>
+          </a:p>
+          <a:p>
+            <a:pPr lvl="1"/>
+            <a:r>
+              <a:rPr lang="en-US" dirty="0"/>
+              <a:t>namespace, </a:t>
+            </a:r>
+            <a:r>
+              <a:rPr lang="en-US" dirty="0" err="1"/>
+              <a:t>defaultNamespace</a:t>
             </a:r>
             <a:endParaRPr lang="en-US" dirty="0"/>
           </a:p>
-        </p:txBody>
-      </p:sp>
-      <p:sp>
-        <p:nvSpPr>
-          <p:cNvPr id="4" name="Rectangle 3"/>
-          <p:cNvSpPr/>
-          <p:nvPr/>
-        </p:nvSpPr>
-        <p:spPr>
-          <a:xfrm>
-            <a:off x="837209" y="2533671"/>
-            <a:ext cx="3366655" cy="2585323"/>
-          </a:xfrm>
-          <a:prstGeom prst="rect">
-            <a:avLst/>
-          </a:prstGeom>
-        </p:spPr>
-        <p:txBody>
-          <a:bodyPr wrap="square">
-            <a:spAutoFit/>
-          </a:bodyPr>
-          <a:lstStyle/>
-          <a:p>
-            <a:r>
-              <a:rPr lang="en-US" dirty="0" smtClean="0">
-                <a:latin typeface="Menlo" charset="0"/>
-              </a:rPr>
-              <a:t>"</a:t>
-            </a:r>
-            <a:r>
-              <a:rPr lang="en-US" dirty="0" smtClean="0">
-                <a:solidFill>
-                  <a:srgbClr val="FF0000"/>
-                </a:solidFill>
-                <a:latin typeface="Menlo" charset="0"/>
-              </a:rPr>
-              <a:t>units</a:t>
-            </a:r>
-            <a:r>
-              <a:rPr lang="en-US" dirty="0" smtClean="0">
-                <a:latin typeface="Menlo" charset="0"/>
-              </a:rPr>
-              <a:t>": {</a:t>
-            </a:r>
-          </a:p>
-          <a:p>
-            <a:r>
-              <a:rPr lang="en-US" dirty="0" smtClean="0">
-                <a:latin typeface="Menlo" charset="0"/>
-              </a:rPr>
-              <a:t>  "type": "string"</a:t>
-            </a:r>
-          </a:p>
-          <a:p>
-            <a:r>
-              <a:rPr lang="en-US" dirty="0" smtClean="0">
-                <a:latin typeface="Menlo" charset="0"/>
-              </a:rPr>
-              <a:t>},</a:t>
-            </a:r>
-          </a:p>
-          <a:p>
-            <a:r>
-              <a:rPr lang="en-US" dirty="0" smtClean="0">
-                <a:latin typeface="Menlo" charset="0"/>
-              </a:rPr>
-              <a:t>"</a:t>
-            </a:r>
-            <a:r>
-              <a:rPr lang="en-US" dirty="0" err="1" smtClean="0">
-                <a:solidFill>
-                  <a:srgbClr val="FF0000"/>
-                </a:solidFill>
-                <a:latin typeface="Menlo" charset="0"/>
-              </a:rPr>
-              <a:t>scaleMinimum</a:t>
-            </a:r>
-            <a:r>
-              <a:rPr lang="en-US" dirty="0" smtClean="0">
-                <a:latin typeface="Menlo" charset="0"/>
-              </a:rPr>
-              <a:t>": {</a:t>
-            </a:r>
-          </a:p>
-          <a:p>
-            <a:r>
-              <a:rPr lang="en-US" dirty="0" smtClean="0">
-                <a:latin typeface="Menlo" charset="0"/>
-              </a:rPr>
-              <a:t>  "type": "number"</a:t>
-            </a:r>
-          </a:p>
-          <a:p>
-            <a:r>
-              <a:rPr lang="en-US" dirty="0" smtClean="0">
-                <a:latin typeface="Menlo" charset="0"/>
-              </a:rPr>
-              <a:t>},</a:t>
-            </a:r>
-          </a:p>
-          <a:p>
-            <a:r>
-              <a:rPr lang="en-US" dirty="0" smtClean="0">
-                <a:latin typeface="Menlo" charset="0"/>
-              </a:rPr>
-              <a:t>"</a:t>
-            </a:r>
-            <a:r>
-              <a:rPr lang="en-US" dirty="0" err="1" smtClean="0">
-                <a:solidFill>
-                  <a:srgbClr val="FF0000"/>
-                </a:solidFill>
-                <a:latin typeface="Menlo" charset="0"/>
-              </a:rPr>
-              <a:t>scaleMaximum</a:t>
-            </a:r>
-            <a:r>
-              <a:rPr lang="en-US" dirty="0" smtClean="0">
-                <a:latin typeface="Menlo" charset="0"/>
-              </a:rPr>
-              <a:t>": {</a:t>
-            </a:r>
-          </a:p>
-          <a:p>
-            <a:r>
-              <a:rPr lang="en-US" dirty="0" smtClean="0">
-                <a:latin typeface="Menlo" charset="0"/>
-              </a:rPr>
-              <a:t>  "type": "number"</a:t>
-            </a:r>
-          </a:p>
-          <a:p>
-            <a:r>
-              <a:rPr lang="en-US" dirty="0" smtClean="0">
-                <a:latin typeface="Menlo" charset="0"/>
-              </a:rPr>
-              <a:t>},</a:t>
-            </a:r>
-          </a:p>
-        </p:txBody>
-      </p:sp>
-      <p:sp>
-        <p:nvSpPr>
-          <p:cNvPr id="5" name="Rectangle 4"/>
-          <p:cNvSpPr/>
-          <p:nvPr/>
-        </p:nvSpPr>
-        <p:spPr>
-          <a:xfrm>
-            <a:off x="4780559" y="2533671"/>
-            <a:ext cx="3521034" cy="3139321"/>
-          </a:xfrm>
-          <a:prstGeom prst="rect">
-            <a:avLst/>
-          </a:prstGeom>
-        </p:spPr>
-        <p:txBody>
-          <a:bodyPr wrap="square">
-            <a:spAutoFit/>
-          </a:bodyPr>
-          <a:lstStyle/>
-          <a:p>
-            <a:r>
-              <a:rPr lang="en-US" dirty="0">
-                <a:latin typeface="Menlo" charset="0"/>
-              </a:rPr>
-              <a:t>"</a:t>
-            </a:r>
-            <a:r>
-              <a:rPr lang="en-US" dirty="0" err="1">
-                <a:solidFill>
-                  <a:srgbClr val="FF0000"/>
-                </a:solidFill>
-                <a:latin typeface="Menlo" charset="0"/>
-              </a:rPr>
-              <a:t>nullable</a:t>
-            </a:r>
-            <a:r>
-              <a:rPr lang="en-US" dirty="0">
-                <a:latin typeface="Menlo" charset="0"/>
-              </a:rPr>
-              <a:t>": {</a:t>
-            </a:r>
-          </a:p>
-          <a:p>
-            <a:r>
-              <a:rPr lang="en-US" dirty="0" smtClean="0">
-                <a:latin typeface="Menlo" charset="0"/>
-              </a:rPr>
-              <a:t>  "</a:t>
-            </a:r>
-            <a:r>
-              <a:rPr lang="en-US" dirty="0">
-                <a:latin typeface="Menlo" charset="0"/>
-              </a:rPr>
-              <a:t>type": "</a:t>
-            </a:r>
-            <a:r>
-              <a:rPr lang="en-US" dirty="0" err="1">
-                <a:latin typeface="Menlo" charset="0"/>
-              </a:rPr>
-              <a:t>boolean</a:t>
-            </a:r>
-            <a:r>
-              <a:rPr lang="en-US" dirty="0">
-                <a:latin typeface="Menlo" charset="0"/>
-              </a:rPr>
-              <a:t>"</a:t>
-            </a:r>
-          </a:p>
-          <a:p>
-            <a:r>
-              <a:rPr lang="en-US" dirty="0">
-                <a:latin typeface="Menlo" charset="0"/>
-              </a:rPr>
-              <a:t>},</a:t>
-            </a:r>
-          </a:p>
-          <a:p>
-            <a:r>
-              <a:rPr lang="en-US" dirty="0">
-                <a:latin typeface="Menlo" charset="0"/>
-              </a:rPr>
-              <a:t>"</a:t>
-            </a:r>
-            <a:r>
-              <a:rPr lang="en-US" dirty="0">
-                <a:solidFill>
-                  <a:srgbClr val="FF0000"/>
-                </a:solidFill>
-                <a:latin typeface="Menlo" charset="0"/>
-              </a:rPr>
-              <a:t>encoding</a:t>
-            </a:r>
-            <a:r>
-              <a:rPr lang="en-US" dirty="0">
-                <a:latin typeface="Menlo" charset="0"/>
-              </a:rPr>
-              <a:t>": {</a:t>
-            </a:r>
-          </a:p>
-          <a:p>
-            <a:r>
-              <a:rPr lang="en-US" dirty="0" smtClean="0">
-                <a:latin typeface="Menlo" charset="0"/>
-              </a:rPr>
-              <a:t>  "</a:t>
-            </a:r>
-            <a:r>
-              <a:rPr lang="en-US" dirty="0">
-                <a:latin typeface="Menlo" charset="0"/>
-              </a:rPr>
-              <a:t>type": "object",</a:t>
-            </a:r>
-          </a:p>
-          <a:p>
-            <a:r>
-              <a:rPr lang="en-US" dirty="0" smtClean="0">
-                <a:latin typeface="Menlo" charset="0"/>
-              </a:rPr>
-              <a:t>  "</a:t>
-            </a:r>
-            <a:r>
-              <a:rPr lang="en-US" dirty="0">
-                <a:latin typeface="Menlo" charset="0"/>
-              </a:rPr>
-              <a:t>properties": {</a:t>
-            </a:r>
-          </a:p>
-          <a:p>
-            <a:r>
-              <a:rPr lang="en-US" dirty="0" smtClean="0">
-                <a:latin typeface="Menlo" charset="0"/>
-              </a:rPr>
-              <a:t>    "</a:t>
-            </a:r>
-            <a:r>
-              <a:rPr lang="en-US" dirty="0" err="1">
-                <a:latin typeface="Menlo" charset="0"/>
-              </a:rPr>
-              <a:t>widthInBits</a:t>
-            </a:r>
-            <a:r>
-              <a:rPr lang="en-US" dirty="0">
-                <a:latin typeface="Menlo" charset="0"/>
-              </a:rPr>
-              <a:t>": {</a:t>
-            </a:r>
-          </a:p>
-          <a:p>
-            <a:r>
-              <a:rPr lang="en-US" dirty="0" smtClean="0">
-                <a:latin typeface="Menlo" charset="0"/>
-              </a:rPr>
-              <a:t>    "</a:t>
-            </a:r>
-            <a:r>
-              <a:rPr lang="en-US" dirty="0">
-                <a:latin typeface="Menlo" charset="0"/>
-              </a:rPr>
-              <a:t>type": "number"</a:t>
-            </a:r>
-          </a:p>
-          <a:p>
-            <a:r>
-              <a:rPr lang="en-US" dirty="0" smtClean="0">
-                <a:latin typeface="Menlo" charset="0"/>
-              </a:rPr>
-              <a:t>    }</a:t>
-            </a:r>
-            <a:endParaRPr lang="en-US" dirty="0">
-              <a:latin typeface="Menlo" charset="0"/>
-            </a:endParaRPr>
-          </a:p>
-          <a:p>
-            <a:r>
-              <a:rPr lang="en-US" dirty="0" smtClean="0">
-                <a:latin typeface="Menlo" charset="0"/>
-              </a:rPr>
-              <a:t>  }</a:t>
-            </a:r>
-            <a:endParaRPr lang="en-US" dirty="0">
-              <a:latin typeface="Menlo" charset="0"/>
-            </a:endParaRPr>
-          </a:p>
-          <a:p>
-            <a:r>
-              <a:rPr lang="en-US" dirty="0" smtClean="0">
-                <a:latin typeface="Menlo" charset="0"/>
-              </a:rPr>
-              <a:t>}</a:t>
-            </a:r>
-            <a:endParaRPr lang="en-US" dirty="0">
-              <a:latin typeface="Menlo" charset="0"/>
-            </a:endParaRPr>
+          <a:p>
+            <a:pPr lvl="1"/>
+            <a:r>
+              <a:rPr lang="en-US" dirty="0" err="1"/>
+              <a:t>odmObject</a:t>
+            </a:r>
+            <a:r>
+              <a:rPr lang="en-US" dirty="0"/>
+              <a:t>, </a:t>
+            </a:r>
+            <a:r>
+              <a:rPr lang="en-US" dirty="0" err="1"/>
+              <a:t>odmProperty</a:t>
+            </a:r>
+            <a:r>
+              <a:rPr lang="en-US" dirty="0"/>
+              <a:t>, </a:t>
+            </a:r>
+            <a:r>
+              <a:rPr lang="en-US" dirty="0" err="1"/>
+              <a:t>odmAction</a:t>
+            </a:r>
+            <a:r>
+              <a:rPr lang="en-US" dirty="0"/>
+              <a:t>, </a:t>
+            </a:r>
+            <a:r>
+              <a:rPr lang="en-US" dirty="0" err="1"/>
+              <a:t>odmEvent</a:t>
+            </a:r>
+            <a:r>
+              <a:rPr lang="en-US" dirty="0"/>
+              <a:t>, </a:t>
+            </a:r>
+            <a:r>
+              <a:rPr lang="en-US" dirty="0" err="1"/>
+              <a:t>odmData</a:t>
+            </a:r>
+            <a:r>
+              <a:rPr lang="en-US" dirty="0"/>
+              <a:t> </a:t>
+            </a:r>
           </a:p>
         </p:txBody>
       </p:sp>
     </p:spTree>
     <p:extLst>
       <p:ext uri="{BB962C8B-B14F-4D97-AF65-F5344CB8AC3E}">
-        <p14:creationId xmlns:p14="http://schemas.microsoft.com/office/powerpoint/2010/main" val="217971592"/>
+        <p14:creationId xmlns:p14="http://schemas.microsoft.com/office/powerpoint/2010/main" val="685571181"/>
       </p:ext>
     </p:extLst>
   </p:cSld>
@@ -4124,7 +3669,7 @@
         </p:nvSpPr>
         <p:spPr>
           <a:xfrm>
-            <a:off x="628650" y="0"/>
+            <a:off x="557398" y="281999"/>
             <a:ext cx="7886700" cy="1325563"/>
           </a:xfrm>
         </p:spPr>
@@ -4133,44 +3678,35 @@
           <a:lstStyle/>
           <a:p>
             <a:r>
-              <a:rPr lang="en-US" dirty="0" smtClean="0"/>
-              <a:t>Data Qualities </a:t>
-            </a:r>
-            <a:r>
-              <a:rPr lang="mr-IN" dirty="0" smtClean="0"/>
-              <a:t>–</a:t>
-            </a:r>
-            <a:r>
-              <a:rPr lang="en-US" dirty="0" smtClean="0"/>
-              <a:t> JSON Schema</a:t>
-            </a:r>
-            <a:endParaRPr lang="en-US" dirty="0"/>
-          </a:p>
-        </p:txBody>
-      </p:sp>
-      <p:sp>
-        <p:nvSpPr>
-          <p:cNvPr id="5" name="Rectangle 4"/>
+              <a:rPr lang="en-US"/>
+              <a:t>Object qualities </a:t>
+            </a:r>
+          </a:p>
+        </p:txBody>
+      </p:sp>
+      <p:sp>
+        <p:nvSpPr>
+          <p:cNvPr id="4" name="Rectangle 3"/>
           <p:cNvSpPr/>
           <p:nvPr/>
         </p:nvSpPr>
         <p:spPr>
           <a:xfrm>
-            <a:off x="628650" y="1104586"/>
-            <a:ext cx="4572000" cy="5355312"/>
+            <a:off x="1098467" y="1911260"/>
+            <a:ext cx="3164775" cy="4247317"/>
           </a:xfrm>
           <a:prstGeom prst="rect">
             <a:avLst/>
           </a:prstGeom>
         </p:spPr>
         <p:txBody>
-          <a:bodyPr>
+          <a:bodyPr wrap="square">
             <a:spAutoFit/>
           </a:bodyPr>
           <a:lstStyle/>
           <a:p>
             <a:r>
-              <a:rPr lang="en-US" dirty="0">
+              <a:rPr lang="mr-IN" dirty="0">
                 <a:latin typeface="Menlo" charset="0"/>
               </a:rPr>
               <a:t>"</a:t>
@@ -4182,10 +3718,79 @@
                 </a:solidFill>
                 <a:latin typeface="Menlo" charset="0"/>
               </a:rPr>
+              <a:t>description</a:t>
+            </a:r>
+            <a:r>
+              <a:rPr lang="mr-IN" dirty="0">
+                <a:latin typeface="Menlo" charset="0"/>
+              </a:rPr>
+              <a:t>": {</a:t>
+            </a:r>
+          </a:p>
+          <a:p>
+            <a:r>
+              <a:rPr lang="en-US" dirty="0">
+                <a:latin typeface="Menlo" charset="0"/>
+              </a:rPr>
+              <a:t>  </a:t>
+            </a:r>
+            <a:r>
+              <a:rPr lang="mr-IN" dirty="0">
+                <a:latin typeface="Menlo" charset="0"/>
+              </a:rPr>
+              <a:t>"</a:t>
+            </a:r>
+            <a:r>
+              <a:rPr lang="mr-IN" dirty="0" err="1">
+                <a:latin typeface="Menlo" charset="0"/>
+              </a:rPr>
               <a:t>type</a:t>
             </a:r>
             <a:r>
-              <a:rPr lang="en-US" dirty="0">
+              <a:rPr lang="mr-IN" dirty="0">
+                <a:latin typeface="Menlo" charset="0"/>
+              </a:rPr>
+              <a:t>": "</a:t>
+            </a:r>
+            <a:r>
+              <a:rPr lang="mr-IN" dirty="0" err="1">
+                <a:latin typeface="Menlo" charset="0"/>
+              </a:rPr>
+              <a:t>string</a:t>
+            </a:r>
+            <a:r>
+              <a:rPr lang="mr-IN" dirty="0">
+                <a:latin typeface="Menlo" charset="0"/>
+              </a:rPr>
+              <a:t>"</a:t>
+            </a:r>
+          </a:p>
+          <a:p>
+            <a:r>
+              <a:rPr lang="mr-IN" dirty="0">
+                <a:latin typeface="Menlo" charset="0"/>
+              </a:rPr>
+              <a:t>},</a:t>
+            </a:r>
+          </a:p>
+          <a:p>
+            <a:r>
+              <a:rPr lang="mr-IN" dirty="0">
+                <a:latin typeface="Menlo" charset="0"/>
+              </a:rPr>
+              <a:t>"</a:t>
+            </a:r>
+            <a:r>
+              <a:rPr lang="mr-IN" dirty="0" err="1">
+                <a:solidFill>
+                  <a:srgbClr val="FF0000"/>
+                </a:solidFill>
+                <a:latin typeface="Menlo" charset="0"/>
+              </a:rPr>
+              <a:t>title</a:t>
+            </a:r>
+            <a:r>
+              <a:rPr lang="mr-IN" dirty="0">
                 <a:latin typeface="Menlo" charset="0"/>
               </a:rPr>
               <a:t>": {</a:t>
@@ -4193,79 +3798,68 @@
           </a:p>
           <a:p>
             <a:r>
-              <a:rPr lang="en-US" dirty="0" smtClean="0">
-                <a:latin typeface="Menlo" charset="0"/>
-              </a:rPr>
-              <a:t>  "</a:t>
-            </a:r>
-            <a:r>
-              <a:rPr lang="en-US" dirty="0">
-                <a:latin typeface="Menlo" charset="0"/>
-              </a:rPr>
-              <a:t>type": "string",</a:t>
-            </a:r>
-          </a:p>
-          <a:p>
-            <a:r>
-              <a:rPr lang="en-US" dirty="0" smtClean="0">
-                <a:latin typeface="Menlo" charset="0"/>
-              </a:rPr>
-              <a:t>  "</a:t>
-            </a:r>
-            <a:r>
-              <a:rPr lang="en-US" dirty="0" err="1">
-                <a:latin typeface="Menlo" charset="0"/>
-              </a:rPr>
-              <a:t>enum</a:t>
-            </a:r>
-            <a:r>
-              <a:rPr lang="en-US" dirty="0">
-                <a:latin typeface="Menlo" charset="0"/>
-              </a:rPr>
-              <a:t>": [ "number", "string", "</a:t>
-            </a:r>
-            <a:r>
-              <a:rPr lang="en-US" dirty="0" err="1">
-                <a:latin typeface="Menlo" charset="0"/>
-              </a:rPr>
-              <a:t>boolean</a:t>
-            </a:r>
-            <a:r>
-              <a:rPr lang="en-US" dirty="0">
-                <a:latin typeface="Menlo" charset="0"/>
-              </a:rPr>
-              <a:t>", "integer", "array", "object" ]</a:t>
-            </a:r>
-          </a:p>
-          <a:p>
-            <a:r>
-              <a:rPr lang="en-US" dirty="0" smtClean="0">
-                <a:latin typeface="Menlo" charset="0"/>
-              </a:rPr>
-              <a:t>  },</a:t>
-            </a:r>
-            <a:endParaRPr lang="en-US" dirty="0">
-              <a:latin typeface="Menlo" charset="0"/>
-            </a:endParaRPr>
-          </a:p>
-          <a:p>
-            <a:r>
-              <a:rPr lang="en-US" dirty="0">
+              <a:rPr lang="en-US" dirty="0">
+                <a:latin typeface="Menlo" charset="0"/>
+              </a:rPr>
+              <a:t>  </a:t>
+            </a:r>
+            <a:r>
+              <a:rPr lang="mr-IN" dirty="0">
                 <a:latin typeface="Menlo" charset="0"/>
               </a:rPr>
               <a:t>"</a:t>
             </a:r>
             <a:r>
-              <a:rPr lang="en-US" dirty="0" err="1">
+              <a:rPr lang="mr-IN" dirty="0" err="1">
+                <a:latin typeface="Menlo" charset="0"/>
+              </a:rPr>
+              <a:t>type</a:t>
+            </a:r>
+            <a:r>
+              <a:rPr lang="mr-IN" dirty="0">
+                <a:latin typeface="Menlo" charset="0"/>
+              </a:rPr>
+              <a:t>": "</a:t>
+            </a:r>
+            <a:r>
+              <a:rPr lang="mr-IN" dirty="0" err="1">
+                <a:latin typeface="Menlo" charset="0"/>
+              </a:rPr>
+              <a:t>string</a:t>
+            </a:r>
+            <a:r>
+              <a:rPr lang="mr-IN" dirty="0">
+                <a:latin typeface="Menlo" charset="0"/>
+              </a:rPr>
+              <a:t>"</a:t>
+            </a:r>
+          </a:p>
+          <a:p>
+            <a:r>
+              <a:rPr lang="mr-IN" dirty="0">
+                <a:latin typeface="Menlo" charset="0"/>
+              </a:rPr>
+              <a:t>},</a:t>
+            </a:r>
+          </a:p>
+          <a:p>
+            <a:r>
+              <a:rPr lang="mr-IN" dirty="0">
+                <a:latin typeface="Menlo" charset="0"/>
+              </a:rPr>
+              <a:t>"</a:t>
+            </a:r>
+            <a:r>
+              <a:rPr lang="mr-IN" dirty="0" err="1">
                 <a:solidFill>
                   <a:srgbClr val="FF0000"/>
                 </a:solidFill>
                 <a:latin typeface="Menlo" charset="0"/>
               </a:rPr>
-              <a:t>enum</a:t>
-            </a:r>
-            <a:r>
-              <a:rPr lang="en-US" dirty="0">
+              <a:t>id</a:t>
+            </a:r>
+            <a:r>
+              <a:rPr lang="mr-IN" dirty="0">
                 <a:latin typeface="Menlo" charset="0"/>
               </a:rPr>
               <a:t>": {</a:t>
@@ -4273,21 +3867,45 @@
           </a:p>
           <a:p>
             <a:r>
-              <a:rPr lang="en-US" dirty="0" smtClean="0">
-                <a:latin typeface="Menlo" charset="0"/>
-              </a:rPr>
-              <a:t>  "</a:t>
-            </a:r>
-            <a:r>
-              <a:rPr lang="en-US" dirty="0">
-                <a:latin typeface="Menlo" charset="0"/>
-              </a:rPr>
-              <a:t>type": "array"</a:t>
-            </a:r>
-          </a:p>
-          <a:p>
-            <a:r>
-              <a:rPr lang="en-US" dirty="0">
+              <a:rPr lang="en-US" dirty="0">
+                <a:latin typeface="Menlo" charset="0"/>
+              </a:rPr>
+              <a:t>  </a:t>
+            </a:r>
+            <a:r>
+              <a:rPr lang="mr-IN" dirty="0">
+                <a:latin typeface="Menlo" charset="0"/>
+              </a:rPr>
+              <a:t>"</a:t>
+            </a:r>
+            <a:r>
+              <a:rPr lang="mr-IN" dirty="0" err="1">
+                <a:latin typeface="Menlo" charset="0"/>
+              </a:rPr>
+              <a:t>type</a:t>
+            </a:r>
+            <a:r>
+              <a:rPr lang="mr-IN" dirty="0">
+                <a:latin typeface="Menlo" charset="0"/>
+              </a:rPr>
+              <a:t>": "</a:t>
+            </a:r>
+            <a:r>
+              <a:rPr lang="mr-IN" dirty="0" err="1">
+                <a:latin typeface="Menlo" charset="0"/>
+              </a:rPr>
+              <a:t>string</a:t>
+            </a:r>
+            <a:r>
+              <a:rPr lang="mr-IN" dirty="0">
+                <a:latin typeface="Menlo" charset="0"/>
+              </a:rPr>
+              <a:t>"</a:t>
+            </a:r>
+          </a:p>
+          <a:p>
+            <a:r>
+              <a:rPr lang="mr-IN" dirty="0">
                 <a:latin typeface="Menlo" charset="0"/>
               </a:rPr>
               <a:t>},</a:t>
@@ -4295,22 +3913,22 @@
           </a:p>
           <a:p>
             <a:r>
-              <a:rPr lang="en-US" dirty="0">
+              <a:rPr lang="mr-IN" dirty="0">
                 <a:latin typeface="Menlo" charset="0"/>
               </a:rPr>
               <a:t>"</a:t>
             </a:r>
             <a:r>
-              <a:rPr lang="en-US" dirty="0" err="1">
+              <a:rPr lang="mr-IN" dirty="0" err="1">
                 <a:solidFill>
                   <a:srgbClr val="FF0000"/>
                 </a:solidFill>
                 <a:latin typeface="Menlo" charset="0"/>
               </a:rPr>
-              <a:t>const</a:t>
-            </a:r>
-            <a:r>
-              <a:rPr lang="en-US" dirty="0">
+              <a:t>name</a:t>
+            </a:r>
+            <a:r>
+              <a:rPr lang="mr-IN" dirty="0">
                 <a:latin typeface="Menlo" charset="0"/>
               </a:rPr>
               <a:t>": {</a:t>
@@ -4318,45 +3936,45 @@
           </a:p>
           <a:p>
             <a:r>
-              <a:rPr lang="en-US" dirty="0" smtClean="0">
-                <a:latin typeface="Menlo" charset="0"/>
-              </a:rPr>
-              <a:t>  "</a:t>
-            </a:r>
-            <a:r>
-              <a:rPr lang="en-US" dirty="0">
-                <a:latin typeface="Menlo" charset="0"/>
-              </a:rPr>
-              <a:t>type": { "</a:t>
-            </a:r>
-            <a:r>
-              <a:rPr lang="en-US" dirty="0" err="1">
-                <a:latin typeface="Menlo" charset="0"/>
-              </a:rPr>
-              <a:t>oneOf</a:t>
-            </a:r>
-            <a:r>
-              <a:rPr lang="en-US" dirty="0">
-                <a:latin typeface="Menlo" charset="0"/>
-              </a:rPr>
-              <a:t>" : [ "number", "string", "</a:t>
-            </a:r>
-            <a:r>
-              <a:rPr lang="en-US" dirty="0" err="1">
-                <a:latin typeface="Menlo" charset="0"/>
-              </a:rPr>
-              <a:t>boolean</a:t>
-            </a:r>
-            <a:r>
-              <a:rPr lang="en-US" dirty="0">
-                <a:latin typeface="Menlo" charset="0"/>
-              </a:rPr>
-              <a:t>", "array", "object", "null" ] }</a:t>
-            </a:r>
-          </a:p>
-          <a:p>
-            <a:r>
-              <a:rPr lang="en-US" dirty="0">
+              <a:rPr lang="en-US" dirty="0">
+                <a:latin typeface="Menlo" charset="0"/>
+              </a:rPr>
+              <a:t>  </a:t>
+            </a:r>
+            <a:r>
+              <a:rPr lang="mr-IN" dirty="0">
+                <a:latin typeface="Menlo" charset="0"/>
+              </a:rPr>
+              <a:t>"</a:t>
+            </a:r>
+            <a:r>
+              <a:rPr lang="mr-IN" dirty="0" err="1">
+                <a:latin typeface="Menlo" charset="0"/>
+              </a:rPr>
+              <a:t>type</a:t>
+            </a:r>
+            <a:r>
+              <a:rPr lang="mr-IN" dirty="0">
+                <a:latin typeface="Menlo" charset="0"/>
+              </a:rPr>
+              <a:t>": "</a:t>
+            </a:r>
+            <a:r>
+              <a:rPr lang="mr-IN" dirty="0" err="1">
+                <a:latin typeface="Menlo" charset="0"/>
+              </a:rPr>
+              <a:t>string</a:t>
+            </a:r>
+            <a:r>
+              <a:rPr lang="mr-IN" dirty="0">
+                <a:latin typeface="Menlo" charset="0"/>
+              </a:rPr>
+              <a:t>"</a:t>
+            </a:r>
+          </a:p>
+          <a:p>
+            <a:r>
+              <a:rPr lang="mr-IN" dirty="0">
                 <a:latin typeface="Menlo" charset="0"/>
               </a:rPr>
               <a:t>},</a:t>
@@ -4364,22 +3982,22 @@
           </a:p>
           <a:p>
             <a:r>
-              <a:rPr lang="en-US" dirty="0">
+              <a:rPr lang="mr-IN" dirty="0">
                 <a:latin typeface="Menlo" charset="0"/>
               </a:rPr>
               <a:t>"</a:t>
             </a:r>
             <a:r>
-              <a:rPr lang="en-US" dirty="0">
+              <a:rPr lang="mr-IN" dirty="0" err="1">
                 <a:solidFill>
                   <a:srgbClr val="FF0000"/>
                 </a:solidFill>
                 <a:latin typeface="Menlo" charset="0"/>
               </a:rPr>
-              <a:t>default</a:t>
-            </a:r>
-            <a:r>
-              <a:rPr lang="en-US" dirty="0">
+              <a:t>type</a:t>
+            </a:r>
+            <a:r>
+              <a:rPr lang="mr-IN" dirty="0">
                 <a:latin typeface="Menlo" charset="0"/>
               </a:rPr>
               <a:t>": {</a:t>
@@ -4387,45 +4005,45 @@
           </a:p>
           <a:p>
             <a:r>
-              <a:rPr lang="en-US" dirty="0" smtClean="0">
-                <a:latin typeface="Menlo" charset="0"/>
-              </a:rPr>
-              <a:t>  "</a:t>
-            </a:r>
-            <a:r>
-              <a:rPr lang="en-US" dirty="0">
-                <a:latin typeface="Menlo" charset="0"/>
-              </a:rPr>
-              <a:t>type": { "</a:t>
-            </a:r>
-            <a:r>
-              <a:rPr lang="en-US" dirty="0" err="1">
-                <a:latin typeface="Menlo" charset="0"/>
-              </a:rPr>
-              <a:t>oneOf</a:t>
-            </a:r>
-            <a:r>
-              <a:rPr lang="en-US" dirty="0">
-                <a:latin typeface="Menlo" charset="0"/>
-              </a:rPr>
-              <a:t>" : [ "number", "string", "</a:t>
-            </a:r>
-            <a:r>
-              <a:rPr lang="en-US" dirty="0" err="1">
-                <a:latin typeface="Menlo" charset="0"/>
-              </a:rPr>
-              <a:t>boolean</a:t>
-            </a:r>
-            <a:r>
-              <a:rPr lang="en-US" dirty="0">
-                <a:latin typeface="Menlo" charset="0"/>
-              </a:rPr>
-              <a:t>", "array", "object", "null" ] }</a:t>
-            </a:r>
-          </a:p>
-          <a:p>
-            <a:r>
-              <a:rPr lang="en-US" dirty="0">
+              <a:rPr lang="en-US" dirty="0">
+                <a:latin typeface="Menlo" charset="0"/>
+              </a:rPr>
+              <a:t>  </a:t>
+            </a:r>
+            <a:r>
+              <a:rPr lang="mr-IN" dirty="0">
+                <a:latin typeface="Menlo" charset="0"/>
+              </a:rPr>
+              <a:t>"</a:t>
+            </a:r>
+            <a:r>
+              <a:rPr lang="mr-IN" dirty="0" err="1">
+                <a:latin typeface="Menlo" charset="0"/>
+              </a:rPr>
+              <a:t>type</a:t>
+            </a:r>
+            <a:r>
+              <a:rPr lang="mr-IN" dirty="0">
+                <a:latin typeface="Menlo" charset="0"/>
+              </a:rPr>
+              <a:t>": "</a:t>
+            </a:r>
+            <a:r>
+              <a:rPr lang="mr-IN" dirty="0" err="1">
+                <a:latin typeface="Menlo" charset="0"/>
+              </a:rPr>
+              <a:t>string</a:t>
+            </a:r>
+            <a:r>
+              <a:rPr lang="mr-IN" dirty="0">
+                <a:latin typeface="Menlo" charset="0"/>
+              </a:rPr>
+              <a:t>"</a:t>
+            </a:r>
+          </a:p>
+          <a:p>
+            <a:r>
+              <a:rPr lang="mr-IN" dirty="0">
                 <a:latin typeface="Menlo" charset="0"/>
               </a:rPr>
               <a:t>},</a:t>
@@ -4435,14 +4053,14 @@
       </p:sp>
       <p:sp>
         <p:nvSpPr>
-          <p:cNvPr id="6" name="Rectangle 5"/>
+          <p:cNvPr id="5" name="Rectangle 4"/>
           <p:cNvSpPr/>
           <p:nvPr/>
         </p:nvSpPr>
         <p:spPr>
           <a:xfrm>
-            <a:off x="5735782" y="1104586"/>
-            <a:ext cx="3093522" cy="5078313"/>
+            <a:off x="4500748" y="1911260"/>
+            <a:ext cx="3111335" cy="3416320"/>
           </a:xfrm>
           <a:prstGeom prst="rect">
             <a:avLst/>
@@ -4467,7 +4085,7 @@
                 </a:solidFill>
                 <a:latin typeface="Menlo" charset="0"/>
               </a:rPr>
-              <a:t>pattern</a:t>
+              <a:t>optional</a:t>
             </a:r>
             <a:r>
               <a:rPr lang="en-US" dirty="0">
@@ -4478,21 +4096,96 @@
           </a:p>
           <a:p>
             <a:r>
-              <a:rPr lang="en-US" dirty="0" smtClean="0">
-                <a:latin typeface="Menlo" charset="0"/>
-              </a:rPr>
-              <a:t>  "</a:t>
-            </a:r>
-            <a:r>
-              <a:rPr lang="en-US" dirty="0">
-                <a:latin typeface="Menlo" charset="0"/>
-              </a:rPr>
-              <a:t>type": "string"</a:t>
-            </a:r>
-          </a:p>
-          <a:p>
-            <a:r>
-              <a:rPr lang="en-US" dirty="0">
+              <a:rPr lang="en-US" dirty="0">
+                <a:latin typeface="Menlo" charset="0"/>
+              </a:rPr>
+              <a:t>  "type": </a:t>
+            </a:r>
+            <a:r>
+              <a:rPr lang="en-US" dirty="0" err="1">
+                <a:latin typeface="Menlo" charset="0"/>
+              </a:rPr>
+              <a:t>boolean</a:t>
+            </a:r>
+            <a:r>
+              <a:rPr lang="en-US" dirty="0">
+                <a:latin typeface="Menlo" charset="0"/>
+              </a:rPr>
+              <a:t>"</a:t>
+            </a:r>
+          </a:p>
+          <a:p>
+            <a:r>
+              <a:rPr lang="en-US" dirty="0">
+                <a:latin typeface="Menlo" charset="0"/>
+              </a:rPr>
+              <a:t>{</a:t>
+            </a:r>
+          </a:p>
+          <a:p>
+            <a:r>
+              <a:rPr lang="mr-IN" dirty="0">
+                <a:latin typeface="Menlo" charset="0"/>
+              </a:rPr>
+              <a:t>"</a:t>
+            </a:r>
+            <a:r>
+              <a:rPr lang="mr-IN" dirty="0" err="1">
+                <a:solidFill>
+                  <a:srgbClr val="FF0000"/>
+                </a:solidFill>
+                <a:latin typeface="Menlo" charset="0"/>
+              </a:rPr>
+              <a:t>extends</a:t>
+            </a:r>
+            <a:r>
+              <a:rPr lang="mr-IN" dirty="0">
+                <a:latin typeface="Menlo" charset="0"/>
+              </a:rPr>
+              <a:t>": {</a:t>
+            </a:r>
+          </a:p>
+          <a:p>
+            <a:r>
+              <a:rPr lang="en-US" dirty="0">
+                <a:latin typeface="Menlo" charset="0"/>
+              </a:rPr>
+              <a:t>  </a:t>
+            </a:r>
+            <a:r>
+              <a:rPr lang="mr-IN" dirty="0">
+                <a:latin typeface="Menlo" charset="0"/>
+              </a:rPr>
+              <a:t>"</a:t>
+            </a:r>
+            <a:r>
+              <a:rPr lang="mr-IN" dirty="0" err="1">
+                <a:latin typeface="Menlo" charset="0"/>
+              </a:rPr>
+              <a:t>type</a:t>
+            </a:r>
+            <a:r>
+              <a:rPr lang="mr-IN" dirty="0">
+                <a:latin typeface="Menlo" charset="0"/>
+              </a:rPr>
+              <a:t>": "</a:t>
+            </a:r>
+            <a:r>
+              <a:rPr lang="mr-IN" dirty="0" err="1">
+                <a:latin typeface="Menlo" charset="0"/>
+              </a:rPr>
+              <a:t>string</a:t>
+            </a:r>
+            <a:r>
+              <a:rPr lang="mr-IN" dirty="0">
+                <a:latin typeface="Menlo" charset="0"/>
+              </a:rPr>
+              <a:t>"</a:t>
+            </a:r>
+          </a:p>
+          <a:p>
+            <a:r>
+              <a:rPr lang="mr-IN" dirty="0">
                 <a:latin typeface="Menlo" charset="0"/>
               </a:rPr>
               <a:t>},</a:t>
@@ -4500,22 +4193,22 @@
           </a:p>
           <a:p>
             <a:r>
-              <a:rPr lang="en-US" dirty="0">
+              <a:rPr lang="mr-IN" dirty="0">
                 <a:latin typeface="Menlo" charset="0"/>
               </a:rPr>
               <a:t>"</a:t>
             </a:r>
             <a:r>
-              <a:rPr lang="en-US" dirty="0">
+              <a:rPr lang="mr-IN" dirty="0" err="1">
                 <a:solidFill>
                   <a:srgbClr val="FF0000"/>
                 </a:solidFill>
                 <a:latin typeface="Menlo" charset="0"/>
               </a:rPr>
-              <a:t>minimum</a:t>
-            </a:r>
-            <a:r>
-              <a:rPr lang="en-US" dirty="0">
+              <a:t>refines</a:t>
+            </a:r>
+            <a:r>
+              <a:rPr lang="mr-IN" dirty="0">
                 <a:latin typeface="Menlo" charset="0"/>
               </a:rPr>
               <a:t>": {</a:t>
@@ -4523,21 +4216,45 @@
           </a:p>
           <a:p>
             <a:r>
-              <a:rPr lang="en-US" dirty="0" smtClean="0">
-                <a:latin typeface="Menlo" charset="0"/>
-              </a:rPr>
-              <a:t>  "</a:t>
-            </a:r>
-            <a:r>
-              <a:rPr lang="en-US" dirty="0">
-                <a:latin typeface="Menlo" charset="0"/>
-              </a:rPr>
-              <a:t>type": "number"</a:t>
-            </a:r>
-          </a:p>
-          <a:p>
-            <a:r>
-              <a:rPr lang="en-US" dirty="0">
+              <a:rPr lang="en-US" dirty="0">
+                <a:latin typeface="Menlo" charset="0"/>
+              </a:rPr>
+              <a:t>  </a:t>
+            </a:r>
+            <a:r>
+              <a:rPr lang="mr-IN" dirty="0">
+                <a:latin typeface="Menlo" charset="0"/>
+              </a:rPr>
+              <a:t>"</a:t>
+            </a:r>
+            <a:r>
+              <a:rPr lang="mr-IN" dirty="0" err="1">
+                <a:latin typeface="Menlo" charset="0"/>
+              </a:rPr>
+              <a:t>type</a:t>
+            </a:r>
+            <a:r>
+              <a:rPr lang="mr-IN" dirty="0">
+                <a:latin typeface="Menlo" charset="0"/>
+              </a:rPr>
+              <a:t>": "</a:t>
+            </a:r>
+            <a:r>
+              <a:rPr lang="mr-IN" dirty="0" err="1">
+                <a:latin typeface="Menlo" charset="0"/>
+              </a:rPr>
+              <a:t>string</a:t>
+            </a:r>
+            <a:r>
+              <a:rPr lang="mr-IN" dirty="0">
+                <a:latin typeface="Menlo" charset="0"/>
+              </a:rPr>
+              <a:t>"</a:t>
+            </a:r>
+          </a:p>
+          <a:p>
+            <a:r>
+              <a:rPr lang="mr-IN" dirty="0">
                 <a:latin typeface="Menlo" charset="0"/>
               </a:rPr>
               <a:t>},</a:t>
@@ -4545,22 +4262,22 @@
           </a:p>
           <a:p>
             <a:r>
-              <a:rPr lang="en-US" dirty="0">
+              <a:rPr lang="mr-IN" dirty="0">
                 <a:latin typeface="Menlo" charset="0"/>
               </a:rPr>
               <a:t>"</a:t>
             </a:r>
             <a:r>
-              <a:rPr lang="en-US" dirty="0">
+              <a:rPr lang="mr-IN" dirty="0" err="1">
                 <a:solidFill>
                   <a:srgbClr val="FF0000"/>
                 </a:solidFill>
                 <a:latin typeface="Menlo" charset="0"/>
               </a:rPr>
-              <a:t>maximum</a:t>
-            </a:r>
-            <a:r>
-              <a:rPr lang="en-US" dirty="0">
+              <a:t>includes</a:t>
+            </a:r>
+            <a:r>
+              <a:rPr lang="mr-IN" dirty="0">
                 <a:latin typeface="Menlo" charset="0"/>
               </a:rPr>
               <a:t>": {</a:t>
@@ -4571,129 +4288,42 @@
               <a:rPr lang="en-US" dirty="0">
                 <a:latin typeface="Menlo" charset="0"/>
               </a:rPr>
-              <a:t>"type": "number"</a:t>
-            </a:r>
-          </a:p>
-          <a:p>
-            <a:r>
-              <a:rPr lang="en-US" dirty="0">
-                <a:latin typeface="Menlo" charset="0"/>
-              </a:rPr>
-              <a:t>},</a:t>
-            </a:r>
-          </a:p>
-          <a:p>
-            <a:r>
-              <a:rPr lang="en-US" dirty="0">
+              <a:t>  </a:t>
+            </a:r>
+            <a:r>
+              <a:rPr lang="mr-IN" dirty="0">
                 <a:latin typeface="Menlo" charset="0"/>
               </a:rPr>
               <a:t>"</a:t>
             </a:r>
             <a:r>
-              <a:rPr lang="en-US" dirty="0" err="1">
-                <a:solidFill>
-                  <a:srgbClr val="FF0000"/>
-                </a:solidFill>
-                <a:latin typeface="Menlo" charset="0"/>
-              </a:rPr>
-              <a:t>multipleOf</a:t>
-            </a:r>
-            <a:r>
-              <a:rPr lang="en-US" dirty="0">
-                <a:latin typeface="Menlo" charset="0"/>
-              </a:rPr>
-              <a:t>": {</a:t>
-            </a:r>
-          </a:p>
-          <a:p>
-            <a:r>
-              <a:rPr lang="en-US" dirty="0">
-                <a:latin typeface="Menlo" charset="0"/>
-              </a:rPr>
-              <a:t>"type": "number"</a:t>
-            </a:r>
-          </a:p>
-          <a:p>
-            <a:r>
-              <a:rPr lang="en-US" dirty="0">
-                <a:latin typeface="Menlo" charset="0"/>
-              </a:rPr>
-              <a:t>},</a:t>
-            </a:r>
-          </a:p>
-          <a:p>
-            <a:r>
-              <a:rPr lang="en-US" dirty="0">
+              <a:rPr lang="mr-IN" dirty="0" err="1">
+                <a:latin typeface="Menlo" charset="0"/>
+              </a:rPr>
+              <a:t>type</a:t>
+            </a:r>
+            <a:r>
+              <a:rPr lang="mr-IN" dirty="0">
+                <a:latin typeface="Menlo" charset="0"/>
+              </a:rPr>
+              <a:t>": "</a:t>
+            </a:r>
+            <a:r>
+              <a:rPr lang="mr-IN" dirty="0" err="1">
+                <a:latin typeface="Menlo" charset="0"/>
+              </a:rPr>
+              <a:t>string</a:t>
+            </a:r>
+            <a:r>
+              <a:rPr lang="mr-IN" dirty="0">
                 <a:latin typeface="Menlo" charset="0"/>
               </a:rPr>
               <a:t>"</a:t>
             </a:r>
-            <a:r>
-              <a:rPr lang="en-US" dirty="0" err="1">
-                <a:solidFill>
-                  <a:srgbClr val="FF0000"/>
-                </a:solidFill>
-                <a:latin typeface="Menlo" charset="0"/>
-              </a:rPr>
-              <a:t>maxLength</a:t>
-            </a:r>
-            <a:r>
-              <a:rPr lang="en-US" dirty="0">
-                <a:latin typeface="Menlo" charset="0"/>
-              </a:rPr>
-              <a:t>": {</a:t>
-            </a:r>
-          </a:p>
-          <a:p>
-            <a:r>
-              <a:rPr lang="en-US" dirty="0">
-                <a:latin typeface="Menlo" charset="0"/>
-              </a:rPr>
-              <a:t>"type": "number"</a:t>
-            </a:r>
-          </a:p>
-          <a:p>
-            <a:r>
-              <a:rPr lang="en-US" dirty="0">
-                <a:latin typeface="Menlo" charset="0"/>
-              </a:rPr>
-              <a:t>},</a:t>
-            </a:r>
-          </a:p>
-          <a:p>
-            <a:r>
-              <a:rPr lang="en-US" dirty="0">
-                <a:latin typeface="Menlo" charset="0"/>
-              </a:rPr>
-              <a:t>"</a:t>
-            </a:r>
-            <a:r>
-              <a:rPr lang="en-US" dirty="0" err="1">
-                <a:solidFill>
-                  <a:srgbClr val="FF0000"/>
-                </a:solidFill>
-                <a:latin typeface="Menlo" charset="0"/>
-              </a:rPr>
-              <a:t>minLength</a:t>
-            </a:r>
-            <a:r>
-              <a:rPr lang="en-US" dirty="0">
-                <a:latin typeface="Menlo" charset="0"/>
-              </a:rPr>
-              <a:t>": {</a:t>
-            </a:r>
-          </a:p>
-          <a:p>
-            <a:r>
-              <a:rPr lang="en-US" dirty="0">
-                <a:latin typeface="Menlo" charset="0"/>
-              </a:rPr>
-              <a:t>"type": "number"</a:t>
-            </a:r>
-          </a:p>
-          <a:p>
-            <a:r>
-              <a:rPr lang="en-US" dirty="0">
+          </a:p>
+          <a:p>
+            <a:r>
+              <a:rPr lang="mr-IN" dirty="0">
                 <a:latin typeface="Menlo" charset="0"/>
               </a:rPr>
               <a:t>},</a:t>
@@ -4704,7 +4334,7 @@
     </p:spTree>
     <p:extLst>
       <p:ext uri="{BB962C8B-B14F-4D97-AF65-F5344CB8AC3E}">
-        <p14:creationId xmlns:p14="http://schemas.microsoft.com/office/powerpoint/2010/main" val="1547506564"/>
+        <p14:creationId xmlns:p14="http://schemas.microsoft.com/office/powerpoint/2010/main" val="56385844"/>
       </p:ext>
     </p:extLst>
   </p:cSld>
@@ -4733,6 +4363,1457 @@
       </p:grpSpPr>
       <p:sp>
         <p:nvSpPr>
+          <p:cNvPr id="2" name="Title 1">
+            <a:extLst>
+              <a:ext uri="{FF2B5EF4-FFF2-40B4-BE49-F238E27FC236}">
+                <a16:creationId xmlns:a16="http://schemas.microsoft.com/office/drawing/2014/main" id="{B0B6741D-388C-874F-9304-6B070A101447}"/>
+              </a:ext>
+            </a:extLst>
+          </p:cNvPr>
+          <p:cNvSpPr>
+            <a:spLocks noGrp="1"/>
+          </p:cNvSpPr>
+          <p:nvPr>
+            <p:ph type="title"/>
+          </p:nvPr>
+        </p:nvSpPr>
+        <p:spPr/>
+        <p:txBody>
+          <a:bodyPr/>
+          <a:lstStyle/>
+          <a:p>
+            <a:r>
+              <a:rPr lang="en-US" dirty="0"/>
+              <a:t>Action Qualities</a:t>
+            </a:r>
+          </a:p>
+        </p:txBody>
+      </p:sp>
+      <p:sp>
+        <p:nvSpPr>
+          <p:cNvPr id="3" name="Content Placeholder 2">
+            <a:extLst>
+              <a:ext uri="{FF2B5EF4-FFF2-40B4-BE49-F238E27FC236}">
+                <a16:creationId xmlns:a16="http://schemas.microsoft.com/office/drawing/2014/main" id="{C820C189-55E0-2E4C-8D18-8B936F562B7B}"/>
+              </a:ext>
+            </a:extLst>
+          </p:cNvPr>
+          <p:cNvSpPr>
+            <a:spLocks noGrp="1"/>
+          </p:cNvSpPr>
+          <p:nvPr>
+            <p:ph idx="1"/>
+          </p:nvPr>
+        </p:nvSpPr>
+        <p:spPr/>
+        <p:txBody>
+          <a:bodyPr/>
+          <a:lstStyle/>
+          <a:p>
+            <a:endParaRPr lang="en-US"/>
+          </a:p>
+        </p:txBody>
+      </p:sp>
+    </p:spTree>
+    <p:extLst>
+      <p:ext uri="{BB962C8B-B14F-4D97-AF65-F5344CB8AC3E}">
+        <p14:creationId xmlns:p14="http://schemas.microsoft.com/office/powerpoint/2010/main" val="463020472"/>
+      </p:ext>
+    </p:extLst>
+  </p:cSld>
+  <p:clrMapOvr>
+    <a:masterClrMapping/>
+  </p:clrMapOvr>
+</p:sld>
+</file>
+
+<file path=ppt/slides/slide14.xml><?xml version="1.0" encoding="utf-8"?>
+<p:sld xmlns:a="http://schemas.openxmlformats.org/drawingml/2006/main" xmlns:r="http://schemas.openxmlformats.org/officeDocument/2006/relationships" xmlns:p="http://schemas.openxmlformats.org/presentationml/2006/main">
+  <p:cSld>
+    <p:spTree>
+      <p:nvGrpSpPr>
+        <p:cNvPr id="1" name=""/>
+        <p:cNvGrpSpPr/>
+        <p:nvPr/>
+      </p:nvGrpSpPr>
+      <p:grpSpPr>
+        <a:xfrm>
+          <a:off x="0" y="0"/>
+          <a:ext cx="0" cy="0"/>
+          <a:chOff x="0" y="0"/>
+          <a:chExt cx="0" cy="0"/>
+        </a:xfrm>
+      </p:grpSpPr>
+      <p:sp>
+        <p:nvSpPr>
+          <p:cNvPr id="2" name="Title 1">
+            <a:extLst>
+              <a:ext uri="{FF2B5EF4-FFF2-40B4-BE49-F238E27FC236}">
+                <a16:creationId xmlns:a16="http://schemas.microsoft.com/office/drawing/2014/main" id="{EF6C8738-CAFC-C74A-9084-0B0F6C899E27}"/>
+              </a:ext>
+            </a:extLst>
+          </p:cNvPr>
+          <p:cNvSpPr>
+            <a:spLocks noGrp="1"/>
+          </p:cNvSpPr>
+          <p:nvPr>
+            <p:ph type="title"/>
+          </p:nvPr>
+        </p:nvSpPr>
+        <p:spPr/>
+        <p:txBody>
+          <a:bodyPr/>
+          <a:lstStyle/>
+          <a:p>
+            <a:r>
+              <a:rPr lang="en-US" dirty="0"/>
+              <a:t>Event Qualities</a:t>
+            </a:r>
+          </a:p>
+        </p:txBody>
+      </p:sp>
+      <p:sp>
+        <p:nvSpPr>
+          <p:cNvPr id="3" name="Content Placeholder 2">
+            <a:extLst>
+              <a:ext uri="{FF2B5EF4-FFF2-40B4-BE49-F238E27FC236}">
+                <a16:creationId xmlns:a16="http://schemas.microsoft.com/office/drawing/2014/main" id="{0FA797F1-1D15-BF48-B3FF-27F4C1C62830}"/>
+              </a:ext>
+            </a:extLst>
+          </p:cNvPr>
+          <p:cNvSpPr>
+            <a:spLocks noGrp="1"/>
+          </p:cNvSpPr>
+          <p:nvPr>
+            <p:ph idx="1"/>
+          </p:nvPr>
+        </p:nvSpPr>
+        <p:spPr/>
+        <p:txBody>
+          <a:bodyPr/>
+          <a:lstStyle/>
+          <a:p>
+            <a:endParaRPr lang="en-US"/>
+          </a:p>
+        </p:txBody>
+      </p:sp>
+    </p:spTree>
+    <p:extLst>
+      <p:ext uri="{BB962C8B-B14F-4D97-AF65-F5344CB8AC3E}">
+        <p14:creationId xmlns:p14="http://schemas.microsoft.com/office/powerpoint/2010/main" val="2160522347"/>
+      </p:ext>
+    </p:extLst>
+  </p:cSld>
+  <p:clrMapOvr>
+    <a:masterClrMapping/>
+  </p:clrMapOvr>
+</p:sld>
+</file>
+
+<file path=ppt/slides/slide15.xml><?xml version="1.0" encoding="utf-8"?>
+<p:sld xmlns:a="http://schemas.openxmlformats.org/drawingml/2006/main" xmlns:r="http://schemas.openxmlformats.org/officeDocument/2006/relationships" xmlns:p="http://schemas.openxmlformats.org/presentationml/2006/main">
+  <p:cSld>
+    <p:spTree>
+      <p:nvGrpSpPr>
+        <p:cNvPr id="1" name=""/>
+        <p:cNvGrpSpPr/>
+        <p:nvPr/>
+      </p:nvGrpSpPr>
+      <p:grpSpPr>
+        <a:xfrm>
+          <a:off x="0" y="0"/>
+          <a:ext cx="0" cy="0"/>
+          <a:chOff x="0" y="0"/>
+          <a:chExt cx="0" cy="0"/>
+        </a:xfrm>
+      </p:grpSpPr>
+      <p:sp>
+        <p:nvSpPr>
+          <p:cNvPr id="2" name="Title 1"/>
+          <p:cNvSpPr>
+            <a:spLocks noGrp="1"/>
+          </p:cNvSpPr>
+          <p:nvPr>
+            <p:ph type="title"/>
+          </p:nvPr>
+        </p:nvSpPr>
+        <p:spPr>
+          <a:xfrm>
+            <a:off x="593024" y="0"/>
+            <a:ext cx="7886700" cy="1325563"/>
+          </a:xfrm>
+        </p:spPr>
+        <p:txBody>
+          <a:bodyPr/>
+          <a:lstStyle/>
+          <a:p>
+            <a:r>
+              <a:rPr lang="en-US" dirty="0"/>
+              <a:t>Property Qualities</a:t>
+            </a:r>
+          </a:p>
+        </p:txBody>
+      </p:sp>
+      <p:sp>
+        <p:nvSpPr>
+          <p:cNvPr id="3" name="Content Placeholder 2"/>
+          <p:cNvSpPr>
+            <a:spLocks noGrp="1"/>
+          </p:cNvSpPr>
+          <p:nvPr>
+            <p:ph idx="1"/>
+          </p:nvPr>
+        </p:nvSpPr>
+        <p:spPr>
+          <a:xfrm>
+            <a:off x="837209" y="1208108"/>
+            <a:ext cx="7886700" cy="976951"/>
+          </a:xfrm>
+        </p:spPr>
+        <p:txBody>
+          <a:bodyPr>
+            <a:normAutofit lnSpcReduction="10000"/>
+          </a:bodyPr>
+          <a:lstStyle/>
+          <a:p>
+            <a:r>
+              <a:rPr lang="en-US" dirty="0"/>
+              <a:t>Object Qualities</a:t>
+            </a:r>
+          </a:p>
+          <a:p>
+            <a:r>
+              <a:rPr lang="en-US" dirty="0"/>
+              <a:t>All of the Data Qualities </a:t>
+            </a:r>
+          </a:p>
+        </p:txBody>
+      </p:sp>
+      <p:sp>
+        <p:nvSpPr>
+          <p:cNvPr id="4" name="Rectangle 3"/>
+          <p:cNvSpPr/>
+          <p:nvPr/>
+        </p:nvSpPr>
+        <p:spPr>
+          <a:xfrm>
+            <a:off x="2185019" y="2533671"/>
+            <a:ext cx="3366655" cy="3693319"/>
+          </a:xfrm>
+          <a:prstGeom prst="rect">
+            <a:avLst/>
+          </a:prstGeom>
+        </p:spPr>
+        <p:txBody>
+          <a:bodyPr wrap="square">
+            <a:spAutoFit/>
+          </a:bodyPr>
+          <a:lstStyle/>
+          <a:p>
+            <a:r>
+              <a:rPr lang="en-US" dirty="0">
+                <a:latin typeface="Menlo" charset="0"/>
+              </a:rPr>
+              <a:t>"</a:t>
+            </a:r>
+            <a:r>
+              <a:rPr lang="en-US" dirty="0">
+                <a:solidFill>
+                  <a:srgbClr val="FF0000"/>
+                </a:solidFill>
+                <a:latin typeface="Menlo" charset="0"/>
+              </a:rPr>
+              <a:t>observable</a:t>
+            </a:r>
+            <a:r>
+              <a:rPr lang="en-US" dirty="0">
+                <a:latin typeface="Menlo" charset="0"/>
+              </a:rPr>
+              <a:t>": {</a:t>
+            </a:r>
+          </a:p>
+          <a:p>
+            <a:r>
+              <a:rPr lang="en-US" dirty="0">
+                <a:latin typeface="Menlo" charset="0"/>
+              </a:rPr>
+              <a:t>  "type": "</a:t>
+            </a:r>
+            <a:r>
+              <a:rPr lang="en-US" dirty="0" err="1">
+                <a:latin typeface="Menlo" charset="0"/>
+              </a:rPr>
+              <a:t>boolean</a:t>
+            </a:r>
+            <a:r>
+              <a:rPr lang="en-US" dirty="0">
+                <a:latin typeface="Menlo" charset="0"/>
+              </a:rPr>
+              <a:t>"</a:t>
+            </a:r>
+          </a:p>
+          <a:p>
+            <a:r>
+              <a:rPr lang="en-US" dirty="0">
+                <a:latin typeface="Menlo" charset="0"/>
+              </a:rPr>
+              <a:t>},</a:t>
+            </a:r>
+          </a:p>
+          <a:p>
+            <a:r>
+              <a:rPr lang="en-US" dirty="0">
+                <a:latin typeface="Menlo" charset="0"/>
+              </a:rPr>
+              <a:t>"</a:t>
+            </a:r>
+            <a:r>
+              <a:rPr lang="en-US" dirty="0" err="1">
+                <a:solidFill>
+                  <a:srgbClr val="FF0000"/>
+                </a:solidFill>
+                <a:latin typeface="Menlo" charset="0"/>
+              </a:rPr>
+              <a:t>contentFormat</a:t>
+            </a:r>
+            <a:r>
+              <a:rPr lang="en-US" dirty="0">
+                <a:latin typeface="Menlo" charset="0"/>
+              </a:rPr>
+              <a:t>": {</a:t>
+            </a:r>
+          </a:p>
+          <a:p>
+            <a:r>
+              <a:rPr lang="en-US" dirty="0">
+                <a:latin typeface="Menlo" charset="0"/>
+              </a:rPr>
+              <a:t>  "type": "string"</a:t>
+            </a:r>
+          </a:p>
+          <a:p>
+            <a:r>
+              <a:rPr lang="en-US" dirty="0">
+                <a:latin typeface="Menlo" charset="0"/>
+              </a:rPr>
+              <a:t>},</a:t>
+            </a:r>
+          </a:p>
+          <a:p>
+            <a:r>
+              <a:rPr lang="en-US" dirty="0">
+                <a:latin typeface="Menlo" charset="0"/>
+              </a:rPr>
+              <a:t>"</a:t>
+            </a:r>
+            <a:r>
+              <a:rPr lang="en-US" dirty="0" err="1">
+                <a:solidFill>
+                  <a:srgbClr val="FF0000"/>
+                </a:solidFill>
+                <a:latin typeface="Menlo" charset="0"/>
+              </a:rPr>
+              <a:t>readOnly</a:t>
+            </a:r>
+            <a:r>
+              <a:rPr lang="en-US" dirty="0">
+                <a:latin typeface="Menlo" charset="0"/>
+              </a:rPr>
+              <a:t>": {</a:t>
+            </a:r>
+          </a:p>
+          <a:p>
+            <a:r>
+              <a:rPr lang="en-US" dirty="0">
+                <a:latin typeface="Menlo" charset="0"/>
+              </a:rPr>
+              <a:t>  "type": "</a:t>
+            </a:r>
+            <a:r>
+              <a:rPr lang="en-US" dirty="0" err="1">
+                <a:latin typeface="Menlo" charset="0"/>
+              </a:rPr>
+              <a:t>boolean</a:t>
+            </a:r>
+            <a:r>
+              <a:rPr lang="en-US" dirty="0">
+                <a:latin typeface="Menlo" charset="0"/>
+              </a:rPr>
+              <a:t>"</a:t>
+            </a:r>
+          </a:p>
+          <a:p>
+            <a:r>
+              <a:rPr lang="en-US" dirty="0">
+                <a:latin typeface="Menlo" charset="0"/>
+              </a:rPr>
+              <a:t>},</a:t>
+            </a:r>
+          </a:p>
+          <a:p>
+            <a:r>
+              <a:rPr lang="en-US" dirty="0">
+                <a:latin typeface="Menlo" charset="0"/>
+              </a:rPr>
+              <a:t>"</a:t>
+            </a:r>
+            <a:r>
+              <a:rPr lang="en-US" dirty="0" err="1">
+                <a:solidFill>
+                  <a:srgbClr val="FF0000"/>
+                </a:solidFill>
+                <a:latin typeface="Menlo" charset="0"/>
+              </a:rPr>
+              <a:t>writeOnly</a:t>
+            </a:r>
+            <a:r>
+              <a:rPr lang="en-US" dirty="0">
+                <a:latin typeface="Menlo" charset="0"/>
+              </a:rPr>
+              <a:t>": {</a:t>
+            </a:r>
+          </a:p>
+          <a:p>
+            <a:r>
+              <a:rPr lang="en-US" dirty="0">
+                <a:latin typeface="Menlo" charset="0"/>
+              </a:rPr>
+              <a:t>  "type": "</a:t>
+            </a:r>
+            <a:r>
+              <a:rPr lang="en-US" dirty="0" err="1">
+                <a:latin typeface="Menlo" charset="0"/>
+              </a:rPr>
+              <a:t>boolean</a:t>
+            </a:r>
+            <a:r>
+              <a:rPr lang="en-US" dirty="0">
+                <a:latin typeface="Menlo" charset="0"/>
+              </a:rPr>
+              <a:t>"</a:t>
+            </a:r>
+          </a:p>
+          <a:p>
+            <a:r>
+              <a:rPr lang="en-US" dirty="0">
+                <a:latin typeface="Menlo" charset="0"/>
+              </a:rPr>
+              <a:t>}</a:t>
+            </a:r>
+          </a:p>
+          <a:p>
+            <a:endParaRPr lang="en-US" dirty="0">
+              <a:latin typeface="Menlo" charset="0"/>
+            </a:endParaRPr>
+          </a:p>
+        </p:txBody>
+      </p:sp>
+    </p:spTree>
+    <p:extLst>
+      <p:ext uri="{BB962C8B-B14F-4D97-AF65-F5344CB8AC3E}">
+        <p14:creationId xmlns:p14="http://schemas.microsoft.com/office/powerpoint/2010/main" val="1868375591"/>
+      </p:ext>
+    </p:extLst>
+  </p:cSld>
+  <p:clrMapOvr>
+    <a:masterClrMapping/>
+  </p:clrMapOvr>
+</p:sld>
+</file>
+
+<file path=ppt/slides/slide16.xml><?xml version="1.0" encoding="utf-8"?>
+<p:sld xmlns:a="http://schemas.openxmlformats.org/drawingml/2006/main" xmlns:r="http://schemas.openxmlformats.org/officeDocument/2006/relationships" xmlns:p="http://schemas.openxmlformats.org/presentationml/2006/main">
+  <p:cSld>
+    <p:spTree>
+      <p:nvGrpSpPr>
+        <p:cNvPr id="1" name=""/>
+        <p:cNvGrpSpPr/>
+        <p:nvPr/>
+      </p:nvGrpSpPr>
+      <p:grpSpPr>
+        <a:xfrm>
+          <a:off x="0" y="0"/>
+          <a:ext cx="0" cy="0"/>
+          <a:chOff x="0" y="0"/>
+          <a:chExt cx="0" cy="0"/>
+        </a:xfrm>
+      </p:grpSpPr>
+      <p:sp>
+        <p:nvSpPr>
+          <p:cNvPr id="2" name="Title 1"/>
+          <p:cNvSpPr>
+            <a:spLocks noGrp="1"/>
+          </p:cNvSpPr>
+          <p:nvPr>
+            <p:ph type="title"/>
+          </p:nvPr>
+        </p:nvSpPr>
+        <p:spPr>
+          <a:xfrm>
+            <a:off x="593024" y="0"/>
+            <a:ext cx="7886700" cy="1325563"/>
+          </a:xfrm>
+        </p:spPr>
+        <p:txBody>
+          <a:bodyPr/>
+          <a:lstStyle/>
+          <a:p>
+            <a:r>
+              <a:rPr lang="en-US" dirty="0"/>
+              <a:t>Data Qualities</a:t>
+            </a:r>
+          </a:p>
+        </p:txBody>
+      </p:sp>
+      <p:sp>
+        <p:nvSpPr>
+          <p:cNvPr id="3" name="Content Placeholder 2"/>
+          <p:cNvSpPr>
+            <a:spLocks noGrp="1"/>
+          </p:cNvSpPr>
+          <p:nvPr>
+            <p:ph idx="1"/>
+          </p:nvPr>
+        </p:nvSpPr>
+        <p:spPr>
+          <a:xfrm>
+            <a:off x="837209" y="1208108"/>
+            <a:ext cx="7886700" cy="976951"/>
+          </a:xfrm>
+        </p:spPr>
+        <p:txBody>
+          <a:bodyPr>
+            <a:normAutofit lnSpcReduction="10000"/>
+          </a:bodyPr>
+          <a:lstStyle/>
+          <a:p>
+            <a:r>
+              <a:rPr lang="en-US" dirty="0"/>
+              <a:t>Object Qualities</a:t>
+            </a:r>
+          </a:p>
+          <a:p>
+            <a:r>
+              <a:rPr lang="en-US" dirty="0"/>
+              <a:t>All of the Data Qualities </a:t>
+            </a:r>
+          </a:p>
+        </p:txBody>
+      </p:sp>
+      <p:sp>
+        <p:nvSpPr>
+          <p:cNvPr id="4" name="Rectangle 3"/>
+          <p:cNvSpPr/>
+          <p:nvPr/>
+        </p:nvSpPr>
+        <p:spPr>
+          <a:xfrm>
+            <a:off x="837209" y="2533671"/>
+            <a:ext cx="3366655" cy="2585323"/>
+          </a:xfrm>
+          <a:prstGeom prst="rect">
+            <a:avLst/>
+          </a:prstGeom>
+        </p:spPr>
+        <p:txBody>
+          <a:bodyPr wrap="square">
+            <a:spAutoFit/>
+          </a:bodyPr>
+          <a:lstStyle/>
+          <a:p>
+            <a:r>
+              <a:rPr lang="en-US" dirty="0">
+                <a:latin typeface="Menlo" charset="0"/>
+              </a:rPr>
+              <a:t>"</a:t>
+            </a:r>
+            <a:r>
+              <a:rPr lang="en-US" dirty="0">
+                <a:solidFill>
+                  <a:srgbClr val="FF0000"/>
+                </a:solidFill>
+                <a:latin typeface="Menlo" charset="0"/>
+              </a:rPr>
+              <a:t>units</a:t>
+            </a:r>
+            <a:r>
+              <a:rPr lang="en-US" dirty="0">
+                <a:latin typeface="Menlo" charset="0"/>
+              </a:rPr>
+              <a:t>": {</a:t>
+            </a:r>
+          </a:p>
+          <a:p>
+            <a:r>
+              <a:rPr lang="en-US" dirty="0">
+                <a:latin typeface="Menlo" charset="0"/>
+              </a:rPr>
+              <a:t>  "type": "string"</a:t>
+            </a:r>
+          </a:p>
+          <a:p>
+            <a:r>
+              <a:rPr lang="en-US" dirty="0">
+                <a:latin typeface="Menlo" charset="0"/>
+              </a:rPr>
+              <a:t>},</a:t>
+            </a:r>
+          </a:p>
+          <a:p>
+            <a:r>
+              <a:rPr lang="en-US" dirty="0">
+                <a:latin typeface="Menlo" charset="0"/>
+              </a:rPr>
+              <a:t>"</a:t>
+            </a:r>
+            <a:r>
+              <a:rPr lang="en-US" dirty="0" err="1">
+                <a:solidFill>
+                  <a:srgbClr val="FF0000"/>
+                </a:solidFill>
+                <a:latin typeface="Menlo" charset="0"/>
+              </a:rPr>
+              <a:t>scaleMinimum</a:t>
+            </a:r>
+            <a:r>
+              <a:rPr lang="en-US" dirty="0">
+                <a:latin typeface="Menlo" charset="0"/>
+              </a:rPr>
+              <a:t>": {</a:t>
+            </a:r>
+          </a:p>
+          <a:p>
+            <a:r>
+              <a:rPr lang="en-US" dirty="0">
+                <a:latin typeface="Menlo" charset="0"/>
+              </a:rPr>
+              <a:t>  "type": "number"</a:t>
+            </a:r>
+          </a:p>
+          <a:p>
+            <a:r>
+              <a:rPr lang="en-US" dirty="0">
+                <a:latin typeface="Menlo" charset="0"/>
+              </a:rPr>
+              <a:t>},</a:t>
+            </a:r>
+          </a:p>
+          <a:p>
+            <a:r>
+              <a:rPr lang="en-US" dirty="0">
+                <a:latin typeface="Menlo" charset="0"/>
+              </a:rPr>
+              <a:t>"</a:t>
+            </a:r>
+            <a:r>
+              <a:rPr lang="en-US" dirty="0" err="1">
+                <a:solidFill>
+                  <a:srgbClr val="FF0000"/>
+                </a:solidFill>
+                <a:latin typeface="Menlo" charset="0"/>
+              </a:rPr>
+              <a:t>scaleMaximum</a:t>
+            </a:r>
+            <a:r>
+              <a:rPr lang="en-US" dirty="0">
+                <a:latin typeface="Menlo" charset="0"/>
+              </a:rPr>
+              <a:t>": {</a:t>
+            </a:r>
+          </a:p>
+          <a:p>
+            <a:r>
+              <a:rPr lang="en-US" dirty="0">
+                <a:latin typeface="Menlo" charset="0"/>
+              </a:rPr>
+              <a:t>  "type": "number"</a:t>
+            </a:r>
+          </a:p>
+          <a:p>
+            <a:r>
+              <a:rPr lang="en-US" dirty="0">
+                <a:latin typeface="Menlo" charset="0"/>
+              </a:rPr>
+              <a:t>},</a:t>
+            </a:r>
+          </a:p>
+        </p:txBody>
+      </p:sp>
+      <p:sp>
+        <p:nvSpPr>
+          <p:cNvPr id="5" name="Rectangle 4"/>
+          <p:cNvSpPr/>
+          <p:nvPr/>
+        </p:nvSpPr>
+        <p:spPr>
+          <a:xfrm>
+            <a:off x="4780559" y="2533671"/>
+            <a:ext cx="3521034" cy="3139321"/>
+          </a:xfrm>
+          <a:prstGeom prst="rect">
+            <a:avLst/>
+          </a:prstGeom>
+        </p:spPr>
+        <p:txBody>
+          <a:bodyPr wrap="square">
+            <a:spAutoFit/>
+          </a:bodyPr>
+          <a:lstStyle/>
+          <a:p>
+            <a:r>
+              <a:rPr lang="en-US" dirty="0">
+                <a:latin typeface="Menlo" charset="0"/>
+              </a:rPr>
+              <a:t>"</a:t>
+            </a:r>
+            <a:r>
+              <a:rPr lang="en-US" dirty="0" err="1">
+                <a:solidFill>
+                  <a:srgbClr val="FF0000"/>
+                </a:solidFill>
+                <a:latin typeface="Menlo" charset="0"/>
+              </a:rPr>
+              <a:t>nullable</a:t>
+            </a:r>
+            <a:r>
+              <a:rPr lang="en-US" dirty="0">
+                <a:latin typeface="Menlo" charset="0"/>
+              </a:rPr>
+              <a:t>": {</a:t>
+            </a:r>
+          </a:p>
+          <a:p>
+            <a:r>
+              <a:rPr lang="en-US" dirty="0">
+                <a:latin typeface="Menlo" charset="0"/>
+              </a:rPr>
+              <a:t>  "type": "</a:t>
+            </a:r>
+            <a:r>
+              <a:rPr lang="en-US" dirty="0" err="1">
+                <a:latin typeface="Menlo" charset="0"/>
+              </a:rPr>
+              <a:t>boolean</a:t>
+            </a:r>
+            <a:r>
+              <a:rPr lang="en-US" dirty="0">
+                <a:latin typeface="Menlo" charset="0"/>
+              </a:rPr>
+              <a:t>"</a:t>
+            </a:r>
+          </a:p>
+          <a:p>
+            <a:r>
+              <a:rPr lang="en-US" dirty="0">
+                <a:latin typeface="Menlo" charset="0"/>
+              </a:rPr>
+              <a:t>},</a:t>
+            </a:r>
+          </a:p>
+          <a:p>
+            <a:r>
+              <a:rPr lang="en-US" dirty="0">
+                <a:latin typeface="Menlo" charset="0"/>
+              </a:rPr>
+              <a:t>"</a:t>
+            </a:r>
+            <a:r>
+              <a:rPr lang="en-US" dirty="0">
+                <a:solidFill>
+                  <a:srgbClr val="FF0000"/>
+                </a:solidFill>
+                <a:latin typeface="Menlo" charset="0"/>
+              </a:rPr>
+              <a:t>encoding</a:t>
+            </a:r>
+            <a:r>
+              <a:rPr lang="en-US" dirty="0">
+                <a:latin typeface="Menlo" charset="0"/>
+              </a:rPr>
+              <a:t>": {</a:t>
+            </a:r>
+          </a:p>
+          <a:p>
+            <a:r>
+              <a:rPr lang="en-US" dirty="0">
+                <a:latin typeface="Menlo" charset="0"/>
+              </a:rPr>
+              <a:t>  "type": "object",</a:t>
+            </a:r>
+          </a:p>
+          <a:p>
+            <a:r>
+              <a:rPr lang="en-US" dirty="0">
+                <a:latin typeface="Menlo" charset="0"/>
+              </a:rPr>
+              <a:t>  "properties": {</a:t>
+            </a:r>
+          </a:p>
+          <a:p>
+            <a:r>
+              <a:rPr lang="en-US" dirty="0">
+                <a:latin typeface="Menlo" charset="0"/>
+              </a:rPr>
+              <a:t>    "</a:t>
+            </a:r>
+            <a:r>
+              <a:rPr lang="en-US" dirty="0" err="1">
+                <a:latin typeface="Menlo" charset="0"/>
+              </a:rPr>
+              <a:t>widthInBits</a:t>
+            </a:r>
+            <a:r>
+              <a:rPr lang="en-US" dirty="0">
+                <a:latin typeface="Menlo" charset="0"/>
+              </a:rPr>
+              <a:t>": {</a:t>
+            </a:r>
+          </a:p>
+          <a:p>
+            <a:r>
+              <a:rPr lang="en-US" dirty="0">
+                <a:latin typeface="Menlo" charset="0"/>
+              </a:rPr>
+              <a:t>    "type": "number"</a:t>
+            </a:r>
+          </a:p>
+          <a:p>
+            <a:r>
+              <a:rPr lang="en-US" dirty="0">
+                <a:latin typeface="Menlo" charset="0"/>
+              </a:rPr>
+              <a:t>    }</a:t>
+            </a:r>
+          </a:p>
+          <a:p>
+            <a:r>
+              <a:rPr lang="en-US" dirty="0">
+                <a:latin typeface="Menlo" charset="0"/>
+              </a:rPr>
+              <a:t>  }</a:t>
+            </a:r>
+          </a:p>
+          <a:p>
+            <a:r>
+              <a:rPr lang="en-US" dirty="0">
+                <a:latin typeface="Menlo" charset="0"/>
+              </a:rPr>
+              <a:t>}</a:t>
+            </a:r>
+          </a:p>
+        </p:txBody>
+      </p:sp>
+    </p:spTree>
+    <p:extLst>
+      <p:ext uri="{BB962C8B-B14F-4D97-AF65-F5344CB8AC3E}">
+        <p14:creationId xmlns:p14="http://schemas.microsoft.com/office/powerpoint/2010/main" val="217971592"/>
+      </p:ext>
+    </p:extLst>
+  </p:cSld>
+  <p:clrMapOvr>
+    <a:masterClrMapping/>
+  </p:clrMapOvr>
+</p:sld>
+</file>
+
+<file path=ppt/slides/slide17.xml><?xml version="1.0" encoding="utf-8"?>
+<p:sld xmlns:a="http://schemas.openxmlformats.org/drawingml/2006/main" xmlns:r="http://schemas.openxmlformats.org/officeDocument/2006/relationships" xmlns:p="http://schemas.openxmlformats.org/presentationml/2006/main">
+  <p:cSld>
+    <p:spTree>
+      <p:nvGrpSpPr>
+        <p:cNvPr id="1" name=""/>
+        <p:cNvGrpSpPr/>
+        <p:nvPr/>
+      </p:nvGrpSpPr>
+      <p:grpSpPr>
+        <a:xfrm>
+          <a:off x="0" y="0"/>
+          <a:ext cx="0" cy="0"/>
+          <a:chOff x="0" y="0"/>
+          <a:chExt cx="0" cy="0"/>
+        </a:xfrm>
+      </p:grpSpPr>
+      <p:sp>
+        <p:nvSpPr>
+          <p:cNvPr id="2" name="Title 1"/>
+          <p:cNvSpPr>
+            <a:spLocks noGrp="1"/>
+          </p:cNvSpPr>
+          <p:nvPr>
+            <p:ph type="title"/>
+          </p:nvPr>
+        </p:nvSpPr>
+        <p:spPr>
+          <a:xfrm>
+            <a:off x="628650" y="0"/>
+            <a:ext cx="7886700" cy="1325563"/>
+          </a:xfrm>
+        </p:spPr>
+        <p:txBody>
+          <a:bodyPr/>
+          <a:lstStyle/>
+          <a:p>
+            <a:r>
+              <a:rPr lang="en-US" dirty="0"/>
+              <a:t>Data Qualities </a:t>
+            </a:r>
+            <a:r>
+              <a:rPr lang="mr-IN" dirty="0"/>
+              <a:t>–</a:t>
+            </a:r>
+            <a:r>
+              <a:rPr lang="en-US" dirty="0"/>
+              <a:t> JSON Schema</a:t>
+            </a:r>
+          </a:p>
+        </p:txBody>
+      </p:sp>
+      <p:sp>
+        <p:nvSpPr>
+          <p:cNvPr id="5" name="Rectangle 4"/>
+          <p:cNvSpPr/>
+          <p:nvPr/>
+        </p:nvSpPr>
+        <p:spPr>
+          <a:xfrm>
+            <a:off x="628650" y="1104586"/>
+            <a:ext cx="4572000" cy="5355312"/>
+          </a:xfrm>
+          <a:prstGeom prst="rect">
+            <a:avLst/>
+          </a:prstGeom>
+        </p:spPr>
+        <p:txBody>
+          <a:bodyPr>
+            <a:spAutoFit/>
+          </a:bodyPr>
+          <a:lstStyle/>
+          <a:p>
+            <a:r>
+              <a:rPr lang="en-US" dirty="0">
+                <a:latin typeface="Menlo" charset="0"/>
+              </a:rPr>
+              <a:t>"</a:t>
+            </a:r>
+            <a:r>
+              <a:rPr lang="en-US" dirty="0">
+                <a:solidFill>
+                  <a:srgbClr val="FF0000"/>
+                </a:solidFill>
+                <a:latin typeface="Menlo" charset="0"/>
+              </a:rPr>
+              <a:t>type</a:t>
+            </a:r>
+            <a:r>
+              <a:rPr lang="en-US" dirty="0">
+                <a:latin typeface="Menlo" charset="0"/>
+              </a:rPr>
+              <a:t>": {</a:t>
+            </a:r>
+          </a:p>
+          <a:p>
+            <a:r>
+              <a:rPr lang="en-US" dirty="0">
+                <a:latin typeface="Menlo" charset="0"/>
+              </a:rPr>
+              <a:t>  "type": "string",</a:t>
+            </a:r>
+          </a:p>
+          <a:p>
+            <a:r>
+              <a:rPr lang="en-US" dirty="0">
+                <a:latin typeface="Menlo" charset="0"/>
+              </a:rPr>
+              <a:t>  "</a:t>
+            </a:r>
+            <a:r>
+              <a:rPr lang="en-US" dirty="0" err="1">
+                <a:latin typeface="Menlo" charset="0"/>
+              </a:rPr>
+              <a:t>enum</a:t>
+            </a:r>
+            <a:r>
+              <a:rPr lang="en-US" dirty="0">
+                <a:latin typeface="Menlo" charset="0"/>
+              </a:rPr>
+              <a:t>": [ "number", "string", "</a:t>
+            </a:r>
+            <a:r>
+              <a:rPr lang="en-US" dirty="0" err="1">
+                <a:latin typeface="Menlo" charset="0"/>
+              </a:rPr>
+              <a:t>boolean</a:t>
+            </a:r>
+            <a:r>
+              <a:rPr lang="en-US" dirty="0">
+                <a:latin typeface="Menlo" charset="0"/>
+              </a:rPr>
+              <a:t>", "integer", "array", "object" ]</a:t>
+            </a:r>
+          </a:p>
+          <a:p>
+            <a:r>
+              <a:rPr lang="en-US" dirty="0">
+                <a:latin typeface="Menlo" charset="0"/>
+              </a:rPr>
+              <a:t>  },</a:t>
+            </a:r>
+          </a:p>
+          <a:p>
+            <a:r>
+              <a:rPr lang="en-US" dirty="0">
+                <a:latin typeface="Menlo" charset="0"/>
+              </a:rPr>
+              <a:t>"</a:t>
+            </a:r>
+            <a:r>
+              <a:rPr lang="en-US" dirty="0" err="1">
+                <a:solidFill>
+                  <a:srgbClr val="FF0000"/>
+                </a:solidFill>
+                <a:latin typeface="Menlo" charset="0"/>
+              </a:rPr>
+              <a:t>enum</a:t>
+            </a:r>
+            <a:r>
+              <a:rPr lang="en-US" dirty="0">
+                <a:latin typeface="Menlo" charset="0"/>
+              </a:rPr>
+              <a:t>": {</a:t>
+            </a:r>
+          </a:p>
+          <a:p>
+            <a:r>
+              <a:rPr lang="en-US" dirty="0">
+                <a:latin typeface="Menlo" charset="0"/>
+              </a:rPr>
+              <a:t>  "type": "array"</a:t>
+            </a:r>
+          </a:p>
+          <a:p>
+            <a:r>
+              <a:rPr lang="en-US" dirty="0">
+                <a:latin typeface="Menlo" charset="0"/>
+              </a:rPr>
+              <a:t>},</a:t>
+            </a:r>
+          </a:p>
+          <a:p>
+            <a:r>
+              <a:rPr lang="en-US" dirty="0">
+                <a:latin typeface="Menlo" charset="0"/>
+              </a:rPr>
+              <a:t>"</a:t>
+            </a:r>
+            <a:r>
+              <a:rPr lang="en-US" dirty="0" err="1">
+                <a:solidFill>
+                  <a:srgbClr val="FF0000"/>
+                </a:solidFill>
+                <a:latin typeface="Menlo" charset="0"/>
+              </a:rPr>
+              <a:t>const</a:t>
+            </a:r>
+            <a:r>
+              <a:rPr lang="en-US" dirty="0">
+                <a:latin typeface="Menlo" charset="0"/>
+              </a:rPr>
+              <a:t>": {</a:t>
+            </a:r>
+          </a:p>
+          <a:p>
+            <a:r>
+              <a:rPr lang="en-US" dirty="0">
+                <a:latin typeface="Menlo" charset="0"/>
+              </a:rPr>
+              <a:t>  "type": { "</a:t>
+            </a:r>
+            <a:r>
+              <a:rPr lang="en-US" dirty="0" err="1">
+                <a:latin typeface="Menlo" charset="0"/>
+              </a:rPr>
+              <a:t>oneOf</a:t>
+            </a:r>
+            <a:r>
+              <a:rPr lang="en-US" dirty="0">
+                <a:latin typeface="Menlo" charset="0"/>
+              </a:rPr>
+              <a:t>" : [ "number", "string", "</a:t>
+            </a:r>
+            <a:r>
+              <a:rPr lang="en-US" dirty="0" err="1">
+                <a:latin typeface="Menlo" charset="0"/>
+              </a:rPr>
+              <a:t>boolean</a:t>
+            </a:r>
+            <a:r>
+              <a:rPr lang="en-US" dirty="0">
+                <a:latin typeface="Menlo" charset="0"/>
+              </a:rPr>
+              <a:t>", "array", "object", "null" ] }</a:t>
+            </a:r>
+          </a:p>
+          <a:p>
+            <a:r>
+              <a:rPr lang="en-US" dirty="0">
+                <a:latin typeface="Menlo" charset="0"/>
+              </a:rPr>
+              <a:t>},</a:t>
+            </a:r>
+          </a:p>
+          <a:p>
+            <a:r>
+              <a:rPr lang="en-US" dirty="0">
+                <a:latin typeface="Menlo" charset="0"/>
+              </a:rPr>
+              <a:t>"</a:t>
+            </a:r>
+            <a:r>
+              <a:rPr lang="en-US" dirty="0">
+                <a:solidFill>
+                  <a:srgbClr val="FF0000"/>
+                </a:solidFill>
+                <a:latin typeface="Menlo" charset="0"/>
+              </a:rPr>
+              <a:t>default</a:t>
+            </a:r>
+            <a:r>
+              <a:rPr lang="en-US" dirty="0">
+                <a:latin typeface="Menlo" charset="0"/>
+              </a:rPr>
+              <a:t>": {</a:t>
+            </a:r>
+          </a:p>
+          <a:p>
+            <a:r>
+              <a:rPr lang="en-US" dirty="0">
+                <a:latin typeface="Menlo" charset="0"/>
+              </a:rPr>
+              <a:t>  "type": { "</a:t>
+            </a:r>
+            <a:r>
+              <a:rPr lang="en-US" dirty="0" err="1">
+                <a:latin typeface="Menlo" charset="0"/>
+              </a:rPr>
+              <a:t>oneOf</a:t>
+            </a:r>
+            <a:r>
+              <a:rPr lang="en-US" dirty="0">
+                <a:latin typeface="Menlo" charset="0"/>
+              </a:rPr>
+              <a:t>" : [ "number", "string", "</a:t>
+            </a:r>
+            <a:r>
+              <a:rPr lang="en-US" dirty="0" err="1">
+                <a:latin typeface="Menlo" charset="0"/>
+              </a:rPr>
+              <a:t>boolean</a:t>
+            </a:r>
+            <a:r>
+              <a:rPr lang="en-US" dirty="0">
+                <a:latin typeface="Menlo" charset="0"/>
+              </a:rPr>
+              <a:t>", "array", "object", "null" ] }</a:t>
+            </a:r>
+          </a:p>
+          <a:p>
+            <a:r>
+              <a:rPr lang="en-US" dirty="0">
+                <a:latin typeface="Menlo" charset="0"/>
+              </a:rPr>
+              <a:t>},</a:t>
+            </a:r>
+          </a:p>
+        </p:txBody>
+      </p:sp>
+      <p:sp>
+        <p:nvSpPr>
+          <p:cNvPr id="6" name="Rectangle 5"/>
+          <p:cNvSpPr/>
+          <p:nvPr/>
+        </p:nvSpPr>
+        <p:spPr>
+          <a:xfrm>
+            <a:off x="5735782" y="1104586"/>
+            <a:ext cx="3093522" cy="5078313"/>
+          </a:xfrm>
+          <a:prstGeom prst="rect">
+            <a:avLst/>
+          </a:prstGeom>
+        </p:spPr>
+        <p:txBody>
+          <a:bodyPr wrap="square">
+            <a:spAutoFit/>
+          </a:bodyPr>
+          <a:lstStyle/>
+          <a:p>
+            <a:r>
+              <a:rPr lang="en-US" dirty="0">
+                <a:latin typeface="Menlo" charset="0"/>
+              </a:rPr>
+              <a:t>"</a:t>
+            </a:r>
+            <a:r>
+              <a:rPr lang="en-US" dirty="0">
+                <a:solidFill>
+                  <a:srgbClr val="FF0000"/>
+                </a:solidFill>
+                <a:latin typeface="Menlo" charset="0"/>
+              </a:rPr>
+              <a:t>pattern</a:t>
+            </a:r>
+            <a:r>
+              <a:rPr lang="en-US" dirty="0">
+                <a:latin typeface="Menlo" charset="0"/>
+              </a:rPr>
+              <a:t>": {</a:t>
+            </a:r>
+          </a:p>
+          <a:p>
+            <a:r>
+              <a:rPr lang="en-US" dirty="0">
+                <a:latin typeface="Menlo" charset="0"/>
+              </a:rPr>
+              <a:t>  "type": "string"</a:t>
+            </a:r>
+          </a:p>
+          <a:p>
+            <a:r>
+              <a:rPr lang="en-US" dirty="0">
+                <a:latin typeface="Menlo" charset="0"/>
+              </a:rPr>
+              <a:t>},</a:t>
+            </a:r>
+          </a:p>
+          <a:p>
+            <a:r>
+              <a:rPr lang="en-US" dirty="0">
+                <a:latin typeface="Menlo" charset="0"/>
+              </a:rPr>
+              <a:t>"</a:t>
+            </a:r>
+            <a:r>
+              <a:rPr lang="en-US" dirty="0">
+                <a:solidFill>
+                  <a:srgbClr val="FF0000"/>
+                </a:solidFill>
+                <a:latin typeface="Menlo" charset="0"/>
+              </a:rPr>
+              <a:t>minimum</a:t>
+            </a:r>
+            <a:r>
+              <a:rPr lang="en-US" dirty="0">
+                <a:latin typeface="Menlo" charset="0"/>
+              </a:rPr>
+              <a:t>": {</a:t>
+            </a:r>
+          </a:p>
+          <a:p>
+            <a:r>
+              <a:rPr lang="en-US" dirty="0">
+                <a:latin typeface="Menlo" charset="0"/>
+              </a:rPr>
+              <a:t>  "type": "number"</a:t>
+            </a:r>
+          </a:p>
+          <a:p>
+            <a:r>
+              <a:rPr lang="en-US" dirty="0">
+                <a:latin typeface="Menlo" charset="0"/>
+              </a:rPr>
+              <a:t>},</a:t>
+            </a:r>
+          </a:p>
+          <a:p>
+            <a:r>
+              <a:rPr lang="en-US" dirty="0">
+                <a:latin typeface="Menlo" charset="0"/>
+              </a:rPr>
+              <a:t>"</a:t>
+            </a:r>
+            <a:r>
+              <a:rPr lang="en-US" dirty="0">
+                <a:solidFill>
+                  <a:srgbClr val="FF0000"/>
+                </a:solidFill>
+                <a:latin typeface="Menlo" charset="0"/>
+              </a:rPr>
+              <a:t>maximum</a:t>
+            </a:r>
+            <a:r>
+              <a:rPr lang="en-US" dirty="0">
+                <a:latin typeface="Menlo" charset="0"/>
+              </a:rPr>
+              <a:t>": {</a:t>
+            </a:r>
+          </a:p>
+          <a:p>
+            <a:r>
+              <a:rPr lang="en-US" dirty="0">
+                <a:latin typeface="Menlo" charset="0"/>
+              </a:rPr>
+              <a:t>"type": "number"</a:t>
+            </a:r>
+          </a:p>
+          <a:p>
+            <a:r>
+              <a:rPr lang="en-US" dirty="0">
+                <a:latin typeface="Menlo" charset="0"/>
+              </a:rPr>
+              <a:t>},</a:t>
+            </a:r>
+          </a:p>
+          <a:p>
+            <a:r>
+              <a:rPr lang="en-US" dirty="0">
+                <a:latin typeface="Menlo" charset="0"/>
+              </a:rPr>
+              <a:t>"</a:t>
+            </a:r>
+            <a:r>
+              <a:rPr lang="en-US" dirty="0" err="1">
+                <a:solidFill>
+                  <a:srgbClr val="FF0000"/>
+                </a:solidFill>
+                <a:latin typeface="Menlo" charset="0"/>
+              </a:rPr>
+              <a:t>multipleOf</a:t>
+            </a:r>
+            <a:r>
+              <a:rPr lang="en-US" dirty="0">
+                <a:latin typeface="Menlo" charset="0"/>
+              </a:rPr>
+              <a:t>": {</a:t>
+            </a:r>
+          </a:p>
+          <a:p>
+            <a:r>
+              <a:rPr lang="en-US" dirty="0">
+                <a:latin typeface="Menlo" charset="0"/>
+              </a:rPr>
+              <a:t>"type": "number"</a:t>
+            </a:r>
+          </a:p>
+          <a:p>
+            <a:r>
+              <a:rPr lang="en-US" dirty="0">
+                <a:latin typeface="Menlo" charset="0"/>
+              </a:rPr>
+              <a:t>},</a:t>
+            </a:r>
+          </a:p>
+          <a:p>
+            <a:r>
+              <a:rPr lang="en-US" dirty="0">
+                <a:latin typeface="Menlo" charset="0"/>
+              </a:rPr>
+              <a:t>"</a:t>
+            </a:r>
+            <a:r>
+              <a:rPr lang="en-US" dirty="0" err="1">
+                <a:solidFill>
+                  <a:srgbClr val="FF0000"/>
+                </a:solidFill>
+                <a:latin typeface="Menlo" charset="0"/>
+              </a:rPr>
+              <a:t>maxLength</a:t>
+            </a:r>
+            <a:r>
+              <a:rPr lang="en-US" dirty="0">
+                <a:latin typeface="Menlo" charset="0"/>
+              </a:rPr>
+              <a:t>": {</a:t>
+            </a:r>
+          </a:p>
+          <a:p>
+            <a:r>
+              <a:rPr lang="en-US" dirty="0">
+                <a:latin typeface="Menlo" charset="0"/>
+              </a:rPr>
+              <a:t>"type": "number"</a:t>
+            </a:r>
+          </a:p>
+          <a:p>
+            <a:r>
+              <a:rPr lang="en-US" dirty="0">
+                <a:latin typeface="Menlo" charset="0"/>
+              </a:rPr>
+              <a:t>},</a:t>
+            </a:r>
+          </a:p>
+          <a:p>
+            <a:r>
+              <a:rPr lang="en-US" dirty="0">
+                <a:latin typeface="Menlo" charset="0"/>
+              </a:rPr>
+              <a:t>"</a:t>
+            </a:r>
+            <a:r>
+              <a:rPr lang="en-US" dirty="0" err="1">
+                <a:solidFill>
+                  <a:srgbClr val="FF0000"/>
+                </a:solidFill>
+                <a:latin typeface="Menlo" charset="0"/>
+              </a:rPr>
+              <a:t>minLength</a:t>
+            </a:r>
+            <a:r>
+              <a:rPr lang="en-US" dirty="0">
+                <a:latin typeface="Menlo" charset="0"/>
+              </a:rPr>
+              <a:t>": {</a:t>
+            </a:r>
+          </a:p>
+          <a:p>
+            <a:r>
+              <a:rPr lang="en-US" dirty="0">
+                <a:latin typeface="Menlo" charset="0"/>
+              </a:rPr>
+              <a:t>"type": "number"</a:t>
+            </a:r>
+          </a:p>
+          <a:p>
+            <a:r>
+              <a:rPr lang="en-US" dirty="0">
+                <a:latin typeface="Menlo" charset="0"/>
+              </a:rPr>
+              <a:t>},</a:t>
+            </a:r>
+          </a:p>
+        </p:txBody>
+      </p:sp>
+    </p:spTree>
+    <p:extLst>
+      <p:ext uri="{BB962C8B-B14F-4D97-AF65-F5344CB8AC3E}">
+        <p14:creationId xmlns:p14="http://schemas.microsoft.com/office/powerpoint/2010/main" val="1547506564"/>
+      </p:ext>
+    </p:extLst>
+  </p:cSld>
+  <p:clrMapOvr>
+    <a:masterClrMapping/>
+  </p:clrMapOvr>
+</p:sld>
+</file>
+
+<file path=ppt/slides/slide18.xml><?xml version="1.0" encoding="utf-8"?>
+<p:sld xmlns:a="http://schemas.openxmlformats.org/drawingml/2006/main" xmlns:r="http://schemas.openxmlformats.org/officeDocument/2006/relationships" xmlns:p="http://schemas.openxmlformats.org/presentationml/2006/main">
+  <p:cSld>
+    <p:spTree>
+      <p:nvGrpSpPr>
+        <p:cNvPr id="1" name=""/>
+        <p:cNvGrpSpPr/>
+        <p:nvPr/>
+      </p:nvGrpSpPr>
+      <p:grpSpPr>
+        <a:xfrm>
+          <a:off x="0" y="0"/>
+          <a:ext cx="0" cy="0"/>
+          <a:chOff x="0" y="0"/>
+          <a:chExt cx="0" cy="0"/>
+        </a:xfrm>
+      </p:grpSpPr>
+      <p:sp>
+        <p:nvSpPr>
           <p:cNvPr id="4" name="Rectangle 3"/>
           <p:cNvSpPr/>
           <p:nvPr/>
@@ -4776,21 +5857,74 @@
           </a:p>
           <a:p>
             <a:r>
-              <a:rPr lang="en-US" dirty="0" smtClean="0">
+              <a:rPr lang="en-US" dirty="0">
+                <a:latin typeface="Menlo" charset="0"/>
+              </a:rPr>
+              <a:t>  "type": "array",</a:t>
+            </a:r>
+          </a:p>
+          <a:p>
+            <a:r>
+              <a:rPr lang="en-US" dirty="0">
                 <a:latin typeface="Menlo" charset="0"/>
               </a:rPr>
               <a:t>  "</a:t>
             </a:r>
             <a:r>
-              <a:rPr lang="en-US" dirty="0">
-                <a:latin typeface="Menlo" charset="0"/>
-              </a:rPr>
-              <a:t>type": "array",</a:t>
-            </a:r>
-          </a:p>
-          <a:p>
-            <a:r>
-              <a:rPr lang="en-US" dirty="0" smtClean="0">
+              <a:rPr lang="en-US" dirty="0" err="1">
+                <a:latin typeface="Menlo" charset="0"/>
+              </a:rPr>
+              <a:t>minItems</a:t>
+            </a:r>
+            <a:r>
+              <a:rPr lang="en-US" dirty="0">
+                <a:latin typeface="Menlo" charset="0"/>
+              </a:rPr>
+              <a:t>": 1</a:t>
+            </a:r>
+          </a:p>
+          <a:p>
+            <a:r>
+              <a:rPr lang="en-US" dirty="0">
+                <a:latin typeface="Menlo" charset="0"/>
+              </a:rPr>
+              <a:t>},</a:t>
+            </a:r>
+          </a:p>
+          <a:p>
+            <a:r>
+              <a:rPr lang="en-US" dirty="0">
+                <a:latin typeface="Menlo" charset="0"/>
+              </a:rPr>
+              <a:t>"</a:t>
+            </a:r>
+            <a:r>
+              <a:rPr lang="en-US" dirty="0" err="1">
+                <a:solidFill>
+                  <a:srgbClr val="FF0000"/>
+                </a:solidFill>
+                <a:latin typeface="Menlo" charset="0"/>
+              </a:rPr>
+              <a:t>anyOf</a:t>
+            </a:r>
+            <a:r>
+              <a:rPr lang="en-US" dirty="0">
+                <a:latin typeface="Menlo" charset="0"/>
+              </a:rPr>
+              <a:t>": {</a:t>
+            </a:r>
+          </a:p>
+          <a:p>
+            <a:r>
+              <a:rPr lang="en-US" dirty="0">
+                <a:latin typeface="Menlo" charset="0"/>
+              </a:rPr>
+              <a:t>  "type": "array",</a:t>
+            </a:r>
+          </a:p>
+          <a:p>
+            <a:r>
+              <a:rPr lang="en-US" dirty="0">
                 <a:latin typeface="Menlo" charset="0"/>
               </a:rPr>
               <a:t>  "</a:t>
@@ -4805,6 +5939,65 @@
               <a:rPr lang="en-US" dirty="0">
                 <a:latin typeface="Menlo" charset="0"/>
               </a:rPr>
+              <a:t>": 1 </a:t>
+            </a:r>
+          </a:p>
+          <a:p>
+            <a:r>
+              <a:rPr lang="en-US" dirty="0">
+                <a:latin typeface="Menlo" charset="0"/>
+              </a:rPr>
+              <a:t>},</a:t>
+            </a:r>
+          </a:p>
+          <a:p>
+            <a:r>
+              <a:rPr lang="en-US" dirty="0">
+                <a:latin typeface="Menlo" charset="0"/>
+              </a:rPr>
+              <a:t>"</a:t>
+            </a:r>
+            <a:r>
+              <a:rPr lang="en-US" dirty="0" err="1">
+                <a:solidFill>
+                  <a:srgbClr val="FF0000"/>
+                </a:solidFill>
+                <a:latin typeface="Menlo" charset="0"/>
+              </a:rPr>
+              <a:t>allOf</a:t>
+            </a:r>
+            <a:r>
+              <a:rPr lang="en-US" dirty="0">
+                <a:latin typeface="Menlo" charset="0"/>
+              </a:rPr>
+              <a:t>": {</a:t>
+            </a:r>
+          </a:p>
+          <a:p>
+            <a:r>
+              <a:rPr lang="en-US" dirty="0">
+                <a:latin typeface="Menlo" charset="0"/>
+              </a:rPr>
+              <a:t>  "type": "array",</a:t>
+            </a:r>
+          </a:p>
+          <a:p>
+            <a:r>
+              <a:rPr lang="en-US" dirty="0">
+                <a:latin typeface="Menlo" charset="0"/>
+              </a:rPr>
+              <a:t>  "</a:t>
+            </a:r>
+            <a:r>
+              <a:rPr lang="en-US" dirty="0" err="1">
+                <a:latin typeface="Menlo" charset="0"/>
+              </a:rPr>
+              <a:t>minItems</a:t>
+            </a:r>
+            <a:r>
+              <a:rPr lang="en-US" dirty="0">
+                <a:latin typeface="Menlo" charset="0"/>
+              </a:rPr>
               <a:t>": 1</a:t>
             </a:r>
           </a:p>
@@ -4824,160 +6017,30 @@
               <a:t>"</a:t>
             </a:r>
             <a:r>
+              <a:rPr lang="en-US" dirty="0">
+                <a:solidFill>
+                  <a:srgbClr val="FF0000"/>
+                </a:solidFill>
+                <a:latin typeface="Menlo" charset="0"/>
+              </a:rPr>
+              <a:t>items</a:t>
+            </a:r>
+            <a:r>
+              <a:rPr lang="en-US" dirty="0">
+                <a:latin typeface="Menlo" charset="0"/>
+              </a:rPr>
+              <a:t>": {</a:t>
+            </a:r>
+          </a:p>
+          <a:p>
+            <a:r>
+              <a:rPr lang="en-US" dirty="0">
+                <a:latin typeface="Menlo" charset="0"/>
+              </a:rPr>
+              <a:t>  "</a:t>
+            </a:r>
+            <a:r>
               <a:rPr lang="en-US" dirty="0" err="1">
-                <a:solidFill>
-                  <a:srgbClr val="FF0000"/>
-                </a:solidFill>
-                <a:latin typeface="Menlo" charset="0"/>
-              </a:rPr>
-              <a:t>anyOf</a:t>
-            </a:r>
-            <a:r>
-              <a:rPr lang="en-US" dirty="0">
-                <a:latin typeface="Menlo" charset="0"/>
-              </a:rPr>
-              <a:t>": {</a:t>
-            </a:r>
-          </a:p>
-          <a:p>
-            <a:r>
-              <a:rPr lang="en-US" dirty="0" smtClean="0">
-                <a:latin typeface="Menlo" charset="0"/>
-              </a:rPr>
-              <a:t>  "</a:t>
-            </a:r>
-            <a:r>
-              <a:rPr lang="en-US" dirty="0">
-                <a:latin typeface="Menlo" charset="0"/>
-              </a:rPr>
-              <a:t>type": "array",</a:t>
-            </a:r>
-          </a:p>
-          <a:p>
-            <a:r>
-              <a:rPr lang="en-US" dirty="0" smtClean="0">
-                <a:latin typeface="Menlo" charset="0"/>
-              </a:rPr>
-              <a:t>  "</a:t>
-            </a:r>
-            <a:r>
-              <a:rPr lang="en-US" dirty="0" err="1">
-                <a:latin typeface="Menlo" charset="0"/>
-              </a:rPr>
-              <a:t>minItems</a:t>
-            </a:r>
-            <a:r>
-              <a:rPr lang="en-US" dirty="0">
-                <a:latin typeface="Menlo" charset="0"/>
-              </a:rPr>
-              <a:t>": 1 </a:t>
-            </a:r>
-          </a:p>
-          <a:p>
-            <a:r>
-              <a:rPr lang="en-US" dirty="0">
-                <a:latin typeface="Menlo" charset="0"/>
-              </a:rPr>
-              <a:t>},</a:t>
-            </a:r>
-          </a:p>
-          <a:p>
-            <a:r>
-              <a:rPr lang="en-US" dirty="0">
-                <a:latin typeface="Menlo" charset="0"/>
-              </a:rPr>
-              <a:t>"</a:t>
-            </a:r>
-            <a:r>
-              <a:rPr lang="en-US" dirty="0" err="1">
-                <a:solidFill>
-                  <a:srgbClr val="FF0000"/>
-                </a:solidFill>
-                <a:latin typeface="Menlo" charset="0"/>
-              </a:rPr>
-              <a:t>allOf</a:t>
-            </a:r>
-            <a:r>
-              <a:rPr lang="en-US" dirty="0">
-                <a:latin typeface="Menlo" charset="0"/>
-              </a:rPr>
-              <a:t>": {</a:t>
-            </a:r>
-          </a:p>
-          <a:p>
-            <a:r>
-              <a:rPr lang="en-US" dirty="0" smtClean="0">
-                <a:latin typeface="Menlo" charset="0"/>
-              </a:rPr>
-              <a:t>  "</a:t>
-            </a:r>
-            <a:r>
-              <a:rPr lang="en-US" dirty="0">
-                <a:latin typeface="Menlo" charset="0"/>
-              </a:rPr>
-              <a:t>type": "array",</a:t>
-            </a:r>
-          </a:p>
-          <a:p>
-            <a:r>
-              <a:rPr lang="en-US" dirty="0" smtClean="0">
-                <a:latin typeface="Menlo" charset="0"/>
-              </a:rPr>
-              <a:t>  "</a:t>
-            </a:r>
-            <a:r>
-              <a:rPr lang="en-US" dirty="0" err="1">
-                <a:latin typeface="Menlo" charset="0"/>
-              </a:rPr>
-              <a:t>minItems</a:t>
-            </a:r>
-            <a:r>
-              <a:rPr lang="en-US" dirty="0">
-                <a:latin typeface="Menlo" charset="0"/>
-              </a:rPr>
-              <a:t>": 1</a:t>
-            </a:r>
-          </a:p>
-          <a:p>
-            <a:r>
-              <a:rPr lang="en-US" dirty="0">
-                <a:latin typeface="Menlo" charset="0"/>
-              </a:rPr>
-              <a:t>},</a:t>
-            </a:r>
-          </a:p>
-          <a:p>
-            <a:r>
-              <a:rPr lang="en-US" dirty="0">
-                <a:latin typeface="Menlo" charset="0"/>
-              </a:rPr>
-              <a:t>"</a:t>
-            </a:r>
-            <a:r>
-              <a:rPr lang="en-US" dirty="0">
-                <a:solidFill>
-                  <a:srgbClr val="FF0000"/>
-                </a:solidFill>
-                <a:latin typeface="Menlo" charset="0"/>
-              </a:rPr>
-              <a:t>items</a:t>
-            </a:r>
-            <a:r>
-              <a:rPr lang="en-US" dirty="0">
-                <a:latin typeface="Menlo" charset="0"/>
-              </a:rPr>
-              <a:t>": {</a:t>
-            </a:r>
-          </a:p>
-          <a:p>
-            <a:r>
-              <a:rPr lang="en-US" dirty="0" smtClean="0">
-                <a:latin typeface="Menlo" charset="0"/>
-              </a:rPr>
-              <a:t>  "</a:t>
-            </a:r>
-            <a:r>
-              <a:rPr lang="en-US" dirty="0" err="1">
                 <a:latin typeface="Menlo" charset="0"/>
               </a:rPr>
               <a:t>oneOf</a:t>
@@ -4991,60 +6054,27 @@
           </a:p>
           <a:p>
             <a:r>
-              <a:rPr lang="en-US" dirty="0" smtClean="0">
-                <a:latin typeface="Menlo" charset="0"/>
-              </a:rPr>
-              <a:t>    { "</a:t>
-            </a:r>
-            <a:r>
-              <a:rPr lang="en-US" dirty="0">
-                <a:latin typeface="Menlo" charset="0"/>
-              </a:rPr>
-              <a:t>type": "array</a:t>
-            </a:r>
-            <a:r>
-              <a:rPr lang="en-US" dirty="0" smtClean="0">
-                <a:latin typeface="Menlo" charset="0"/>
-              </a:rPr>
-              <a:t>" },</a:t>
-            </a:r>
-            <a:endParaRPr lang="en-US" dirty="0">
-              <a:latin typeface="Menlo" charset="0"/>
-            </a:endParaRPr>
-          </a:p>
-          <a:p>
-            <a:r>
-              <a:rPr lang="en-US" dirty="0" smtClean="0">
-                <a:latin typeface="Menlo" charset="0"/>
-              </a:rPr>
-              <a:t>    { "</a:t>
-            </a:r>
-            <a:r>
-              <a:rPr lang="en-US" dirty="0">
-                <a:latin typeface="Menlo" charset="0"/>
-              </a:rPr>
-              <a:t>type": "object</a:t>
-            </a:r>
-            <a:r>
-              <a:rPr lang="en-US" dirty="0" smtClean="0">
-                <a:latin typeface="Menlo" charset="0"/>
-              </a:rPr>
-              <a:t>" }</a:t>
-            </a:r>
-            <a:endParaRPr lang="en-US" dirty="0">
-              <a:latin typeface="Menlo" charset="0"/>
-            </a:endParaRPr>
-          </a:p>
-          <a:p>
-            <a:r>
-              <a:rPr lang="en-US" dirty="0" smtClean="0">
+              <a:rPr lang="en-US" dirty="0">
+                <a:latin typeface="Menlo" charset="0"/>
+              </a:rPr>
+              <a:t>    { "type": "array" },</a:t>
+            </a:r>
+          </a:p>
+          <a:p>
+            <a:r>
+              <a:rPr lang="en-US" dirty="0">
+                <a:latin typeface="Menlo" charset="0"/>
+              </a:rPr>
+              <a:t>    { "type": "object" }</a:t>
+            </a:r>
+          </a:p>
+          <a:p>
+            <a:r>
+              <a:rPr lang="en-US" dirty="0">
                 <a:latin typeface="Menlo" charset="0"/>
               </a:rPr>
               <a:t>  ]</a:t>
             </a:r>
-            <a:endParaRPr lang="en-US" dirty="0">
-              <a:latin typeface="Menlo" charset="0"/>
-            </a:endParaRPr>
           </a:p>
           <a:p>
             <a:r>
@@ -5078,7 +6108,7 @@
           <a:lstStyle/>
           <a:p>
             <a:r>
-              <a:rPr lang="en-US" dirty="0" smtClean="0">
+              <a:rPr lang="en-US" dirty="0">
                 <a:latin typeface="Menlo" charset="0"/>
               </a:rPr>
               <a:t>"</a:t>
@@ -5101,7 +6131,7 @@
           </a:p>
           <a:p>
             <a:r>
-              <a:rPr lang="en-US" dirty="0" smtClean="0">
+              <a:rPr lang="en-US" dirty="0">
                 <a:latin typeface="Menlo" charset="0"/>
               </a:rPr>
               <a:t>  "</a:t>
@@ -5121,60 +6151,27 @@
           </a:p>
           <a:p>
             <a:r>
-              <a:rPr lang="en-US" dirty="0" smtClean="0">
-                <a:latin typeface="Menlo" charset="0"/>
-              </a:rPr>
-              <a:t>    { "</a:t>
-            </a:r>
-            <a:r>
-              <a:rPr lang="en-US" dirty="0">
-                <a:latin typeface="Menlo" charset="0"/>
-              </a:rPr>
-              <a:t>type": "array</a:t>
-            </a:r>
-            <a:r>
-              <a:rPr lang="en-US" dirty="0" smtClean="0">
-                <a:latin typeface="Menlo" charset="0"/>
-              </a:rPr>
-              <a:t>" },</a:t>
-            </a:r>
-            <a:endParaRPr lang="en-US" dirty="0">
-              <a:latin typeface="Menlo" charset="0"/>
-            </a:endParaRPr>
-          </a:p>
-          <a:p>
-            <a:r>
-              <a:rPr lang="en-US" dirty="0" smtClean="0">
-                <a:latin typeface="Menlo" charset="0"/>
-              </a:rPr>
-              <a:t>    { "</a:t>
-            </a:r>
-            <a:r>
-              <a:rPr lang="en-US" dirty="0">
-                <a:latin typeface="Menlo" charset="0"/>
-              </a:rPr>
-              <a:t>type": "object</a:t>
-            </a:r>
-            <a:r>
-              <a:rPr lang="en-US" dirty="0" smtClean="0">
-                <a:latin typeface="Menlo" charset="0"/>
-              </a:rPr>
-              <a:t>" }</a:t>
-            </a:r>
-            <a:endParaRPr lang="en-US" dirty="0">
-              <a:latin typeface="Menlo" charset="0"/>
-            </a:endParaRPr>
-          </a:p>
-          <a:p>
-            <a:r>
-              <a:rPr lang="en-US" dirty="0" smtClean="0">
+              <a:rPr lang="en-US" dirty="0">
+                <a:latin typeface="Menlo" charset="0"/>
+              </a:rPr>
+              <a:t>    { "type": "array" },</a:t>
+            </a:r>
+          </a:p>
+          <a:p>
+            <a:r>
+              <a:rPr lang="en-US" dirty="0">
+                <a:latin typeface="Menlo" charset="0"/>
+              </a:rPr>
+              <a:t>    { "type": "object" }</a:t>
+            </a:r>
+          </a:p>
+          <a:p>
+            <a:r>
+              <a:rPr lang="en-US" dirty="0">
                 <a:latin typeface="Menlo" charset="0"/>
               </a:rPr>
               <a:t>  ]</a:t>
             </a:r>
-            <a:endParaRPr lang="en-US" dirty="0">
-              <a:latin typeface="Menlo" charset="0"/>
-            </a:endParaRPr>
           </a:p>
           <a:p>
             <a:r>
@@ -5209,16 +6206,10 @@
           </a:p>
           <a:p>
             <a:r>
-              <a:rPr lang="en-US" dirty="0" smtClean="0">
-                <a:latin typeface="Menlo" charset="0"/>
-              </a:rPr>
-              <a:t>  "</a:t>
-            </a:r>
-            <a:r>
-              <a:rPr lang="en-US" dirty="0">
-                <a:latin typeface="Menlo" charset="0"/>
-              </a:rPr>
-              <a:t>type": "number"</a:t>
+              <a:rPr lang="en-US" dirty="0">
+                <a:latin typeface="Menlo" charset="0"/>
+              </a:rPr>
+              <a:t>  "type": "number"</a:t>
             </a:r>
           </a:p>
           <a:p>
@@ -5254,16 +6245,10 @@
           </a:p>
           <a:p>
             <a:r>
-              <a:rPr lang="en-US" dirty="0" smtClean="0">
-                <a:latin typeface="Menlo" charset="0"/>
-              </a:rPr>
-              <a:t>  "</a:t>
-            </a:r>
-            <a:r>
-              <a:rPr lang="en-US" dirty="0">
-                <a:latin typeface="Menlo" charset="0"/>
-              </a:rPr>
-              <a:t>type": "number"</a:t>
+              <a:rPr lang="en-US" dirty="0">
+                <a:latin typeface="Menlo" charset="0"/>
+              </a:rPr>
+              <a:t>  "type": "number"</a:t>
             </a:r>
           </a:p>
           <a:p>
@@ -5299,28 +6284,19 @@
           </a:p>
           <a:p>
             <a:r>
-              <a:rPr lang="en-US" dirty="0" smtClean="0">
-                <a:latin typeface="Menlo" charset="0"/>
-              </a:rPr>
-              <a:t>  "</a:t>
-            </a:r>
-            <a:r>
-              <a:rPr lang="en-US" dirty="0">
-                <a:latin typeface="Menlo" charset="0"/>
-              </a:rPr>
-              <a:t>type": "object"</a:t>
-            </a:r>
-          </a:p>
-          <a:p>
-            <a:r>
-              <a:rPr lang="en-US" dirty="0" smtClean="0">
+              <a:rPr lang="en-US" dirty="0">
+                <a:latin typeface="Menlo" charset="0"/>
+              </a:rPr>
+              <a:t>  "type": "object"</a:t>
+            </a:r>
+          </a:p>
+          <a:p>
+            <a:r>
+              <a:rPr lang="en-US" dirty="0">
                 <a:latin typeface="Menlo" charset="0"/>
               </a:rPr>
               <a:t>},</a:t>
             </a:r>
-            <a:endParaRPr lang="en-US" dirty="0">
-              <a:latin typeface="Menlo" charset="0"/>
-            </a:endParaRPr>
           </a:p>
         </p:txBody>
       </p:sp>
@@ -5345,10 +6321,9 @@
           <a:lstStyle/>
           <a:p>
             <a:r>
-              <a:rPr lang="en-US" dirty="0" smtClean="0"/>
+              <a:rPr lang="en-US" dirty="0"/>
               <a:t>Structured Data Qualities </a:t>
             </a:r>
-            <a:endParaRPr lang="en-US" dirty="0"/>
           </a:p>
         </p:txBody>
       </p:sp>
@@ -5403,10 +6378,9 @@
           <a:lstStyle/>
           <a:p>
             <a:r>
-              <a:rPr lang="en-US" dirty="0" smtClean="0"/>
+              <a:rPr lang="en-US" dirty="0"/>
               <a:t>Overview</a:t>
             </a:r>
-            <a:endParaRPr lang="en-US" dirty="0"/>
           </a:p>
         </p:txBody>
       </p:sp>
@@ -5431,46 +6405,46 @@
           <a:lstStyle/>
           <a:p>
             <a:r>
-              <a:rPr lang="en-US" dirty="0" smtClean="0"/>
+              <a:rPr lang="en-US" dirty="0"/>
               <a:t>Simple definition format for the ODM ontology</a:t>
             </a:r>
           </a:p>
           <a:p>
             <a:pPr lvl="1"/>
             <a:r>
-              <a:rPr lang="en-US" dirty="0" smtClean="0"/>
+              <a:rPr lang="en-US" dirty="0"/>
               <a:t>Object</a:t>
             </a:r>
           </a:p>
           <a:p>
             <a:pPr lvl="1"/>
             <a:r>
-              <a:rPr lang="en-US" dirty="0" smtClean="0"/>
+              <a:rPr lang="en-US" dirty="0"/>
               <a:t>Event, Action, Property</a:t>
             </a:r>
           </a:p>
           <a:p>
             <a:pPr lvl="1"/>
             <a:r>
-              <a:rPr lang="en-US" dirty="0" smtClean="0"/>
+              <a:rPr lang="en-US" dirty="0"/>
               <a:t>Data types</a:t>
             </a:r>
           </a:p>
           <a:p>
             <a:r>
-              <a:rPr lang="en-US" dirty="0" smtClean="0"/>
+              <a:rPr lang="en-US" dirty="0"/>
               <a:t>Usable by domain experts</a:t>
             </a:r>
           </a:p>
           <a:p>
             <a:r>
-              <a:rPr lang="en-US" dirty="0" smtClean="0"/>
+              <a:rPr lang="en-US" dirty="0"/>
               <a:t>Defined namespaces using curie notation</a:t>
             </a:r>
           </a:p>
           <a:p>
             <a:r>
-              <a:rPr lang="en-US" dirty="0" smtClean="0"/>
+              <a:rPr lang="en-US" dirty="0"/>
               <a:t>JSON format description document</a:t>
             </a:r>
           </a:p>
@@ -5482,19 +6456,13 @@
               <a:rPr lang="en-US" sz="2000" dirty="0">
                 <a:hlinkClick r:id="rId2"/>
               </a:rPr>
-              <a:t>https://</a:t>
-            </a:r>
-            <a:r>
-              <a:rPr lang="en-US" sz="2000" dirty="0" smtClean="0">
-                <a:hlinkClick r:id="rId2"/>
-              </a:rPr>
-              <a:t>github.com/mjkoster/ODM-Examples/blob/master/sdf.md</a:t>
-            </a:r>
-            <a:endParaRPr lang="en-US" sz="2000" dirty="0" smtClean="0"/>
-          </a:p>
-          <a:p>
-            <a:r>
-              <a:rPr lang="en-US" dirty="0" smtClean="0"/>
+              <a:t>https://github.com/mjkoster/ODM-Examples/blob/master/sdf.md</a:t>
+            </a:r>
+            <a:endParaRPr lang="en-US" sz="2000" dirty="0"/>
+          </a:p>
+          <a:p>
+            <a:r>
+              <a:rPr lang="en-US" dirty="0"/>
               <a:t>JSON Schema for validation and conversion</a:t>
             </a:r>
           </a:p>
@@ -5503,24 +6471,12 @@
               <a:buNone/>
             </a:pPr>
             <a:r>
-              <a:rPr lang="en-US" sz="2000" dirty="0" smtClean="0">
-                <a:hlinkClick r:id="rId3"/>
-              </a:rPr>
-              <a:t>https</a:t>
-            </a:r>
-            <a:r>
               <a:rPr lang="en-US" sz="2000" dirty="0">
                 <a:hlinkClick r:id="rId3"/>
               </a:rPr>
-              <a:t>://</a:t>
-            </a:r>
-            <a:r>
-              <a:rPr lang="en-US" sz="2000" dirty="0" smtClean="0">
-                <a:hlinkClick r:id="rId3"/>
-              </a:rPr>
-              <a:t>github.com/mjkoster/ODM-Examples/blob/master/sdf-schema.json</a:t>
-            </a:r>
-            <a:endParaRPr lang="en-US" sz="2000" dirty="0" smtClean="0"/>
+              <a:t>https://github.com/mjkoster/ODM-Examples/blob/master/sdf-schema.json</a:t>
+            </a:r>
+            <a:endParaRPr lang="en-US" sz="2000" dirty="0"/>
           </a:p>
         </p:txBody>
       </p:sp>
@@ -5566,7 +6522,7 @@
         </p:nvSpPr>
         <p:spPr>
           <a:xfrm>
-            <a:off x="2090057" y="-154379"/>
+            <a:off x="1850027" y="-200099"/>
             <a:ext cx="7137811" cy="1325563"/>
           </a:xfrm>
         </p:spPr>
@@ -5574,11 +6530,11 @@
           <a:bodyPr/>
           <a:lstStyle/>
           <a:p>
-            <a:r>
-              <a:rPr lang="en-US" dirty="0" smtClean="0"/>
+            <a:pPr algn="r"/>
+            <a:r>
+              <a:rPr lang="en-US" dirty="0"/>
               <a:t>Simple Definition Format</a:t>
             </a:r>
-            <a:endParaRPr lang="en-US" dirty="0"/>
           </a:p>
         </p:txBody>
       </p:sp>
@@ -5614,7 +6570,7 @@
           </a:p>
           <a:p>
             <a:r>
-              <a:rPr lang="en-US" sz="1600" dirty="0" smtClean="0">
+              <a:rPr lang="en-US" sz="1600" dirty="0">
                 <a:latin typeface="Courier" charset="0"/>
                 <a:ea typeface="Courier" charset="0"/>
                 <a:cs typeface="Courier" charset="0"/>
@@ -5643,7 +6599,102 @@
           </a:p>
           <a:p>
             <a:r>
-              <a:rPr lang="en-US" sz="1600" dirty="0" smtClean="0">
+              <a:rPr lang="en-US" sz="1600" dirty="0">
+                <a:latin typeface="Courier" charset="0"/>
+                <a:ea typeface="Courier" charset="0"/>
+                <a:cs typeface="Courier" charset="0"/>
+              </a:rPr>
+              <a:t>    "title": "Example file for ODM Simple JSON Definition Format",</a:t>
+            </a:r>
+          </a:p>
+          <a:p>
+            <a:r>
+              <a:rPr lang="en-US" sz="1600" dirty="0">
+                <a:latin typeface="Courier" charset="0"/>
+                <a:ea typeface="Courier" charset="0"/>
+                <a:cs typeface="Courier" charset="0"/>
+              </a:rPr>
+              <a:t>    "version": "20190404",</a:t>
+            </a:r>
+          </a:p>
+          <a:p>
+            <a:r>
+              <a:rPr lang="en-US" sz="1600" dirty="0">
+                <a:latin typeface="Courier" charset="0"/>
+                <a:ea typeface="Courier" charset="0"/>
+                <a:cs typeface="Courier" charset="0"/>
+              </a:rPr>
+              <a:t>    "copyright": "Copyright 2019 Example Corp. All rights reserved.",</a:t>
+            </a:r>
+          </a:p>
+          <a:p>
+            <a:r>
+              <a:rPr lang="en-US" sz="1600" dirty="0">
+                <a:latin typeface="Courier" charset="0"/>
+                <a:ea typeface="Courier" charset="0"/>
+                <a:cs typeface="Courier" charset="0"/>
+              </a:rPr>
+              <a:t>    "license": "http://</a:t>
+            </a:r>
+            <a:r>
+              <a:rPr lang="en-US" sz="1600" dirty="0" err="1">
+                <a:latin typeface="Courier" charset="0"/>
+                <a:ea typeface="Courier" charset="0"/>
+                <a:cs typeface="Courier" charset="0"/>
+              </a:rPr>
+              <a:t>example.com</a:t>
+            </a:r>
+            <a:r>
+              <a:rPr lang="en-US" sz="1600" dirty="0">
+                <a:latin typeface="Courier" charset="0"/>
+                <a:ea typeface="Courier" charset="0"/>
+                <a:cs typeface="Courier" charset="0"/>
+              </a:rPr>
+              <a:t>/license"</a:t>
+            </a:r>
+          </a:p>
+          <a:p>
+            <a:r>
+              <a:rPr lang="en-US" sz="1600" dirty="0">
+                <a:latin typeface="Courier" charset="0"/>
+                <a:ea typeface="Courier" charset="0"/>
+                <a:cs typeface="Courier" charset="0"/>
+              </a:rPr>
+              <a:t>  },</a:t>
+            </a:r>
+          </a:p>
+          <a:p>
+            <a:r>
+              <a:rPr lang="en-US" sz="1600" dirty="0">
+                <a:latin typeface="Courier" charset="0"/>
+                <a:ea typeface="Courier" charset="0"/>
+                <a:cs typeface="Courier" charset="0"/>
+              </a:rPr>
+              <a:t>  "</a:t>
+            </a:r>
+            <a:r>
+              <a:rPr lang="en-US" sz="1600" dirty="0">
+                <a:solidFill>
+                  <a:srgbClr val="FF0000"/>
+                </a:solidFill>
+                <a:latin typeface="Courier" charset="0"/>
+                <a:ea typeface="Courier" charset="0"/>
+                <a:cs typeface="Courier" charset="0"/>
+              </a:rPr>
+              <a:t>namespace</a:t>
+            </a:r>
+            <a:r>
+              <a:rPr lang="en-US" sz="1600" dirty="0">
+                <a:latin typeface="Courier" charset="0"/>
+                <a:ea typeface="Courier" charset="0"/>
+                <a:cs typeface="Courier" charset="0"/>
+              </a:rPr>
+              <a:t>": {</a:t>
+            </a:r>
+          </a:p>
+          <a:p>
+            <a:r>
+              <a:rPr lang="en-US" sz="1600" dirty="0">
                 <a:latin typeface="Courier" charset="0"/>
                 <a:ea typeface="Courier" charset="0"/>
                 <a:cs typeface="Courier" charset="0"/>
@@ -5651,17 +6702,169 @@
               <a:t>    "</a:t>
             </a:r>
             <a:r>
+              <a:rPr lang="en-US" sz="1600" dirty="0" err="1">
+                <a:latin typeface="Courier" charset="0"/>
+                <a:ea typeface="Courier" charset="0"/>
+                <a:cs typeface="Courier" charset="0"/>
+              </a:rPr>
+              <a:t>st</a:t>
+            </a:r>
+            <a:r>
               <a:rPr lang="en-US" sz="1600" dirty="0">
                 <a:latin typeface="Courier" charset="0"/>
                 <a:ea typeface="Courier" charset="0"/>
                 <a:cs typeface="Courier" charset="0"/>
               </a:rPr>
-              <a:t>title": "Example file for ODM Simple JSON Definition Format",</a:t>
-            </a:r>
-          </a:p>
-          <a:p>
-            <a:r>
-              <a:rPr lang="en-US" sz="1600" dirty="0" smtClean="0">
+              <a:t>": "</a:t>
+            </a:r>
+            <a:r>
+              <a:rPr lang="en-US" sz="1600" dirty="0">
+                <a:solidFill>
+                  <a:srgbClr val="00B050"/>
+                </a:solidFill>
+                <a:latin typeface="Courier" charset="0"/>
+                <a:ea typeface="Courier" charset="0"/>
+                <a:cs typeface="Courier" charset="0"/>
+              </a:rPr>
+              <a:t>http://</a:t>
+            </a:r>
+            <a:r>
+              <a:rPr lang="en-US" sz="1600" dirty="0" err="1">
+                <a:solidFill>
+                  <a:srgbClr val="00B050"/>
+                </a:solidFill>
+                <a:latin typeface="Courier" charset="0"/>
+                <a:ea typeface="Courier" charset="0"/>
+                <a:cs typeface="Courier" charset="0"/>
+              </a:rPr>
+              <a:t>example.com</a:t>
+            </a:r>
+            <a:r>
+              <a:rPr lang="en-US" sz="1600" dirty="0">
+                <a:solidFill>
+                  <a:srgbClr val="00B050"/>
+                </a:solidFill>
+                <a:latin typeface="Courier" charset="0"/>
+                <a:ea typeface="Courier" charset="0"/>
+                <a:cs typeface="Courier" charset="0"/>
+              </a:rPr>
+              <a:t>/capability/</a:t>
+            </a:r>
+            <a:r>
+              <a:rPr lang="en-US" sz="1600" dirty="0" err="1">
+                <a:solidFill>
+                  <a:srgbClr val="00B050"/>
+                </a:solidFill>
+                <a:latin typeface="Courier" charset="0"/>
+                <a:ea typeface="Courier" charset="0"/>
+                <a:cs typeface="Courier" charset="0"/>
+              </a:rPr>
+              <a:t>odm</a:t>
+            </a:r>
+            <a:r>
+              <a:rPr lang="en-US" sz="1600" dirty="0">
+                <a:latin typeface="Courier" charset="0"/>
+                <a:ea typeface="Courier" charset="0"/>
+                <a:cs typeface="Courier" charset="0"/>
+              </a:rPr>
+              <a:t>"</a:t>
+            </a:r>
+          </a:p>
+          <a:p>
+            <a:r>
+              <a:rPr lang="en-US" sz="1600" dirty="0">
+                <a:latin typeface="Courier" charset="0"/>
+                <a:ea typeface="Courier" charset="0"/>
+                <a:cs typeface="Courier" charset="0"/>
+              </a:rPr>
+              <a:t>  },</a:t>
+            </a:r>
+          </a:p>
+          <a:p>
+            <a:r>
+              <a:rPr lang="en-US" sz="1600" dirty="0">
+                <a:latin typeface="Courier" charset="0"/>
+                <a:ea typeface="Courier" charset="0"/>
+                <a:cs typeface="Courier" charset="0"/>
+              </a:rPr>
+              <a:t>  "</a:t>
+            </a:r>
+            <a:r>
+              <a:rPr lang="en-US" sz="1600" dirty="0" err="1">
+                <a:solidFill>
+                  <a:srgbClr val="FF0000"/>
+                </a:solidFill>
+                <a:latin typeface="Courier" charset="0"/>
+                <a:ea typeface="Courier" charset="0"/>
+                <a:cs typeface="Courier" charset="0"/>
+              </a:rPr>
+              <a:t>defaultNamespace</a:t>
+            </a:r>
+            <a:r>
+              <a:rPr lang="en-US" sz="1600" dirty="0">
+                <a:latin typeface="Courier" charset="0"/>
+                <a:ea typeface="Courier" charset="0"/>
+                <a:cs typeface="Courier" charset="0"/>
+              </a:rPr>
+              <a:t>": "</a:t>
+            </a:r>
+            <a:r>
+              <a:rPr lang="en-US" sz="1600" dirty="0" err="1">
+                <a:latin typeface="Courier" charset="0"/>
+                <a:ea typeface="Courier" charset="0"/>
+                <a:cs typeface="Courier" charset="0"/>
+              </a:rPr>
+              <a:t>st</a:t>
+            </a:r>
+            <a:r>
+              <a:rPr lang="en-US" sz="1600" dirty="0">
+                <a:latin typeface="Courier" charset="0"/>
+                <a:ea typeface="Courier" charset="0"/>
+                <a:cs typeface="Courier" charset="0"/>
+              </a:rPr>
+              <a:t>",</a:t>
+            </a:r>
+          </a:p>
+          <a:p>
+            <a:r>
+              <a:rPr lang="en-US" sz="1600" dirty="0">
+                <a:latin typeface="Courier" charset="0"/>
+                <a:ea typeface="Courier" charset="0"/>
+                <a:cs typeface="Courier" charset="0"/>
+              </a:rPr>
+              <a:t>  </a:t>
+            </a:r>
+            <a:r>
+              <a:rPr lang="mr-IN" sz="1600" dirty="0">
+                <a:latin typeface="Courier" charset="0"/>
+                <a:ea typeface="Courier" charset="0"/>
+                <a:cs typeface="Courier" charset="0"/>
+              </a:rPr>
+              <a:t>"</a:t>
+            </a:r>
+            <a:r>
+              <a:rPr lang="en-US" sz="1600" dirty="0" err="1">
+                <a:solidFill>
+                  <a:srgbClr val="FF0000"/>
+                </a:solidFill>
+                <a:latin typeface="Courier" charset="0"/>
+                <a:ea typeface="Courier" charset="0"/>
+                <a:cs typeface="Courier" charset="0"/>
+              </a:rPr>
+              <a:t>odmObject</a:t>
+            </a:r>
+            <a:r>
+              <a:rPr lang="en-US" sz="1600" dirty="0">
+                <a:latin typeface="Courier" charset="0"/>
+                <a:ea typeface="Courier" charset="0"/>
+                <a:cs typeface="Courier" charset="0"/>
+              </a:rPr>
+              <a:t>": {</a:t>
+            </a:r>
+          </a:p>
+          <a:p>
+            <a:r>
+              <a:rPr lang="en-US" sz="1600" dirty="0">
                 <a:latin typeface="Courier" charset="0"/>
                 <a:ea typeface="Courier" charset="0"/>
                 <a:cs typeface="Courier" charset="0"/>
@@ -5670,21 +6873,14 @@
             </a:r>
             <a:r>
               <a:rPr lang="en-US" sz="1600" dirty="0">
-                <a:latin typeface="Courier" charset="0"/>
-                <a:ea typeface="Courier" charset="0"/>
-                <a:cs typeface="Courier" charset="0"/>
-              </a:rPr>
-              <a:t>version": "20190404",</a:t>
-            </a:r>
-          </a:p>
-          <a:p>
-            <a:r>
-              <a:rPr lang="en-US" sz="1600" dirty="0" smtClean="0">
-                <a:latin typeface="Courier" charset="0"/>
-                <a:ea typeface="Courier" charset="0"/>
-                <a:cs typeface="Courier" charset="0"/>
-              </a:rPr>
-              <a:t>    "</a:t>
+                <a:solidFill>
+                  <a:srgbClr val="00B050"/>
+                </a:solidFill>
+                <a:latin typeface="Courier" charset="0"/>
+                <a:ea typeface="Courier" charset="0"/>
+                <a:cs typeface="Courier" charset="0"/>
+              </a:rPr>
+              <a:t>Switch</a:t>
             </a:r>
             <a:r>
               <a:rPr lang="en-US" sz="1600" dirty="0">
@@ -5692,31 +6888,36 @@
                 <a:ea typeface="Courier" charset="0"/>
                 <a:cs typeface="Courier" charset="0"/>
               </a:rPr>
-              <a:t>copyright": "Copyright 2019 Example </a:t>
-            </a:r>
-            <a:r>
-              <a:rPr lang="en-US" sz="1600" dirty="0" smtClean="0">
-                <a:latin typeface="Courier" charset="0"/>
-                <a:ea typeface="Courier" charset="0"/>
-                <a:cs typeface="Courier" charset="0"/>
-              </a:rPr>
-              <a:t>Corp. </a:t>
-            </a:r>
+              <a:t>": { </a:t>
+            </a:r>
+          </a:p>
+          <a:p>
             <a:r>
               <a:rPr lang="en-US" sz="1600" dirty="0">
                 <a:latin typeface="Courier" charset="0"/>
                 <a:ea typeface="Courier" charset="0"/>
                 <a:cs typeface="Courier" charset="0"/>
               </a:rPr>
-              <a:t>All </a:t>
-            </a:r>
-            <a:r>
-              <a:rPr lang="en-US" sz="1600" dirty="0" smtClean="0">
-                <a:latin typeface="Courier" charset="0"/>
-                <a:ea typeface="Courier" charset="0"/>
-                <a:cs typeface="Courier" charset="0"/>
-              </a:rPr>
-              <a:t>rights reserved</a:t>
+              <a:t>      </a:t>
+            </a:r>
+            <a:r>
+              <a:rPr lang="mr-IN" sz="1600" dirty="0">
+                <a:latin typeface="Courier" charset="0"/>
+                <a:ea typeface="Courier" charset="0"/>
+                <a:cs typeface="Courier" charset="0"/>
+              </a:rPr>
+              <a:t>"</a:t>
+            </a:r>
+            <a:r>
+              <a:rPr lang="en-US" sz="1600" dirty="0" err="1">
+                <a:solidFill>
+                  <a:srgbClr val="FF0000"/>
+                </a:solidFill>
+                <a:latin typeface="Courier" charset="0"/>
+                <a:ea typeface="Courier" charset="0"/>
+                <a:cs typeface="Courier" charset="0"/>
+              </a:rPr>
+              <a:t>odmProperty</a:t>
             </a:r>
             <a:r>
               <a:rPr lang="en-US" sz="1600" dirty="0">
@@ -5724,25 +6925,56 @@
                 <a:ea typeface="Courier" charset="0"/>
                 <a:cs typeface="Courier" charset="0"/>
               </a:rPr>
-              <a:t>.",</a:t>
-            </a:r>
-          </a:p>
-          <a:p>
-            <a:r>
-              <a:rPr lang="en-US" sz="1600" dirty="0" smtClean="0">
-                <a:latin typeface="Courier" charset="0"/>
-                <a:ea typeface="Courier" charset="0"/>
-                <a:cs typeface="Courier" charset="0"/>
-              </a:rPr>
-              <a:t>    "</a:t>
-            </a:r>
+              <a:t>": {</a:t>
+            </a:r>
+          </a:p>
+          <a:p>
             <a:r>
               <a:rPr lang="en-US" sz="1600" dirty="0">
                 <a:latin typeface="Courier" charset="0"/>
                 <a:ea typeface="Courier" charset="0"/>
                 <a:cs typeface="Courier" charset="0"/>
               </a:rPr>
-              <a:t>license": "http://</a:t>
+              <a:t>        "</a:t>
+            </a:r>
+            <a:r>
+              <a:rPr lang="en-US" sz="1600" dirty="0">
+                <a:solidFill>
+                  <a:srgbClr val="00B050"/>
+                </a:solidFill>
+                <a:latin typeface="Courier" charset="0"/>
+                <a:ea typeface="Courier" charset="0"/>
+                <a:cs typeface="Courier" charset="0"/>
+              </a:rPr>
+              <a:t>value</a:t>
+            </a:r>
+            <a:r>
+              <a:rPr lang="en-US" sz="1600" dirty="0">
+                <a:latin typeface="Courier" charset="0"/>
+                <a:ea typeface="Courier" charset="0"/>
+                <a:cs typeface="Courier" charset="0"/>
+              </a:rPr>
+              <a:t>": {</a:t>
+            </a:r>
+          </a:p>
+          <a:p>
+            <a:r>
+              <a:rPr lang="en-US" sz="1600" dirty="0">
+                <a:latin typeface="Courier" charset="0"/>
+                <a:ea typeface="Courier" charset="0"/>
+                <a:cs typeface="Courier" charset="0"/>
+              </a:rPr>
+              <a:t>          "type": "string",</a:t>
+            </a:r>
+          </a:p>
+          <a:p>
+            <a:r>
+              <a:rPr lang="en-US" sz="1600" dirty="0">
+                <a:latin typeface="Courier" charset="0"/>
+                <a:ea typeface="Courier" charset="0"/>
+                <a:cs typeface="Courier" charset="0"/>
+              </a:rPr>
+              <a:t>          "</a:t>
             </a:r>
             <a:r>
               <a:rPr lang="en-US" sz="1600" dirty="0" err="1">
@@ -5750,7 +6982,7 @@
                 <a:ea typeface="Courier" charset="0"/>
                 <a:cs typeface="Courier" charset="0"/>
               </a:rPr>
-              <a:t>example.com</a:t>
+              <a:t>enum</a:t>
             </a:r>
             <a:r>
               <a:rPr lang="en-US" sz="1600" dirty="0">
@@ -5758,43 +6990,94 @@
                 <a:ea typeface="Courier" charset="0"/>
                 <a:cs typeface="Courier" charset="0"/>
               </a:rPr>
-              <a:t>/license"</a:t>
-            </a:r>
-          </a:p>
-          <a:p>
-            <a:r>
-              <a:rPr lang="en-US" sz="1600" dirty="0" smtClean="0">
-                <a:latin typeface="Courier" charset="0"/>
-                <a:ea typeface="Courier" charset="0"/>
-                <a:cs typeface="Courier" charset="0"/>
-              </a:rPr>
-              <a:t>  },</a:t>
-            </a:r>
-            <a:endParaRPr lang="en-US" sz="1600" dirty="0">
-              <a:latin typeface="Courier" charset="0"/>
-              <a:ea typeface="Courier" charset="0"/>
-              <a:cs typeface="Courier" charset="0"/>
-            </a:endParaRPr>
-          </a:p>
-          <a:p>
-            <a:r>
-              <a:rPr lang="en-US" sz="1600" dirty="0" smtClean="0">
-                <a:latin typeface="Courier" charset="0"/>
-                <a:ea typeface="Courier" charset="0"/>
-                <a:cs typeface="Courier" charset="0"/>
-              </a:rPr>
-              <a:t>  "</a:t>
+              <a:t>": ["</a:t>
             </a:r>
             <a:r>
               <a:rPr lang="en-US" sz="1600" dirty="0">
                 <a:solidFill>
+                  <a:srgbClr val="0070C0"/>
+                </a:solidFill>
+                <a:latin typeface="Courier" charset="0"/>
+                <a:ea typeface="Courier" charset="0"/>
+                <a:cs typeface="Courier" charset="0"/>
+              </a:rPr>
+              <a:t>on</a:t>
+            </a:r>
+            <a:r>
+              <a:rPr lang="en-US" sz="1600" dirty="0">
+                <a:latin typeface="Courier" charset="0"/>
+                <a:ea typeface="Courier" charset="0"/>
+                <a:cs typeface="Courier" charset="0"/>
+              </a:rPr>
+              <a:t>", "</a:t>
+            </a:r>
+            <a:r>
+              <a:rPr lang="en-US" sz="1600" dirty="0">
+                <a:solidFill>
+                  <a:srgbClr val="0070C0"/>
+                </a:solidFill>
+                <a:latin typeface="Courier" charset="0"/>
+                <a:ea typeface="Courier" charset="0"/>
+                <a:cs typeface="Courier" charset="0"/>
+              </a:rPr>
+              <a:t>off</a:t>
+            </a:r>
+            <a:r>
+              <a:rPr lang="en-US" sz="1600" dirty="0">
+                <a:latin typeface="Courier" charset="0"/>
+                <a:ea typeface="Courier" charset="0"/>
+                <a:cs typeface="Courier" charset="0"/>
+              </a:rPr>
+              <a:t>"]</a:t>
+            </a:r>
+          </a:p>
+          <a:p>
+            <a:r>
+              <a:rPr lang="en-US" sz="1600" dirty="0">
+                <a:latin typeface="Courier" charset="0"/>
+                <a:ea typeface="Courier" charset="0"/>
+                <a:cs typeface="Courier" charset="0"/>
+              </a:rPr>
+              <a:t>        }</a:t>
+            </a:r>
+          </a:p>
+          <a:p>
+            <a:r>
+              <a:rPr lang="en-US" sz="1600" dirty="0">
+                <a:latin typeface="Courier" charset="0"/>
+                <a:ea typeface="Courier" charset="0"/>
+                <a:cs typeface="Courier" charset="0"/>
+              </a:rPr>
+              <a:t>      },</a:t>
+            </a:r>
+          </a:p>
+          <a:p>
+            <a:r>
+              <a:rPr lang="en-US" sz="1600" dirty="0">
+                <a:latin typeface="Courier" charset="0"/>
+                <a:ea typeface="Courier" charset="0"/>
+                <a:cs typeface="Courier" charset="0"/>
+              </a:rPr>
+              <a:t>      </a:t>
+            </a:r>
+            <a:r>
+              <a:rPr lang="mr-IN" sz="1600" dirty="0">
+                <a:latin typeface="Courier" charset="0"/>
+                <a:ea typeface="Courier" charset="0"/>
+                <a:cs typeface="Courier" charset="0"/>
+              </a:rPr>
+              <a:t>"</a:t>
+            </a:r>
+            <a:r>
+              <a:rPr lang="en-US" sz="1600" dirty="0" err="1">
+                <a:solidFill>
                   <a:srgbClr val="FF0000"/>
                 </a:solidFill>
                 <a:latin typeface="Courier" charset="0"/>
                 <a:ea typeface="Courier" charset="0"/>
                 <a:cs typeface="Courier" charset="0"/>
               </a:rPr>
-              <a:t>namespace</a:t>
+              <a:t>odmAction</a:t>
             </a:r>
             <a:r>
               <a:rPr lang="en-US" sz="1600" dirty="0">
@@ -5807,99 +7090,23 @@
           </a:p>
           <a:p>
             <a:r>
-              <a:rPr lang="en-US" sz="1600" dirty="0" smtClean="0">
-                <a:latin typeface="Courier" charset="0"/>
-                <a:ea typeface="Courier" charset="0"/>
-                <a:cs typeface="Courier" charset="0"/>
-              </a:rPr>
-              <a:t>    "</a:t>
-            </a:r>
-            <a:r>
-              <a:rPr lang="en-US" sz="1600" dirty="0" err="1">
-                <a:latin typeface="Courier" charset="0"/>
-                <a:ea typeface="Courier" charset="0"/>
-                <a:cs typeface="Courier" charset="0"/>
-              </a:rPr>
-              <a:t>st</a:t>
-            </a:r>
-            <a:r>
               <a:rPr lang="en-US" sz="1600" dirty="0">
                 <a:latin typeface="Courier" charset="0"/>
                 <a:ea typeface="Courier" charset="0"/>
                 <a:cs typeface="Courier" charset="0"/>
               </a:rPr>
-              <a:t>": "http</a:t>
-            </a:r>
-            <a:r>
-              <a:rPr lang="en-US" sz="1600" dirty="0" smtClean="0">
-                <a:latin typeface="Courier" charset="0"/>
-                <a:ea typeface="Courier" charset="0"/>
-                <a:cs typeface="Courier" charset="0"/>
-              </a:rPr>
-              <a:t>://</a:t>
-            </a:r>
-            <a:r>
-              <a:rPr lang="en-US" sz="1600" dirty="0" err="1" smtClean="0">
-                <a:latin typeface="Courier" charset="0"/>
-                <a:ea typeface="Courier" charset="0"/>
-                <a:cs typeface="Courier" charset="0"/>
-              </a:rPr>
-              <a:t>example.com</a:t>
-            </a:r>
-            <a:r>
-              <a:rPr lang="en-US" sz="1600" dirty="0" smtClean="0">
-                <a:latin typeface="Courier" charset="0"/>
-                <a:ea typeface="Courier" charset="0"/>
-                <a:cs typeface="Courier" charset="0"/>
-              </a:rPr>
-              <a:t>/capability/</a:t>
-            </a:r>
-            <a:r>
-              <a:rPr lang="en-US" sz="1600" dirty="0" err="1" smtClean="0">
-                <a:latin typeface="Courier" charset="0"/>
-                <a:ea typeface="Courier" charset="0"/>
-                <a:cs typeface="Courier" charset="0"/>
-              </a:rPr>
-              <a:t>odm</a:t>
+              <a:t>        "</a:t>
             </a:r>
             <a:r>
               <a:rPr lang="en-US" sz="1600" dirty="0">
-                <a:latin typeface="Courier" charset="0"/>
-                <a:ea typeface="Courier" charset="0"/>
-                <a:cs typeface="Courier" charset="0"/>
-              </a:rPr>
-              <a:t>"</a:t>
-            </a:r>
-          </a:p>
-          <a:p>
-            <a:r>
-              <a:rPr lang="en-US" sz="1600" dirty="0" smtClean="0">
-                <a:latin typeface="Courier" charset="0"/>
-                <a:ea typeface="Courier" charset="0"/>
-                <a:cs typeface="Courier" charset="0"/>
-              </a:rPr>
-              <a:t>  },</a:t>
-            </a:r>
-          </a:p>
-          <a:p>
-            <a:r>
-              <a:rPr lang="en-US" sz="1600" dirty="0" smtClean="0">
-                <a:latin typeface="Courier" charset="0"/>
-                <a:ea typeface="Courier" charset="0"/>
-                <a:cs typeface="Courier" charset="0"/>
-              </a:rPr>
-              <a:t>  "</a:t>
-            </a:r>
-            <a:r>
-              <a:rPr lang="en-US" sz="1600" dirty="0" err="1" smtClean="0">
-                <a:solidFill>
-                  <a:srgbClr val="FF0000"/>
-                </a:solidFill>
-                <a:latin typeface="Courier" charset="0"/>
-                <a:ea typeface="Courier" charset="0"/>
-                <a:cs typeface="Courier" charset="0"/>
-              </a:rPr>
-              <a:t>defaultNamespace</a:t>
+                <a:solidFill>
+                  <a:srgbClr val="00B050"/>
+                </a:solidFill>
+                <a:latin typeface="Courier" charset="0"/>
+                <a:ea typeface="Courier" charset="0"/>
+                <a:cs typeface="Courier" charset="0"/>
+              </a:rPr>
+              <a:t>on</a:t>
             </a:r>
             <a:r>
               <a:rPr lang="en-US" sz="1600" dirty="0">
@@ -5907,44 +7114,28 @@
                 <a:ea typeface="Courier" charset="0"/>
                 <a:cs typeface="Courier" charset="0"/>
               </a:rPr>
-              <a:t>": "</a:t>
-            </a:r>
-            <a:r>
-              <a:rPr lang="en-US" sz="1600" dirty="0" err="1">
-                <a:latin typeface="Courier" charset="0"/>
-                <a:ea typeface="Courier" charset="0"/>
-                <a:cs typeface="Courier" charset="0"/>
-              </a:rPr>
-              <a:t>st</a:t>
-            </a:r>
+              <a:t>": {},</a:t>
+            </a:r>
+          </a:p>
+          <a:p>
             <a:r>
               <a:rPr lang="en-US" sz="1600" dirty="0">
                 <a:latin typeface="Courier" charset="0"/>
                 <a:ea typeface="Courier" charset="0"/>
                 <a:cs typeface="Courier" charset="0"/>
               </a:rPr>
-              <a:t>",</a:t>
-            </a:r>
-          </a:p>
-          <a:p>
-            <a:r>
-              <a:rPr lang="en-US" sz="1600" dirty="0" smtClean="0">
-                <a:latin typeface="Courier" charset="0"/>
-                <a:ea typeface="Courier" charset="0"/>
-                <a:cs typeface="Courier" charset="0"/>
-              </a:rPr>
-              <a:t>  "</a:t>
+              <a:t>        "</a:t>
             </a:r>
             <a:r>
               <a:rPr lang="en-US" sz="1600" dirty="0">
                 <a:solidFill>
-                  <a:srgbClr val="FF0000"/>
-                </a:solidFill>
-                <a:latin typeface="Courier" charset="0"/>
-                <a:ea typeface="Courier" charset="0"/>
-                <a:cs typeface="Courier" charset="0"/>
-              </a:rPr>
-              <a:t>object</a:t>
+                  <a:srgbClr val="00B050"/>
+                </a:solidFill>
+                <a:latin typeface="Courier" charset="0"/>
+                <a:ea typeface="Courier" charset="0"/>
+                <a:cs typeface="Courier" charset="0"/>
+              </a:rPr>
+              <a:t>off</a:t>
             </a:r>
             <a:r>
               <a:rPr lang="en-US" sz="1600" dirty="0">
@@ -5952,270 +7143,37 @@
                 <a:ea typeface="Courier" charset="0"/>
                 <a:cs typeface="Courier" charset="0"/>
               </a:rPr>
-              <a:t>": {</a:t>
-            </a:r>
-          </a:p>
-          <a:p>
-            <a:r>
-              <a:rPr lang="en-US" sz="1600" dirty="0" smtClean="0">
-                <a:latin typeface="Courier" charset="0"/>
-                <a:ea typeface="Courier" charset="0"/>
-                <a:cs typeface="Courier" charset="0"/>
-              </a:rPr>
-              <a:t>    "</a:t>
-            </a:r>
+              <a:t>": {}</a:t>
+            </a:r>
+          </a:p>
+          <a:p>
             <a:r>
               <a:rPr lang="en-US" sz="1600" dirty="0">
                 <a:latin typeface="Courier" charset="0"/>
                 <a:ea typeface="Courier" charset="0"/>
                 <a:cs typeface="Courier" charset="0"/>
               </a:rPr>
-              <a:t>Switch": </a:t>
-            </a:r>
-            <a:r>
-              <a:rPr lang="en-US" sz="1600" dirty="0" smtClean="0">
-                <a:latin typeface="Courier" charset="0"/>
-                <a:ea typeface="Courier" charset="0"/>
-                <a:cs typeface="Courier" charset="0"/>
-              </a:rPr>
-              <a:t>{ </a:t>
-            </a:r>
-            <a:endParaRPr lang="en-US" sz="1600" dirty="0">
-              <a:latin typeface="Courier" charset="0"/>
-              <a:ea typeface="Courier" charset="0"/>
-              <a:cs typeface="Courier" charset="0"/>
-            </a:endParaRPr>
-          </a:p>
-          <a:p>
-            <a:r>
-              <a:rPr lang="en-US" sz="1600" dirty="0" smtClean="0">
-                <a:latin typeface="Courier" charset="0"/>
-                <a:ea typeface="Courier" charset="0"/>
-                <a:cs typeface="Courier" charset="0"/>
-              </a:rPr>
-              <a:t>      "</a:t>
-            </a:r>
+              <a:t>      }</a:t>
+            </a:r>
+          </a:p>
+          <a:p>
             <a:r>
               <a:rPr lang="en-US" sz="1600" dirty="0">
-                <a:solidFill>
-                  <a:srgbClr val="FF0000"/>
-                </a:solidFill>
-                <a:latin typeface="Courier" charset="0"/>
-                <a:ea typeface="Courier" charset="0"/>
-                <a:cs typeface="Courier" charset="0"/>
-              </a:rPr>
-              <a:t>property</a:t>
-            </a:r>
+                <a:latin typeface="Courier" charset="0"/>
+                <a:ea typeface="Courier" charset="0"/>
+                <a:cs typeface="Courier" charset="0"/>
+              </a:rPr>
+              <a:t>    }</a:t>
+            </a:r>
+          </a:p>
+          <a:p>
             <a:r>
               <a:rPr lang="en-US" sz="1600" dirty="0">
                 <a:latin typeface="Courier" charset="0"/>
                 <a:ea typeface="Courier" charset="0"/>
                 <a:cs typeface="Courier" charset="0"/>
               </a:rPr>
-              <a:t>": {</a:t>
-            </a:r>
-          </a:p>
-          <a:p>
-            <a:r>
-              <a:rPr lang="en-US" sz="1600" dirty="0" smtClean="0">
-                <a:latin typeface="Courier" charset="0"/>
-                <a:ea typeface="Courier" charset="0"/>
-                <a:cs typeface="Courier" charset="0"/>
-              </a:rPr>
-              <a:t>        "value</a:t>
-            </a:r>
-            <a:r>
-              <a:rPr lang="en-US" sz="1600" dirty="0">
-                <a:latin typeface="Courier" charset="0"/>
-                <a:ea typeface="Courier" charset="0"/>
-                <a:cs typeface="Courier" charset="0"/>
-              </a:rPr>
-              <a:t>": {</a:t>
-            </a:r>
-          </a:p>
-          <a:p>
-            <a:r>
-              <a:rPr lang="en-US" sz="1600" dirty="0" smtClean="0">
-                <a:latin typeface="Courier" charset="0"/>
-                <a:ea typeface="Courier" charset="0"/>
-                <a:cs typeface="Courier" charset="0"/>
-              </a:rPr>
-              <a:t>          "</a:t>
-            </a:r>
-            <a:r>
-              <a:rPr lang="en-US" sz="1600" dirty="0">
-                <a:latin typeface="Courier" charset="0"/>
-                <a:ea typeface="Courier" charset="0"/>
-                <a:cs typeface="Courier" charset="0"/>
-              </a:rPr>
-              <a:t>type": "string",</a:t>
-            </a:r>
-          </a:p>
-          <a:p>
-            <a:r>
-              <a:rPr lang="en-US" sz="1600" dirty="0" smtClean="0">
-                <a:latin typeface="Courier" charset="0"/>
-                <a:ea typeface="Courier" charset="0"/>
-                <a:cs typeface="Courier" charset="0"/>
-              </a:rPr>
-              <a:t>          "</a:t>
-            </a:r>
-            <a:r>
-              <a:rPr lang="en-US" sz="1600" dirty="0" err="1">
-                <a:latin typeface="Courier" charset="0"/>
-                <a:ea typeface="Courier" charset="0"/>
-                <a:cs typeface="Courier" charset="0"/>
-              </a:rPr>
-              <a:t>enum</a:t>
-            </a:r>
-            <a:r>
-              <a:rPr lang="en-US" sz="1600" dirty="0">
-                <a:latin typeface="Courier" charset="0"/>
-                <a:ea typeface="Courier" charset="0"/>
-                <a:cs typeface="Courier" charset="0"/>
-              </a:rPr>
-              <a:t>": ["on", "off"]</a:t>
-            </a:r>
-          </a:p>
-          <a:p>
-            <a:r>
-              <a:rPr lang="en-US" sz="1600" dirty="0" smtClean="0">
-                <a:latin typeface="Courier" charset="0"/>
-                <a:ea typeface="Courier" charset="0"/>
-                <a:cs typeface="Courier" charset="0"/>
-              </a:rPr>
-              <a:t>        }</a:t>
-            </a:r>
-            <a:endParaRPr lang="en-US" sz="1600" dirty="0">
-              <a:latin typeface="Courier" charset="0"/>
-              <a:ea typeface="Courier" charset="0"/>
-              <a:cs typeface="Courier" charset="0"/>
-            </a:endParaRPr>
-          </a:p>
-          <a:p>
-            <a:r>
-              <a:rPr lang="en-US" sz="1600" dirty="0" smtClean="0">
-                <a:latin typeface="Courier" charset="0"/>
-                <a:ea typeface="Courier" charset="0"/>
-                <a:cs typeface="Courier" charset="0"/>
-              </a:rPr>
-              <a:t>      },</a:t>
-            </a:r>
-            <a:endParaRPr lang="en-US" sz="1600" dirty="0">
-              <a:latin typeface="Courier" charset="0"/>
-              <a:ea typeface="Courier" charset="0"/>
-              <a:cs typeface="Courier" charset="0"/>
-            </a:endParaRPr>
-          </a:p>
-          <a:p>
-            <a:r>
-              <a:rPr lang="en-US" sz="1600" dirty="0" smtClean="0">
-                <a:latin typeface="Courier" charset="0"/>
-                <a:ea typeface="Courier" charset="0"/>
-                <a:cs typeface="Courier" charset="0"/>
-              </a:rPr>
-              <a:t>      "</a:t>
-            </a:r>
-            <a:r>
-              <a:rPr lang="en-US" sz="1600" dirty="0">
-                <a:solidFill>
-                  <a:srgbClr val="FF0000"/>
-                </a:solidFill>
-                <a:latin typeface="Courier" charset="0"/>
-                <a:ea typeface="Courier" charset="0"/>
-                <a:cs typeface="Courier" charset="0"/>
-              </a:rPr>
-              <a:t>action</a:t>
-            </a:r>
-            <a:r>
-              <a:rPr lang="en-US" sz="1600" dirty="0">
-                <a:latin typeface="Courier" charset="0"/>
-                <a:ea typeface="Courier" charset="0"/>
-                <a:cs typeface="Courier" charset="0"/>
-              </a:rPr>
-              <a:t>": {</a:t>
-            </a:r>
-          </a:p>
-          <a:p>
-            <a:r>
-              <a:rPr lang="en-US" sz="1600" dirty="0" smtClean="0">
-                <a:latin typeface="Courier" charset="0"/>
-                <a:ea typeface="Courier" charset="0"/>
-                <a:cs typeface="Courier" charset="0"/>
-              </a:rPr>
-              <a:t>        "on</a:t>
-            </a:r>
-            <a:r>
-              <a:rPr lang="en-US" sz="1600" dirty="0">
-                <a:latin typeface="Courier" charset="0"/>
-                <a:ea typeface="Courier" charset="0"/>
-                <a:cs typeface="Courier" charset="0"/>
-              </a:rPr>
-              <a:t>": {},</a:t>
-            </a:r>
-          </a:p>
-          <a:p>
-            <a:r>
-              <a:rPr lang="en-US" sz="1600" dirty="0" smtClean="0">
-                <a:latin typeface="Courier" charset="0"/>
-                <a:ea typeface="Courier" charset="0"/>
-                <a:cs typeface="Courier" charset="0"/>
-              </a:rPr>
-              <a:t>        "off</a:t>
-            </a:r>
-            <a:r>
-              <a:rPr lang="en-US" sz="1600" dirty="0">
-                <a:latin typeface="Courier" charset="0"/>
-                <a:ea typeface="Courier" charset="0"/>
-                <a:cs typeface="Courier" charset="0"/>
-              </a:rPr>
-              <a:t>": {}</a:t>
-            </a:r>
-          </a:p>
-          <a:p>
-            <a:r>
-              <a:rPr lang="en-US" sz="1600" dirty="0" smtClean="0">
-                <a:latin typeface="Courier" charset="0"/>
-                <a:ea typeface="Courier" charset="0"/>
-                <a:cs typeface="Courier" charset="0"/>
-              </a:rPr>
-              <a:t>      }</a:t>
-            </a:r>
-          </a:p>
-          <a:p>
-            <a:r>
-              <a:rPr lang="en-US" sz="1600" dirty="0">
-                <a:latin typeface="Courier" charset="0"/>
-                <a:ea typeface="Courier" charset="0"/>
-                <a:cs typeface="Courier" charset="0"/>
-              </a:rPr>
-              <a:t> </a:t>
-            </a:r>
-            <a:r>
-              <a:rPr lang="en-US" sz="1600" dirty="0" smtClean="0">
-                <a:latin typeface="Courier" charset="0"/>
-                <a:ea typeface="Courier" charset="0"/>
-                <a:cs typeface="Courier" charset="0"/>
-              </a:rPr>
-              <a:t>   }</a:t>
-            </a:r>
-          </a:p>
-          <a:p>
-            <a:r>
-              <a:rPr lang="en-US" sz="1600" dirty="0">
-                <a:latin typeface="Courier" charset="0"/>
-                <a:ea typeface="Courier" charset="0"/>
-                <a:cs typeface="Courier" charset="0"/>
-              </a:rPr>
-              <a:t> </a:t>
-            </a:r>
-            <a:r>
-              <a:rPr lang="en-US" sz="1600" dirty="0" smtClean="0">
-                <a:latin typeface="Courier" charset="0"/>
-                <a:ea typeface="Courier" charset="0"/>
-                <a:cs typeface="Courier" charset="0"/>
-              </a:rPr>
-              <a:t> }</a:t>
+              <a:t>  }</a:t>
             </a:r>
           </a:p>
           <a:p>
@@ -6282,18 +7240,17 @@
           <a:lstStyle/>
           <a:p>
             <a:r>
-              <a:rPr lang="en-US" dirty="0" smtClean="0"/>
+              <a:rPr lang="en-US" dirty="0"/>
               <a:t>Simple example </a:t>
             </a:r>
             <a:r>
-              <a:rPr lang="mr-IN" dirty="0" smtClean="0"/>
+              <a:rPr lang="mr-IN" dirty="0"/>
               <a:t>–</a:t>
             </a:r>
             <a:r>
-              <a:rPr lang="en-US" dirty="0" smtClean="0"/>
+              <a:rPr lang="en-US" dirty="0"/>
               <a:t> Info and namespace definitions</a:t>
             </a:r>
-            <a:endParaRPr lang="en-US" dirty="0"/>
           </a:p>
         </p:txBody>
       </p:sp>
@@ -6319,7 +7276,7 @@
           <a:lstStyle/>
           <a:p>
             <a:r>
-              <a:rPr lang="en-US" sz="1600" b="0" dirty="0" smtClean="0">
+              <a:rPr lang="en-US" sz="1600" b="0" dirty="0">
                 <a:effectLst/>
                 <a:latin typeface="Courier" charset="0"/>
                 <a:ea typeface="Courier" charset="0"/>
@@ -6328,7 +7285,7 @@
               <a:t>"</a:t>
             </a:r>
             <a:r>
-              <a:rPr lang="en-US" sz="1600" b="0" dirty="0" smtClean="0">
+              <a:rPr lang="en-US" sz="1600" b="0" dirty="0">
                 <a:solidFill>
                   <a:srgbClr val="FF0000"/>
                 </a:solidFill>
@@ -6340,7 +7297,7 @@
               <a:t>info</a:t>
             </a:r>
             <a:r>
-              <a:rPr lang="en-US" sz="1600" b="0" dirty="0" smtClean="0">
+              <a:rPr lang="en-US" sz="1600" b="0" dirty="0">
                 <a:effectLst/>
                 <a:latin typeface="Courier" charset="0"/>
                 <a:ea typeface="Courier" charset="0"/>
@@ -6351,7 +7308,7 @@
           </a:p>
           <a:p>
             <a:r>
-              <a:rPr lang="en-US" sz="1600" b="0" dirty="0" smtClean="0">
+              <a:rPr lang="en-US" sz="1600" b="0" dirty="0">
                 <a:effectLst/>
                 <a:latin typeface="Courier" charset="0"/>
                 <a:ea typeface="Courier" charset="0"/>
@@ -6360,7 +7317,7 @@
               <a:t>  "</a:t>
             </a:r>
             <a:r>
-              <a:rPr lang="en-US" sz="1600" b="0" dirty="0" smtClean="0">
+              <a:rPr lang="en-US" sz="1600" b="0" dirty="0">
                 <a:solidFill>
                   <a:srgbClr val="FF0000"/>
                 </a:solidFill>
@@ -6372,7 +7329,7 @@
               <a:t>title</a:t>
             </a:r>
             <a:r>
-              <a:rPr lang="en-US" sz="1600" b="0" dirty="0" smtClean="0">
+              <a:rPr lang="en-US" sz="1600" b="0" dirty="0">
                 <a:effectLst/>
                 <a:latin typeface="Courier" charset="0"/>
                 <a:ea typeface="Courier" charset="0"/>
@@ -6383,7 +7340,7 @@
           </a:p>
           <a:p>
             <a:r>
-              <a:rPr lang="en-US" sz="1600" b="0" dirty="0" smtClean="0">
+              <a:rPr lang="en-US" sz="1600" b="0" dirty="0">
                 <a:effectLst/>
                 <a:latin typeface="Courier" charset="0"/>
                 <a:ea typeface="Courier" charset="0"/>
@@ -6392,7 +7349,7 @@
               <a:t>  "</a:t>
             </a:r>
             <a:r>
-              <a:rPr lang="en-US" sz="1600" b="0" dirty="0" smtClean="0">
+              <a:rPr lang="en-US" sz="1600" b="0" dirty="0">
                 <a:solidFill>
                   <a:srgbClr val="FF0000"/>
                 </a:solidFill>
@@ -6404,7 +7361,7 @@
               <a:t>version</a:t>
             </a:r>
             <a:r>
-              <a:rPr lang="en-US" sz="1600" b="0" dirty="0" smtClean="0">
+              <a:rPr lang="en-US" sz="1600" b="0" dirty="0">
                 <a:effectLst/>
                 <a:latin typeface="Courier" charset="0"/>
                 <a:ea typeface="Courier" charset="0"/>
@@ -6415,7 +7372,7 @@
           </a:p>
           <a:p>
             <a:r>
-              <a:rPr lang="en-US" sz="1600" b="0" dirty="0" smtClean="0">
+              <a:rPr lang="en-US" sz="1600" b="0" dirty="0">
                 <a:effectLst/>
                 <a:latin typeface="Courier" charset="0"/>
                 <a:ea typeface="Courier" charset="0"/>
@@ -6424,7 +7381,7 @@
               <a:t>  "</a:t>
             </a:r>
             <a:r>
-              <a:rPr lang="en-US" sz="1600" b="0" dirty="0" smtClean="0">
+              <a:rPr lang="en-US" sz="1600" b="0" dirty="0">
                 <a:solidFill>
                   <a:srgbClr val="FF0000"/>
                 </a:solidFill>
@@ -6436,7 +7393,7 @@
               <a:t>copyright</a:t>
             </a:r>
             <a:r>
-              <a:rPr lang="en-US" sz="1600" b="0" dirty="0" smtClean="0">
+              <a:rPr lang="en-US" sz="1600" b="0" dirty="0">
                 <a:effectLst/>
                 <a:latin typeface="Courier" charset="0"/>
                 <a:ea typeface="Courier" charset="0"/>
@@ -6445,7 +7402,7 @@
               <a:t>": "Copyright 2019 </a:t>
             </a:r>
             <a:r>
-              <a:rPr lang="en-US" sz="1600" b="0" dirty="0" err="1" smtClean="0">
+              <a:rPr lang="en-US" sz="1600" b="0" dirty="0" err="1">
                 <a:effectLst/>
                 <a:latin typeface="Courier" charset="0"/>
                 <a:ea typeface="Courier" charset="0"/>
@@ -6454,7 +7411,7 @@
               <a:t>Xcorp</a:t>
             </a:r>
             <a:r>
-              <a:rPr lang="en-US" sz="1600" b="0" dirty="0" smtClean="0">
+              <a:rPr lang="en-US" sz="1600" b="0" dirty="0">
                 <a:effectLst/>
                 <a:latin typeface="Courier" charset="0"/>
                 <a:ea typeface="Courier" charset="0"/>
@@ -6465,7 +7422,7 @@
           </a:p>
           <a:p>
             <a:r>
-              <a:rPr lang="en-US" sz="1600" b="0" dirty="0" smtClean="0">
+              <a:rPr lang="en-US" sz="1600" b="0" dirty="0">
                 <a:effectLst/>
                 <a:latin typeface="Courier" charset="0"/>
                 <a:ea typeface="Courier" charset="0"/>
@@ -6474,7 +7431,7 @@
               <a:t>  "</a:t>
             </a:r>
             <a:r>
-              <a:rPr lang="en-US" sz="1600" b="0" dirty="0" smtClean="0">
+              <a:rPr lang="en-US" sz="1600" b="0" dirty="0">
                 <a:solidFill>
                   <a:srgbClr val="FF0000"/>
                 </a:solidFill>
@@ -6486,7 +7443,7 @@
               <a:t>license</a:t>
             </a:r>
             <a:r>
-              <a:rPr lang="en-US" sz="1600" b="0" dirty="0" smtClean="0">
+              <a:rPr lang="en-US" sz="1600" b="0" dirty="0">
                 <a:effectLst/>
                 <a:latin typeface="Courier" charset="0"/>
                 <a:ea typeface="Courier" charset="0"/>
@@ -6495,7 +7452,7 @@
               <a:t>": "http://</a:t>
             </a:r>
             <a:r>
-              <a:rPr lang="en-US" sz="1600" b="0" dirty="0" err="1" smtClean="0">
+              <a:rPr lang="en-US" sz="1600" b="0" dirty="0" err="1">
                 <a:effectLst/>
                 <a:latin typeface="Courier" charset="0"/>
                 <a:ea typeface="Courier" charset="0"/>
@@ -6504,7 +7461,7 @@
               <a:t>example.com</a:t>
             </a:r>
             <a:r>
-              <a:rPr lang="en-US" sz="1600" b="0" dirty="0" smtClean="0">
+              <a:rPr lang="en-US" sz="1600" b="0" dirty="0">
                 <a:effectLst/>
                 <a:latin typeface="Courier" charset="0"/>
                 <a:ea typeface="Courier" charset="0"/>
@@ -6515,7 +7472,7 @@
           </a:p>
           <a:p>
             <a:r>
-              <a:rPr lang="en-US" sz="1600" b="0" dirty="0" smtClean="0">
+              <a:rPr lang="en-US" sz="1600" b="0" dirty="0">
                 <a:effectLst/>
                 <a:latin typeface="Courier" charset="0"/>
                 <a:ea typeface="Courier" charset="0"/>
@@ -6523,12 +7480,6 @@
               </a:rPr>
               <a:t>},</a:t>
             </a:r>
-            <a:endParaRPr lang="en-US" sz="1600" b="0" dirty="0">
-              <a:effectLst/>
-              <a:latin typeface="Courier" charset="0"/>
-              <a:ea typeface="Courier" charset="0"/>
-              <a:cs typeface="Courier" charset="0"/>
-            </a:endParaRPr>
           </a:p>
         </p:txBody>
       </p:sp>
@@ -6554,7 +7505,7 @@
           <a:lstStyle/>
           <a:p>
             <a:r>
-              <a:rPr lang="en-US" sz="1600" b="0" dirty="0" smtClean="0">
+              <a:rPr lang="en-US" sz="1600" b="0" dirty="0">
                 <a:effectLst/>
                 <a:latin typeface="Courier" charset="0"/>
                 <a:ea typeface="Courier" charset="0"/>
@@ -6563,7 +7514,7 @@
               <a:t>"</a:t>
             </a:r>
             <a:r>
-              <a:rPr lang="en-US" sz="1600" b="0" dirty="0" smtClean="0">
+              <a:rPr lang="en-US" sz="1600" b="0" dirty="0">
                 <a:solidFill>
                   <a:srgbClr val="FF0000"/>
                 </a:solidFill>
@@ -6575,7 +7526,7 @@
               <a:t>namespace</a:t>
             </a:r>
             <a:r>
-              <a:rPr lang="en-US" sz="1600" b="0" dirty="0" smtClean="0">
+              <a:rPr lang="en-US" sz="1600" b="0" dirty="0">
                 <a:effectLst/>
                 <a:latin typeface="Courier" charset="0"/>
                 <a:ea typeface="Courier" charset="0"/>
@@ -6586,7 +7537,7 @@
           </a:p>
           <a:p>
             <a:r>
-              <a:rPr lang="en-US" sz="1600" b="0" dirty="0" smtClean="0">
+              <a:rPr lang="en-US" sz="1600" b="0" dirty="0">
                 <a:effectLst/>
                 <a:latin typeface="Courier" charset="0"/>
                 <a:ea typeface="Courier" charset="0"/>
@@ -6595,7 +7546,7 @@
               <a:t>  "</a:t>
             </a:r>
             <a:r>
-              <a:rPr lang="en-US" sz="1600" b="0" dirty="0" err="1" smtClean="0">
+              <a:rPr lang="en-US" sz="1600" b="0" dirty="0" err="1">
                 <a:effectLst/>
                 <a:latin typeface="Courier" charset="0"/>
                 <a:ea typeface="Courier" charset="0"/>
@@ -6604,7 +7555,7 @@
               <a:t>ocf</a:t>
             </a:r>
             <a:r>
-              <a:rPr lang="en-US" sz="1600" b="0" dirty="0" smtClean="0">
+              <a:rPr lang="en-US" sz="1600" b="0" dirty="0">
                 <a:effectLst/>
                 <a:latin typeface="Courier" charset="0"/>
                 <a:ea typeface="Courier" charset="0"/>
@@ -6613,7 +7564,7 @@
               <a:t>": "http://</a:t>
             </a:r>
             <a:r>
-              <a:rPr lang="en-US" sz="1600" b="0" dirty="0" err="1" smtClean="0">
+              <a:rPr lang="en-US" sz="1600" b="0" dirty="0" err="1">
                 <a:effectLst/>
                 <a:latin typeface="Courier" charset="0"/>
                 <a:ea typeface="Courier" charset="0"/>
@@ -6622,7 +7573,7 @@
               <a:t>example.org</a:t>
             </a:r>
             <a:r>
-              <a:rPr lang="en-US" sz="1600" b="0" dirty="0" smtClean="0">
+              <a:rPr lang="en-US" sz="1600" b="0" dirty="0">
                 <a:effectLst/>
                 <a:latin typeface="Courier" charset="0"/>
                 <a:ea typeface="Courier" charset="0"/>
@@ -6631,7 +7582,7 @@
               <a:t>/</a:t>
             </a:r>
             <a:r>
-              <a:rPr lang="en-US" sz="1600" b="0" dirty="0" err="1" smtClean="0">
+              <a:rPr lang="en-US" sz="1600" b="0" dirty="0" err="1">
                 <a:effectLst/>
                 <a:latin typeface="Courier" charset="0"/>
                 <a:ea typeface="Courier" charset="0"/>
@@ -6640,7 +7591,7 @@
               <a:t>ocf</a:t>
             </a:r>
             <a:r>
-              <a:rPr lang="en-US" sz="1600" b="0" dirty="0" smtClean="0">
+              <a:rPr lang="en-US" sz="1600" b="0" dirty="0">
                 <a:effectLst/>
                 <a:latin typeface="Courier" charset="0"/>
                 <a:ea typeface="Courier" charset="0"/>
@@ -6649,7 +7600,7 @@
               <a:t>/</a:t>
             </a:r>
             <a:r>
-              <a:rPr lang="en-US" sz="1600" b="0" dirty="0" err="1" smtClean="0">
+              <a:rPr lang="en-US" sz="1600" b="0" dirty="0" err="1">
                 <a:effectLst/>
                 <a:latin typeface="Courier" charset="0"/>
                 <a:ea typeface="Courier" charset="0"/>
@@ -6658,7 +7609,7 @@
               <a:t>odm</a:t>
             </a:r>
             <a:r>
-              <a:rPr lang="en-US" sz="1600" b="0" dirty="0" smtClean="0">
+              <a:rPr lang="en-US" sz="1600" b="0" dirty="0">
                 <a:effectLst/>
                 <a:latin typeface="Courier" charset="0"/>
                 <a:ea typeface="Courier" charset="0"/>
@@ -6669,7 +7620,7 @@
           </a:p>
           <a:p>
             <a:r>
-              <a:rPr lang="en-US" sz="1600" b="0" dirty="0" smtClean="0">
+              <a:rPr lang="en-US" sz="1600" b="0" dirty="0">
                 <a:effectLst/>
                 <a:latin typeface="Courier" charset="0"/>
                 <a:ea typeface="Courier" charset="0"/>
@@ -6678,7 +7629,7 @@
               <a:t>  "</a:t>
             </a:r>
             <a:r>
-              <a:rPr lang="en-US" sz="1600" b="0" dirty="0" err="1" smtClean="0">
+              <a:rPr lang="en-US" sz="1600" b="0" dirty="0" err="1">
                 <a:effectLst/>
                 <a:latin typeface="Courier" charset="0"/>
                 <a:ea typeface="Courier" charset="0"/>
@@ -6687,7 +7638,7 @@
               <a:t>st</a:t>
             </a:r>
             <a:r>
-              <a:rPr lang="en-US" sz="1600" b="0" dirty="0" smtClean="0">
+              <a:rPr lang="en-US" sz="1600" b="0" dirty="0">
                 <a:effectLst/>
                 <a:latin typeface="Courier" charset="0"/>
                 <a:ea typeface="Courier" charset="0"/>
@@ -6696,7 +7647,7 @@
               <a:t>": "http://</a:t>
             </a:r>
             <a:r>
-              <a:rPr lang="en-US" sz="1600" b="0" dirty="0" err="1" smtClean="0">
+              <a:rPr lang="en-US" sz="1600" b="0" dirty="0" err="1">
                 <a:effectLst/>
                 <a:latin typeface="Courier" charset="0"/>
                 <a:ea typeface="Courier" charset="0"/>
@@ -6705,7 +7656,7 @@
               <a:t>example.com</a:t>
             </a:r>
             <a:r>
-              <a:rPr lang="en-US" sz="1600" b="0" dirty="0" smtClean="0">
+              <a:rPr lang="en-US" sz="1600" b="0" dirty="0">
                 <a:effectLst/>
                 <a:latin typeface="Courier" charset="0"/>
                 <a:ea typeface="Courier" charset="0"/>
@@ -6714,7 +7665,7 @@
               <a:t>/capability/</a:t>
             </a:r>
             <a:r>
-              <a:rPr lang="en-US" sz="1600" b="0" dirty="0" err="1" smtClean="0">
+              <a:rPr lang="en-US" sz="1600" b="0" dirty="0" err="1">
                 <a:effectLst/>
                 <a:latin typeface="Courier" charset="0"/>
                 <a:ea typeface="Courier" charset="0"/>
@@ -6723,7 +7674,7 @@
               <a:t>odm</a:t>
             </a:r>
             <a:r>
-              <a:rPr lang="en-US" sz="1600" b="0" dirty="0" smtClean="0">
+              <a:rPr lang="en-US" sz="1600" b="0" dirty="0">
                 <a:effectLst/>
                 <a:latin typeface="Courier" charset="0"/>
                 <a:ea typeface="Courier" charset="0"/>
@@ -6734,7 +7685,7 @@
           </a:p>
           <a:p>
             <a:r>
-              <a:rPr lang="en-US" sz="1600" b="0" dirty="0" smtClean="0">
+              <a:rPr lang="en-US" sz="1600" b="0" dirty="0">
                 <a:effectLst/>
                 <a:latin typeface="Courier" charset="0"/>
                 <a:ea typeface="Courier" charset="0"/>
@@ -6745,7 +7696,7 @@
           </a:p>
           <a:p>
             <a:r>
-              <a:rPr lang="en-US" sz="1600" b="0" dirty="0" smtClean="0">
+              <a:rPr lang="en-US" sz="1600" b="0" dirty="0">
                 <a:effectLst/>
                 <a:latin typeface="Courier" charset="0"/>
                 <a:ea typeface="Courier" charset="0"/>
@@ -6754,7 +7705,7 @@
               <a:t>"</a:t>
             </a:r>
             <a:r>
-              <a:rPr lang="en-US" sz="1600" b="0" dirty="0" err="1" smtClean="0">
+              <a:rPr lang="en-US" sz="1600" b="0" dirty="0" err="1">
                 <a:solidFill>
                   <a:srgbClr val="FF0000"/>
                 </a:solidFill>
@@ -6766,7 +7717,7 @@
               <a:t>defaultNamespace</a:t>
             </a:r>
             <a:r>
-              <a:rPr lang="en-US" sz="1600" b="0" dirty="0" smtClean="0">
+              <a:rPr lang="en-US" sz="1600" b="0" dirty="0">
                 <a:effectLst/>
                 <a:latin typeface="Courier" charset="0"/>
                 <a:ea typeface="Courier" charset="0"/>
@@ -6775,7 +7726,7 @@
               <a:t>": "</a:t>
             </a:r>
             <a:r>
-              <a:rPr lang="en-US" sz="1600" b="0" dirty="0" err="1" smtClean="0">
+              <a:rPr lang="en-US" sz="1600" b="0" dirty="0" err="1">
                 <a:effectLst/>
                 <a:latin typeface="Courier" charset="0"/>
                 <a:ea typeface="Courier" charset="0"/>
@@ -6784,7 +7735,7 @@
               <a:t>st</a:t>
             </a:r>
             <a:r>
-              <a:rPr lang="en-US" sz="1600" b="0" dirty="0" smtClean="0">
+              <a:rPr lang="en-US" sz="1600" b="0" dirty="0">
                 <a:effectLst/>
                 <a:latin typeface="Courier" charset="0"/>
                 <a:ea typeface="Courier" charset="0"/>
@@ -6792,12 +7743,6 @@
               </a:rPr>
               <a:t>",</a:t>
             </a:r>
-            <a:endParaRPr lang="en-US" sz="1600" b="0" dirty="0">
-              <a:effectLst/>
-              <a:latin typeface="Courier" charset="0"/>
-              <a:ea typeface="Courier" charset="0"/>
-              <a:cs typeface="Courier" charset="0"/>
-            </a:endParaRPr>
           </a:p>
         </p:txBody>
       </p:sp>
@@ -6824,10 +7769,9 @@
           <a:lstStyle/>
           <a:p>
             <a:r>
-              <a:rPr lang="en-US" sz="2400" u="sng" dirty="0" smtClean="0"/>
+              <a:rPr lang="en-US" sz="2400" u="sng" dirty="0"/>
               <a:t>curies resolved</a:t>
             </a:r>
-            <a:endParaRPr lang="en-US" sz="2400" u="sng" dirty="0"/>
           </a:p>
         </p:txBody>
       </p:sp>
@@ -6930,10 +7874,9 @@
           <a:lstStyle/>
           <a:p>
             <a:r>
-              <a:rPr lang="en-US" sz="2400" u="sng" dirty="0" smtClean="0"/>
+              <a:rPr lang="en-US" sz="2400" u="sng" dirty="0"/>
               <a:t>File Information</a:t>
             </a:r>
-            <a:endParaRPr lang="en-US" sz="2400" u="sng" dirty="0"/>
           </a:p>
         </p:txBody>
       </p:sp>
@@ -6960,18 +7903,13 @@
           <a:lstStyle/>
           <a:p>
             <a:r>
-              <a:rPr lang="en-US" sz="2400" u="sng" dirty="0" smtClean="0">
+              <a:rPr lang="en-US" sz="2400" u="sng" dirty="0">
                 <a:solidFill>
                   <a:srgbClr val="FF0000"/>
                 </a:solidFill>
               </a:rPr>
               <a:t>keywords</a:t>
             </a:r>
-            <a:endParaRPr lang="en-US" sz="2400" u="sng" dirty="0">
-              <a:solidFill>
-                <a:srgbClr val="FF0000"/>
-              </a:solidFill>
-            </a:endParaRPr>
           </a:p>
         </p:txBody>
       </p:sp>
@@ -7021,10 +7959,9 @@
           <a:lstStyle/>
           <a:p>
             <a:r>
-              <a:rPr lang="en-US" dirty="0" smtClean="0"/>
+              <a:rPr lang="en-US" dirty="0"/>
               <a:t>Definitions</a:t>
             </a:r>
-            <a:endParaRPr lang="en-US" dirty="0"/>
           </a:p>
         </p:txBody>
       </p:sp>
@@ -7058,6 +7995,17 @@
               <a:t>"</a:t>
             </a:r>
             <a:r>
+              <a:rPr lang="en-US" dirty="0" err="1">
+                <a:solidFill>
+                  <a:srgbClr val="FF0000"/>
+                </a:solidFill>
+                <a:latin typeface="Courier" charset="0"/>
+                <a:ea typeface="Courier" charset="0"/>
+                <a:cs typeface="Courier" charset="0"/>
+              </a:rPr>
+              <a:t>odmO</a:t>
+            </a:r>
+            <a:r>
               <a:rPr lang="mr-IN" dirty="0" err="1">
                 <a:solidFill>
                   <a:srgbClr val="FF0000"/>
@@ -7066,7 +8014,7 @@
                 <a:ea typeface="Courier" charset="0"/>
                 <a:cs typeface="Courier" charset="0"/>
               </a:rPr>
-              <a:t>object</a:t>
+              <a:t>bject</a:t>
             </a:r>
             <a:r>
               <a:rPr lang="mr-IN" dirty="0">
@@ -7079,7 +8027,7 @@
           </a:p>
           <a:p>
             <a:r>
-              <a:rPr lang="en-US" dirty="0" smtClean="0">
+              <a:rPr lang="en-US" dirty="0">
                 <a:latin typeface="Courier" charset="0"/>
                 <a:ea typeface="Courier" charset="0"/>
                 <a:cs typeface="Courier" charset="0"/>
@@ -7087,7 +8035,7 @@
               <a:t>  </a:t>
             </a:r>
             <a:r>
-              <a:rPr lang="mr-IN" dirty="0" smtClean="0">
+              <a:rPr lang="mr-IN" dirty="0">
                 <a:latin typeface="Courier" charset="0"/>
                 <a:ea typeface="Courier" charset="0"/>
                 <a:cs typeface="Courier" charset="0"/>
@@ -7111,15 +8059,406 @@
                 <a:ea typeface="Courier" charset="0"/>
                 <a:cs typeface="Courier" charset="0"/>
               </a:rPr>
-              <a:t>": </a:t>
-            </a:r>
-            <a:r>
-              <a:rPr lang="mr-IN" dirty="0" smtClean="0">
-                <a:latin typeface="Courier" charset="0"/>
-                <a:ea typeface="Courier" charset="0"/>
-                <a:cs typeface="Courier" charset="0"/>
-              </a:rPr>
-              <a:t>{</a:t>
+              <a:t>": {</a:t>
+            </a:r>
+          </a:p>
+          <a:p>
+            <a:r>
+              <a:rPr lang="en-US" dirty="0">
+                <a:latin typeface="Courier" charset="0"/>
+                <a:ea typeface="Courier" charset="0"/>
+                <a:cs typeface="Courier" charset="0"/>
+              </a:rPr>
+              <a:t>    </a:t>
+            </a:r>
+            <a:r>
+              <a:rPr lang="mr-IN" dirty="0">
+                <a:latin typeface="Courier" charset="0"/>
+                <a:ea typeface="Courier" charset="0"/>
+                <a:cs typeface="Courier" charset="0"/>
+              </a:rPr>
+              <a:t>"</a:t>
+            </a:r>
+            <a:r>
+              <a:rPr lang="en-US" dirty="0" err="1">
+                <a:solidFill>
+                  <a:srgbClr val="FF0000"/>
+                </a:solidFill>
+                <a:latin typeface="Courier" charset="0"/>
+                <a:ea typeface="Courier" charset="0"/>
+                <a:cs typeface="Courier" charset="0"/>
+              </a:rPr>
+              <a:t>odmP</a:t>
+            </a:r>
+            <a:r>
+              <a:rPr lang="mr-IN" dirty="0" err="1">
+                <a:solidFill>
+                  <a:srgbClr val="FF0000"/>
+                </a:solidFill>
+                <a:latin typeface="Courier" charset="0"/>
+                <a:ea typeface="Courier" charset="0"/>
+                <a:cs typeface="Courier" charset="0"/>
+              </a:rPr>
+              <a:t>roperty</a:t>
+            </a:r>
+            <a:r>
+              <a:rPr lang="mr-IN" dirty="0">
+                <a:latin typeface="Courier" charset="0"/>
+                <a:ea typeface="Courier" charset="0"/>
+                <a:cs typeface="Courier" charset="0"/>
+              </a:rPr>
+              <a:t>": {</a:t>
+            </a:r>
+          </a:p>
+          <a:p>
+            <a:r>
+              <a:rPr lang="en-US" dirty="0">
+                <a:latin typeface="Courier" charset="0"/>
+                <a:ea typeface="Courier" charset="0"/>
+                <a:cs typeface="Courier" charset="0"/>
+              </a:rPr>
+              <a:t>      "</a:t>
+            </a:r>
+            <a:r>
+              <a:rPr lang="mr-IN" dirty="0" err="1">
+                <a:solidFill>
+                  <a:srgbClr val="00B050"/>
+                </a:solidFill>
+                <a:latin typeface="Courier" charset="0"/>
+                <a:ea typeface="Courier" charset="0"/>
+                <a:cs typeface="Courier" charset="0"/>
+              </a:rPr>
+              <a:t>value</a:t>
+            </a:r>
+            <a:r>
+              <a:rPr lang="mr-IN" dirty="0">
+                <a:latin typeface="Courier" charset="0"/>
+                <a:ea typeface="Courier" charset="0"/>
+                <a:cs typeface="Courier" charset="0"/>
+              </a:rPr>
+              <a:t>": {</a:t>
+            </a:r>
+          </a:p>
+          <a:p>
+            <a:r>
+              <a:rPr lang="en-US" dirty="0">
+                <a:latin typeface="Courier" charset="0"/>
+                <a:ea typeface="Courier" charset="0"/>
+                <a:cs typeface="Courier" charset="0"/>
+              </a:rPr>
+              <a:t>        </a:t>
+            </a:r>
+            <a:r>
+              <a:rPr lang="mr-IN" dirty="0">
+                <a:latin typeface="Courier" charset="0"/>
+                <a:ea typeface="Courier" charset="0"/>
+                <a:cs typeface="Courier" charset="0"/>
+              </a:rPr>
+              <a:t>"</a:t>
+            </a:r>
+            <a:r>
+              <a:rPr lang="mr-IN" dirty="0" err="1">
+                <a:solidFill>
+                  <a:srgbClr val="FF0000"/>
+                </a:solidFill>
+                <a:latin typeface="Courier" charset="0"/>
+                <a:ea typeface="Courier" charset="0"/>
+                <a:cs typeface="Courier" charset="0"/>
+              </a:rPr>
+              <a:t>type</a:t>
+            </a:r>
+            <a:r>
+              <a:rPr lang="mr-IN" dirty="0">
+                <a:latin typeface="Courier" charset="0"/>
+                <a:ea typeface="Courier" charset="0"/>
+                <a:cs typeface="Courier" charset="0"/>
+              </a:rPr>
+              <a:t>": "</a:t>
+            </a:r>
+            <a:r>
+              <a:rPr lang="mr-IN" dirty="0" err="1">
+                <a:solidFill>
+                  <a:srgbClr val="FF0000"/>
+                </a:solidFill>
+                <a:latin typeface="Courier" charset="0"/>
+                <a:ea typeface="Courier" charset="0"/>
+                <a:cs typeface="Courier" charset="0"/>
+              </a:rPr>
+              <a:t>string</a:t>
+            </a:r>
+            <a:r>
+              <a:rPr lang="mr-IN" dirty="0">
+                <a:latin typeface="Courier" charset="0"/>
+                <a:ea typeface="Courier" charset="0"/>
+                <a:cs typeface="Courier" charset="0"/>
+              </a:rPr>
+              <a:t>",</a:t>
+            </a:r>
+          </a:p>
+          <a:p>
+            <a:r>
+              <a:rPr lang="en-US" dirty="0">
+                <a:latin typeface="Courier" charset="0"/>
+                <a:ea typeface="Courier" charset="0"/>
+                <a:cs typeface="Courier" charset="0"/>
+              </a:rPr>
+              <a:t>        </a:t>
+            </a:r>
+            <a:r>
+              <a:rPr lang="mr-IN" dirty="0">
+                <a:latin typeface="Courier" charset="0"/>
+                <a:ea typeface="Courier" charset="0"/>
+                <a:cs typeface="Courier" charset="0"/>
+              </a:rPr>
+              <a:t>"</a:t>
+            </a:r>
+            <a:r>
+              <a:rPr lang="mr-IN" dirty="0" err="1">
+                <a:solidFill>
+                  <a:srgbClr val="FF0000"/>
+                </a:solidFill>
+                <a:latin typeface="Courier" charset="0"/>
+                <a:ea typeface="Courier" charset="0"/>
+                <a:cs typeface="Courier" charset="0"/>
+              </a:rPr>
+              <a:t>enum</a:t>
+            </a:r>
+            <a:r>
+              <a:rPr lang="mr-IN" dirty="0">
+                <a:latin typeface="Courier" charset="0"/>
+                <a:ea typeface="Courier" charset="0"/>
+                <a:cs typeface="Courier" charset="0"/>
+              </a:rPr>
+              <a:t>": ["</a:t>
+            </a:r>
+            <a:r>
+              <a:rPr lang="mr-IN" dirty="0" err="1">
+                <a:solidFill>
+                  <a:srgbClr val="0070C0"/>
+                </a:solidFill>
+                <a:latin typeface="Courier" charset="0"/>
+                <a:ea typeface="Courier" charset="0"/>
+                <a:cs typeface="Courier" charset="0"/>
+              </a:rPr>
+              <a:t>on</a:t>
+            </a:r>
+            <a:r>
+              <a:rPr lang="mr-IN" dirty="0">
+                <a:latin typeface="Courier" charset="0"/>
+                <a:ea typeface="Courier" charset="0"/>
+                <a:cs typeface="Courier" charset="0"/>
+              </a:rPr>
+              <a:t>", "</a:t>
+            </a:r>
+            <a:r>
+              <a:rPr lang="mr-IN" dirty="0" err="1">
+                <a:solidFill>
+                  <a:srgbClr val="0070C0"/>
+                </a:solidFill>
+                <a:latin typeface="Courier" charset="0"/>
+                <a:ea typeface="Courier" charset="0"/>
+                <a:cs typeface="Courier" charset="0"/>
+              </a:rPr>
+              <a:t>off</a:t>
+            </a:r>
+            <a:r>
+              <a:rPr lang="mr-IN" dirty="0">
+                <a:latin typeface="Courier" charset="0"/>
+                <a:ea typeface="Courier" charset="0"/>
+                <a:cs typeface="Courier" charset="0"/>
+              </a:rPr>
+              <a:t>"]</a:t>
+            </a:r>
+          </a:p>
+          <a:p>
+            <a:r>
+              <a:rPr lang="en-US" dirty="0">
+                <a:latin typeface="Courier" charset="0"/>
+                <a:ea typeface="Courier" charset="0"/>
+                <a:cs typeface="Courier" charset="0"/>
+              </a:rPr>
+              <a:t>      </a:t>
+            </a:r>
+            <a:r>
+              <a:rPr lang="mr-IN" dirty="0">
+                <a:latin typeface="Courier" charset="0"/>
+                <a:ea typeface="Courier" charset="0"/>
+                <a:cs typeface="Courier" charset="0"/>
+              </a:rPr>
+              <a:t>}</a:t>
+            </a:r>
+          </a:p>
+          <a:p>
+            <a:r>
+              <a:rPr lang="en-US" dirty="0">
+                <a:latin typeface="Courier" charset="0"/>
+                <a:ea typeface="Courier" charset="0"/>
+                <a:cs typeface="Courier" charset="0"/>
+              </a:rPr>
+              <a:t>    </a:t>
+            </a:r>
+            <a:r>
+              <a:rPr lang="mr-IN" dirty="0">
+                <a:latin typeface="Courier" charset="0"/>
+                <a:ea typeface="Courier" charset="0"/>
+                <a:cs typeface="Courier" charset="0"/>
+              </a:rPr>
+              <a:t>},</a:t>
+            </a:r>
+          </a:p>
+          <a:p>
+            <a:r>
+              <a:rPr lang="en-US" dirty="0">
+                <a:latin typeface="Courier" charset="0"/>
+                <a:ea typeface="Courier" charset="0"/>
+                <a:cs typeface="Courier" charset="0"/>
+              </a:rPr>
+              <a:t>    </a:t>
+            </a:r>
+            <a:r>
+              <a:rPr lang="mr-IN" dirty="0">
+                <a:latin typeface="Courier" charset="0"/>
+                <a:ea typeface="Courier" charset="0"/>
+                <a:cs typeface="Courier" charset="0"/>
+              </a:rPr>
+              <a:t>"</a:t>
+            </a:r>
+            <a:r>
+              <a:rPr lang="en-US" dirty="0" err="1">
+                <a:solidFill>
+                  <a:srgbClr val="FF0000"/>
+                </a:solidFill>
+                <a:latin typeface="Courier" charset="0"/>
+                <a:ea typeface="Courier" charset="0"/>
+                <a:cs typeface="Courier" charset="0"/>
+              </a:rPr>
+              <a:t>odmA</a:t>
+            </a:r>
+            <a:r>
+              <a:rPr lang="mr-IN" dirty="0" err="1">
+                <a:solidFill>
+                  <a:srgbClr val="FF0000"/>
+                </a:solidFill>
+                <a:latin typeface="Courier" charset="0"/>
+                <a:ea typeface="Courier" charset="0"/>
+                <a:cs typeface="Courier" charset="0"/>
+              </a:rPr>
+              <a:t>ction</a:t>
+            </a:r>
+            <a:r>
+              <a:rPr lang="mr-IN" dirty="0">
+                <a:latin typeface="Courier" charset="0"/>
+                <a:ea typeface="Courier" charset="0"/>
+                <a:cs typeface="Courier" charset="0"/>
+              </a:rPr>
+              <a:t>": {</a:t>
+            </a:r>
+          </a:p>
+          <a:p>
+            <a:r>
+              <a:rPr lang="en-US" dirty="0">
+                <a:latin typeface="Courier" charset="0"/>
+                <a:ea typeface="Courier" charset="0"/>
+                <a:cs typeface="Courier" charset="0"/>
+              </a:rPr>
+              <a:t>      </a:t>
+            </a:r>
+            <a:r>
+              <a:rPr lang="mr-IN" dirty="0">
+                <a:latin typeface="Courier" charset="0"/>
+                <a:ea typeface="Courier" charset="0"/>
+                <a:cs typeface="Courier" charset="0"/>
+              </a:rPr>
+              <a:t>"</a:t>
+            </a:r>
+            <a:r>
+              <a:rPr lang="mr-IN" dirty="0" err="1">
+                <a:solidFill>
+                  <a:srgbClr val="00B050"/>
+                </a:solidFill>
+                <a:latin typeface="Courier" charset="0"/>
+                <a:ea typeface="Courier" charset="0"/>
+                <a:cs typeface="Courier" charset="0"/>
+              </a:rPr>
+              <a:t>on</a:t>
+            </a:r>
+            <a:r>
+              <a:rPr lang="mr-IN" dirty="0">
+                <a:latin typeface="Courier" charset="0"/>
+                <a:ea typeface="Courier" charset="0"/>
+                <a:cs typeface="Courier" charset="0"/>
+              </a:rPr>
+              <a:t>": {},</a:t>
+            </a:r>
+          </a:p>
+          <a:p>
+            <a:r>
+              <a:rPr lang="en-US" dirty="0">
+                <a:latin typeface="Courier" charset="0"/>
+                <a:ea typeface="Courier" charset="0"/>
+                <a:cs typeface="Courier" charset="0"/>
+              </a:rPr>
+              <a:t>      </a:t>
+            </a:r>
+            <a:r>
+              <a:rPr lang="mr-IN" dirty="0">
+                <a:latin typeface="Courier" charset="0"/>
+                <a:ea typeface="Courier" charset="0"/>
+                <a:cs typeface="Courier" charset="0"/>
+              </a:rPr>
+              <a:t>"</a:t>
+            </a:r>
+            <a:r>
+              <a:rPr lang="mr-IN" dirty="0" err="1">
+                <a:solidFill>
+                  <a:srgbClr val="00B050"/>
+                </a:solidFill>
+                <a:latin typeface="Courier" charset="0"/>
+                <a:ea typeface="Courier" charset="0"/>
+                <a:cs typeface="Courier" charset="0"/>
+              </a:rPr>
+              <a:t>off</a:t>
+            </a:r>
+            <a:r>
+              <a:rPr lang="mr-IN" dirty="0">
+                <a:latin typeface="Courier" charset="0"/>
+                <a:ea typeface="Courier" charset="0"/>
+                <a:cs typeface="Courier" charset="0"/>
+              </a:rPr>
+              <a:t>": {}</a:t>
+            </a:r>
+          </a:p>
+          <a:p>
+            <a:r>
+              <a:rPr lang="en-US" dirty="0">
+                <a:latin typeface="Courier" charset="0"/>
+                <a:ea typeface="Courier" charset="0"/>
+                <a:cs typeface="Courier" charset="0"/>
+              </a:rPr>
+              <a:t>    </a:t>
+            </a:r>
+            <a:r>
+              <a:rPr lang="mr-IN" dirty="0">
+                <a:latin typeface="Courier" charset="0"/>
+                <a:ea typeface="Courier" charset="0"/>
+                <a:cs typeface="Courier" charset="0"/>
+              </a:rPr>
+              <a:t>}</a:t>
+            </a:r>
+            <a:endParaRPr lang="en-US" dirty="0">
+              <a:latin typeface="Courier" charset="0"/>
+              <a:ea typeface="Courier" charset="0"/>
+              <a:cs typeface="Courier" charset="0"/>
+            </a:endParaRPr>
+          </a:p>
+          <a:p>
+            <a:r>
+              <a:rPr lang="en-US" dirty="0">
+                <a:latin typeface="Courier" charset="0"/>
+                <a:ea typeface="Courier" charset="0"/>
+                <a:cs typeface="Courier" charset="0"/>
+              </a:rPr>
+              <a:t>  }</a:t>
             </a:r>
             <a:endParaRPr lang="mr-IN" dirty="0">
               <a:latin typeface="Courier" charset="0"/>
@@ -7129,407 +8468,7 @@
           </a:p>
           <a:p>
             <a:r>
-              <a:rPr lang="en-US" dirty="0" smtClean="0">
-                <a:latin typeface="Courier" charset="0"/>
-                <a:ea typeface="Courier" charset="0"/>
-                <a:cs typeface="Courier" charset="0"/>
-              </a:rPr>
-              <a:t>    </a:t>
-            </a:r>
-            <a:r>
-              <a:rPr lang="mr-IN" dirty="0" smtClean="0">
-                <a:latin typeface="Courier" charset="0"/>
-                <a:ea typeface="Courier" charset="0"/>
-                <a:cs typeface="Courier" charset="0"/>
-              </a:rPr>
-              <a:t>"</a:t>
-            </a:r>
-            <a:r>
-              <a:rPr lang="mr-IN" dirty="0" err="1">
-                <a:solidFill>
-                  <a:srgbClr val="FF0000"/>
-                </a:solidFill>
-                <a:latin typeface="Courier" charset="0"/>
-                <a:ea typeface="Courier" charset="0"/>
-                <a:cs typeface="Courier" charset="0"/>
-              </a:rPr>
-              <a:t>property</a:t>
-            </a:r>
-            <a:r>
               <a:rPr lang="mr-IN" dirty="0">
-                <a:latin typeface="Courier" charset="0"/>
-                <a:ea typeface="Courier" charset="0"/>
-                <a:cs typeface="Courier" charset="0"/>
-              </a:rPr>
-              <a:t>": {</a:t>
-            </a:r>
-          </a:p>
-          <a:p>
-            <a:r>
-              <a:rPr lang="en-US" dirty="0" smtClean="0">
-                <a:latin typeface="Courier" charset="0"/>
-                <a:ea typeface="Courier" charset="0"/>
-                <a:cs typeface="Courier" charset="0"/>
-              </a:rPr>
-              <a:t>      "</a:t>
-            </a:r>
-            <a:r>
-              <a:rPr lang="mr-IN" dirty="0" err="1" smtClean="0">
-                <a:solidFill>
-                  <a:srgbClr val="00B050"/>
-                </a:solidFill>
-                <a:latin typeface="Courier" charset="0"/>
-                <a:ea typeface="Courier" charset="0"/>
-                <a:cs typeface="Courier" charset="0"/>
-              </a:rPr>
-              <a:t>value</a:t>
-            </a:r>
-            <a:r>
-              <a:rPr lang="mr-IN" dirty="0">
-                <a:latin typeface="Courier" charset="0"/>
-                <a:ea typeface="Courier" charset="0"/>
-                <a:cs typeface="Courier" charset="0"/>
-              </a:rPr>
-              <a:t>": {</a:t>
-            </a:r>
-          </a:p>
-          <a:p>
-            <a:r>
-              <a:rPr lang="en-US" dirty="0" smtClean="0">
-                <a:latin typeface="Courier" charset="0"/>
-                <a:ea typeface="Courier" charset="0"/>
-                <a:cs typeface="Courier" charset="0"/>
-              </a:rPr>
-              <a:t>        </a:t>
-            </a:r>
-            <a:r>
-              <a:rPr lang="mr-IN" dirty="0" smtClean="0">
-                <a:latin typeface="Courier" charset="0"/>
-                <a:ea typeface="Courier" charset="0"/>
-                <a:cs typeface="Courier" charset="0"/>
-              </a:rPr>
-              <a:t>"</a:t>
-            </a:r>
-            <a:r>
-              <a:rPr lang="mr-IN" dirty="0" err="1">
-                <a:solidFill>
-                  <a:srgbClr val="FF0000"/>
-                </a:solidFill>
-                <a:latin typeface="Courier" charset="0"/>
-                <a:ea typeface="Courier" charset="0"/>
-                <a:cs typeface="Courier" charset="0"/>
-              </a:rPr>
-              <a:t>type</a:t>
-            </a:r>
-            <a:r>
-              <a:rPr lang="mr-IN" dirty="0">
-                <a:latin typeface="Courier" charset="0"/>
-                <a:ea typeface="Courier" charset="0"/>
-                <a:cs typeface="Courier" charset="0"/>
-              </a:rPr>
-              <a:t>": "</a:t>
-            </a:r>
-            <a:r>
-              <a:rPr lang="mr-IN" dirty="0" err="1">
-                <a:solidFill>
-                  <a:srgbClr val="FF0000"/>
-                </a:solidFill>
-                <a:latin typeface="Courier" charset="0"/>
-                <a:ea typeface="Courier" charset="0"/>
-                <a:cs typeface="Courier" charset="0"/>
-              </a:rPr>
-              <a:t>string</a:t>
-            </a:r>
-            <a:r>
-              <a:rPr lang="mr-IN" dirty="0">
-                <a:latin typeface="Courier" charset="0"/>
-                <a:ea typeface="Courier" charset="0"/>
-                <a:cs typeface="Courier" charset="0"/>
-              </a:rPr>
-              <a:t>",</a:t>
-            </a:r>
-          </a:p>
-          <a:p>
-            <a:r>
-              <a:rPr lang="en-US" dirty="0" smtClean="0">
-                <a:latin typeface="Courier" charset="0"/>
-                <a:ea typeface="Courier" charset="0"/>
-                <a:cs typeface="Courier" charset="0"/>
-              </a:rPr>
-              <a:t>        </a:t>
-            </a:r>
-            <a:r>
-              <a:rPr lang="mr-IN" dirty="0" smtClean="0">
-                <a:latin typeface="Courier" charset="0"/>
-                <a:ea typeface="Courier" charset="0"/>
-                <a:cs typeface="Courier" charset="0"/>
-              </a:rPr>
-              <a:t>"</a:t>
-            </a:r>
-            <a:r>
-              <a:rPr lang="mr-IN" dirty="0" err="1">
-                <a:solidFill>
-                  <a:srgbClr val="FF0000"/>
-                </a:solidFill>
-                <a:latin typeface="Courier" charset="0"/>
-                <a:ea typeface="Courier" charset="0"/>
-                <a:cs typeface="Courier" charset="0"/>
-              </a:rPr>
-              <a:t>enum</a:t>
-            </a:r>
-            <a:r>
-              <a:rPr lang="mr-IN" dirty="0">
-                <a:latin typeface="Courier" charset="0"/>
-                <a:ea typeface="Courier" charset="0"/>
-                <a:cs typeface="Courier" charset="0"/>
-              </a:rPr>
-              <a:t>": ["</a:t>
-            </a:r>
-            <a:r>
-              <a:rPr lang="mr-IN" dirty="0" err="1">
-                <a:solidFill>
-                  <a:srgbClr val="00B050"/>
-                </a:solidFill>
-                <a:latin typeface="Courier" charset="0"/>
-                <a:ea typeface="Courier" charset="0"/>
-                <a:cs typeface="Courier" charset="0"/>
-              </a:rPr>
-              <a:t>on</a:t>
-            </a:r>
-            <a:r>
-              <a:rPr lang="mr-IN" dirty="0">
-                <a:latin typeface="Courier" charset="0"/>
-                <a:ea typeface="Courier" charset="0"/>
-                <a:cs typeface="Courier" charset="0"/>
-              </a:rPr>
-              <a:t>", "</a:t>
-            </a:r>
-            <a:r>
-              <a:rPr lang="mr-IN" dirty="0" err="1">
-                <a:solidFill>
-                  <a:srgbClr val="00B050"/>
-                </a:solidFill>
-                <a:latin typeface="Courier" charset="0"/>
-                <a:ea typeface="Courier" charset="0"/>
-                <a:cs typeface="Courier" charset="0"/>
-              </a:rPr>
-              <a:t>off</a:t>
-            </a:r>
-            <a:r>
-              <a:rPr lang="mr-IN" dirty="0">
-                <a:latin typeface="Courier" charset="0"/>
-                <a:ea typeface="Courier" charset="0"/>
-                <a:cs typeface="Courier" charset="0"/>
-              </a:rPr>
-              <a:t>"]</a:t>
-            </a:r>
-          </a:p>
-          <a:p>
-            <a:r>
-              <a:rPr lang="en-US" dirty="0" smtClean="0">
-                <a:latin typeface="Courier" charset="0"/>
-                <a:ea typeface="Courier" charset="0"/>
-                <a:cs typeface="Courier" charset="0"/>
-              </a:rPr>
-              <a:t>      </a:t>
-            </a:r>
-            <a:r>
-              <a:rPr lang="mr-IN" dirty="0" smtClean="0">
-                <a:latin typeface="Courier" charset="0"/>
-                <a:ea typeface="Courier" charset="0"/>
-                <a:cs typeface="Courier" charset="0"/>
-              </a:rPr>
-              <a:t>}</a:t>
-            </a:r>
-            <a:endParaRPr lang="mr-IN" dirty="0">
-              <a:latin typeface="Courier" charset="0"/>
-              <a:ea typeface="Courier" charset="0"/>
-              <a:cs typeface="Courier" charset="0"/>
-            </a:endParaRPr>
-          </a:p>
-          <a:p>
-            <a:r>
-              <a:rPr lang="en-US" dirty="0" smtClean="0">
-                <a:latin typeface="Courier" charset="0"/>
-                <a:ea typeface="Courier" charset="0"/>
-                <a:cs typeface="Courier" charset="0"/>
-              </a:rPr>
-              <a:t>    </a:t>
-            </a:r>
-            <a:r>
-              <a:rPr lang="mr-IN" dirty="0" smtClean="0">
-                <a:latin typeface="Courier" charset="0"/>
-                <a:ea typeface="Courier" charset="0"/>
-                <a:cs typeface="Courier" charset="0"/>
-              </a:rPr>
-              <a:t>},</a:t>
-            </a:r>
-            <a:endParaRPr lang="mr-IN" dirty="0">
-              <a:latin typeface="Courier" charset="0"/>
-              <a:ea typeface="Courier" charset="0"/>
-              <a:cs typeface="Courier" charset="0"/>
-            </a:endParaRPr>
-          </a:p>
-          <a:p>
-            <a:r>
-              <a:rPr lang="en-US" dirty="0" smtClean="0">
-                <a:latin typeface="Courier" charset="0"/>
-                <a:ea typeface="Courier" charset="0"/>
-                <a:cs typeface="Courier" charset="0"/>
-              </a:rPr>
-              <a:t>    </a:t>
-            </a:r>
-            <a:r>
-              <a:rPr lang="mr-IN" dirty="0" smtClean="0">
-                <a:latin typeface="Courier" charset="0"/>
-                <a:ea typeface="Courier" charset="0"/>
-                <a:cs typeface="Courier" charset="0"/>
-              </a:rPr>
-              <a:t>"</a:t>
-            </a:r>
-            <a:r>
-              <a:rPr lang="mr-IN" dirty="0" err="1">
-                <a:solidFill>
-                  <a:srgbClr val="FF0000"/>
-                </a:solidFill>
-                <a:latin typeface="Courier" charset="0"/>
-                <a:ea typeface="Courier" charset="0"/>
-                <a:cs typeface="Courier" charset="0"/>
-              </a:rPr>
-              <a:t>action</a:t>
-            </a:r>
-            <a:r>
-              <a:rPr lang="mr-IN" dirty="0">
-                <a:latin typeface="Courier" charset="0"/>
-                <a:ea typeface="Courier" charset="0"/>
-                <a:cs typeface="Courier" charset="0"/>
-              </a:rPr>
-              <a:t>": {</a:t>
-            </a:r>
-          </a:p>
-          <a:p>
-            <a:r>
-              <a:rPr lang="en-US" dirty="0" smtClean="0">
-                <a:latin typeface="Courier" charset="0"/>
-                <a:ea typeface="Courier" charset="0"/>
-                <a:cs typeface="Courier" charset="0"/>
-              </a:rPr>
-              <a:t>      </a:t>
-            </a:r>
-            <a:r>
-              <a:rPr lang="mr-IN" dirty="0" smtClean="0">
-                <a:latin typeface="Courier" charset="0"/>
-                <a:ea typeface="Courier" charset="0"/>
-                <a:cs typeface="Courier" charset="0"/>
-              </a:rPr>
-              <a:t>"</a:t>
-            </a:r>
-            <a:r>
-              <a:rPr lang="mr-IN" dirty="0" err="1" smtClean="0">
-                <a:solidFill>
-                  <a:srgbClr val="00B050"/>
-                </a:solidFill>
-                <a:latin typeface="Courier" charset="0"/>
-                <a:ea typeface="Courier" charset="0"/>
-                <a:cs typeface="Courier" charset="0"/>
-              </a:rPr>
-              <a:t>on</a:t>
-            </a:r>
-            <a:r>
-              <a:rPr lang="mr-IN" dirty="0">
-                <a:latin typeface="Courier" charset="0"/>
-                <a:ea typeface="Courier" charset="0"/>
-                <a:cs typeface="Courier" charset="0"/>
-              </a:rPr>
-              <a:t>": {},</a:t>
-            </a:r>
-          </a:p>
-          <a:p>
-            <a:r>
-              <a:rPr lang="en-US" dirty="0" smtClean="0">
-                <a:latin typeface="Courier" charset="0"/>
-                <a:ea typeface="Courier" charset="0"/>
-                <a:cs typeface="Courier" charset="0"/>
-              </a:rPr>
-              <a:t>      </a:t>
-            </a:r>
-            <a:r>
-              <a:rPr lang="mr-IN" dirty="0" smtClean="0">
-                <a:latin typeface="Courier" charset="0"/>
-                <a:ea typeface="Courier" charset="0"/>
-                <a:cs typeface="Courier" charset="0"/>
-              </a:rPr>
-              <a:t>"</a:t>
-            </a:r>
-            <a:r>
-              <a:rPr lang="mr-IN" dirty="0" err="1" smtClean="0">
-                <a:solidFill>
-                  <a:srgbClr val="00B050"/>
-                </a:solidFill>
-                <a:latin typeface="Courier" charset="0"/>
-                <a:ea typeface="Courier" charset="0"/>
-                <a:cs typeface="Courier" charset="0"/>
-              </a:rPr>
-              <a:t>off</a:t>
-            </a:r>
-            <a:r>
-              <a:rPr lang="mr-IN" dirty="0">
-                <a:latin typeface="Courier" charset="0"/>
-                <a:ea typeface="Courier" charset="0"/>
-                <a:cs typeface="Courier" charset="0"/>
-              </a:rPr>
-              <a:t>": {}</a:t>
-            </a:r>
-          </a:p>
-          <a:p>
-            <a:r>
-              <a:rPr lang="en-US" dirty="0" smtClean="0">
-                <a:latin typeface="Courier" charset="0"/>
-                <a:ea typeface="Courier" charset="0"/>
-                <a:cs typeface="Courier" charset="0"/>
-              </a:rPr>
-              <a:t>    </a:t>
-            </a:r>
-            <a:r>
-              <a:rPr lang="mr-IN" dirty="0" smtClean="0">
-                <a:latin typeface="Courier" charset="0"/>
-                <a:ea typeface="Courier" charset="0"/>
-                <a:cs typeface="Courier" charset="0"/>
-              </a:rPr>
-              <a:t>}</a:t>
-            </a:r>
-            <a:endParaRPr lang="en-US" dirty="0" smtClean="0">
-              <a:latin typeface="Courier" charset="0"/>
-              <a:ea typeface="Courier" charset="0"/>
-              <a:cs typeface="Courier" charset="0"/>
-            </a:endParaRPr>
-          </a:p>
-          <a:p>
-            <a:r>
-              <a:rPr lang="en-US" dirty="0">
-                <a:latin typeface="Courier" charset="0"/>
-                <a:ea typeface="Courier" charset="0"/>
-                <a:cs typeface="Courier" charset="0"/>
-              </a:rPr>
-              <a:t> </a:t>
-            </a:r>
-            <a:r>
-              <a:rPr lang="en-US" dirty="0" smtClean="0">
-                <a:latin typeface="Courier" charset="0"/>
-                <a:ea typeface="Courier" charset="0"/>
-                <a:cs typeface="Courier" charset="0"/>
-              </a:rPr>
-              <a:t> }</a:t>
-            </a:r>
-            <a:endParaRPr lang="mr-IN" dirty="0">
-              <a:latin typeface="Courier" charset="0"/>
-              <a:ea typeface="Courier" charset="0"/>
-              <a:cs typeface="Courier" charset="0"/>
-            </a:endParaRPr>
-          </a:p>
-          <a:p>
-            <a:r>
-              <a:rPr lang="mr-IN" dirty="0" smtClean="0">
                 <a:latin typeface="Courier" charset="0"/>
                 <a:ea typeface="Courier" charset="0"/>
                 <a:cs typeface="Courier" charset="0"/>
@@ -7569,18 +8508,13 @@
           <a:p>
             <a:pPr algn="ctr"/>
             <a:r>
-              <a:rPr lang="en-US" sz="2400" u="sng" dirty="0" smtClean="0">
+              <a:rPr lang="en-US" sz="2400" u="sng" dirty="0">
                 <a:solidFill>
                   <a:srgbClr val="FF0000"/>
                 </a:solidFill>
               </a:rPr>
               <a:t>SDF keywords</a:t>
             </a:r>
-            <a:endParaRPr lang="en-US" sz="2400" u="sng" dirty="0">
-              <a:solidFill>
-                <a:srgbClr val="FF0000"/>
-              </a:solidFill>
-            </a:endParaRPr>
           </a:p>
         </p:txBody>
       </p:sp>
@@ -7607,18 +8541,13 @@
           <a:lstStyle/>
           <a:p>
             <a:r>
-              <a:rPr lang="en-US" sz="2400" u="sng" dirty="0" smtClean="0">
+              <a:rPr lang="en-US" sz="2400" u="sng" dirty="0">
                 <a:solidFill>
                   <a:srgbClr val="00B050"/>
                 </a:solidFill>
               </a:rPr>
               <a:t>Definitions in the Default Namespace</a:t>
             </a:r>
-            <a:endParaRPr lang="en-US" sz="2400" u="sng" dirty="0">
-              <a:solidFill>
-                <a:srgbClr val="00B050"/>
-              </a:solidFill>
-            </a:endParaRPr>
           </a:p>
         </p:txBody>
       </p:sp>
@@ -7972,10 +8901,9 @@
           <a:lstStyle/>
           <a:p>
             <a:r>
-              <a:rPr lang="en-US" dirty="0" smtClean="0"/>
+              <a:rPr lang="en-US" dirty="0"/>
               <a:t>Definitions</a:t>
             </a:r>
-            <a:endParaRPr lang="en-US" dirty="0"/>
           </a:p>
         </p:txBody>
       </p:sp>
@@ -7995,10 +8923,9 @@
           <a:lstStyle/>
           <a:p>
             <a:r>
-              <a:rPr lang="en-US" dirty="0" smtClean="0"/>
+              <a:rPr lang="en-US" dirty="0"/>
               <a:t>A definition consists of a defined term and a map of it's defined qualities</a:t>
             </a:r>
-            <a:endParaRPr lang="en-US" dirty="0"/>
           </a:p>
         </p:txBody>
       </p:sp>
@@ -8032,7 +8959,7 @@
               <a:t>  </a:t>
             </a:r>
             <a:r>
-              <a:rPr lang="mr-IN" sz="2400" dirty="0" smtClean="0">
+              <a:rPr lang="mr-IN" sz="2400" dirty="0">
                 <a:latin typeface="Courier" charset="0"/>
                 <a:ea typeface="Courier" charset="0"/>
                 <a:cs typeface="Courier" charset="0"/>
@@ -8040,7 +8967,7 @@
               <a:t>"</a:t>
             </a:r>
             <a:r>
-              <a:rPr lang="mr-IN" sz="2400" dirty="0" err="1" smtClean="0">
+              <a:rPr lang="mr-IN" sz="2400" dirty="0" err="1">
                 <a:solidFill>
                   <a:srgbClr val="00B050"/>
                 </a:solidFill>
@@ -8069,7 +8996,7 @@
               <a:t>    </a:t>
             </a:r>
             <a:r>
-              <a:rPr lang="mr-IN" sz="2400" dirty="0" smtClean="0">
+              <a:rPr lang="mr-IN" sz="2400" dirty="0">
                 <a:latin typeface="Courier" charset="0"/>
                 <a:ea typeface="Courier" charset="0"/>
                 <a:cs typeface="Courier" charset="0"/>
@@ -8171,7 +9098,7 @@
               <a:t>", "</a:t>
             </a:r>
             <a:r>
-              <a:rPr lang="mr-IN" sz="2400" dirty="0" err="1" smtClean="0">
+              <a:rPr lang="mr-IN" sz="2400" dirty="0" err="1">
                 <a:solidFill>
                   <a:srgbClr val="00B050"/>
                 </a:solidFill>
@@ -8182,18 +9109,13 @@
               <a:t>off</a:t>
             </a:r>
             <a:r>
-              <a:rPr lang="mr-IN" sz="2400" dirty="0" smtClean="0">
+              <a:rPr lang="mr-IN" sz="2400" dirty="0">
                 <a:latin typeface="Courier" charset="0"/>
                 <a:ea typeface="Courier" charset="0"/>
                 <a:cs typeface="Courier" charset="0"/>
               </a:rPr>
               <a:t>"]</a:t>
             </a:r>
-            <a:endParaRPr lang="mr-IN" sz="2400" dirty="0">
-              <a:latin typeface="Courier" charset="0"/>
-              <a:ea typeface="Courier" charset="0"/>
-              <a:cs typeface="Courier" charset="0"/>
-            </a:endParaRPr>
           </a:p>
           <a:p>
             <a:r>
@@ -8271,20 +9193,12 @@
               <a:buAutoNum type="arabicPeriod"/>
             </a:pPr>
             <a:r>
-              <a:rPr lang="en-US" sz="2400" dirty="0" smtClean="0">
+              <a:rPr lang="en-US" sz="2400" dirty="0">
                 <a:solidFill>
                   <a:srgbClr val="24292E"/>
                 </a:solidFill>
               </a:rPr>
-              <a:t>Identifiers </a:t>
-            </a:r>
-            <a:r>
-              <a:rPr lang="en-US" sz="2400" dirty="0">
-                <a:solidFill>
-                  <a:srgbClr val="24292E"/>
-                </a:solidFill>
-              </a:rPr>
-              <a:t>with an explicit namespace prefix</a:t>
+              <a:t>Identifiers with an explicit namespace prefix</a:t>
             </a:r>
           </a:p>
           <a:p>
@@ -8293,46 +9207,18 @@
               <a:buAutoNum type="arabicPeriod"/>
             </a:pPr>
             <a:r>
-              <a:rPr lang="en-US" sz="2400" dirty="0" smtClean="0">
+              <a:rPr lang="en-US" sz="2400" dirty="0">
                 <a:solidFill>
                   <a:srgbClr val="24292E"/>
                 </a:solidFill>
               </a:rPr>
-              <a:t>Keywords </a:t>
-            </a:r>
-            <a:r>
-              <a:rPr lang="en-US" sz="2400" dirty="0">
-                <a:solidFill>
-                  <a:srgbClr val="24292E"/>
-                </a:solidFill>
-              </a:rPr>
-              <a:t>and quality names in the ODM and JSON Schema namespaces, defined in the JSON Schema for </a:t>
-            </a:r>
-            <a:r>
-              <a:rPr lang="en-US" sz="2400" dirty="0" smtClean="0">
-                <a:solidFill>
-                  <a:srgbClr val="24292E"/>
-                </a:solidFill>
-              </a:rPr>
-              <a:t>SDF at: </a:t>
-            </a:r>
-            <a:r>
-              <a:rPr lang="en-US" sz="2400" dirty="0" smtClean="0">
-                <a:hlinkClick r:id="rId2"/>
-              </a:rPr>
-              <a:t>https</a:t>
+              <a:t>Keywords and quality names in the ODM and JSON Schema namespaces, defined in the JSON Schema for SDF at: </a:t>
             </a:r>
             <a:r>
               <a:rPr lang="en-US" sz="2400" dirty="0">
                 <a:hlinkClick r:id="rId2"/>
               </a:rPr>
-              <a:t>://</a:t>
-            </a:r>
-            <a:r>
-              <a:rPr lang="en-US" sz="2400" dirty="0" smtClean="0">
-                <a:hlinkClick r:id="rId2"/>
-              </a:rPr>
-              <a:t>github.com/mjkoster/ODM-Examples/blob/master/SDF2-Schema.json</a:t>
+              <a:t>https://github.com/mjkoster/ODM-Examples/blob/master/sdf-schema.json</a:t>
             </a:r>
             <a:endParaRPr lang="en-US" sz="2400" dirty="0">
               <a:solidFill>
@@ -8346,20 +9232,12 @@
               <a:buAutoNum type="arabicPeriod"/>
             </a:pPr>
             <a:r>
-              <a:rPr lang="en-US" sz="2400" dirty="0" smtClean="0">
+              <a:rPr lang="en-US" sz="2400" dirty="0">
                 <a:solidFill>
                   <a:srgbClr val="24292E"/>
                 </a:solidFill>
               </a:rPr>
-              <a:t>Identifier </a:t>
-            </a:r>
-            <a:r>
-              <a:rPr lang="en-US" sz="2400" dirty="0">
-                <a:solidFill>
-                  <a:srgbClr val="24292E"/>
-                </a:solidFill>
-              </a:rPr>
-              <a:t>defined in the same (local) block</a:t>
+              <a:t>Identifier defined in the same (local) block</a:t>
             </a:r>
           </a:p>
           <a:p>
@@ -8368,20 +9246,12 @@
               <a:buAutoNum type="arabicPeriod"/>
             </a:pPr>
             <a:r>
-              <a:rPr lang="en-US" sz="2400" dirty="0" smtClean="0">
+              <a:rPr lang="en-US" sz="2400" dirty="0">
                 <a:solidFill>
                   <a:srgbClr val="24292E"/>
                 </a:solidFill>
               </a:rPr>
-              <a:t>Identifier </a:t>
-            </a:r>
-            <a:r>
-              <a:rPr lang="en-US" sz="2400" dirty="0">
-                <a:solidFill>
-                  <a:srgbClr val="24292E"/>
-                </a:solidFill>
-              </a:rPr>
-              <a:t>defined in the next closest enclosing block recursively</a:t>
+              <a:t>Identifier defined in the next closest enclosing block recursively</a:t>
             </a:r>
           </a:p>
           <a:p>
@@ -8390,20 +9260,12 @@
               <a:buAutoNum type="arabicPeriod"/>
             </a:pPr>
             <a:r>
-              <a:rPr lang="en-US" sz="2400" dirty="0" smtClean="0">
+              <a:rPr lang="en-US" sz="2400" dirty="0">
                 <a:solidFill>
                   <a:srgbClr val="24292E"/>
                 </a:solidFill>
               </a:rPr>
-              <a:t>Identifier </a:t>
-            </a:r>
-            <a:r>
-              <a:rPr lang="en-US" sz="2400" dirty="0">
-                <a:solidFill>
-                  <a:srgbClr val="24292E"/>
-                </a:solidFill>
-              </a:rPr>
-              <a:t>defined in the file</a:t>
+              <a:t>Identifier defined in the file</a:t>
             </a:r>
           </a:p>
           <a:p>
@@ -8412,20 +9274,12 @@
               <a:buAutoNum type="arabicPeriod"/>
             </a:pPr>
             <a:r>
-              <a:rPr lang="en-US" sz="2400" dirty="0" smtClean="0">
+              <a:rPr lang="en-US" sz="2400" dirty="0">
                 <a:solidFill>
                   <a:srgbClr val="24292E"/>
                 </a:solidFill>
               </a:rPr>
-              <a:t>Identifier </a:t>
-            </a:r>
-            <a:r>
-              <a:rPr lang="en-US" sz="2400" dirty="0">
-                <a:solidFill>
-                  <a:srgbClr val="24292E"/>
-                </a:solidFill>
-              </a:rPr>
-              <a:t>defined in the default namespace</a:t>
+              <a:t>Identifier defined in the default namespace</a:t>
             </a:r>
             <a:endParaRPr lang="en-US" sz="2400" b="0" i="0" dirty="0">
               <a:solidFill>
@@ -8452,10 +9306,9 @@
           <a:lstStyle/>
           <a:p>
             <a:r>
-              <a:rPr lang="en-US" dirty="0" smtClean="0"/>
+              <a:rPr lang="en-US" dirty="0"/>
               <a:t>Identifier scope and namespace resolution</a:t>
             </a:r>
-            <a:endParaRPr lang="en-US" dirty="0"/>
           </a:p>
         </p:txBody>
       </p:sp>
@@ -8491,7 +9344,13 @@
       </p:grpSpPr>
       <p:sp>
         <p:nvSpPr>
-          <p:cNvPr id="2" name="Title 1"/>
+          <p:cNvPr id="2" name="Title 1">
+            <a:extLst>
+              <a:ext uri="{FF2B5EF4-FFF2-40B4-BE49-F238E27FC236}">
+                <a16:creationId xmlns:a16="http://schemas.microsoft.com/office/drawing/2014/main" id="{D549081A-EA8B-4746-96C9-75A71DFF8FB4}"/>
+              </a:ext>
+            </a:extLst>
+          </p:cNvPr>
           <p:cNvSpPr>
             <a:spLocks noGrp="1"/>
           </p:cNvSpPr>
@@ -8505,16 +9364,21 @@
           <a:lstStyle/>
           <a:p>
             <a:r>
-              <a:rPr lang="en-US" dirty="0" smtClean="0"/>
-              <a:t>SDF top level Keywords</a:t>
-            </a:r>
-            <a:endParaRPr lang="en-US" dirty="0"/>
-          </a:p>
-        </p:txBody>
-      </p:sp>
-      <p:sp>
-        <p:nvSpPr>
-          <p:cNvPr id="3" name="Content Placeholder 2"/>
+              <a:rPr lang="en-US" dirty="0"/>
+              <a:t>Tools</a:t>
+            </a:r>
+          </a:p>
+        </p:txBody>
+      </p:sp>
+      <p:sp>
+        <p:nvSpPr>
+          <p:cNvPr id="3" name="Content Placeholder 2">
+            <a:extLst>
+              <a:ext uri="{FF2B5EF4-FFF2-40B4-BE49-F238E27FC236}">
+                <a16:creationId xmlns:a16="http://schemas.microsoft.com/office/drawing/2014/main" id="{DCACBC9F-CF95-6D43-88DA-47B02495AD27}"/>
+              </a:ext>
+            </a:extLst>
+          </p:cNvPr>
           <p:cNvSpPr>
             <a:spLocks noGrp="1"/>
           </p:cNvSpPr>
@@ -8528,40 +9392,44 @@
           <a:lstStyle/>
           <a:p>
             <a:r>
-              <a:rPr lang="en-US" dirty="0" smtClean="0"/>
-              <a:t>Info block </a:t>
-            </a:r>
-          </a:p>
-          <a:p>
-            <a:pPr lvl="1"/>
-            <a:r>
-              <a:rPr lang="en-US" dirty="0" smtClean="0"/>
-              <a:t>info, title, version, copyright, license</a:t>
-            </a:r>
-          </a:p>
-          <a:p>
-            <a:r>
-              <a:rPr lang="en-US" dirty="0" smtClean="0"/>
-              <a:t>Definitions block</a:t>
-            </a:r>
-          </a:p>
-          <a:p>
-            <a:pPr lvl="1"/>
-            <a:r>
-              <a:rPr lang="en-US" dirty="0" smtClean="0"/>
-              <a:t>namespace, </a:t>
-            </a:r>
-            <a:r>
-              <a:rPr lang="en-US" dirty="0" err="1" smtClean="0"/>
-              <a:t>defaultNamespace</a:t>
-            </a:r>
-            <a:endParaRPr lang="en-US" dirty="0" smtClean="0"/>
-          </a:p>
-          <a:p>
-            <a:pPr lvl="1"/>
-            <a:r>
-              <a:rPr lang="en-US" dirty="0" smtClean="0"/>
-              <a:t>object, property, action, event, data </a:t>
+              <a:rPr lang="en-US" dirty="0"/>
+              <a:t>Python for offline tools</a:t>
+            </a:r>
+          </a:p>
+          <a:p>
+            <a:r>
+              <a:rPr lang="en-US" dirty="0"/>
+              <a:t>Nodejs for server tools</a:t>
+            </a:r>
+          </a:p>
+          <a:p>
+            <a:r>
+              <a:rPr lang="en-US" dirty="0"/>
+              <a:t>Shell utilities</a:t>
+            </a:r>
+          </a:p>
+          <a:p>
+            <a:r>
+              <a:rPr lang="en-US" dirty="0"/>
+              <a:t>Validation</a:t>
+            </a:r>
+          </a:p>
+          <a:p>
+            <a:r>
+              <a:rPr lang="en-US" dirty="0"/>
+              <a:t>Linter</a:t>
+            </a:r>
+          </a:p>
+          <a:p>
+            <a:r>
+              <a:rPr lang="en-US" dirty="0"/>
+              <a:t>Conversion utilities</a:t>
+            </a:r>
+          </a:p>
+          <a:p>
+            <a:r>
+              <a:rPr lang="en-US" dirty="0"/>
+              <a:t>Database + lookup</a:t>
             </a:r>
           </a:p>
         </p:txBody>
@@ -8569,7 +9437,7 @@
     </p:spTree>
     <p:extLst>
       <p:ext uri="{BB962C8B-B14F-4D97-AF65-F5344CB8AC3E}">
-        <p14:creationId xmlns:p14="http://schemas.microsoft.com/office/powerpoint/2010/main" val="685571181"/>
+        <p14:creationId xmlns:p14="http://schemas.microsoft.com/office/powerpoint/2010/main" val="2903297994"/>
       </p:ext>
     </p:extLst>
   </p:cSld>
@@ -8598,7 +9466,13 @@
       </p:grpSpPr>
       <p:sp>
         <p:nvSpPr>
-          <p:cNvPr id="2" name="Title 1"/>
+          <p:cNvPr id="2" name="Title 1">
+            <a:extLst>
+              <a:ext uri="{FF2B5EF4-FFF2-40B4-BE49-F238E27FC236}">
+                <a16:creationId xmlns:a16="http://schemas.microsoft.com/office/drawing/2014/main" id="{0A17F97D-CF29-1248-A799-ACA4F42DA52F}"/>
+              </a:ext>
+            </a:extLst>
+          </p:cNvPr>
           <p:cNvSpPr>
             <a:spLocks noGrp="1"/>
           </p:cNvSpPr>
@@ -8608,7 +9482,7 @@
         </p:nvSpPr>
         <p:spPr>
           <a:xfrm>
-            <a:off x="557398" y="281999"/>
+            <a:off x="1028700" y="5669597"/>
             <a:ext cx="7886700" cy="1325563"/>
           </a:xfrm>
         </p:spPr>
@@ -8616,24 +9490,30 @@
           <a:bodyPr/>
           <a:lstStyle/>
           <a:p>
-            <a:r>
-              <a:rPr lang="en-US" dirty="0" smtClean="0"/>
-              <a:t>Object qualities </a:t>
-            </a:r>
-            <a:endParaRPr lang="en-US" dirty="0"/>
-          </a:p>
-        </p:txBody>
-      </p:sp>
-      <p:sp>
-        <p:nvSpPr>
-          <p:cNvPr id="4" name="Rectangle 3"/>
+            <a:pPr algn="r"/>
+            <a:r>
+              <a:rPr lang="en-US" dirty="0"/>
+              <a:t>Thing Definition Language</a:t>
+            </a:r>
+          </a:p>
+        </p:txBody>
+      </p:sp>
+      <p:sp>
+        <p:nvSpPr>
+          <p:cNvPr id="4" name="Rectangle 3">
+            <a:extLst>
+              <a:ext uri="{FF2B5EF4-FFF2-40B4-BE49-F238E27FC236}">
+                <a16:creationId xmlns:a16="http://schemas.microsoft.com/office/drawing/2014/main" id="{7D9D60DE-CC07-864F-ADAE-4760E5791BB0}"/>
+              </a:ext>
+            </a:extLst>
+          </p:cNvPr>
           <p:cNvSpPr/>
           <p:nvPr/>
         </p:nvSpPr>
         <p:spPr>
           <a:xfrm>
-            <a:off x="1098467" y="1911260"/>
-            <a:ext cx="3164775" cy="4247317"/>
+            <a:off x="548640" y="305068"/>
+            <a:ext cx="8366760" cy="6247864"/>
           </a:xfrm>
           <a:prstGeom prst="rect">
             <a:avLst/>
@@ -8646,653 +9526,637 @@
           <a:lstStyle/>
           <a:p>
             <a:r>
-              <a:rPr lang="mr-IN" dirty="0" smtClean="0">
-                <a:latin typeface="Menlo" charset="0"/>
-              </a:rPr>
-              <a:t>"</a:t>
-            </a:r>
-            <a:r>
-              <a:rPr lang="en-US" dirty="0" smtClean="0">
+              <a:rPr lang="en-US" sz="1600" dirty="0">
                 <a:solidFill>
                   <a:srgbClr val="FF0000"/>
                 </a:solidFill>
-                <a:latin typeface="Menlo" charset="0"/>
-              </a:rPr>
-              <a:t>description</a:t>
-            </a:r>
-            <a:r>
-              <a:rPr lang="mr-IN" dirty="0" smtClean="0">
-                <a:latin typeface="Menlo" charset="0"/>
-              </a:rPr>
-              <a:t>": </a:t>
-            </a:r>
-            <a:r>
-              <a:rPr lang="mr-IN" dirty="0">
-                <a:latin typeface="Menlo" charset="0"/>
-              </a:rPr>
-              <a:t>{</a:t>
-            </a:r>
-          </a:p>
-          <a:p>
-            <a:r>
-              <a:rPr lang="en-US" dirty="0">
-                <a:latin typeface="Menlo" charset="0"/>
-              </a:rPr>
-              <a:t>  </a:t>
-            </a:r>
-            <a:r>
-              <a:rPr lang="mr-IN" dirty="0">
-                <a:latin typeface="Menlo" charset="0"/>
-              </a:rPr>
-              <a:t>"</a:t>
-            </a:r>
-            <a:r>
-              <a:rPr lang="mr-IN" dirty="0" err="1">
-                <a:latin typeface="Menlo" charset="0"/>
-              </a:rPr>
-              <a:t>type</a:t>
-            </a:r>
-            <a:r>
-              <a:rPr lang="mr-IN" dirty="0">
-                <a:latin typeface="Menlo" charset="0"/>
-              </a:rPr>
-              <a:t>": "</a:t>
-            </a:r>
-            <a:r>
-              <a:rPr lang="mr-IN" dirty="0" err="1">
-                <a:latin typeface="Menlo" charset="0"/>
-              </a:rPr>
-              <a:t>string</a:t>
-            </a:r>
-            <a:r>
-              <a:rPr lang="mr-IN" dirty="0">
-                <a:latin typeface="Menlo" charset="0"/>
-              </a:rPr>
-              <a:t>"</a:t>
-            </a:r>
-          </a:p>
-          <a:p>
-            <a:r>
-              <a:rPr lang="mr-IN" dirty="0">
-                <a:latin typeface="Menlo" charset="0"/>
-              </a:rPr>
-              <a:t>},</a:t>
-            </a:r>
-          </a:p>
-          <a:p>
-            <a:r>
-              <a:rPr lang="mr-IN" dirty="0" smtClean="0">
-                <a:latin typeface="Menlo" charset="0"/>
-              </a:rPr>
-              <a:t>"</a:t>
-            </a:r>
-            <a:r>
-              <a:rPr lang="mr-IN" dirty="0" err="1">
+                <a:latin typeface="Courier" pitchFamily="2" charset="0"/>
+              </a:rPr>
+              <a:t>info</a:t>
+            </a:r>
+            <a:r>
+              <a:rPr lang="en-US" sz="1600" dirty="0">
+                <a:solidFill>
+                  <a:srgbClr val="000000"/>
+                </a:solidFill>
+                <a:latin typeface="Courier" pitchFamily="2" charset="0"/>
+              </a:rPr>
+              <a:t> {</a:t>
+            </a:r>
+          </a:p>
+          <a:p>
+            <a:r>
+              <a:rPr lang="en-US" sz="1600" dirty="0">
+                <a:solidFill>
+                  <a:srgbClr val="000000"/>
+                </a:solidFill>
+                <a:latin typeface="Courier" pitchFamily="2" charset="0"/>
+              </a:rPr>
+              <a:t>  </a:t>
+            </a:r>
+            <a:r>
+              <a:rPr lang="en-US" sz="1600" dirty="0">
                 <a:solidFill>
                   <a:srgbClr val="FF0000"/>
                 </a:solidFill>
-                <a:latin typeface="Menlo" charset="0"/>
+                <a:latin typeface="Courier" pitchFamily="2" charset="0"/>
               </a:rPr>
               <a:t>title</a:t>
             </a:r>
             <a:r>
-              <a:rPr lang="mr-IN" dirty="0">
-                <a:latin typeface="Menlo" charset="0"/>
-              </a:rPr>
-              <a:t>": {</a:t>
-            </a:r>
-          </a:p>
-          <a:p>
-            <a:r>
-              <a:rPr lang="en-US" dirty="0" smtClean="0">
-                <a:latin typeface="Menlo" charset="0"/>
-              </a:rPr>
-              <a:t>  </a:t>
-            </a:r>
-            <a:r>
-              <a:rPr lang="mr-IN" dirty="0" smtClean="0">
-                <a:latin typeface="Menlo" charset="0"/>
-              </a:rPr>
-              <a:t>"</a:t>
-            </a:r>
-            <a:r>
-              <a:rPr lang="mr-IN" dirty="0" err="1">
-                <a:latin typeface="Menlo" charset="0"/>
-              </a:rPr>
-              <a:t>type</a:t>
-            </a:r>
-            <a:r>
-              <a:rPr lang="mr-IN" dirty="0">
-                <a:latin typeface="Menlo" charset="0"/>
-              </a:rPr>
-              <a:t>": "</a:t>
-            </a:r>
-            <a:r>
-              <a:rPr lang="mr-IN" dirty="0" err="1">
-                <a:latin typeface="Menlo" charset="0"/>
-              </a:rPr>
-              <a:t>string</a:t>
-            </a:r>
-            <a:r>
-              <a:rPr lang="mr-IN" dirty="0">
-                <a:latin typeface="Menlo" charset="0"/>
-              </a:rPr>
-              <a:t>"</a:t>
-            </a:r>
-          </a:p>
-          <a:p>
-            <a:r>
-              <a:rPr lang="mr-IN" dirty="0">
-                <a:latin typeface="Menlo" charset="0"/>
-              </a:rPr>
-              <a:t>},</a:t>
-            </a:r>
-          </a:p>
-          <a:p>
-            <a:r>
-              <a:rPr lang="mr-IN" dirty="0">
-                <a:latin typeface="Menlo" charset="0"/>
-              </a:rPr>
-              <a:t>"</a:t>
-            </a:r>
-            <a:r>
-              <a:rPr lang="mr-IN" dirty="0" err="1">
+              <a:rPr lang="en-US" sz="1600" dirty="0">
+                <a:solidFill>
+                  <a:srgbClr val="000000"/>
+                </a:solidFill>
+                <a:latin typeface="Courier" pitchFamily="2" charset="0"/>
+              </a:rPr>
+              <a:t> "Example file for ODM Simple JSON Definition Format"</a:t>
+            </a:r>
+          </a:p>
+          <a:p>
+            <a:r>
+              <a:rPr lang="en-US" sz="1600" dirty="0">
+                <a:solidFill>
+                  <a:srgbClr val="000000"/>
+                </a:solidFill>
+                <a:latin typeface="Courier" pitchFamily="2" charset="0"/>
+              </a:rPr>
+              <a:t>  version "20190424"</a:t>
+            </a:r>
+          </a:p>
+          <a:p>
+            <a:r>
+              <a:rPr lang="en-US" sz="1600" dirty="0">
+                <a:solidFill>
+                  <a:srgbClr val="000000"/>
+                </a:solidFill>
+                <a:latin typeface="Courier" pitchFamily="2" charset="0"/>
+              </a:rPr>
+              <a:t>  </a:t>
+            </a:r>
+            <a:r>
+              <a:rPr lang="en-US" sz="1600" dirty="0">
                 <a:solidFill>
                   <a:srgbClr val="FF0000"/>
                 </a:solidFill>
-                <a:latin typeface="Menlo" charset="0"/>
-              </a:rPr>
-              <a:t>id</a:t>
-            </a:r>
-            <a:r>
-              <a:rPr lang="mr-IN" dirty="0">
-                <a:latin typeface="Menlo" charset="0"/>
-              </a:rPr>
-              <a:t>": {</a:t>
-            </a:r>
-          </a:p>
-          <a:p>
-            <a:r>
-              <a:rPr lang="en-US" dirty="0" smtClean="0">
-                <a:latin typeface="Menlo" charset="0"/>
-              </a:rPr>
-              <a:t>  </a:t>
-            </a:r>
-            <a:r>
-              <a:rPr lang="mr-IN" dirty="0" smtClean="0">
-                <a:latin typeface="Menlo" charset="0"/>
-              </a:rPr>
-              <a:t>"</a:t>
-            </a:r>
-            <a:r>
-              <a:rPr lang="mr-IN" dirty="0" err="1">
-                <a:latin typeface="Menlo" charset="0"/>
-              </a:rPr>
-              <a:t>type</a:t>
-            </a:r>
-            <a:r>
-              <a:rPr lang="mr-IN" dirty="0">
-                <a:latin typeface="Menlo" charset="0"/>
-              </a:rPr>
-              <a:t>": "</a:t>
-            </a:r>
-            <a:r>
-              <a:rPr lang="mr-IN" dirty="0" err="1">
-                <a:latin typeface="Menlo" charset="0"/>
-              </a:rPr>
-              <a:t>string</a:t>
-            </a:r>
-            <a:r>
-              <a:rPr lang="mr-IN" dirty="0">
-                <a:latin typeface="Menlo" charset="0"/>
-              </a:rPr>
-              <a:t>"</a:t>
-            </a:r>
-          </a:p>
-          <a:p>
-            <a:r>
-              <a:rPr lang="mr-IN" dirty="0">
-                <a:latin typeface="Menlo" charset="0"/>
-              </a:rPr>
-              <a:t>},</a:t>
-            </a:r>
-          </a:p>
-          <a:p>
-            <a:r>
-              <a:rPr lang="mr-IN" dirty="0">
-                <a:latin typeface="Menlo" charset="0"/>
-              </a:rPr>
-              <a:t>"</a:t>
-            </a:r>
-            <a:r>
-              <a:rPr lang="mr-IN" dirty="0" err="1">
+                <a:latin typeface="Courier" pitchFamily="2" charset="0"/>
+              </a:rPr>
+              <a:t>copyright</a:t>
+            </a:r>
+            <a:r>
+              <a:rPr lang="en-US" sz="1600" dirty="0">
+                <a:solidFill>
+                  <a:srgbClr val="000000"/>
+                </a:solidFill>
+                <a:latin typeface="Courier" pitchFamily="2" charset="0"/>
+              </a:rPr>
+              <a:t> "Copyright 2019 Example Corp.</a:t>
+            </a:r>
+          </a:p>
+          <a:p>
+            <a:r>
+              <a:rPr lang="en-US" sz="1600" dirty="0">
+                <a:solidFill>
+                  <a:srgbClr val="000000"/>
+                </a:solidFill>
+                <a:latin typeface="Courier" pitchFamily="2" charset="0"/>
+              </a:rPr>
+              <a:t>        All rights reserved."</a:t>
+            </a:r>
+          </a:p>
+          <a:p>
+            <a:r>
+              <a:rPr lang="en-US" sz="1600" dirty="0">
+                <a:solidFill>
+                  <a:srgbClr val="000000"/>
+                </a:solidFill>
+                <a:latin typeface="Courier" pitchFamily="2" charset="0"/>
+              </a:rPr>
+              <a:t>  </a:t>
+            </a:r>
+            <a:r>
+              <a:rPr lang="en-US" sz="1600" dirty="0">
                 <a:solidFill>
                   <a:srgbClr val="FF0000"/>
                 </a:solidFill>
-                <a:latin typeface="Menlo" charset="0"/>
-              </a:rPr>
-              <a:t>name</a:t>
-            </a:r>
-            <a:r>
-              <a:rPr lang="mr-IN" dirty="0">
-                <a:latin typeface="Menlo" charset="0"/>
-              </a:rPr>
-              <a:t>": {</a:t>
-            </a:r>
-          </a:p>
-          <a:p>
-            <a:r>
-              <a:rPr lang="en-US" dirty="0" smtClean="0">
-                <a:latin typeface="Menlo" charset="0"/>
-              </a:rPr>
-              <a:t>  </a:t>
-            </a:r>
-            <a:r>
-              <a:rPr lang="mr-IN" dirty="0" smtClean="0">
-                <a:latin typeface="Menlo" charset="0"/>
-              </a:rPr>
-              <a:t>"</a:t>
-            </a:r>
-            <a:r>
-              <a:rPr lang="mr-IN" dirty="0" err="1">
-                <a:latin typeface="Menlo" charset="0"/>
-              </a:rPr>
-              <a:t>type</a:t>
-            </a:r>
-            <a:r>
-              <a:rPr lang="mr-IN" dirty="0">
-                <a:latin typeface="Menlo" charset="0"/>
-              </a:rPr>
-              <a:t>": "</a:t>
-            </a:r>
-            <a:r>
-              <a:rPr lang="mr-IN" dirty="0" err="1">
-                <a:latin typeface="Menlo" charset="0"/>
-              </a:rPr>
-              <a:t>string</a:t>
-            </a:r>
-            <a:r>
-              <a:rPr lang="mr-IN" dirty="0">
-                <a:latin typeface="Menlo" charset="0"/>
-              </a:rPr>
-              <a:t>"</a:t>
-            </a:r>
-          </a:p>
-          <a:p>
-            <a:r>
-              <a:rPr lang="mr-IN" dirty="0">
-                <a:latin typeface="Menlo" charset="0"/>
-              </a:rPr>
-              <a:t>},</a:t>
-            </a:r>
-          </a:p>
-          <a:p>
-            <a:r>
-              <a:rPr lang="mr-IN" dirty="0">
-                <a:latin typeface="Menlo" charset="0"/>
-              </a:rPr>
-              <a:t>"</a:t>
-            </a:r>
-            <a:r>
-              <a:rPr lang="mr-IN" dirty="0" err="1">
+                <a:latin typeface="Courier" pitchFamily="2" charset="0"/>
+              </a:rPr>
+              <a:t>license</a:t>
+            </a:r>
+            <a:r>
+              <a:rPr lang="en-US" sz="1600" dirty="0">
+                <a:solidFill>
+                  <a:srgbClr val="000000"/>
+                </a:solidFill>
+                <a:latin typeface="Courier" pitchFamily="2" charset="0"/>
+              </a:rPr>
+              <a:t> http://</a:t>
+            </a:r>
+            <a:r>
+              <a:rPr lang="en-US" sz="1600" dirty="0" err="1">
+                <a:solidFill>
+                  <a:srgbClr val="000000"/>
+                </a:solidFill>
+                <a:latin typeface="Courier" pitchFamily="2" charset="0"/>
+              </a:rPr>
+              <a:t>example.com</a:t>
+            </a:r>
+            <a:r>
+              <a:rPr lang="en-US" sz="1600" dirty="0">
+                <a:solidFill>
+                  <a:srgbClr val="000000"/>
+                </a:solidFill>
+                <a:latin typeface="Courier" pitchFamily="2" charset="0"/>
+              </a:rPr>
+              <a:t>/license</a:t>
+            </a:r>
+          </a:p>
+          <a:p>
+            <a:r>
+              <a:rPr lang="en-US" sz="1600" dirty="0">
+                <a:solidFill>
+                  <a:srgbClr val="000000"/>
+                </a:solidFill>
+                <a:latin typeface="Courier" pitchFamily="2" charset="0"/>
+              </a:rPr>
+              <a:t>}</a:t>
+            </a:r>
+          </a:p>
+          <a:p>
+            <a:r>
+              <a:rPr lang="en-US" sz="1600" dirty="0">
                 <a:solidFill>
                   <a:srgbClr val="FF0000"/>
                 </a:solidFill>
-                <a:latin typeface="Menlo" charset="0"/>
-              </a:rPr>
-              <a:t>type</a:t>
-            </a:r>
-            <a:r>
-              <a:rPr lang="mr-IN" dirty="0">
-                <a:latin typeface="Menlo" charset="0"/>
-              </a:rPr>
-              <a:t>": {</a:t>
-            </a:r>
-          </a:p>
-          <a:p>
-            <a:r>
-              <a:rPr lang="en-US" dirty="0" smtClean="0">
-                <a:latin typeface="Menlo" charset="0"/>
-              </a:rPr>
-              <a:t>  </a:t>
-            </a:r>
-            <a:r>
-              <a:rPr lang="mr-IN" dirty="0" smtClean="0">
-                <a:latin typeface="Menlo" charset="0"/>
-              </a:rPr>
-              <a:t>"</a:t>
-            </a:r>
-            <a:r>
-              <a:rPr lang="mr-IN" dirty="0" err="1" smtClean="0">
-                <a:latin typeface="Menlo" charset="0"/>
-              </a:rPr>
-              <a:t>type</a:t>
-            </a:r>
-            <a:r>
-              <a:rPr lang="mr-IN" dirty="0">
-                <a:latin typeface="Menlo" charset="0"/>
-              </a:rPr>
-              <a:t>": "</a:t>
-            </a:r>
-            <a:r>
-              <a:rPr lang="mr-IN" dirty="0" err="1">
-                <a:latin typeface="Menlo" charset="0"/>
-              </a:rPr>
-              <a:t>string</a:t>
-            </a:r>
-            <a:r>
-              <a:rPr lang="mr-IN" dirty="0">
-                <a:latin typeface="Menlo" charset="0"/>
-              </a:rPr>
-              <a:t>"</a:t>
-            </a:r>
-          </a:p>
-          <a:p>
-            <a:r>
-              <a:rPr lang="mr-IN" dirty="0" smtClean="0">
-                <a:latin typeface="Menlo" charset="0"/>
-              </a:rPr>
-              <a:t>},</a:t>
-            </a:r>
-            <a:endParaRPr lang="mr-IN" dirty="0">
-              <a:latin typeface="Menlo" charset="0"/>
+                <a:latin typeface="Courier" pitchFamily="2" charset="0"/>
+              </a:rPr>
+              <a:t>namespace</a:t>
+            </a:r>
+            <a:r>
+              <a:rPr lang="en-US" sz="1600" dirty="0">
+                <a:solidFill>
+                  <a:srgbClr val="000000"/>
+                </a:solidFill>
+                <a:latin typeface="Courier" pitchFamily="2" charset="0"/>
+              </a:rPr>
+              <a:t> {</a:t>
+            </a:r>
+          </a:p>
+          <a:p>
+            <a:r>
+              <a:rPr lang="en-US" sz="1600" dirty="0">
+                <a:solidFill>
+                  <a:srgbClr val="000000"/>
+                </a:solidFill>
+                <a:latin typeface="Courier" pitchFamily="2" charset="0"/>
+              </a:rPr>
+              <a:t>  </a:t>
+            </a:r>
+            <a:r>
+              <a:rPr lang="en-US" sz="1600" dirty="0" err="1">
+                <a:solidFill>
+                  <a:srgbClr val="000000"/>
+                </a:solidFill>
+                <a:latin typeface="Courier" pitchFamily="2" charset="0"/>
+              </a:rPr>
+              <a:t>st</a:t>
+            </a:r>
+            <a:r>
+              <a:rPr lang="en-US" sz="1600" dirty="0">
+                <a:solidFill>
+                  <a:srgbClr val="000000"/>
+                </a:solidFill>
+                <a:latin typeface="Courier" pitchFamily="2" charset="0"/>
+              </a:rPr>
+              <a:t> </a:t>
+            </a:r>
+            <a:r>
+              <a:rPr lang="en-US" sz="1600" dirty="0">
+                <a:solidFill>
+                  <a:srgbClr val="00B050"/>
+                </a:solidFill>
+                <a:latin typeface="Courier" pitchFamily="2" charset="0"/>
+              </a:rPr>
+              <a:t>http://</a:t>
+            </a:r>
+            <a:r>
+              <a:rPr lang="en-US" sz="1600" dirty="0" err="1">
+                <a:solidFill>
+                  <a:srgbClr val="00B050"/>
+                </a:solidFill>
+                <a:latin typeface="Courier" pitchFamily="2" charset="0"/>
+              </a:rPr>
+              <a:t>example.com</a:t>
+            </a:r>
+            <a:r>
+              <a:rPr lang="en-US" sz="1600" dirty="0">
+                <a:solidFill>
+                  <a:srgbClr val="00B050"/>
+                </a:solidFill>
+                <a:latin typeface="Courier" pitchFamily="2" charset="0"/>
+              </a:rPr>
+              <a:t>/capability/</a:t>
+            </a:r>
+            <a:r>
+              <a:rPr lang="en-US" sz="1600" dirty="0" err="1">
+                <a:solidFill>
+                  <a:srgbClr val="00B050"/>
+                </a:solidFill>
+                <a:latin typeface="Courier" pitchFamily="2" charset="0"/>
+              </a:rPr>
+              <a:t>odm</a:t>
+            </a:r>
+            <a:endParaRPr lang="en-US" sz="1600" dirty="0">
+              <a:solidFill>
+                <a:srgbClr val="00B050"/>
+              </a:solidFill>
+              <a:latin typeface="Courier" pitchFamily="2" charset="0"/>
             </a:endParaRPr>
           </a:p>
-        </p:txBody>
-      </p:sp>
-      <p:sp>
-        <p:nvSpPr>
-          <p:cNvPr id="5" name="Rectangle 4"/>
-          <p:cNvSpPr/>
-          <p:nvPr/>
-        </p:nvSpPr>
-        <p:spPr>
-          <a:xfrm>
-            <a:off x="4500748" y="1911260"/>
-            <a:ext cx="3111335" cy="3416320"/>
-          </a:xfrm>
-          <a:prstGeom prst="rect">
-            <a:avLst/>
-          </a:prstGeom>
-        </p:spPr>
-        <p:txBody>
-          <a:bodyPr wrap="square">
-            <a:spAutoFit/>
-          </a:bodyPr>
-          <a:lstStyle/>
-          <a:p>
-            <a:r>
-              <a:rPr lang="en-US" dirty="0" smtClean="0">
-                <a:latin typeface="Menlo" charset="0"/>
-              </a:rPr>
-              <a:t>"</a:t>
-            </a:r>
-            <a:r>
-              <a:rPr lang="en-US" dirty="0" smtClean="0">
+          <a:p>
+            <a:r>
+              <a:rPr lang="en-US" sz="1600" dirty="0">
+                <a:solidFill>
+                  <a:srgbClr val="000000"/>
+                </a:solidFill>
+                <a:latin typeface="Courier" pitchFamily="2" charset="0"/>
+              </a:rPr>
+              <a:t>}</a:t>
+            </a:r>
+          </a:p>
+          <a:p>
+            <a:r>
+              <a:rPr lang="en-US" sz="1600" dirty="0" err="1">
                 <a:solidFill>
                   <a:srgbClr val="FF0000"/>
                 </a:solidFill>
-                <a:latin typeface="Menlo" charset="0"/>
-              </a:rPr>
-              <a:t>optional</a:t>
-            </a:r>
-            <a:r>
-              <a:rPr lang="en-US" dirty="0" smtClean="0">
-                <a:latin typeface="Menlo" charset="0"/>
-              </a:rPr>
-              <a:t>": {</a:t>
-            </a:r>
-          </a:p>
-          <a:p>
-            <a:r>
-              <a:rPr lang="en-US" dirty="0">
-                <a:latin typeface="Menlo" charset="0"/>
+                <a:latin typeface="Courier" pitchFamily="2" charset="0"/>
+              </a:rPr>
+              <a:t>defaultNamespace</a:t>
+            </a:r>
+            <a:r>
+              <a:rPr lang="en-US" sz="1600" dirty="0">
+                <a:solidFill>
+                  <a:srgbClr val="000000"/>
+                </a:solidFill>
+                <a:latin typeface="Courier" pitchFamily="2" charset="0"/>
               </a:rPr>
               <a:t> </a:t>
             </a:r>
             <a:r>
-              <a:rPr lang="en-US" dirty="0" smtClean="0">
-                <a:latin typeface="Menlo" charset="0"/>
-              </a:rPr>
-              <a:t> "type": </a:t>
-            </a:r>
-            <a:r>
-              <a:rPr lang="en-US" dirty="0" err="1" smtClean="0">
-                <a:latin typeface="Menlo" charset="0"/>
-              </a:rPr>
-              <a:t>boolean</a:t>
-            </a:r>
-            <a:r>
-              <a:rPr lang="en-US" dirty="0" smtClean="0">
-                <a:latin typeface="Menlo" charset="0"/>
-              </a:rPr>
-              <a:t>"</a:t>
-            </a:r>
-          </a:p>
-          <a:p>
-            <a:r>
-              <a:rPr lang="en-US" dirty="0" smtClean="0">
-                <a:latin typeface="Menlo" charset="0"/>
-              </a:rPr>
-              <a:t>{</a:t>
-            </a:r>
-            <a:endParaRPr lang="en-US" dirty="0">
-              <a:latin typeface="Menlo" charset="0"/>
+              <a:rPr lang="en-US" sz="1600" dirty="0" err="1">
+                <a:solidFill>
+                  <a:srgbClr val="000000"/>
+                </a:solidFill>
+                <a:latin typeface="Courier" pitchFamily="2" charset="0"/>
+              </a:rPr>
+              <a:t>st</a:t>
+            </a:r>
+            <a:endParaRPr lang="en-US" sz="1600" dirty="0">
+              <a:solidFill>
+                <a:srgbClr val="000000"/>
+              </a:solidFill>
+              <a:latin typeface="Courier" pitchFamily="2" charset="0"/>
             </a:endParaRPr>
           </a:p>
           <a:p>
             <a:r>
-              <a:rPr lang="mr-IN" dirty="0" smtClean="0">
-                <a:latin typeface="Menlo" charset="0"/>
-              </a:rPr>
-              <a:t>"</a:t>
-            </a:r>
-            <a:r>
-              <a:rPr lang="mr-IN" dirty="0" err="1" smtClean="0">
+              <a:rPr lang="en-US" sz="1600" dirty="0" err="1">
                 <a:solidFill>
                   <a:srgbClr val="FF0000"/>
                 </a:solidFill>
-                <a:latin typeface="Menlo" charset="0"/>
-              </a:rPr>
-              <a:t>extends</a:t>
-            </a:r>
-            <a:r>
-              <a:rPr lang="mr-IN" dirty="0">
-                <a:latin typeface="Menlo" charset="0"/>
-              </a:rPr>
-              <a:t>": {</a:t>
-            </a:r>
-          </a:p>
-          <a:p>
-            <a:r>
-              <a:rPr lang="en-US" dirty="0">
-                <a:latin typeface="Menlo" charset="0"/>
-              </a:rPr>
-              <a:t>  </a:t>
-            </a:r>
-            <a:r>
-              <a:rPr lang="mr-IN" dirty="0">
-                <a:latin typeface="Menlo" charset="0"/>
-              </a:rPr>
-              <a:t>"</a:t>
-            </a:r>
-            <a:r>
-              <a:rPr lang="mr-IN" dirty="0" err="1">
-                <a:latin typeface="Menlo" charset="0"/>
-              </a:rPr>
-              <a:t>type</a:t>
-            </a:r>
-            <a:r>
-              <a:rPr lang="mr-IN" dirty="0">
-                <a:latin typeface="Menlo" charset="0"/>
-              </a:rPr>
-              <a:t>": "</a:t>
-            </a:r>
-            <a:r>
-              <a:rPr lang="mr-IN" dirty="0" err="1">
-                <a:latin typeface="Menlo" charset="0"/>
-              </a:rPr>
-              <a:t>string</a:t>
-            </a:r>
-            <a:r>
-              <a:rPr lang="mr-IN" dirty="0">
-                <a:latin typeface="Menlo" charset="0"/>
-              </a:rPr>
-              <a:t>"</a:t>
-            </a:r>
-          </a:p>
-          <a:p>
-            <a:r>
-              <a:rPr lang="mr-IN" dirty="0">
-                <a:latin typeface="Menlo" charset="0"/>
-              </a:rPr>
-              <a:t>},</a:t>
-            </a:r>
-          </a:p>
-          <a:p>
-            <a:r>
-              <a:rPr lang="mr-IN" dirty="0">
-                <a:latin typeface="Menlo" charset="0"/>
-              </a:rPr>
-              <a:t>"</a:t>
-            </a:r>
-            <a:r>
-              <a:rPr lang="mr-IN" dirty="0" err="1">
+                <a:latin typeface="Courier" pitchFamily="2" charset="0"/>
+              </a:rPr>
+              <a:t>odmObject</a:t>
+            </a:r>
+            <a:r>
+              <a:rPr lang="en-US" sz="1600" dirty="0">
+                <a:solidFill>
+                  <a:srgbClr val="000000"/>
+                </a:solidFill>
+                <a:latin typeface="Courier" pitchFamily="2" charset="0"/>
+              </a:rPr>
+              <a:t> {</a:t>
+            </a:r>
+          </a:p>
+          <a:p>
+            <a:r>
+              <a:rPr lang="en-US" sz="1600" dirty="0">
+                <a:solidFill>
+                  <a:srgbClr val="000000"/>
+                </a:solidFill>
+                <a:latin typeface="Courier" pitchFamily="2" charset="0"/>
+              </a:rPr>
+              <a:t>  </a:t>
+            </a:r>
+            <a:r>
+              <a:rPr lang="en-US" sz="1600" dirty="0">
+                <a:solidFill>
+                  <a:srgbClr val="00B050"/>
+                </a:solidFill>
+                <a:latin typeface="Courier" pitchFamily="2" charset="0"/>
+              </a:rPr>
+              <a:t>Switch</a:t>
+            </a:r>
+            <a:r>
+              <a:rPr lang="en-US" sz="1600" dirty="0">
+                <a:solidFill>
+                  <a:srgbClr val="000000"/>
+                </a:solidFill>
+                <a:latin typeface="Courier" pitchFamily="2" charset="0"/>
+              </a:rPr>
+              <a:t> {</a:t>
+            </a:r>
+          </a:p>
+          <a:p>
+            <a:r>
+              <a:rPr lang="en-US" sz="1600" dirty="0">
+                <a:solidFill>
+                  <a:srgbClr val="000000"/>
+                </a:solidFill>
+                <a:latin typeface="Courier" pitchFamily="2" charset="0"/>
+              </a:rPr>
+              <a:t>    </a:t>
+            </a:r>
+            <a:r>
+              <a:rPr lang="en-US" sz="1600" dirty="0" err="1">
                 <a:solidFill>
                   <a:srgbClr val="FF0000"/>
                 </a:solidFill>
-                <a:latin typeface="Menlo" charset="0"/>
-              </a:rPr>
-              <a:t>refines</a:t>
-            </a:r>
-            <a:r>
-              <a:rPr lang="mr-IN" dirty="0">
-                <a:latin typeface="Menlo" charset="0"/>
-              </a:rPr>
-              <a:t>": {</a:t>
-            </a:r>
-          </a:p>
-          <a:p>
-            <a:r>
-              <a:rPr lang="en-US" dirty="0">
-                <a:latin typeface="Menlo" charset="0"/>
-              </a:rPr>
-              <a:t>  </a:t>
-            </a:r>
-            <a:r>
-              <a:rPr lang="mr-IN" dirty="0">
-                <a:latin typeface="Menlo" charset="0"/>
-              </a:rPr>
-              <a:t>"</a:t>
-            </a:r>
-            <a:r>
-              <a:rPr lang="mr-IN" dirty="0" err="1">
-                <a:latin typeface="Menlo" charset="0"/>
-              </a:rPr>
-              <a:t>type</a:t>
-            </a:r>
-            <a:r>
-              <a:rPr lang="mr-IN" dirty="0">
-                <a:latin typeface="Menlo" charset="0"/>
-              </a:rPr>
-              <a:t>": "</a:t>
-            </a:r>
-            <a:r>
-              <a:rPr lang="mr-IN" dirty="0" err="1">
-                <a:latin typeface="Menlo" charset="0"/>
-              </a:rPr>
-              <a:t>string</a:t>
-            </a:r>
-            <a:r>
-              <a:rPr lang="mr-IN" dirty="0">
-                <a:latin typeface="Menlo" charset="0"/>
-              </a:rPr>
-              <a:t>"</a:t>
-            </a:r>
-          </a:p>
-          <a:p>
-            <a:r>
-              <a:rPr lang="mr-IN" dirty="0">
-                <a:latin typeface="Menlo" charset="0"/>
-              </a:rPr>
-              <a:t>},</a:t>
-            </a:r>
-          </a:p>
-          <a:p>
-            <a:r>
-              <a:rPr lang="mr-IN" dirty="0">
-                <a:latin typeface="Menlo" charset="0"/>
-              </a:rPr>
-              <a:t>"</a:t>
-            </a:r>
-            <a:r>
-              <a:rPr lang="mr-IN" dirty="0" err="1">
+                <a:latin typeface="Courier" pitchFamily="2" charset="0"/>
+              </a:rPr>
+              <a:t>odmProperty</a:t>
+            </a:r>
+            <a:r>
+              <a:rPr lang="en-US" sz="1600" dirty="0">
+                <a:solidFill>
+                  <a:srgbClr val="000000"/>
+                </a:solidFill>
+                <a:latin typeface="Courier" pitchFamily="2" charset="0"/>
+              </a:rPr>
+              <a:t> {</a:t>
+            </a:r>
+          </a:p>
+          <a:p>
+            <a:r>
+              <a:rPr lang="en-US" sz="1600" dirty="0">
+                <a:solidFill>
+                  <a:srgbClr val="000000"/>
+                </a:solidFill>
+                <a:latin typeface="Courier" pitchFamily="2" charset="0"/>
+              </a:rPr>
+              <a:t>      </a:t>
+            </a:r>
+            <a:r>
+              <a:rPr lang="en-US" sz="1600" dirty="0">
+                <a:solidFill>
+                  <a:srgbClr val="00B050"/>
+                </a:solidFill>
+                <a:latin typeface="Courier" pitchFamily="2" charset="0"/>
+              </a:rPr>
+              <a:t>value</a:t>
+            </a:r>
+            <a:r>
+              <a:rPr lang="en-US" sz="1600" dirty="0">
+                <a:solidFill>
+                  <a:srgbClr val="000000"/>
+                </a:solidFill>
+                <a:latin typeface="Courier" pitchFamily="2" charset="0"/>
+              </a:rPr>
+              <a:t> {</a:t>
+            </a:r>
+          </a:p>
+          <a:p>
+            <a:r>
+              <a:rPr lang="en-US" sz="1600" dirty="0">
+                <a:solidFill>
+                  <a:srgbClr val="000000"/>
+                </a:solidFill>
+                <a:latin typeface="Courier" pitchFamily="2" charset="0"/>
+              </a:rPr>
+              <a:t>        type string</a:t>
+            </a:r>
+          </a:p>
+          <a:p>
+            <a:r>
+              <a:rPr lang="en-US" sz="1600" dirty="0">
+                <a:solidFill>
+                  <a:srgbClr val="000000"/>
+                </a:solidFill>
+                <a:latin typeface="Courier" pitchFamily="2" charset="0"/>
+              </a:rPr>
+              <a:t>        </a:t>
+            </a:r>
+            <a:r>
+              <a:rPr lang="en-US" sz="1600" dirty="0" err="1">
+                <a:solidFill>
+                  <a:srgbClr val="000000"/>
+                </a:solidFill>
+                <a:latin typeface="Courier" pitchFamily="2" charset="0"/>
+              </a:rPr>
+              <a:t>enum</a:t>
+            </a:r>
+            <a:r>
+              <a:rPr lang="en-US" sz="1600" dirty="0">
+                <a:solidFill>
+                  <a:srgbClr val="000000"/>
+                </a:solidFill>
+                <a:latin typeface="Courier" pitchFamily="2" charset="0"/>
+              </a:rPr>
+              <a:t> [</a:t>
+            </a:r>
+            <a:r>
+              <a:rPr lang="en-US" sz="1600" dirty="0">
+                <a:solidFill>
+                  <a:srgbClr val="0070C0"/>
+                </a:solidFill>
+                <a:latin typeface="Courier" pitchFamily="2" charset="0"/>
+              </a:rPr>
+              <a:t>on</a:t>
+            </a:r>
+            <a:r>
+              <a:rPr lang="en-US" sz="1600" dirty="0">
+                <a:solidFill>
+                  <a:srgbClr val="000000"/>
+                </a:solidFill>
+                <a:latin typeface="Courier" pitchFamily="2" charset="0"/>
+              </a:rPr>
+              <a:t> </a:t>
+            </a:r>
+            <a:r>
+              <a:rPr lang="en-US" sz="1600" dirty="0">
+                <a:solidFill>
+                  <a:srgbClr val="0070C0"/>
+                </a:solidFill>
+                <a:latin typeface="Courier" pitchFamily="2" charset="0"/>
+              </a:rPr>
+              <a:t>off</a:t>
+            </a:r>
+            <a:r>
+              <a:rPr lang="en-US" sz="1600" dirty="0">
+                <a:solidFill>
+                  <a:srgbClr val="000000"/>
+                </a:solidFill>
+                <a:latin typeface="Courier" pitchFamily="2" charset="0"/>
+              </a:rPr>
+              <a:t>]</a:t>
+            </a:r>
+          </a:p>
+          <a:p>
+            <a:r>
+              <a:rPr lang="en-US" sz="1600" dirty="0">
+                <a:solidFill>
+                  <a:srgbClr val="000000"/>
+                </a:solidFill>
+                <a:latin typeface="Courier" pitchFamily="2" charset="0"/>
+              </a:rPr>
+              <a:t>      }</a:t>
+            </a:r>
+          </a:p>
+          <a:p>
+            <a:r>
+              <a:rPr lang="en-US" sz="1600" dirty="0">
+                <a:solidFill>
+                  <a:srgbClr val="000000"/>
+                </a:solidFill>
+                <a:latin typeface="Courier" pitchFamily="2" charset="0"/>
+              </a:rPr>
+              <a:t>    }</a:t>
+            </a:r>
+          </a:p>
+          <a:p>
+            <a:r>
+              <a:rPr lang="en-US" sz="1600" dirty="0">
+                <a:solidFill>
+                  <a:srgbClr val="000000"/>
+                </a:solidFill>
+                <a:latin typeface="Courier" pitchFamily="2" charset="0"/>
+              </a:rPr>
+              <a:t>    </a:t>
+            </a:r>
+            <a:r>
+              <a:rPr lang="en-US" sz="1600" dirty="0" err="1">
                 <a:solidFill>
                   <a:srgbClr val="FF0000"/>
                 </a:solidFill>
-                <a:latin typeface="Menlo" charset="0"/>
-              </a:rPr>
-              <a:t>includes</a:t>
-            </a:r>
-            <a:r>
-              <a:rPr lang="mr-IN" dirty="0">
-                <a:latin typeface="Menlo" charset="0"/>
-              </a:rPr>
-              <a:t>": {</a:t>
-            </a:r>
-          </a:p>
-          <a:p>
-            <a:r>
-              <a:rPr lang="en-US" dirty="0">
-                <a:latin typeface="Menlo" charset="0"/>
-              </a:rPr>
-              <a:t>  </a:t>
-            </a:r>
-            <a:r>
-              <a:rPr lang="mr-IN" dirty="0">
-                <a:latin typeface="Menlo" charset="0"/>
-              </a:rPr>
-              <a:t>"</a:t>
-            </a:r>
-            <a:r>
-              <a:rPr lang="mr-IN" dirty="0" err="1">
-                <a:latin typeface="Menlo" charset="0"/>
-              </a:rPr>
-              <a:t>type</a:t>
-            </a:r>
-            <a:r>
-              <a:rPr lang="mr-IN" dirty="0">
-                <a:latin typeface="Menlo" charset="0"/>
-              </a:rPr>
-              <a:t>": "</a:t>
-            </a:r>
-            <a:r>
-              <a:rPr lang="mr-IN" dirty="0" err="1">
-                <a:latin typeface="Menlo" charset="0"/>
-              </a:rPr>
-              <a:t>string</a:t>
-            </a:r>
-            <a:r>
-              <a:rPr lang="mr-IN" dirty="0">
-                <a:latin typeface="Menlo" charset="0"/>
-              </a:rPr>
-              <a:t>"</a:t>
-            </a:r>
-          </a:p>
-          <a:p>
-            <a:r>
-              <a:rPr lang="mr-IN" dirty="0">
-                <a:latin typeface="Menlo" charset="0"/>
-              </a:rPr>
-              <a:t>},</a:t>
-            </a:r>
+                <a:latin typeface="Courier" pitchFamily="2" charset="0"/>
+              </a:rPr>
+              <a:t>odmAction</a:t>
+            </a:r>
+            <a:r>
+              <a:rPr lang="en-US" sz="1600" dirty="0">
+                <a:solidFill>
+                  <a:srgbClr val="000000"/>
+                </a:solidFill>
+                <a:latin typeface="Courier" pitchFamily="2" charset="0"/>
+              </a:rPr>
+              <a:t> {</a:t>
+            </a:r>
+          </a:p>
+          <a:p>
+            <a:r>
+              <a:rPr lang="en-US" sz="1600" dirty="0">
+                <a:solidFill>
+                  <a:srgbClr val="000000"/>
+                </a:solidFill>
+                <a:latin typeface="Courier" pitchFamily="2" charset="0"/>
+              </a:rPr>
+              <a:t>      </a:t>
+            </a:r>
+            <a:r>
+              <a:rPr lang="en-US" sz="1600" dirty="0">
+                <a:solidFill>
+                  <a:srgbClr val="00B050"/>
+                </a:solidFill>
+                <a:latin typeface="Courier" pitchFamily="2" charset="0"/>
+              </a:rPr>
+              <a:t>on</a:t>
+            </a:r>
+            <a:r>
+              <a:rPr lang="en-US" sz="1600" dirty="0">
+                <a:solidFill>
+                  <a:srgbClr val="000000"/>
+                </a:solidFill>
+                <a:latin typeface="Courier" pitchFamily="2" charset="0"/>
+              </a:rPr>
+              <a:t> {}</a:t>
+            </a:r>
+          </a:p>
+          <a:p>
+            <a:r>
+              <a:rPr lang="en-US" sz="1600" dirty="0">
+                <a:solidFill>
+                  <a:srgbClr val="000000"/>
+                </a:solidFill>
+                <a:latin typeface="Courier" pitchFamily="2" charset="0"/>
+              </a:rPr>
+              <a:t>      </a:t>
+            </a:r>
+            <a:r>
+              <a:rPr lang="en-US" sz="1600" dirty="0">
+                <a:solidFill>
+                  <a:srgbClr val="00B050"/>
+                </a:solidFill>
+                <a:latin typeface="Courier" pitchFamily="2" charset="0"/>
+              </a:rPr>
+              <a:t>off</a:t>
+            </a:r>
+            <a:r>
+              <a:rPr lang="en-US" sz="1600" dirty="0">
+                <a:solidFill>
+                  <a:srgbClr val="000000"/>
+                </a:solidFill>
+                <a:latin typeface="Courier" pitchFamily="2" charset="0"/>
+              </a:rPr>
+              <a:t> {}</a:t>
+            </a:r>
+          </a:p>
+          <a:p>
+            <a:r>
+              <a:rPr lang="en-US" sz="1600" dirty="0">
+                <a:solidFill>
+                  <a:srgbClr val="000000"/>
+                </a:solidFill>
+                <a:latin typeface="Courier" pitchFamily="2" charset="0"/>
+              </a:rPr>
+              <a:t>    }</a:t>
+            </a:r>
+          </a:p>
+          <a:p>
+            <a:r>
+              <a:rPr lang="en-US" sz="1600" dirty="0">
+                <a:solidFill>
+                  <a:srgbClr val="000000"/>
+                </a:solidFill>
+                <a:latin typeface="Courier" pitchFamily="2" charset="0"/>
+              </a:rPr>
+              <a:t>  }</a:t>
+            </a:r>
+          </a:p>
+          <a:p>
+            <a:r>
+              <a:rPr lang="en-US" sz="1600" dirty="0">
+                <a:solidFill>
+                  <a:srgbClr val="000000"/>
+                </a:solidFill>
+                <a:latin typeface="Courier" pitchFamily="2" charset="0"/>
+              </a:rPr>
+              <a:t>}</a:t>
+            </a:r>
+            <a:endParaRPr lang="en-US" sz="1600" b="0" i="0" u="none" strike="noStrike" dirty="0">
+              <a:solidFill>
+                <a:srgbClr val="000000"/>
+              </a:solidFill>
+              <a:effectLst/>
+              <a:latin typeface="Courier" pitchFamily="2" charset="0"/>
+            </a:endParaRPr>
           </a:p>
         </p:txBody>
       </p:sp>
     </p:spTree>
     <p:extLst>
       <p:ext uri="{BB962C8B-B14F-4D97-AF65-F5344CB8AC3E}">
-        <p14:creationId xmlns:p14="http://schemas.microsoft.com/office/powerpoint/2010/main" val="56385844"/>
+        <p14:creationId xmlns:p14="http://schemas.microsoft.com/office/powerpoint/2010/main" val="3392059459"/>
       </p:ext>
     </p:extLst>
   </p:cSld>

--- a/sdf.pptx
+++ b/sdf.pptx
@@ -214,7 +214,7 @@
           <a:p>
             <a:fld id="{87815133-5011-0A4E-8AFB-AF8A05293C5C}" type="datetimeFigureOut">
               <a:rPr lang="en-US" smtClean="0"/>
-              <a:t>5/3/19</a:t>
+              <a:t>5/13/19</a:t>
             </a:fld>
             <a:endParaRPr lang="en-US"/>
           </a:p>
@@ -612,7 +612,7 @@
           <a:p>
             <a:fld id="{FAD9FDEC-58D2-A243-A58A-A2FAAE8B11EB}" type="datetimeFigureOut">
               <a:rPr lang="en-US" smtClean="0"/>
-              <a:t>5/3/19</a:t>
+              <a:t>5/13/19</a:t>
             </a:fld>
             <a:endParaRPr lang="en-US"/>
           </a:p>
@@ -777,7 +777,7 @@
           <a:p>
             <a:fld id="{FAD9FDEC-58D2-A243-A58A-A2FAAE8B11EB}" type="datetimeFigureOut">
               <a:rPr lang="en-US" smtClean="0"/>
-              <a:t>5/3/19</a:t>
+              <a:t>5/13/19</a:t>
             </a:fld>
             <a:endParaRPr lang="en-US"/>
           </a:p>
@@ -952,7 +952,7 @@
           <a:p>
             <a:fld id="{FAD9FDEC-58D2-A243-A58A-A2FAAE8B11EB}" type="datetimeFigureOut">
               <a:rPr lang="en-US" smtClean="0"/>
-              <a:t>5/3/19</a:t>
+              <a:t>5/13/19</a:t>
             </a:fld>
             <a:endParaRPr lang="en-US"/>
           </a:p>
@@ -1117,7 +1117,7 @@
           <a:p>
             <a:fld id="{FAD9FDEC-58D2-A243-A58A-A2FAAE8B11EB}" type="datetimeFigureOut">
               <a:rPr lang="en-US" smtClean="0"/>
-              <a:t>5/3/19</a:t>
+              <a:t>5/13/19</a:t>
             </a:fld>
             <a:endParaRPr lang="en-US"/>
           </a:p>
@@ -1356,7 +1356,7 @@
           <a:p>
             <a:fld id="{FAD9FDEC-58D2-A243-A58A-A2FAAE8B11EB}" type="datetimeFigureOut">
               <a:rPr lang="en-US" smtClean="0"/>
-              <a:t>5/3/19</a:t>
+              <a:t>5/13/19</a:t>
             </a:fld>
             <a:endParaRPr lang="en-US"/>
           </a:p>
@@ -1583,7 +1583,7 @@
           <a:p>
             <a:fld id="{FAD9FDEC-58D2-A243-A58A-A2FAAE8B11EB}" type="datetimeFigureOut">
               <a:rPr lang="en-US" smtClean="0"/>
-              <a:t>5/3/19</a:t>
+              <a:t>5/13/19</a:t>
             </a:fld>
             <a:endParaRPr lang="en-US"/>
           </a:p>
@@ -1945,7 +1945,7 @@
           <a:p>
             <a:fld id="{FAD9FDEC-58D2-A243-A58A-A2FAAE8B11EB}" type="datetimeFigureOut">
               <a:rPr lang="en-US" smtClean="0"/>
-              <a:t>5/3/19</a:t>
+              <a:t>5/13/19</a:t>
             </a:fld>
             <a:endParaRPr lang="en-US"/>
           </a:p>
@@ -2058,7 +2058,7 @@
           <a:p>
             <a:fld id="{FAD9FDEC-58D2-A243-A58A-A2FAAE8B11EB}" type="datetimeFigureOut">
               <a:rPr lang="en-US" smtClean="0"/>
-              <a:t>5/3/19</a:t>
+              <a:t>5/13/19</a:t>
             </a:fld>
             <a:endParaRPr lang="en-US"/>
           </a:p>
@@ -2148,7 +2148,7 @@
           <a:p>
             <a:fld id="{FAD9FDEC-58D2-A243-A58A-A2FAAE8B11EB}" type="datetimeFigureOut">
               <a:rPr lang="en-US" smtClean="0"/>
-              <a:t>5/3/19</a:t>
+              <a:t>5/13/19</a:t>
             </a:fld>
             <a:endParaRPr lang="en-US"/>
           </a:p>
@@ -2420,7 +2420,7 @@
           <a:p>
             <a:fld id="{FAD9FDEC-58D2-A243-A58A-A2FAAE8B11EB}" type="datetimeFigureOut">
               <a:rPr lang="en-US" smtClean="0"/>
-              <a:t>5/3/19</a:t>
+              <a:t>5/13/19</a:t>
             </a:fld>
             <a:endParaRPr lang="en-US"/>
           </a:p>
@@ -2672,7 +2672,7 @@
           <a:p>
             <a:fld id="{FAD9FDEC-58D2-A243-A58A-A2FAAE8B11EB}" type="datetimeFigureOut">
               <a:rPr lang="en-US" smtClean="0"/>
-              <a:t>5/3/19</a:t>
+              <a:t>5/13/19</a:t>
             </a:fld>
             <a:endParaRPr lang="en-US"/>
           </a:p>
@@ -2880,7 +2880,7 @@
           <a:p>
             <a:fld id="{FAD9FDEC-58D2-A243-A58A-A2FAAE8B11EB}" type="datetimeFigureOut">
               <a:rPr lang="en-US" smtClean="0"/>
-              <a:t>5/3/19</a:t>
+              <a:t>5/13/19</a:t>
             </a:fld>
             <a:endParaRPr lang="en-US"/>
           </a:p>
@@ -3380,7 +3380,7 @@
           <p:cNvPr id="2" name="Title 1">
             <a:extLst>
               <a:ext uri="{FF2B5EF4-FFF2-40B4-BE49-F238E27FC236}">
-                <a16:creationId xmlns:a16="http://schemas.microsoft.com/office/drawing/2014/main" id="{A3F07EF7-F8E3-DB4C-9FA1-321A48FFAC33}"/>
+                <a16:creationId xmlns:a16="http://schemas.microsoft.com/office/drawing/2014/main" xmlns="" id="{A3F07EF7-F8E3-DB4C-9FA1-321A48FFAC33}"/>
               </a:ext>
             </a:extLst>
           </p:cNvPr>
@@ -3408,7 +3408,7 @@
           <p:cNvPr id="3" name="Content Placeholder 2">
             <a:extLst>
               <a:ext uri="{FF2B5EF4-FFF2-40B4-BE49-F238E27FC236}">
-                <a16:creationId xmlns:a16="http://schemas.microsoft.com/office/drawing/2014/main" id="{2F3AD7D0-9395-5347-AB7C-44F4DD07C190}"/>
+                <a16:creationId xmlns:a16="http://schemas.microsoft.com/office/drawing/2014/main" xmlns="" id="{2F3AD7D0-9395-5347-AB7C-44F4DD07C190}"/>
               </a:ext>
             </a:extLst>
           </p:cNvPr>
@@ -4237,30 +4237,68 @@
               <a:rPr lang="mr-IN" dirty="0">
                 <a:latin typeface="Menlo" charset="0"/>
               </a:rPr>
-              <a:t>": "</a:t>
+              <a:t>": </a:t>
+            </a:r>
+            <a:r>
+              <a:rPr lang="mr-IN" dirty="0" smtClean="0">
+                <a:latin typeface="Menlo" charset="0"/>
+              </a:rPr>
+              <a:t>"</a:t>
+            </a:r>
+            <a:r>
+              <a:rPr lang="en-US" dirty="0" smtClean="0">
+                <a:latin typeface="Menlo" charset="0"/>
+              </a:rPr>
+              <a:t>object</a:t>
+            </a:r>
+            <a:r>
+              <a:rPr lang="mr-IN" dirty="0" smtClean="0">
+                <a:latin typeface="Menlo" charset="0"/>
+              </a:rPr>
+              <a:t>"</a:t>
+            </a:r>
+            <a:endParaRPr lang="mr-IN" dirty="0">
+              <a:latin typeface="Menlo" charset="0"/>
+            </a:endParaRPr>
+          </a:p>
+          <a:p>
+            <a:r>
+              <a:rPr lang="mr-IN" dirty="0">
+                <a:latin typeface="Menlo" charset="0"/>
+              </a:rPr>
+              <a:t>},</a:t>
+            </a:r>
+          </a:p>
+          <a:p>
+            <a:r>
+              <a:rPr lang="mr-IN" dirty="0">
+                <a:latin typeface="Menlo" charset="0"/>
+              </a:rPr>
+              <a:t>"</a:t>
             </a:r>
             <a:r>
               <a:rPr lang="mr-IN" dirty="0" err="1">
-                <a:latin typeface="Menlo" charset="0"/>
-              </a:rPr>
-              <a:t>string</a:t>
-            </a:r>
-            <a:r>
-              <a:rPr lang="mr-IN" dirty="0">
-                <a:latin typeface="Menlo" charset="0"/>
-              </a:rPr>
-              <a:t>"</a:t>
-            </a:r>
-          </a:p>
-          <a:p>
-            <a:r>
-              <a:rPr lang="mr-IN" dirty="0">
-                <a:latin typeface="Menlo" charset="0"/>
-              </a:rPr>
-              <a:t>},</a:t>
-            </a:r>
-          </a:p>
-          <a:p>
+                <a:solidFill>
+                  <a:srgbClr val="FF0000"/>
+                </a:solidFill>
+                <a:latin typeface="Menlo" charset="0"/>
+              </a:rPr>
+              <a:t>includes</a:t>
+            </a:r>
+            <a:r>
+              <a:rPr lang="mr-IN" dirty="0">
+                <a:latin typeface="Menlo" charset="0"/>
+              </a:rPr>
+              <a:t>": {</a:t>
+            </a:r>
+          </a:p>
+          <a:p>
+            <a:r>
+              <a:rPr lang="en-US" dirty="0">
+                <a:latin typeface="Menlo" charset="0"/>
+              </a:rPr>
+              <a:t>  </a:t>
+            </a:r>
             <a:r>
               <a:rPr lang="mr-IN" dirty="0">
                 <a:latin typeface="Menlo" charset="0"/>
@@ -4269,35 +4307,6 @@
             </a:r>
             <a:r>
               <a:rPr lang="mr-IN" dirty="0" err="1">
-                <a:solidFill>
-                  <a:srgbClr val="FF0000"/>
-                </a:solidFill>
-                <a:latin typeface="Menlo" charset="0"/>
-              </a:rPr>
-              <a:t>includes</a:t>
-            </a:r>
-            <a:r>
-              <a:rPr lang="mr-IN" dirty="0">
-                <a:latin typeface="Menlo" charset="0"/>
-              </a:rPr>
-              <a:t>": {</a:t>
-            </a:r>
-          </a:p>
-          <a:p>
-            <a:r>
-              <a:rPr lang="en-US" dirty="0">
-                <a:latin typeface="Menlo" charset="0"/>
-              </a:rPr>
-              <a:t>  </a:t>
-            </a:r>
-            <a:r>
-              <a:rPr lang="mr-IN" dirty="0">
-                <a:latin typeface="Menlo" charset="0"/>
-              </a:rPr>
-              <a:t>"</a:t>
-            </a:r>
-            <a:r>
-              <a:rPr lang="mr-IN" dirty="0" err="1">
                 <a:latin typeface="Menlo" charset="0"/>
               </a:rPr>
               <a:t>type</a:t>
@@ -4306,20 +4315,29 @@
               <a:rPr lang="mr-IN" dirty="0">
                 <a:latin typeface="Menlo" charset="0"/>
               </a:rPr>
-              <a:t>": "</a:t>
-            </a:r>
-            <a:r>
-              <a:rPr lang="mr-IN" dirty="0" err="1">
-                <a:latin typeface="Menlo" charset="0"/>
-              </a:rPr>
-              <a:t>string</a:t>
-            </a:r>
-            <a:r>
-              <a:rPr lang="mr-IN" dirty="0">
-                <a:latin typeface="Menlo" charset="0"/>
-              </a:rPr>
-              <a:t>"</a:t>
-            </a:r>
+              <a:t>": </a:t>
+            </a:r>
+            <a:r>
+              <a:rPr lang="mr-IN" dirty="0" smtClean="0">
+                <a:latin typeface="Menlo" charset="0"/>
+              </a:rPr>
+              <a:t>"</a:t>
+            </a:r>
+            <a:r>
+              <a:rPr lang="en-US" dirty="0" smtClean="0">
+                <a:latin typeface="Menlo" charset="0"/>
+              </a:rPr>
+              <a:t>array</a:t>
+            </a:r>
+            <a:r>
+              <a:rPr lang="mr-IN" dirty="0" smtClean="0">
+                <a:latin typeface="Menlo" charset="0"/>
+              </a:rPr>
+              <a:t>"</a:t>
+            </a:r>
+            <a:endParaRPr lang="mr-IN" dirty="0">
+              <a:latin typeface="Menlo" charset="0"/>
+            </a:endParaRPr>
           </a:p>
           <a:p>
             <a:r>
@@ -4366,7 +4384,7 @@
           <p:cNvPr id="2" name="Title 1">
             <a:extLst>
               <a:ext uri="{FF2B5EF4-FFF2-40B4-BE49-F238E27FC236}">
-                <a16:creationId xmlns:a16="http://schemas.microsoft.com/office/drawing/2014/main" id="{B0B6741D-388C-874F-9304-6B070A101447}"/>
+                <a16:creationId xmlns:a16="http://schemas.microsoft.com/office/drawing/2014/main" xmlns="" id="{B0B6741D-388C-874F-9304-6B070A101447}"/>
               </a:ext>
             </a:extLst>
           </p:cNvPr>
@@ -4391,26 +4409,666 @@
       </p:sp>
       <p:sp>
         <p:nvSpPr>
-          <p:cNvPr id="3" name="Content Placeholder 2">
-            <a:extLst>
-              <a:ext uri="{FF2B5EF4-FFF2-40B4-BE49-F238E27FC236}">
-                <a16:creationId xmlns:a16="http://schemas.microsoft.com/office/drawing/2014/main" id="{C820C189-55E0-2E4C-8D18-8B936F562B7B}"/>
-              </a:ext>
-            </a:extLst>
-          </p:cNvPr>
-          <p:cNvSpPr>
-            <a:spLocks noGrp="1"/>
-          </p:cNvSpPr>
-          <p:nvPr>
-            <p:ph idx="1"/>
-          </p:nvPr>
+          <p:cNvPr id="6" name="Rectangle 5"/>
+          <p:cNvSpPr/>
+          <p:nvPr/>
         </p:nvSpPr>
-        <p:spPr/>
+        <p:spPr>
+          <a:xfrm>
+            <a:off x="1098467" y="1911260"/>
+            <a:ext cx="3164775" cy="4247317"/>
+          </a:xfrm>
+          <a:prstGeom prst="rect">
+            <a:avLst/>
+          </a:prstGeom>
+        </p:spPr>
         <p:txBody>
-          <a:bodyPr/>
+          <a:bodyPr wrap="square">
+            <a:spAutoFit/>
+          </a:bodyPr>
           <a:lstStyle/>
           <a:p>
-            <a:endParaRPr lang="en-US"/>
+            <a:r>
+              <a:rPr lang="mr-IN" dirty="0">
+                <a:latin typeface="Menlo" charset="0"/>
+              </a:rPr>
+              <a:t>"</a:t>
+            </a:r>
+            <a:r>
+              <a:rPr lang="en-US" dirty="0">
+                <a:solidFill>
+                  <a:srgbClr val="FF0000"/>
+                </a:solidFill>
+                <a:latin typeface="Menlo" charset="0"/>
+              </a:rPr>
+              <a:t>description</a:t>
+            </a:r>
+            <a:r>
+              <a:rPr lang="mr-IN" dirty="0">
+                <a:latin typeface="Menlo" charset="0"/>
+              </a:rPr>
+              <a:t>": {</a:t>
+            </a:r>
+          </a:p>
+          <a:p>
+            <a:r>
+              <a:rPr lang="en-US" dirty="0">
+                <a:latin typeface="Menlo" charset="0"/>
+              </a:rPr>
+              <a:t>  </a:t>
+            </a:r>
+            <a:r>
+              <a:rPr lang="mr-IN" dirty="0">
+                <a:latin typeface="Menlo" charset="0"/>
+              </a:rPr>
+              <a:t>"</a:t>
+            </a:r>
+            <a:r>
+              <a:rPr lang="mr-IN" dirty="0" err="1">
+                <a:latin typeface="Menlo" charset="0"/>
+              </a:rPr>
+              <a:t>type</a:t>
+            </a:r>
+            <a:r>
+              <a:rPr lang="mr-IN" dirty="0">
+                <a:latin typeface="Menlo" charset="0"/>
+              </a:rPr>
+              <a:t>": "</a:t>
+            </a:r>
+            <a:r>
+              <a:rPr lang="mr-IN" dirty="0" err="1">
+                <a:latin typeface="Menlo" charset="0"/>
+              </a:rPr>
+              <a:t>string</a:t>
+            </a:r>
+            <a:r>
+              <a:rPr lang="mr-IN" dirty="0">
+                <a:latin typeface="Menlo" charset="0"/>
+              </a:rPr>
+              <a:t>"</a:t>
+            </a:r>
+          </a:p>
+          <a:p>
+            <a:r>
+              <a:rPr lang="mr-IN" dirty="0">
+                <a:latin typeface="Menlo" charset="0"/>
+              </a:rPr>
+              <a:t>},</a:t>
+            </a:r>
+          </a:p>
+          <a:p>
+            <a:r>
+              <a:rPr lang="mr-IN" dirty="0">
+                <a:latin typeface="Menlo" charset="0"/>
+              </a:rPr>
+              <a:t>"</a:t>
+            </a:r>
+            <a:r>
+              <a:rPr lang="mr-IN" dirty="0" err="1">
+                <a:solidFill>
+                  <a:srgbClr val="FF0000"/>
+                </a:solidFill>
+                <a:latin typeface="Menlo" charset="0"/>
+              </a:rPr>
+              <a:t>title</a:t>
+            </a:r>
+            <a:r>
+              <a:rPr lang="mr-IN" dirty="0">
+                <a:latin typeface="Menlo" charset="0"/>
+              </a:rPr>
+              <a:t>": {</a:t>
+            </a:r>
+          </a:p>
+          <a:p>
+            <a:r>
+              <a:rPr lang="en-US" dirty="0">
+                <a:latin typeface="Menlo" charset="0"/>
+              </a:rPr>
+              <a:t>  </a:t>
+            </a:r>
+            <a:r>
+              <a:rPr lang="mr-IN" dirty="0">
+                <a:latin typeface="Menlo" charset="0"/>
+              </a:rPr>
+              <a:t>"</a:t>
+            </a:r>
+            <a:r>
+              <a:rPr lang="mr-IN" dirty="0" err="1">
+                <a:latin typeface="Menlo" charset="0"/>
+              </a:rPr>
+              <a:t>type</a:t>
+            </a:r>
+            <a:r>
+              <a:rPr lang="mr-IN" dirty="0">
+                <a:latin typeface="Menlo" charset="0"/>
+              </a:rPr>
+              <a:t>": "</a:t>
+            </a:r>
+            <a:r>
+              <a:rPr lang="mr-IN" dirty="0" err="1">
+                <a:latin typeface="Menlo" charset="0"/>
+              </a:rPr>
+              <a:t>string</a:t>
+            </a:r>
+            <a:r>
+              <a:rPr lang="mr-IN" dirty="0">
+                <a:latin typeface="Menlo" charset="0"/>
+              </a:rPr>
+              <a:t>"</a:t>
+            </a:r>
+          </a:p>
+          <a:p>
+            <a:r>
+              <a:rPr lang="mr-IN" dirty="0">
+                <a:latin typeface="Menlo" charset="0"/>
+              </a:rPr>
+              <a:t>},</a:t>
+            </a:r>
+          </a:p>
+          <a:p>
+            <a:r>
+              <a:rPr lang="mr-IN" dirty="0">
+                <a:latin typeface="Menlo" charset="0"/>
+              </a:rPr>
+              <a:t>"</a:t>
+            </a:r>
+            <a:r>
+              <a:rPr lang="mr-IN" dirty="0" err="1">
+                <a:solidFill>
+                  <a:srgbClr val="FF0000"/>
+                </a:solidFill>
+                <a:latin typeface="Menlo" charset="0"/>
+              </a:rPr>
+              <a:t>id</a:t>
+            </a:r>
+            <a:r>
+              <a:rPr lang="mr-IN" dirty="0">
+                <a:latin typeface="Menlo" charset="0"/>
+              </a:rPr>
+              <a:t>": {</a:t>
+            </a:r>
+          </a:p>
+          <a:p>
+            <a:r>
+              <a:rPr lang="en-US" dirty="0">
+                <a:latin typeface="Menlo" charset="0"/>
+              </a:rPr>
+              <a:t>  </a:t>
+            </a:r>
+            <a:r>
+              <a:rPr lang="mr-IN" dirty="0">
+                <a:latin typeface="Menlo" charset="0"/>
+              </a:rPr>
+              <a:t>"</a:t>
+            </a:r>
+            <a:r>
+              <a:rPr lang="mr-IN" dirty="0" err="1">
+                <a:latin typeface="Menlo" charset="0"/>
+              </a:rPr>
+              <a:t>type</a:t>
+            </a:r>
+            <a:r>
+              <a:rPr lang="mr-IN" dirty="0">
+                <a:latin typeface="Menlo" charset="0"/>
+              </a:rPr>
+              <a:t>": "</a:t>
+            </a:r>
+            <a:r>
+              <a:rPr lang="mr-IN" dirty="0" err="1">
+                <a:latin typeface="Menlo" charset="0"/>
+              </a:rPr>
+              <a:t>string</a:t>
+            </a:r>
+            <a:r>
+              <a:rPr lang="mr-IN" dirty="0">
+                <a:latin typeface="Menlo" charset="0"/>
+              </a:rPr>
+              <a:t>"</a:t>
+            </a:r>
+          </a:p>
+          <a:p>
+            <a:r>
+              <a:rPr lang="mr-IN" dirty="0">
+                <a:latin typeface="Menlo" charset="0"/>
+              </a:rPr>
+              <a:t>},</a:t>
+            </a:r>
+          </a:p>
+          <a:p>
+            <a:r>
+              <a:rPr lang="mr-IN" dirty="0">
+                <a:latin typeface="Menlo" charset="0"/>
+              </a:rPr>
+              <a:t>"</a:t>
+            </a:r>
+            <a:r>
+              <a:rPr lang="mr-IN" dirty="0" err="1">
+                <a:solidFill>
+                  <a:srgbClr val="FF0000"/>
+                </a:solidFill>
+                <a:latin typeface="Menlo" charset="0"/>
+              </a:rPr>
+              <a:t>name</a:t>
+            </a:r>
+            <a:r>
+              <a:rPr lang="mr-IN" dirty="0">
+                <a:latin typeface="Menlo" charset="0"/>
+              </a:rPr>
+              <a:t>": {</a:t>
+            </a:r>
+          </a:p>
+          <a:p>
+            <a:r>
+              <a:rPr lang="en-US" dirty="0">
+                <a:latin typeface="Menlo" charset="0"/>
+              </a:rPr>
+              <a:t>  </a:t>
+            </a:r>
+            <a:r>
+              <a:rPr lang="mr-IN" dirty="0">
+                <a:latin typeface="Menlo" charset="0"/>
+              </a:rPr>
+              <a:t>"</a:t>
+            </a:r>
+            <a:r>
+              <a:rPr lang="mr-IN" dirty="0" err="1">
+                <a:latin typeface="Menlo" charset="0"/>
+              </a:rPr>
+              <a:t>type</a:t>
+            </a:r>
+            <a:r>
+              <a:rPr lang="mr-IN" dirty="0">
+                <a:latin typeface="Menlo" charset="0"/>
+              </a:rPr>
+              <a:t>": "</a:t>
+            </a:r>
+            <a:r>
+              <a:rPr lang="mr-IN" dirty="0" err="1">
+                <a:latin typeface="Menlo" charset="0"/>
+              </a:rPr>
+              <a:t>string</a:t>
+            </a:r>
+            <a:r>
+              <a:rPr lang="mr-IN" dirty="0">
+                <a:latin typeface="Menlo" charset="0"/>
+              </a:rPr>
+              <a:t>"</a:t>
+            </a:r>
+          </a:p>
+          <a:p>
+            <a:r>
+              <a:rPr lang="mr-IN" dirty="0">
+                <a:latin typeface="Menlo" charset="0"/>
+              </a:rPr>
+              <a:t>},</a:t>
+            </a:r>
+          </a:p>
+          <a:p>
+            <a:r>
+              <a:rPr lang="mr-IN" dirty="0">
+                <a:latin typeface="Menlo" charset="0"/>
+              </a:rPr>
+              <a:t>"</a:t>
+            </a:r>
+            <a:r>
+              <a:rPr lang="mr-IN" dirty="0" err="1">
+                <a:solidFill>
+                  <a:srgbClr val="FF0000"/>
+                </a:solidFill>
+                <a:latin typeface="Menlo" charset="0"/>
+              </a:rPr>
+              <a:t>type</a:t>
+            </a:r>
+            <a:r>
+              <a:rPr lang="mr-IN" dirty="0">
+                <a:latin typeface="Menlo" charset="0"/>
+              </a:rPr>
+              <a:t>": {</a:t>
+            </a:r>
+          </a:p>
+          <a:p>
+            <a:r>
+              <a:rPr lang="en-US" dirty="0">
+                <a:latin typeface="Menlo" charset="0"/>
+              </a:rPr>
+              <a:t>  </a:t>
+            </a:r>
+            <a:r>
+              <a:rPr lang="mr-IN" dirty="0">
+                <a:latin typeface="Menlo" charset="0"/>
+              </a:rPr>
+              <a:t>"</a:t>
+            </a:r>
+            <a:r>
+              <a:rPr lang="mr-IN" dirty="0" err="1">
+                <a:latin typeface="Menlo" charset="0"/>
+              </a:rPr>
+              <a:t>type</a:t>
+            </a:r>
+            <a:r>
+              <a:rPr lang="mr-IN" dirty="0">
+                <a:latin typeface="Menlo" charset="0"/>
+              </a:rPr>
+              <a:t>": "</a:t>
+            </a:r>
+            <a:r>
+              <a:rPr lang="mr-IN" dirty="0" err="1">
+                <a:latin typeface="Menlo" charset="0"/>
+              </a:rPr>
+              <a:t>string</a:t>
+            </a:r>
+            <a:r>
+              <a:rPr lang="mr-IN" dirty="0">
+                <a:latin typeface="Menlo" charset="0"/>
+              </a:rPr>
+              <a:t>"</a:t>
+            </a:r>
+          </a:p>
+          <a:p>
+            <a:r>
+              <a:rPr lang="mr-IN" dirty="0">
+                <a:latin typeface="Menlo" charset="0"/>
+              </a:rPr>
+              <a:t>},</a:t>
+            </a:r>
+          </a:p>
+        </p:txBody>
+      </p:sp>
+      <p:sp>
+        <p:nvSpPr>
+          <p:cNvPr id="7" name="Rectangle 6"/>
+          <p:cNvSpPr/>
+          <p:nvPr/>
+        </p:nvSpPr>
+        <p:spPr>
+          <a:xfrm>
+            <a:off x="4500748" y="1911260"/>
+            <a:ext cx="3111335" cy="3416320"/>
+          </a:xfrm>
+          <a:prstGeom prst="rect">
+            <a:avLst/>
+          </a:prstGeom>
+        </p:spPr>
+        <p:txBody>
+          <a:bodyPr wrap="square">
+            <a:spAutoFit/>
+          </a:bodyPr>
+          <a:lstStyle/>
+          <a:p>
+            <a:r>
+              <a:rPr lang="en-US" dirty="0">
+                <a:latin typeface="Menlo" charset="0"/>
+              </a:rPr>
+              <a:t>"</a:t>
+            </a:r>
+            <a:r>
+              <a:rPr lang="en-US" dirty="0">
+                <a:solidFill>
+                  <a:srgbClr val="FF0000"/>
+                </a:solidFill>
+                <a:latin typeface="Menlo" charset="0"/>
+              </a:rPr>
+              <a:t>optional</a:t>
+            </a:r>
+            <a:r>
+              <a:rPr lang="en-US" dirty="0">
+                <a:latin typeface="Menlo" charset="0"/>
+              </a:rPr>
+              <a:t>": {</a:t>
+            </a:r>
+          </a:p>
+          <a:p>
+            <a:r>
+              <a:rPr lang="en-US" dirty="0">
+                <a:latin typeface="Menlo" charset="0"/>
+              </a:rPr>
+              <a:t>  "type": </a:t>
+            </a:r>
+            <a:r>
+              <a:rPr lang="en-US" dirty="0" err="1">
+                <a:latin typeface="Menlo" charset="0"/>
+              </a:rPr>
+              <a:t>boolean</a:t>
+            </a:r>
+            <a:r>
+              <a:rPr lang="en-US" dirty="0">
+                <a:latin typeface="Menlo" charset="0"/>
+              </a:rPr>
+              <a:t>"</a:t>
+            </a:r>
+          </a:p>
+          <a:p>
+            <a:r>
+              <a:rPr lang="en-US" dirty="0">
+                <a:latin typeface="Menlo" charset="0"/>
+              </a:rPr>
+              <a:t>{</a:t>
+            </a:r>
+          </a:p>
+          <a:p>
+            <a:r>
+              <a:rPr lang="mr-IN" dirty="0">
+                <a:latin typeface="Menlo" charset="0"/>
+              </a:rPr>
+              <a:t>"</a:t>
+            </a:r>
+            <a:r>
+              <a:rPr lang="mr-IN" dirty="0" err="1">
+                <a:solidFill>
+                  <a:srgbClr val="FF0000"/>
+                </a:solidFill>
+                <a:latin typeface="Menlo" charset="0"/>
+              </a:rPr>
+              <a:t>extends</a:t>
+            </a:r>
+            <a:r>
+              <a:rPr lang="mr-IN" dirty="0">
+                <a:latin typeface="Menlo" charset="0"/>
+              </a:rPr>
+              <a:t>": {</a:t>
+            </a:r>
+          </a:p>
+          <a:p>
+            <a:r>
+              <a:rPr lang="en-US" dirty="0">
+                <a:latin typeface="Menlo" charset="0"/>
+              </a:rPr>
+              <a:t>  </a:t>
+            </a:r>
+            <a:r>
+              <a:rPr lang="mr-IN" dirty="0">
+                <a:latin typeface="Menlo" charset="0"/>
+              </a:rPr>
+              <a:t>"</a:t>
+            </a:r>
+            <a:r>
+              <a:rPr lang="mr-IN" dirty="0" err="1">
+                <a:latin typeface="Menlo" charset="0"/>
+              </a:rPr>
+              <a:t>type</a:t>
+            </a:r>
+            <a:r>
+              <a:rPr lang="mr-IN" dirty="0">
+                <a:latin typeface="Menlo" charset="0"/>
+              </a:rPr>
+              <a:t>": "</a:t>
+            </a:r>
+            <a:r>
+              <a:rPr lang="mr-IN" dirty="0" err="1">
+                <a:latin typeface="Menlo" charset="0"/>
+              </a:rPr>
+              <a:t>string</a:t>
+            </a:r>
+            <a:r>
+              <a:rPr lang="mr-IN" dirty="0">
+                <a:latin typeface="Menlo" charset="0"/>
+              </a:rPr>
+              <a:t>"</a:t>
+            </a:r>
+          </a:p>
+          <a:p>
+            <a:r>
+              <a:rPr lang="mr-IN" dirty="0">
+                <a:latin typeface="Menlo" charset="0"/>
+              </a:rPr>
+              <a:t>},</a:t>
+            </a:r>
+          </a:p>
+          <a:p>
+            <a:r>
+              <a:rPr lang="mr-IN" dirty="0">
+                <a:latin typeface="Menlo" charset="0"/>
+              </a:rPr>
+              <a:t>"</a:t>
+            </a:r>
+            <a:r>
+              <a:rPr lang="mr-IN" dirty="0" err="1">
+                <a:solidFill>
+                  <a:srgbClr val="FF0000"/>
+                </a:solidFill>
+                <a:latin typeface="Menlo" charset="0"/>
+              </a:rPr>
+              <a:t>refines</a:t>
+            </a:r>
+            <a:r>
+              <a:rPr lang="mr-IN" dirty="0">
+                <a:latin typeface="Menlo" charset="0"/>
+              </a:rPr>
+              <a:t>": {</a:t>
+            </a:r>
+          </a:p>
+          <a:p>
+            <a:r>
+              <a:rPr lang="en-US" dirty="0">
+                <a:latin typeface="Menlo" charset="0"/>
+              </a:rPr>
+              <a:t>  </a:t>
+            </a:r>
+            <a:r>
+              <a:rPr lang="mr-IN" dirty="0">
+                <a:latin typeface="Menlo" charset="0"/>
+              </a:rPr>
+              <a:t>"</a:t>
+            </a:r>
+            <a:r>
+              <a:rPr lang="mr-IN" dirty="0" err="1">
+                <a:latin typeface="Menlo" charset="0"/>
+              </a:rPr>
+              <a:t>type</a:t>
+            </a:r>
+            <a:r>
+              <a:rPr lang="mr-IN" dirty="0">
+                <a:latin typeface="Menlo" charset="0"/>
+              </a:rPr>
+              <a:t>": </a:t>
+            </a:r>
+            <a:r>
+              <a:rPr lang="mr-IN" dirty="0" smtClean="0">
+                <a:latin typeface="Menlo" charset="0"/>
+              </a:rPr>
+              <a:t>"</a:t>
+            </a:r>
+            <a:r>
+              <a:rPr lang="en-US" dirty="0" smtClean="0">
+                <a:latin typeface="Menlo" charset="0"/>
+              </a:rPr>
+              <a:t>object</a:t>
+            </a:r>
+            <a:r>
+              <a:rPr lang="mr-IN" dirty="0" smtClean="0">
+                <a:latin typeface="Menlo" charset="0"/>
+              </a:rPr>
+              <a:t>"</a:t>
+            </a:r>
+            <a:endParaRPr lang="mr-IN" dirty="0">
+              <a:latin typeface="Menlo" charset="0"/>
+            </a:endParaRPr>
+          </a:p>
+          <a:p>
+            <a:r>
+              <a:rPr lang="mr-IN" dirty="0">
+                <a:latin typeface="Menlo" charset="0"/>
+              </a:rPr>
+              <a:t>},</a:t>
+            </a:r>
+          </a:p>
+          <a:p>
+            <a:r>
+              <a:rPr lang="mr-IN" dirty="0">
+                <a:latin typeface="Menlo" charset="0"/>
+              </a:rPr>
+              <a:t>"</a:t>
+            </a:r>
+            <a:r>
+              <a:rPr lang="mr-IN" dirty="0" err="1">
+                <a:solidFill>
+                  <a:srgbClr val="FF0000"/>
+                </a:solidFill>
+                <a:latin typeface="Menlo" charset="0"/>
+              </a:rPr>
+              <a:t>includes</a:t>
+            </a:r>
+            <a:r>
+              <a:rPr lang="mr-IN" dirty="0">
+                <a:latin typeface="Menlo" charset="0"/>
+              </a:rPr>
+              <a:t>": {</a:t>
+            </a:r>
+          </a:p>
+          <a:p>
+            <a:r>
+              <a:rPr lang="en-US" dirty="0">
+                <a:latin typeface="Menlo" charset="0"/>
+              </a:rPr>
+              <a:t>  </a:t>
+            </a:r>
+            <a:r>
+              <a:rPr lang="mr-IN" dirty="0">
+                <a:latin typeface="Menlo" charset="0"/>
+              </a:rPr>
+              <a:t>"</a:t>
+            </a:r>
+            <a:r>
+              <a:rPr lang="mr-IN" dirty="0" err="1">
+                <a:latin typeface="Menlo" charset="0"/>
+              </a:rPr>
+              <a:t>type</a:t>
+            </a:r>
+            <a:r>
+              <a:rPr lang="mr-IN" dirty="0">
+                <a:latin typeface="Menlo" charset="0"/>
+              </a:rPr>
+              <a:t>": </a:t>
+            </a:r>
+            <a:r>
+              <a:rPr lang="mr-IN" dirty="0" smtClean="0">
+                <a:latin typeface="Menlo" charset="0"/>
+              </a:rPr>
+              <a:t>"</a:t>
+            </a:r>
+            <a:r>
+              <a:rPr lang="en-US" dirty="0" smtClean="0">
+                <a:latin typeface="Menlo" charset="0"/>
+              </a:rPr>
+              <a:t>array</a:t>
+            </a:r>
+            <a:r>
+              <a:rPr lang="mr-IN" dirty="0" smtClean="0">
+                <a:latin typeface="Menlo" charset="0"/>
+              </a:rPr>
+              <a:t>"</a:t>
+            </a:r>
+            <a:endParaRPr lang="mr-IN" dirty="0">
+              <a:latin typeface="Menlo" charset="0"/>
+            </a:endParaRPr>
+          </a:p>
+          <a:p>
+            <a:r>
+              <a:rPr lang="mr-IN" dirty="0">
+                <a:latin typeface="Menlo" charset="0"/>
+              </a:rPr>
+              <a:t>},</a:t>
+            </a:r>
           </a:p>
         </p:txBody>
       </p:sp>
@@ -4449,7 +5107,7 @@
           <p:cNvPr id="2" name="Title 1">
             <a:extLst>
               <a:ext uri="{FF2B5EF4-FFF2-40B4-BE49-F238E27FC236}">
-                <a16:creationId xmlns:a16="http://schemas.microsoft.com/office/drawing/2014/main" id="{EF6C8738-CAFC-C74A-9084-0B0F6C899E27}"/>
+                <a16:creationId xmlns:a16="http://schemas.microsoft.com/office/drawing/2014/main" xmlns="" id="{EF6C8738-CAFC-C74A-9084-0B0F6C899E27}"/>
               </a:ext>
             </a:extLst>
           </p:cNvPr>
@@ -4474,26 +5132,666 @@
       </p:sp>
       <p:sp>
         <p:nvSpPr>
-          <p:cNvPr id="3" name="Content Placeholder 2">
-            <a:extLst>
-              <a:ext uri="{FF2B5EF4-FFF2-40B4-BE49-F238E27FC236}">
-                <a16:creationId xmlns:a16="http://schemas.microsoft.com/office/drawing/2014/main" id="{0FA797F1-1D15-BF48-B3FF-27F4C1C62830}"/>
-              </a:ext>
-            </a:extLst>
-          </p:cNvPr>
-          <p:cNvSpPr>
-            <a:spLocks noGrp="1"/>
-          </p:cNvSpPr>
-          <p:nvPr>
-            <p:ph idx="1"/>
-          </p:nvPr>
+          <p:cNvPr id="4" name="Rectangle 3"/>
+          <p:cNvSpPr/>
+          <p:nvPr/>
         </p:nvSpPr>
-        <p:spPr/>
+        <p:spPr>
+          <a:xfrm>
+            <a:off x="1098467" y="1911260"/>
+            <a:ext cx="3164775" cy="4247317"/>
+          </a:xfrm>
+          <a:prstGeom prst="rect">
+            <a:avLst/>
+          </a:prstGeom>
+        </p:spPr>
         <p:txBody>
-          <a:bodyPr/>
+          <a:bodyPr wrap="square">
+            <a:spAutoFit/>
+          </a:bodyPr>
           <a:lstStyle/>
           <a:p>
-            <a:endParaRPr lang="en-US"/>
+            <a:r>
+              <a:rPr lang="mr-IN" dirty="0">
+                <a:latin typeface="Menlo" charset="0"/>
+              </a:rPr>
+              <a:t>"</a:t>
+            </a:r>
+            <a:r>
+              <a:rPr lang="en-US" dirty="0">
+                <a:solidFill>
+                  <a:srgbClr val="FF0000"/>
+                </a:solidFill>
+                <a:latin typeface="Menlo" charset="0"/>
+              </a:rPr>
+              <a:t>description</a:t>
+            </a:r>
+            <a:r>
+              <a:rPr lang="mr-IN" dirty="0">
+                <a:latin typeface="Menlo" charset="0"/>
+              </a:rPr>
+              <a:t>": {</a:t>
+            </a:r>
+          </a:p>
+          <a:p>
+            <a:r>
+              <a:rPr lang="en-US" dirty="0">
+                <a:latin typeface="Menlo" charset="0"/>
+              </a:rPr>
+              <a:t>  </a:t>
+            </a:r>
+            <a:r>
+              <a:rPr lang="mr-IN" dirty="0">
+                <a:latin typeface="Menlo" charset="0"/>
+              </a:rPr>
+              <a:t>"</a:t>
+            </a:r>
+            <a:r>
+              <a:rPr lang="mr-IN" dirty="0" err="1">
+                <a:latin typeface="Menlo" charset="0"/>
+              </a:rPr>
+              <a:t>type</a:t>
+            </a:r>
+            <a:r>
+              <a:rPr lang="mr-IN" dirty="0">
+                <a:latin typeface="Menlo" charset="0"/>
+              </a:rPr>
+              <a:t>": "</a:t>
+            </a:r>
+            <a:r>
+              <a:rPr lang="mr-IN" dirty="0" err="1">
+                <a:latin typeface="Menlo" charset="0"/>
+              </a:rPr>
+              <a:t>string</a:t>
+            </a:r>
+            <a:r>
+              <a:rPr lang="mr-IN" dirty="0">
+                <a:latin typeface="Menlo" charset="0"/>
+              </a:rPr>
+              <a:t>"</a:t>
+            </a:r>
+          </a:p>
+          <a:p>
+            <a:r>
+              <a:rPr lang="mr-IN" dirty="0">
+                <a:latin typeface="Menlo" charset="0"/>
+              </a:rPr>
+              <a:t>},</a:t>
+            </a:r>
+          </a:p>
+          <a:p>
+            <a:r>
+              <a:rPr lang="mr-IN" dirty="0">
+                <a:latin typeface="Menlo" charset="0"/>
+              </a:rPr>
+              <a:t>"</a:t>
+            </a:r>
+            <a:r>
+              <a:rPr lang="mr-IN" dirty="0" err="1">
+                <a:solidFill>
+                  <a:srgbClr val="FF0000"/>
+                </a:solidFill>
+                <a:latin typeface="Menlo" charset="0"/>
+              </a:rPr>
+              <a:t>title</a:t>
+            </a:r>
+            <a:r>
+              <a:rPr lang="mr-IN" dirty="0">
+                <a:latin typeface="Menlo" charset="0"/>
+              </a:rPr>
+              <a:t>": {</a:t>
+            </a:r>
+          </a:p>
+          <a:p>
+            <a:r>
+              <a:rPr lang="en-US" dirty="0">
+                <a:latin typeface="Menlo" charset="0"/>
+              </a:rPr>
+              <a:t>  </a:t>
+            </a:r>
+            <a:r>
+              <a:rPr lang="mr-IN" dirty="0">
+                <a:latin typeface="Menlo" charset="0"/>
+              </a:rPr>
+              <a:t>"</a:t>
+            </a:r>
+            <a:r>
+              <a:rPr lang="mr-IN" dirty="0" err="1">
+                <a:latin typeface="Menlo" charset="0"/>
+              </a:rPr>
+              <a:t>type</a:t>
+            </a:r>
+            <a:r>
+              <a:rPr lang="mr-IN" dirty="0">
+                <a:latin typeface="Menlo" charset="0"/>
+              </a:rPr>
+              <a:t>": "</a:t>
+            </a:r>
+            <a:r>
+              <a:rPr lang="mr-IN" dirty="0" err="1">
+                <a:latin typeface="Menlo" charset="0"/>
+              </a:rPr>
+              <a:t>string</a:t>
+            </a:r>
+            <a:r>
+              <a:rPr lang="mr-IN" dirty="0">
+                <a:latin typeface="Menlo" charset="0"/>
+              </a:rPr>
+              <a:t>"</a:t>
+            </a:r>
+          </a:p>
+          <a:p>
+            <a:r>
+              <a:rPr lang="mr-IN" dirty="0">
+                <a:latin typeface="Menlo" charset="0"/>
+              </a:rPr>
+              <a:t>},</a:t>
+            </a:r>
+          </a:p>
+          <a:p>
+            <a:r>
+              <a:rPr lang="mr-IN" dirty="0">
+                <a:latin typeface="Menlo" charset="0"/>
+              </a:rPr>
+              <a:t>"</a:t>
+            </a:r>
+            <a:r>
+              <a:rPr lang="mr-IN" dirty="0" err="1">
+                <a:solidFill>
+                  <a:srgbClr val="FF0000"/>
+                </a:solidFill>
+                <a:latin typeface="Menlo" charset="0"/>
+              </a:rPr>
+              <a:t>id</a:t>
+            </a:r>
+            <a:r>
+              <a:rPr lang="mr-IN" dirty="0">
+                <a:latin typeface="Menlo" charset="0"/>
+              </a:rPr>
+              <a:t>": {</a:t>
+            </a:r>
+          </a:p>
+          <a:p>
+            <a:r>
+              <a:rPr lang="en-US" dirty="0">
+                <a:latin typeface="Menlo" charset="0"/>
+              </a:rPr>
+              <a:t>  </a:t>
+            </a:r>
+            <a:r>
+              <a:rPr lang="mr-IN" dirty="0">
+                <a:latin typeface="Menlo" charset="0"/>
+              </a:rPr>
+              <a:t>"</a:t>
+            </a:r>
+            <a:r>
+              <a:rPr lang="mr-IN" dirty="0" err="1">
+                <a:latin typeface="Menlo" charset="0"/>
+              </a:rPr>
+              <a:t>type</a:t>
+            </a:r>
+            <a:r>
+              <a:rPr lang="mr-IN" dirty="0">
+                <a:latin typeface="Menlo" charset="0"/>
+              </a:rPr>
+              <a:t>": "</a:t>
+            </a:r>
+            <a:r>
+              <a:rPr lang="mr-IN" dirty="0" err="1">
+                <a:latin typeface="Menlo" charset="0"/>
+              </a:rPr>
+              <a:t>string</a:t>
+            </a:r>
+            <a:r>
+              <a:rPr lang="mr-IN" dirty="0">
+                <a:latin typeface="Menlo" charset="0"/>
+              </a:rPr>
+              <a:t>"</a:t>
+            </a:r>
+          </a:p>
+          <a:p>
+            <a:r>
+              <a:rPr lang="mr-IN" dirty="0">
+                <a:latin typeface="Menlo" charset="0"/>
+              </a:rPr>
+              <a:t>},</a:t>
+            </a:r>
+          </a:p>
+          <a:p>
+            <a:r>
+              <a:rPr lang="mr-IN" dirty="0">
+                <a:latin typeface="Menlo" charset="0"/>
+              </a:rPr>
+              <a:t>"</a:t>
+            </a:r>
+            <a:r>
+              <a:rPr lang="mr-IN" dirty="0" err="1">
+                <a:solidFill>
+                  <a:srgbClr val="FF0000"/>
+                </a:solidFill>
+                <a:latin typeface="Menlo" charset="0"/>
+              </a:rPr>
+              <a:t>name</a:t>
+            </a:r>
+            <a:r>
+              <a:rPr lang="mr-IN" dirty="0">
+                <a:latin typeface="Menlo" charset="0"/>
+              </a:rPr>
+              <a:t>": {</a:t>
+            </a:r>
+          </a:p>
+          <a:p>
+            <a:r>
+              <a:rPr lang="en-US" dirty="0">
+                <a:latin typeface="Menlo" charset="0"/>
+              </a:rPr>
+              <a:t>  </a:t>
+            </a:r>
+            <a:r>
+              <a:rPr lang="mr-IN" dirty="0">
+                <a:latin typeface="Menlo" charset="0"/>
+              </a:rPr>
+              <a:t>"</a:t>
+            </a:r>
+            <a:r>
+              <a:rPr lang="mr-IN" dirty="0" err="1">
+                <a:latin typeface="Menlo" charset="0"/>
+              </a:rPr>
+              <a:t>type</a:t>
+            </a:r>
+            <a:r>
+              <a:rPr lang="mr-IN" dirty="0">
+                <a:latin typeface="Menlo" charset="0"/>
+              </a:rPr>
+              <a:t>": "</a:t>
+            </a:r>
+            <a:r>
+              <a:rPr lang="mr-IN" dirty="0" err="1">
+                <a:latin typeface="Menlo" charset="0"/>
+              </a:rPr>
+              <a:t>string</a:t>
+            </a:r>
+            <a:r>
+              <a:rPr lang="mr-IN" dirty="0">
+                <a:latin typeface="Menlo" charset="0"/>
+              </a:rPr>
+              <a:t>"</a:t>
+            </a:r>
+          </a:p>
+          <a:p>
+            <a:r>
+              <a:rPr lang="mr-IN" dirty="0">
+                <a:latin typeface="Menlo" charset="0"/>
+              </a:rPr>
+              <a:t>},</a:t>
+            </a:r>
+          </a:p>
+          <a:p>
+            <a:r>
+              <a:rPr lang="mr-IN" dirty="0">
+                <a:latin typeface="Menlo" charset="0"/>
+              </a:rPr>
+              <a:t>"</a:t>
+            </a:r>
+            <a:r>
+              <a:rPr lang="mr-IN" dirty="0" err="1">
+                <a:solidFill>
+                  <a:srgbClr val="FF0000"/>
+                </a:solidFill>
+                <a:latin typeface="Menlo" charset="0"/>
+              </a:rPr>
+              <a:t>type</a:t>
+            </a:r>
+            <a:r>
+              <a:rPr lang="mr-IN" dirty="0">
+                <a:latin typeface="Menlo" charset="0"/>
+              </a:rPr>
+              <a:t>": {</a:t>
+            </a:r>
+          </a:p>
+          <a:p>
+            <a:r>
+              <a:rPr lang="en-US" dirty="0">
+                <a:latin typeface="Menlo" charset="0"/>
+              </a:rPr>
+              <a:t>  </a:t>
+            </a:r>
+            <a:r>
+              <a:rPr lang="mr-IN" dirty="0">
+                <a:latin typeface="Menlo" charset="0"/>
+              </a:rPr>
+              <a:t>"</a:t>
+            </a:r>
+            <a:r>
+              <a:rPr lang="mr-IN" dirty="0" err="1">
+                <a:latin typeface="Menlo" charset="0"/>
+              </a:rPr>
+              <a:t>type</a:t>
+            </a:r>
+            <a:r>
+              <a:rPr lang="mr-IN" dirty="0">
+                <a:latin typeface="Menlo" charset="0"/>
+              </a:rPr>
+              <a:t>": "</a:t>
+            </a:r>
+            <a:r>
+              <a:rPr lang="mr-IN" dirty="0" err="1">
+                <a:latin typeface="Menlo" charset="0"/>
+              </a:rPr>
+              <a:t>string</a:t>
+            </a:r>
+            <a:r>
+              <a:rPr lang="mr-IN" dirty="0">
+                <a:latin typeface="Menlo" charset="0"/>
+              </a:rPr>
+              <a:t>"</a:t>
+            </a:r>
+          </a:p>
+          <a:p>
+            <a:r>
+              <a:rPr lang="mr-IN" dirty="0">
+                <a:latin typeface="Menlo" charset="0"/>
+              </a:rPr>
+              <a:t>},</a:t>
+            </a:r>
+          </a:p>
+        </p:txBody>
+      </p:sp>
+      <p:sp>
+        <p:nvSpPr>
+          <p:cNvPr id="5" name="Rectangle 4"/>
+          <p:cNvSpPr/>
+          <p:nvPr/>
+        </p:nvSpPr>
+        <p:spPr>
+          <a:xfrm>
+            <a:off x="4500748" y="1911260"/>
+            <a:ext cx="3111335" cy="3416320"/>
+          </a:xfrm>
+          <a:prstGeom prst="rect">
+            <a:avLst/>
+          </a:prstGeom>
+        </p:spPr>
+        <p:txBody>
+          <a:bodyPr wrap="square">
+            <a:spAutoFit/>
+          </a:bodyPr>
+          <a:lstStyle/>
+          <a:p>
+            <a:r>
+              <a:rPr lang="en-US" dirty="0">
+                <a:latin typeface="Menlo" charset="0"/>
+              </a:rPr>
+              <a:t>"</a:t>
+            </a:r>
+            <a:r>
+              <a:rPr lang="en-US" dirty="0">
+                <a:solidFill>
+                  <a:srgbClr val="FF0000"/>
+                </a:solidFill>
+                <a:latin typeface="Menlo" charset="0"/>
+              </a:rPr>
+              <a:t>optional</a:t>
+            </a:r>
+            <a:r>
+              <a:rPr lang="en-US" dirty="0">
+                <a:latin typeface="Menlo" charset="0"/>
+              </a:rPr>
+              <a:t>": {</a:t>
+            </a:r>
+          </a:p>
+          <a:p>
+            <a:r>
+              <a:rPr lang="en-US" dirty="0">
+                <a:latin typeface="Menlo" charset="0"/>
+              </a:rPr>
+              <a:t>  "type": </a:t>
+            </a:r>
+            <a:r>
+              <a:rPr lang="en-US" dirty="0" err="1">
+                <a:latin typeface="Menlo" charset="0"/>
+              </a:rPr>
+              <a:t>boolean</a:t>
+            </a:r>
+            <a:r>
+              <a:rPr lang="en-US" dirty="0">
+                <a:latin typeface="Menlo" charset="0"/>
+              </a:rPr>
+              <a:t>"</a:t>
+            </a:r>
+          </a:p>
+          <a:p>
+            <a:r>
+              <a:rPr lang="en-US" dirty="0">
+                <a:latin typeface="Menlo" charset="0"/>
+              </a:rPr>
+              <a:t>{</a:t>
+            </a:r>
+          </a:p>
+          <a:p>
+            <a:r>
+              <a:rPr lang="mr-IN" dirty="0">
+                <a:latin typeface="Menlo" charset="0"/>
+              </a:rPr>
+              <a:t>"</a:t>
+            </a:r>
+            <a:r>
+              <a:rPr lang="mr-IN" dirty="0" err="1">
+                <a:solidFill>
+                  <a:srgbClr val="FF0000"/>
+                </a:solidFill>
+                <a:latin typeface="Menlo" charset="0"/>
+              </a:rPr>
+              <a:t>extends</a:t>
+            </a:r>
+            <a:r>
+              <a:rPr lang="mr-IN" dirty="0">
+                <a:latin typeface="Menlo" charset="0"/>
+              </a:rPr>
+              <a:t>": {</a:t>
+            </a:r>
+          </a:p>
+          <a:p>
+            <a:r>
+              <a:rPr lang="en-US" dirty="0">
+                <a:latin typeface="Menlo" charset="0"/>
+              </a:rPr>
+              <a:t>  </a:t>
+            </a:r>
+            <a:r>
+              <a:rPr lang="mr-IN" dirty="0">
+                <a:latin typeface="Menlo" charset="0"/>
+              </a:rPr>
+              <a:t>"</a:t>
+            </a:r>
+            <a:r>
+              <a:rPr lang="mr-IN" dirty="0" err="1">
+                <a:latin typeface="Menlo" charset="0"/>
+              </a:rPr>
+              <a:t>type</a:t>
+            </a:r>
+            <a:r>
+              <a:rPr lang="mr-IN" dirty="0">
+                <a:latin typeface="Menlo" charset="0"/>
+              </a:rPr>
+              <a:t>": "</a:t>
+            </a:r>
+            <a:r>
+              <a:rPr lang="mr-IN" dirty="0" err="1">
+                <a:latin typeface="Menlo" charset="0"/>
+              </a:rPr>
+              <a:t>string</a:t>
+            </a:r>
+            <a:r>
+              <a:rPr lang="mr-IN" dirty="0">
+                <a:latin typeface="Menlo" charset="0"/>
+              </a:rPr>
+              <a:t>"</a:t>
+            </a:r>
+          </a:p>
+          <a:p>
+            <a:r>
+              <a:rPr lang="mr-IN" dirty="0">
+                <a:latin typeface="Menlo" charset="0"/>
+              </a:rPr>
+              <a:t>},</a:t>
+            </a:r>
+          </a:p>
+          <a:p>
+            <a:r>
+              <a:rPr lang="mr-IN" dirty="0">
+                <a:latin typeface="Menlo" charset="0"/>
+              </a:rPr>
+              <a:t>"</a:t>
+            </a:r>
+            <a:r>
+              <a:rPr lang="mr-IN" dirty="0" err="1">
+                <a:solidFill>
+                  <a:srgbClr val="FF0000"/>
+                </a:solidFill>
+                <a:latin typeface="Menlo" charset="0"/>
+              </a:rPr>
+              <a:t>refines</a:t>
+            </a:r>
+            <a:r>
+              <a:rPr lang="mr-IN" dirty="0">
+                <a:latin typeface="Menlo" charset="0"/>
+              </a:rPr>
+              <a:t>": {</a:t>
+            </a:r>
+          </a:p>
+          <a:p>
+            <a:r>
+              <a:rPr lang="en-US" dirty="0">
+                <a:latin typeface="Menlo" charset="0"/>
+              </a:rPr>
+              <a:t>  </a:t>
+            </a:r>
+            <a:r>
+              <a:rPr lang="mr-IN" dirty="0">
+                <a:latin typeface="Menlo" charset="0"/>
+              </a:rPr>
+              <a:t>"</a:t>
+            </a:r>
+            <a:r>
+              <a:rPr lang="mr-IN" dirty="0" err="1">
+                <a:latin typeface="Menlo" charset="0"/>
+              </a:rPr>
+              <a:t>type</a:t>
+            </a:r>
+            <a:r>
+              <a:rPr lang="mr-IN" dirty="0">
+                <a:latin typeface="Menlo" charset="0"/>
+              </a:rPr>
+              <a:t>": </a:t>
+            </a:r>
+            <a:r>
+              <a:rPr lang="mr-IN" dirty="0" smtClean="0">
+                <a:latin typeface="Menlo" charset="0"/>
+              </a:rPr>
+              <a:t>"</a:t>
+            </a:r>
+            <a:r>
+              <a:rPr lang="en-US" dirty="0" smtClean="0">
+                <a:latin typeface="Menlo" charset="0"/>
+              </a:rPr>
+              <a:t>object</a:t>
+            </a:r>
+            <a:r>
+              <a:rPr lang="mr-IN" dirty="0" smtClean="0">
+                <a:latin typeface="Menlo" charset="0"/>
+              </a:rPr>
+              <a:t>"</a:t>
+            </a:r>
+            <a:endParaRPr lang="mr-IN" dirty="0">
+              <a:latin typeface="Menlo" charset="0"/>
+            </a:endParaRPr>
+          </a:p>
+          <a:p>
+            <a:r>
+              <a:rPr lang="mr-IN" dirty="0">
+                <a:latin typeface="Menlo" charset="0"/>
+              </a:rPr>
+              <a:t>},</a:t>
+            </a:r>
+          </a:p>
+          <a:p>
+            <a:r>
+              <a:rPr lang="mr-IN" dirty="0">
+                <a:latin typeface="Menlo" charset="0"/>
+              </a:rPr>
+              <a:t>"</a:t>
+            </a:r>
+            <a:r>
+              <a:rPr lang="mr-IN" dirty="0" err="1">
+                <a:solidFill>
+                  <a:srgbClr val="FF0000"/>
+                </a:solidFill>
+                <a:latin typeface="Menlo" charset="0"/>
+              </a:rPr>
+              <a:t>includes</a:t>
+            </a:r>
+            <a:r>
+              <a:rPr lang="mr-IN" dirty="0">
+                <a:latin typeface="Menlo" charset="0"/>
+              </a:rPr>
+              <a:t>": {</a:t>
+            </a:r>
+          </a:p>
+          <a:p>
+            <a:r>
+              <a:rPr lang="en-US" dirty="0">
+                <a:latin typeface="Menlo" charset="0"/>
+              </a:rPr>
+              <a:t>  </a:t>
+            </a:r>
+            <a:r>
+              <a:rPr lang="mr-IN" dirty="0">
+                <a:latin typeface="Menlo" charset="0"/>
+              </a:rPr>
+              <a:t>"</a:t>
+            </a:r>
+            <a:r>
+              <a:rPr lang="mr-IN" dirty="0" err="1">
+                <a:latin typeface="Menlo" charset="0"/>
+              </a:rPr>
+              <a:t>type</a:t>
+            </a:r>
+            <a:r>
+              <a:rPr lang="mr-IN" dirty="0">
+                <a:latin typeface="Menlo" charset="0"/>
+              </a:rPr>
+              <a:t>": </a:t>
+            </a:r>
+            <a:r>
+              <a:rPr lang="mr-IN" dirty="0" smtClean="0">
+                <a:latin typeface="Menlo" charset="0"/>
+              </a:rPr>
+              <a:t>"</a:t>
+            </a:r>
+            <a:r>
+              <a:rPr lang="en-US" dirty="0" smtClean="0">
+                <a:latin typeface="Menlo" charset="0"/>
+              </a:rPr>
+              <a:t>array</a:t>
+            </a:r>
+            <a:r>
+              <a:rPr lang="mr-IN" dirty="0" smtClean="0">
+                <a:latin typeface="Menlo" charset="0"/>
+              </a:rPr>
+              <a:t>"</a:t>
+            </a:r>
+            <a:endParaRPr lang="mr-IN" dirty="0">
+              <a:latin typeface="Menlo" charset="0"/>
+            </a:endParaRPr>
+          </a:p>
+          <a:p>
+            <a:r>
+              <a:rPr lang="mr-IN" dirty="0">
+                <a:latin typeface="Menlo" charset="0"/>
+              </a:rPr>
+              <a:t>},</a:t>
+            </a:r>
           </a:p>
         </p:txBody>
       </p:sp>
@@ -9347,7 +10645,7 @@
           <p:cNvPr id="2" name="Title 1">
             <a:extLst>
               <a:ext uri="{FF2B5EF4-FFF2-40B4-BE49-F238E27FC236}">
-                <a16:creationId xmlns:a16="http://schemas.microsoft.com/office/drawing/2014/main" id="{D549081A-EA8B-4746-96C9-75A71DFF8FB4}"/>
+                <a16:creationId xmlns:a16="http://schemas.microsoft.com/office/drawing/2014/main" xmlns="" id="{D549081A-EA8B-4746-96C9-75A71DFF8FB4}"/>
               </a:ext>
             </a:extLst>
           </p:cNvPr>
@@ -9375,7 +10673,7 @@
           <p:cNvPr id="3" name="Content Placeholder 2">
             <a:extLst>
               <a:ext uri="{FF2B5EF4-FFF2-40B4-BE49-F238E27FC236}">
-                <a16:creationId xmlns:a16="http://schemas.microsoft.com/office/drawing/2014/main" id="{DCACBC9F-CF95-6D43-88DA-47B02495AD27}"/>
+                <a16:creationId xmlns:a16="http://schemas.microsoft.com/office/drawing/2014/main" xmlns="" id="{DCACBC9F-CF95-6D43-88DA-47B02495AD27}"/>
               </a:ext>
             </a:extLst>
           </p:cNvPr>
@@ -9469,7 +10767,7 @@
           <p:cNvPr id="2" name="Title 1">
             <a:extLst>
               <a:ext uri="{FF2B5EF4-FFF2-40B4-BE49-F238E27FC236}">
-                <a16:creationId xmlns:a16="http://schemas.microsoft.com/office/drawing/2014/main" id="{0A17F97D-CF29-1248-A799-ACA4F42DA52F}"/>
+                <a16:creationId xmlns:a16="http://schemas.microsoft.com/office/drawing/2014/main" xmlns="" id="{0A17F97D-CF29-1248-A799-ACA4F42DA52F}"/>
               </a:ext>
             </a:extLst>
           </p:cNvPr>
@@ -9492,9 +10790,10 @@
           <a:p>
             <a:pPr algn="r"/>
             <a:r>
-              <a:rPr lang="en-US" dirty="0"/>
-              <a:t>Thing Definition Language</a:t>
-            </a:r>
+              <a:rPr lang="en-US" dirty="0" smtClean="0"/>
+              <a:t>Simple Definition Format</a:t>
+            </a:r>
+            <a:endParaRPr lang="en-US" dirty="0"/>
           </a:p>
         </p:txBody>
       </p:sp>
@@ -9503,7 +10802,7 @@
           <p:cNvPr id="4" name="Rectangle 3">
             <a:extLst>
               <a:ext uri="{FF2B5EF4-FFF2-40B4-BE49-F238E27FC236}">
-                <a16:creationId xmlns:a16="http://schemas.microsoft.com/office/drawing/2014/main" id="{7D9D60DE-CC07-864F-ADAE-4760E5791BB0}"/>
+                <a16:creationId xmlns:a16="http://schemas.microsoft.com/office/drawing/2014/main" xmlns="" id="{7D9D60DE-CC07-864F-ADAE-4760E5791BB0}"/>
               </a:ext>
             </a:extLst>
           </p:cNvPr>
